--- a/_figures/203-zufallsvariable-messen.pptx
+++ b/_figures/203-zufallsvariable-messen.pptx
@@ -1864,7 +1864,7 @@
           <a:p>
             <a:fld id="{2B41A6A7-50F4-463B-910E-CFAB06BEAEBD}" type="datetimeFigureOut">
               <a:rPr lang="de-DE" smtClean="0"/>
-              <a:t>30.10.2022</a:t>
+              <a:t>05.11.2024</a:t>
             </a:fld>
             <a:endParaRPr lang="de-DE"/>
           </a:p>
@@ -2034,7 +2034,7 @@
           <a:p>
             <a:fld id="{2B41A6A7-50F4-463B-910E-CFAB06BEAEBD}" type="datetimeFigureOut">
               <a:rPr lang="de-DE" smtClean="0"/>
-              <a:t>30.10.2022</a:t>
+              <a:t>05.11.2024</a:t>
             </a:fld>
             <a:endParaRPr lang="de-DE"/>
           </a:p>
@@ -2214,7 +2214,7 @@
           <a:p>
             <a:fld id="{2B41A6A7-50F4-463B-910E-CFAB06BEAEBD}" type="datetimeFigureOut">
               <a:rPr lang="de-DE" smtClean="0"/>
-              <a:t>30.10.2022</a:t>
+              <a:t>05.11.2024</a:t>
             </a:fld>
             <a:endParaRPr lang="de-DE"/>
           </a:p>
@@ -2384,7 +2384,7 @@
           <a:p>
             <a:fld id="{2B41A6A7-50F4-463B-910E-CFAB06BEAEBD}" type="datetimeFigureOut">
               <a:rPr lang="de-DE" smtClean="0"/>
-              <a:t>30.10.2022</a:t>
+              <a:t>05.11.2024</a:t>
             </a:fld>
             <a:endParaRPr lang="de-DE"/>
           </a:p>
@@ -2628,7 +2628,7 @@
           <a:p>
             <a:fld id="{2B41A6A7-50F4-463B-910E-CFAB06BEAEBD}" type="datetimeFigureOut">
               <a:rPr lang="de-DE" smtClean="0"/>
-              <a:t>30.10.2022</a:t>
+              <a:t>05.11.2024</a:t>
             </a:fld>
             <a:endParaRPr lang="de-DE"/>
           </a:p>
@@ -2860,7 +2860,7 @@
           <a:p>
             <a:fld id="{2B41A6A7-50F4-463B-910E-CFAB06BEAEBD}" type="datetimeFigureOut">
               <a:rPr lang="de-DE" smtClean="0"/>
-              <a:t>30.10.2022</a:t>
+              <a:t>05.11.2024</a:t>
             </a:fld>
             <a:endParaRPr lang="de-DE"/>
           </a:p>
@@ -3227,7 +3227,7 @@
           <a:p>
             <a:fld id="{2B41A6A7-50F4-463B-910E-CFAB06BEAEBD}" type="datetimeFigureOut">
               <a:rPr lang="de-DE" smtClean="0"/>
-              <a:t>30.10.2022</a:t>
+              <a:t>05.11.2024</a:t>
             </a:fld>
             <a:endParaRPr lang="de-DE"/>
           </a:p>
@@ -3345,7 +3345,7 @@
           <a:p>
             <a:fld id="{2B41A6A7-50F4-463B-910E-CFAB06BEAEBD}" type="datetimeFigureOut">
               <a:rPr lang="de-DE" smtClean="0"/>
-              <a:t>30.10.2022</a:t>
+              <a:t>05.11.2024</a:t>
             </a:fld>
             <a:endParaRPr lang="de-DE"/>
           </a:p>
@@ -3440,7 +3440,7 @@
           <a:p>
             <a:fld id="{2B41A6A7-50F4-463B-910E-CFAB06BEAEBD}" type="datetimeFigureOut">
               <a:rPr lang="de-DE" smtClean="0"/>
-              <a:t>30.10.2022</a:t>
+              <a:t>05.11.2024</a:t>
             </a:fld>
             <a:endParaRPr lang="de-DE"/>
           </a:p>
@@ -3717,7 +3717,7 @@
           <a:p>
             <a:fld id="{2B41A6A7-50F4-463B-910E-CFAB06BEAEBD}" type="datetimeFigureOut">
               <a:rPr lang="de-DE" smtClean="0"/>
-              <a:t>30.10.2022</a:t>
+              <a:t>05.11.2024</a:t>
             </a:fld>
             <a:endParaRPr lang="de-DE"/>
           </a:p>
@@ -3974,7 +3974,7 @@
           <a:p>
             <a:fld id="{2B41A6A7-50F4-463B-910E-CFAB06BEAEBD}" type="datetimeFigureOut">
               <a:rPr lang="de-DE" smtClean="0"/>
-              <a:t>30.10.2022</a:t>
+              <a:t>05.11.2024</a:t>
             </a:fld>
             <a:endParaRPr lang="de-DE"/>
           </a:p>
@@ -4187,7 +4187,7 @@
           <a:p>
             <a:fld id="{2B41A6A7-50F4-463B-910E-CFAB06BEAEBD}" type="datetimeFigureOut">
               <a:rPr lang="de-DE" smtClean="0"/>
-              <a:t>30.10.2022</a:t>
+              <a:t>05.11.2024</a:t>
             </a:fld>
             <a:endParaRPr lang="de-DE"/>
           </a:p>
@@ -4592,168 +4592,12 @@
           <a:chExt cx="0" cy="0"/>
         </a:xfrm>
       </p:grpSpPr>
-      <p:sp>
-        <p:nvSpPr>
-          <p:cNvPr id="11" name="Textfeld 10">
+      <p:grpSp>
+        <p:nvGrpSpPr>
+          <p:cNvPr id="8" name="Gruppieren 7">
             <a:extLst>
               <a:ext uri="{FF2B5EF4-FFF2-40B4-BE49-F238E27FC236}">
-                <a16:creationId xmlns:a16="http://schemas.microsoft.com/office/drawing/2014/main" id="{20AE1A5D-699A-459D-AD5F-192483947118}"/>
-              </a:ext>
-            </a:extLst>
-          </p:cNvPr>
-          <p:cNvSpPr txBox="1"/>
-          <p:nvPr/>
-        </p:nvSpPr>
-        <p:spPr>
-          <a:xfrm>
-            <a:off x="509056" y="312156"/>
-            <a:ext cx="1489510" cy="369332"/>
-          </a:xfrm>
-          <a:prstGeom prst="rect">
-            <a:avLst/>
-          </a:prstGeom>
-          <a:noFill/>
-        </p:spPr>
-        <p:txBody>
-          <a:bodyPr wrap="none" rtlCol="0">
-            <a:spAutoFit/>
-          </a:bodyPr>
-          <a:lstStyle/>
-          <a:p>
-            <a:r>
-              <a:rPr lang="de-DE" dirty="0">
-                <a:latin typeface="CMU Sans Serif" panose="02000603000000000000" pitchFamily="2" charset="0"/>
-                <a:ea typeface="CMU Sans Serif" panose="02000603000000000000" pitchFamily="2" charset="0"/>
-                <a:cs typeface="CMU Sans Serif" panose="02000603000000000000" pitchFamily="2" charset="0"/>
-              </a:rPr>
-              <a:t>Ergebnisraum</a:t>
-            </a:r>
-          </a:p>
-        </p:txBody>
-      </p:sp>
-      <p:sp>
-        <p:nvSpPr>
-          <p:cNvPr id="19" name="Textfeld 18">
-            <a:extLst>
-              <a:ext uri="{FF2B5EF4-FFF2-40B4-BE49-F238E27FC236}">
-                <a16:creationId xmlns:a16="http://schemas.microsoft.com/office/drawing/2014/main" id="{0C751F0E-6240-4B09-85BC-6AF3A27390E1}"/>
-              </a:ext>
-            </a:extLst>
-          </p:cNvPr>
-          <p:cNvSpPr txBox="1"/>
-          <p:nvPr/>
-        </p:nvSpPr>
-        <p:spPr>
-          <a:xfrm>
-            <a:off x="2910729" y="312156"/>
-            <a:ext cx="998991" cy="369332"/>
-          </a:xfrm>
-          <a:prstGeom prst="rect">
-            <a:avLst/>
-          </a:prstGeom>
-          <a:noFill/>
-        </p:spPr>
-        <p:txBody>
-          <a:bodyPr wrap="none" rtlCol="0">
-            <a:spAutoFit/>
-          </a:bodyPr>
-          <a:lstStyle/>
-          <a:p>
-            <a:r>
-              <a:rPr lang="de-DE" dirty="0">
-                <a:latin typeface="CMU Sans Serif" panose="02000603000000000000" pitchFamily="2" charset="0"/>
-                <a:ea typeface="CMU Sans Serif" panose="02000603000000000000" pitchFamily="2" charset="0"/>
-                <a:cs typeface="CMU Sans Serif" panose="02000603000000000000" pitchFamily="2" charset="0"/>
-              </a:rPr>
-              <a:t>Ergebnis</a:t>
-            </a:r>
-          </a:p>
-        </p:txBody>
-      </p:sp>
-      <p:sp>
-        <p:nvSpPr>
-          <p:cNvPr id="20" name="Textfeld 19">
-            <a:extLst>
-              <a:ext uri="{FF2B5EF4-FFF2-40B4-BE49-F238E27FC236}">
-                <a16:creationId xmlns:a16="http://schemas.microsoft.com/office/drawing/2014/main" id="{E7F57C2E-9F43-4DF8-BDA2-10C064B0AF9D}"/>
-              </a:ext>
-            </a:extLst>
-          </p:cNvPr>
-          <p:cNvSpPr txBox="1"/>
-          <p:nvPr/>
-        </p:nvSpPr>
-        <p:spPr>
-          <a:xfrm>
-            <a:off x="4555188" y="312156"/>
-            <a:ext cx="1558440" cy="369332"/>
-          </a:xfrm>
-          <a:prstGeom prst="rect">
-            <a:avLst/>
-          </a:prstGeom>
-          <a:noFill/>
-        </p:spPr>
-        <p:txBody>
-          <a:bodyPr wrap="none" rtlCol="0">
-            <a:spAutoFit/>
-          </a:bodyPr>
-          <a:lstStyle/>
-          <a:p>
-            <a:r>
-              <a:rPr lang="de-DE" dirty="0">
-                <a:latin typeface="CMU Sans Serif" panose="02000603000000000000" pitchFamily="2" charset="0"/>
-                <a:ea typeface="CMU Sans Serif" panose="02000603000000000000" pitchFamily="2" charset="0"/>
-                <a:cs typeface="CMU Sans Serif" panose="02000603000000000000" pitchFamily="2" charset="0"/>
-              </a:rPr>
-              <a:t>Zufallsvariable</a:t>
-            </a:r>
-          </a:p>
-        </p:txBody>
-      </p:sp>
-      <p:sp>
-        <p:nvSpPr>
-          <p:cNvPr id="21" name="Textfeld 20">
-            <a:extLst>
-              <a:ext uri="{FF2B5EF4-FFF2-40B4-BE49-F238E27FC236}">
-                <a16:creationId xmlns:a16="http://schemas.microsoft.com/office/drawing/2014/main" id="{E30CAA60-7C14-4451-AF16-986C607FA399}"/>
-              </a:ext>
-            </a:extLst>
-          </p:cNvPr>
-          <p:cNvSpPr txBox="1"/>
-          <p:nvPr/>
-        </p:nvSpPr>
-        <p:spPr>
-          <a:xfrm>
-            <a:off x="6632105" y="312156"/>
-            <a:ext cx="1409360" cy="369332"/>
-          </a:xfrm>
-          <a:prstGeom prst="rect">
-            <a:avLst/>
-          </a:prstGeom>
-          <a:noFill/>
-        </p:spPr>
-        <p:txBody>
-          <a:bodyPr wrap="none" rtlCol="0">
-            <a:spAutoFit/>
-          </a:bodyPr>
-          <a:lstStyle/>
-          <a:p>
-            <a:r>
-              <a:rPr lang="de-DE" dirty="0">
-                <a:latin typeface="CMU Sans Serif" panose="02000603000000000000" pitchFamily="2" charset="0"/>
-                <a:ea typeface="CMU Sans Serif" panose="02000603000000000000" pitchFamily="2" charset="0"/>
-                <a:cs typeface="CMU Sans Serif" panose="02000603000000000000" pitchFamily="2" charset="0"/>
-              </a:rPr>
-              <a:t>Realisierung </a:t>
-            </a:r>
-          </a:p>
-        </p:txBody>
-      </p:sp>
-      <p:grpSp>
-        <p:nvGrpSpPr>
-          <p:cNvPr id="17" name="Gruppieren 16">
-            <a:extLst>
-              <a:ext uri="{FF2B5EF4-FFF2-40B4-BE49-F238E27FC236}">
-                <a16:creationId xmlns:a16="http://schemas.microsoft.com/office/drawing/2014/main" id="{35B86246-E4B1-4FB1-9E69-CFDC2FB2EB49}"/>
+                <a16:creationId xmlns:a16="http://schemas.microsoft.com/office/drawing/2014/main" id="{2C321318-4BF3-4A29-F6A6-F640BF3F3F8C}"/>
               </a:ext>
             </a:extLst>
           </p:cNvPr>
@@ -4762,14 +4606,170 @@
         </p:nvGrpSpPr>
         <p:grpSpPr>
           <a:xfrm>
-            <a:off x="424745" y="827817"/>
-            <a:ext cx="7284899" cy="1357927"/>
-            <a:chOff x="356260" y="710364"/>
-            <a:chExt cx="7284899" cy="1357927"/>
+            <a:off x="424745" y="391668"/>
+            <a:ext cx="7616720" cy="7030443"/>
+            <a:chOff x="424745" y="312156"/>
+            <a:chExt cx="7616720" cy="7030443"/>
           </a:xfrm>
         </p:grpSpPr>
-        <mc:AlternateContent xmlns:mc="http://schemas.openxmlformats.org/markup-compatibility/2006" xmlns:a14="http://schemas.microsoft.com/office/drawing/2010/main">
-          <mc:Choice Requires="a14">
+        <p:sp>
+          <p:nvSpPr>
+            <p:cNvPr id="11" name="Textfeld 10">
+              <a:extLst>
+                <a:ext uri="{FF2B5EF4-FFF2-40B4-BE49-F238E27FC236}">
+                  <a16:creationId xmlns:a16="http://schemas.microsoft.com/office/drawing/2014/main" id="{20AE1A5D-699A-459D-AD5F-192483947118}"/>
+                </a:ext>
+              </a:extLst>
+            </p:cNvPr>
+            <p:cNvSpPr txBox="1"/>
+            <p:nvPr/>
+          </p:nvSpPr>
+          <p:spPr>
+            <a:xfrm>
+              <a:off x="509056" y="312156"/>
+              <a:ext cx="1489510" cy="369332"/>
+            </a:xfrm>
+            <a:prstGeom prst="rect">
+              <a:avLst/>
+            </a:prstGeom>
+            <a:noFill/>
+          </p:spPr>
+          <p:txBody>
+            <a:bodyPr wrap="none" rtlCol="0">
+              <a:spAutoFit/>
+            </a:bodyPr>
+            <a:lstStyle/>
+            <a:p>
+              <a:r>
+                <a:rPr lang="de-DE" dirty="0">
+                  <a:latin typeface="CMU Sans Serif" panose="02000603000000000000" pitchFamily="2" charset="0"/>
+                  <a:ea typeface="CMU Sans Serif" panose="02000603000000000000" pitchFamily="2" charset="0"/>
+                  <a:cs typeface="CMU Sans Serif" panose="02000603000000000000" pitchFamily="2" charset="0"/>
+                </a:rPr>
+                <a:t>Ergebnisraum</a:t>
+              </a:r>
+            </a:p>
+          </p:txBody>
+        </p:sp>
+        <p:sp>
+          <p:nvSpPr>
+            <p:cNvPr id="19" name="Textfeld 18">
+              <a:extLst>
+                <a:ext uri="{FF2B5EF4-FFF2-40B4-BE49-F238E27FC236}">
+                  <a16:creationId xmlns:a16="http://schemas.microsoft.com/office/drawing/2014/main" id="{0C751F0E-6240-4B09-85BC-6AF3A27390E1}"/>
+                </a:ext>
+              </a:extLst>
+            </p:cNvPr>
+            <p:cNvSpPr txBox="1"/>
+            <p:nvPr/>
+          </p:nvSpPr>
+          <p:spPr>
+            <a:xfrm>
+              <a:off x="2910729" y="312156"/>
+              <a:ext cx="998991" cy="369332"/>
+            </a:xfrm>
+            <a:prstGeom prst="rect">
+              <a:avLst/>
+            </a:prstGeom>
+            <a:noFill/>
+          </p:spPr>
+          <p:txBody>
+            <a:bodyPr wrap="none" rtlCol="0">
+              <a:spAutoFit/>
+            </a:bodyPr>
+            <a:lstStyle/>
+            <a:p>
+              <a:r>
+                <a:rPr lang="de-DE" dirty="0">
+                  <a:latin typeface="CMU Sans Serif" panose="02000603000000000000" pitchFamily="2" charset="0"/>
+                  <a:ea typeface="CMU Sans Serif" panose="02000603000000000000" pitchFamily="2" charset="0"/>
+                  <a:cs typeface="CMU Sans Serif" panose="02000603000000000000" pitchFamily="2" charset="0"/>
+                </a:rPr>
+                <a:t>Ergebnis</a:t>
+              </a:r>
+            </a:p>
+          </p:txBody>
+        </p:sp>
+        <p:sp>
+          <p:nvSpPr>
+            <p:cNvPr id="20" name="Textfeld 19">
+              <a:extLst>
+                <a:ext uri="{FF2B5EF4-FFF2-40B4-BE49-F238E27FC236}">
+                  <a16:creationId xmlns:a16="http://schemas.microsoft.com/office/drawing/2014/main" id="{E7F57C2E-9F43-4DF8-BDA2-10C064B0AF9D}"/>
+                </a:ext>
+              </a:extLst>
+            </p:cNvPr>
+            <p:cNvSpPr txBox="1"/>
+            <p:nvPr/>
+          </p:nvSpPr>
+          <p:spPr>
+            <a:xfrm>
+              <a:off x="4555188" y="312156"/>
+              <a:ext cx="1558440" cy="369332"/>
+            </a:xfrm>
+            <a:prstGeom prst="rect">
+              <a:avLst/>
+            </a:prstGeom>
+            <a:noFill/>
+          </p:spPr>
+          <p:txBody>
+            <a:bodyPr wrap="none" rtlCol="0">
+              <a:spAutoFit/>
+            </a:bodyPr>
+            <a:lstStyle/>
+            <a:p>
+              <a:r>
+                <a:rPr lang="de-DE" dirty="0">
+                  <a:latin typeface="CMU Sans Serif" panose="02000603000000000000" pitchFamily="2" charset="0"/>
+                  <a:ea typeface="CMU Sans Serif" panose="02000603000000000000" pitchFamily="2" charset="0"/>
+                  <a:cs typeface="CMU Sans Serif" panose="02000603000000000000" pitchFamily="2" charset="0"/>
+                </a:rPr>
+                <a:t>Zufallsvariable</a:t>
+              </a:r>
+            </a:p>
+          </p:txBody>
+        </p:sp>
+        <p:sp>
+          <p:nvSpPr>
+            <p:cNvPr id="21" name="Textfeld 20">
+              <a:extLst>
+                <a:ext uri="{FF2B5EF4-FFF2-40B4-BE49-F238E27FC236}">
+                  <a16:creationId xmlns:a16="http://schemas.microsoft.com/office/drawing/2014/main" id="{E30CAA60-7C14-4451-AF16-986C607FA399}"/>
+                </a:ext>
+              </a:extLst>
+            </p:cNvPr>
+            <p:cNvSpPr txBox="1"/>
+            <p:nvPr/>
+          </p:nvSpPr>
+          <p:spPr>
+            <a:xfrm>
+              <a:off x="6632105" y="312156"/>
+              <a:ext cx="1409360" cy="369332"/>
+            </a:xfrm>
+            <a:prstGeom prst="rect">
+              <a:avLst/>
+            </a:prstGeom>
+            <a:noFill/>
+          </p:spPr>
+          <p:txBody>
+            <a:bodyPr wrap="none" rtlCol="0">
+              <a:spAutoFit/>
+            </a:bodyPr>
+            <a:lstStyle/>
+            <a:p>
+              <a:r>
+                <a:rPr lang="de-DE" dirty="0">
+                  <a:latin typeface="CMU Sans Serif" panose="02000603000000000000" pitchFamily="2" charset="0"/>
+                  <a:ea typeface="CMU Sans Serif" panose="02000603000000000000" pitchFamily="2" charset="0"/>
+                  <a:cs typeface="CMU Sans Serif" panose="02000603000000000000" pitchFamily="2" charset="0"/>
+                </a:rPr>
+                <a:t>Realisierung </a:t>
+              </a:r>
+            </a:p>
+          </p:txBody>
+        </p:sp>
+        <mc:AlternateContent xmlns:mc="http://schemas.openxmlformats.org/markup-compatibility/2006">
+          <mc:Choice xmlns:a14="http://schemas.microsoft.com/office/drawing/2010/main" Requires="a14">
             <p:sp>
               <p:nvSpPr>
                 <p:cNvPr id="4" name="Textfeld 3">
@@ -4784,7 +4784,7 @@
               </p:nvSpPr>
               <p:spPr>
                 <a:xfrm>
-                  <a:off x="3047379" y="738074"/>
+                  <a:off x="3115864" y="855527"/>
                   <a:ext cx="678327" cy="276999"/>
                 </a:xfrm>
                 <a:prstGeom prst="rect">
@@ -4838,7 +4838,7 @@
               </p:txBody>
             </p:sp>
           </mc:Choice>
-          <mc:Fallback xmlns="">
+          <mc:Fallback>
             <p:sp>
               <p:nvSpPr>
                 <p:cNvPr id="4" name="Textfeld 3">
@@ -4855,7 +4855,7 @@
               </p:nvSpPr>
               <p:spPr>
                 <a:xfrm>
-                  <a:off x="3047379" y="738074"/>
+                  <a:off x="3115864" y="855527"/>
                   <a:ext cx="678327" cy="276999"/>
                 </a:xfrm>
                 <a:prstGeom prst="rect">
@@ -4883,8 +4883,8 @@
             </p:sp>
           </mc:Fallback>
         </mc:AlternateContent>
-        <mc:AlternateContent xmlns:mc="http://schemas.openxmlformats.org/markup-compatibility/2006" xmlns:a14="http://schemas.microsoft.com/office/drawing/2010/main">
-          <mc:Choice Requires="a14">
+        <mc:AlternateContent xmlns:mc="http://schemas.openxmlformats.org/markup-compatibility/2006">
+          <mc:Choice xmlns:a14="http://schemas.microsoft.com/office/drawing/2010/main" Requires="a14">
             <p:sp>
               <p:nvSpPr>
                 <p:cNvPr id="25" name="Textfeld 24">
@@ -4899,7 +4899,7 @@
               </p:nvSpPr>
               <p:spPr>
                 <a:xfrm>
-                  <a:off x="5126462" y="738074"/>
+                  <a:off x="5194947" y="855527"/>
                   <a:ext cx="278923" cy="276999"/>
                 </a:xfrm>
                 <a:prstGeom prst="rect">
@@ -4938,7 +4938,7 @@
               </p:txBody>
             </p:sp>
           </mc:Choice>
-          <mc:Fallback xmlns="">
+          <mc:Fallback>
             <p:sp>
               <p:nvSpPr>
                 <p:cNvPr id="25" name="Textfeld 24">
@@ -4955,7 +4955,7 @@
               </p:nvSpPr>
               <p:spPr>
                 <a:xfrm>
-                  <a:off x="5126462" y="738074"/>
+                  <a:off x="5194947" y="855527"/>
                   <a:ext cx="278923" cy="276999"/>
                 </a:xfrm>
                 <a:prstGeom prst="rect">
@@ -4999,7 +4999,7 @@
               </p:nvSpPr>
               <p:spPr>
                 <a:xfrm>
-                  <a:off x="7013238" y="738074"/>
+                  <a:off x="7081723" y="855527"/>
                   <a:ext cx="560730" cy="276999"/>
                 </a:xfrm>
                 <a:prstGeom prst="rect">
@@ -5073,7 +5073,7 @@
               </p:nvSpPr>
               <p:spPr>
                 <a:xfrm>
-                  <a:off x="7013238" y="738074"/>
+                  <a:off x="7081723" y="855527"/>
                   <a:ext cx="560730" cy="276999"/>
                 </a:xfrm>
                 <a:prstGeom prst="rect">
@@ -5103,10 +5103,10 @@
         </mc:AlternateContent>
         <p:grpSp>
           <p:nvGrpSpPr>
-            <p:cNvPr id="15" name="Gruppieren 14">
+            <p:cNvPr id="6" name="Gruppieren 5">
               <a:extLst>
                 <a:ext uri="{FF2B5EF4-FFF2-40B4-BE49-F238E27FC236}">
-                  <a16:creationId xmlns:a16="http://schemas.microsoft.com/office/drawing/2014/main" id="{63E1FE98-23B3-4537-85F1-DFBB733EC57D}"/>
+                  <a16:creationId xmlns:a16="http://schemas.microsoft.com/office/drawing/2014/main" id="{CEFCD3CA-407F-4380-AA5D-DDA612EC88B8}"/>
                 </a:ext>
               </a:extLst>
             </p:cNvPr>
@@ -5115,18 +5115,78 @@
           </p:nvGrpSpPr>
           <p:grpSpPr>
             <a:xfrm>
-              <a:off x="356260" y="1108635"/>
-              <a:ext cx="7284899" cy="959656"/>
-              <a:chOff x="356260" y="1108635"/>
-              <a:chExt cx="7284899" cy="959656"/>
+              <a:off x="424745" y="1226088"/>
+              <a:ext cx="1585356" cy="959656"/>
+              <a:chOff x="356260" y="1027216"/>
+              <a:chExt cx="1585356" cy="959656"/>
             </a:xfrm>
           </p:grpSpPr>
+          <p:sp>
+            <p:nvSpPr>
+              <p:cNvPr id="2" name="Ellipse 1">
+                <a:extLst>
+                  <a:ext uri="{FF2B5EF4-FFF2-40B4-BE49-F238E27FC236}">
+                    <a16:creationId xmlns:a16="http://schemas.microsoft.com/office/drawing/2014/main" id="{4D99D81B-25EB-4401-A1EC-A2D1564F7640}"/>
+                  </a:ext>
+                </a:extLst>
+              </p:cNvPr>
+              <p:cNvSpPr/>
+              <p:nvPr/>
+            </p:nvSpPr>
+            <p:spPr>
+              <a:xfrm>
+                <a:off x="356260" y="1027216"/>
+                <a:ext cx="1585356" cy="919196"/>
+              </a:xfrm>
+              <a:prstGeom prst="ellipse">
+                <a:avLst/>
+              </a:prstGeom>
+              <a:solidFill>
+                <a:schemeClr val="bg1">
+                  <a:lumMod val="95000"/>
+                </a:schemeClr>
+              </a:solidFill>
+              <a:ln>
+                <a:solidFill>
+                  <a:schemeClr val="bg1"/>
+                </a:solidFill>
+              </a:ln>
+            </p:spPr>
+            <p:style>
+              <a:lnRef idx="2">
+                <a:schemeClr val="accent1">
+                  <a:shade val="50000"/>
+                </a:schemeClr>
+              </a:lnRef>
+              <a:fillRef idx="1">
+                <a:schemeClr val="accent1"/>
+              </a:fillRef>
+              <a:effectRef idx="0">
+                <a:schemeClr val="accent1"/>
+              </a:effectRef>
+              <a:fontRef idx="minor">
+                <a:schemeClr val="lt1"/>
+              </a:fontRef>
+            </p:style>
+            <p:txBody>
+              <a:bodyPr rtlCol="0" anchor="ctr"/>
+              <a:lstStyle/>
+              <a:p>
+                <a:pPr algn="ctr"/>
+                <a:endParaRPr lang="de-DE">
+                  <a:latin typeface="CMU Sans Serif" panose="02000603000000000000" pitchFamily="2" charset="0"/>
+                  <a:ea typeface="CMU Sans Serif" panose="02000603000000000000" pitchFamily="2" charset="0"/>
+                  <a:cs typeface="CMU Sans Serif" panose="02000603000000000000" pitchFamily="2" charset="0"/>
+                </a:endParaRPr>
+              </a:p>
+            </p:txBody>
+          </p:sp>
           <p:grpSp>
             <p:nvGrpSpPr>
-              <p:cNvPr id="6" name="Gruppieren 5">
+              <p:cNvPr id="5" name="Gruppieren 4">
                 <a:extLst>
                   <a:ext uri="{FF2B5EF4-FFF2-40B4-BE49-F238E27FC236}">
-                    <a16:creationId xmlns:a16="http://schemas.microsoft.com/office/drawing/2014/main" id="{CEFCD3CA-407F-4380-AA5D-DDA612EC88B8}"/>
+                    <a16:creationId xmlns:a16="http://schemas.microsoft.com/office/drawing/2014/main" id="{0CC042F0-88D3-4E79-9A6A-02FE933B4AF9}"/>
                   </a:ext>
                 </a:extLst>
               </p:cNvPr>
@@ -5135,65 +5195,50 @@
             </p:nvGrpSpPr>
             <p:grpSpPr>
               <a:xfrm>
-                <a:off x="356260" y="1108635"/>
-                <a:ext cx="1585356" cy="959656"/>
-                <a:chOff x="356260" y="1027216"/>
-                <a:chExt cx="1585356" cy="959656"/>
+                <a:off x="480116" y="1065757"/>
+                <a:ext cx="1337644" cy="921115"/>
+                <a:chOff x="488487" y="1060859"/>
+                <a:chExt cx="1337644" cy="921115"/>
               </a:xfrm>
             </p:grpSpPr>
             <p:sp>
               <p:nvSpPr>
-                <p:cNvPr id="2" name="Ellipse 1">
+                <p:cNvPr id="3" name="Textfeld 2">
                   <a:extLst>
                     <a:ext uri="{FF2B5EF4-FFF2-40B4-BE49-F238E27FC236}">
-                      <a16:creationId xmlns:a16="http://schemas.microsoft.com/office/drawing/2014/main" id="{4D99D81B-25EB-4401-A1EC-A2D1564F7640}"/>
+                      <a16:creationId xmlns:a16="http://schemas.microsoft.com/office/drawing/2014/main" id="{48955DDC-B2AF-40E5-BB26-AB26306EFE13}"/>
                     </a:ext>
                   </a:extLst>
                 </p:cNvPr>
-                <p:cNvSpPr/>
+                <p:cNvSpPr txBox="1"/>
                 <p:nvPr/>
               </p:nvSpPr>
               <p:spPr>
                 <a:xfrm>
-                  <a:off x="356260" y="1027216"/>
-                  <a:ext cx="1585356" cy="919196"/>
+                  <a:off x="496186" y="1181594"/>
+                  <a:ext cx="378630" cy="369332"/>
                 </a:xfrm>
-                <a:prstGeom prst="ellipse">
+                <a:prstGeom prst="rect">
                   <a:avLst/>
                 </a:prstGeom>
-                <a:solidFill>
-                  <a:schemeClr val="bg1">
-                    <a:lumMod val="95000"/>
-                  </a:schemeClr>
-                </a:solidFill>
-                <a:ln>
-                  <a:solidFill>
-                    <a:schemeClr val="bg1"/>
-                  </a:solidFill>
-                </a:ln>
+                <a:noFill/>
               </p:spPr>
-              <p:style>
-                <a:lnRef idx="2">
-                  <a:schemeClr val="accent1">
-                    <a:shade val="50000"/>
-                  </a:schemeClr>
-                </a:lnRef>
-                <a:fillRef idx="1">
-                  <a:schemeClr val="accent1"/>
-                </a:fillRef>
-                <a:effectRef idx="0">
-                  <a:schemeClr val="accent1"/>
-                </a:effectRef>
-                <a:fontRef idx="minor">
-                  <a:schemeClr val="lt1"/>
-                </a:fontRef>
-              </p:style>
               <p:txBody>
-                <a:bodyPr rtlCol="0" anchor="ctr"/>
+                <a:bodyPr wrap="none" rtlCol="0">
+                  <a:spAutoFit/>
+                </a:bodyPr>
                 <a:lstStyle/>
                 <a:p>
-                  <a:pPr algn="ctr"/>
-                  <a:endParaRPr lang="de-DE">
+                  <a:r>
+                    <a:rPr lang="de-DE" dirty="0">
+                      <a:latin typeface="CMU Sans Serif" panose="02000603000000000000" pitchFamily="2" charset="0"/>
+                      <a:ea typeface="CMU Sans Serif" panose="02000603000000000000" pitchFamily="2" charset="0"/>
+                      <a:cs typeface="CMU Sans Serif" panose="02000603000000000000" pitchFamily="2" charset="0"/>
+                      <a:sym typeface="Wingdings" panose="05000000000000000000" pitchFamily="2" charset="2"/>
+                    </a:rPr>
+                    <a:t></a:t>
+                  </a:r>
+                  <a:endParaRPr lang="de-DE" dirty="0">
                     <a:latin typeface="CMU Sans Serif" panose="02000603000000000000" pitchFamily="2" charset="0"/>
                     <a:ea typeface="CMU Sans Serif" panose="02000603000000000000" pitchFamily="2" charset="0"/>
                     <a:cs typeface="CMU Sans Serif" panose="02000603000000000000" pitchFamily="2" charset="0"/>
@@ -5201,217 +5246,138 @@
                 </a:p>
               </p:txBody>
             </p:sp>
-            <p:grpSp>
-              <p:nvGrpSpPr>
-                <p:cNvPr id="5" name="Gruppieren 4">
+            <p:sp>
+              <p:nvSpPr>
+                <p:cNvPr id="32" name="Textfeld 31">
                   <a:extLst>
                     <a:ext uri="{FF2B5EF4-FFF2-40B4-BE49-F238E27FC236}">
-                      <a16:creationId xmlns:a16="http://schemas.microsoft.com/office/drawing/2014/main" id="{0CC042F0-88D3-4E79-9A6A-02FE933B4AF9}"/>
+                      <a16:creationId xmlns:a16="http://schemas.microsoft.com/office/drawing/2014/main" id="{5D1CEF29-873F-44CA-8341-C46B2F6C9C38}"/>
                     </a:ext>
                   </a:extLst>
                 </p:cNvPr>
-                <p:cNvGrpSpPr/>
+                <p:cNvSpPr txBox="1"/>
                 <p:nvPr/>
-              </p:nvGrpSpPr>
-              <p:grpSpPr>
+              </p:nvSpPr>
+              <p:spPr>
                 <a:xfrm>
-                  <a:off x="480116" y="1065757"/>
-                  <a:ext cx="1337644" cy="921115"/>
-                  <a:chOff x="488487" y="1060859"/>
-                  <a:chExt cx="1337644" cy="921115"/>
+                  <a:off x="921719" y="1060859"/>
+                  <a:ext cx="378630" cy="369332"/>
                 </a:xfrm>
-              </p:grpSpPr>
-              <p:sp>
-                <p:nvSpPr>
-                  <p:cNvPr id="3" name="Textfeld 2">
-                    <a:extLst>
-                      <a:ext uri="{FF2B5EF4-FFF2-40B4-BE49-F238E27FC236}">
-                        <a16:creationId xmlns:a16="http://schemas.microsoft.com/office/drawing/2014/main" id="{48955DDC-B2AF-40E5-BB26-AB26306EFE13}"/>
-                      </a:ext>
-                    </a:extLst>
-                  </p:cNvPr>
-                  <p:cNvSpPr txBox="1"/>
-                  <p:nvPr/>
-                </p:nvSpPr>
-                <p:spPr>
-                  <a:xfrm>
-                    <a:off x="496186" y="1181594"/>
-                    <a:ext cx="378630" cy="369332"/>
-                  </a:xfrm>
-                  <a:prstGeom prst="rect">
-                    <a:avLst/>
-                  </a:prstGeom>
-                  <a:noFill/>
-                </p:spPr>
-                <p:txBody>
-                  <a:bodyPr wrap="none" rtlCol="0">
-                    <a:spAutoFit/>
-                  </a:bodyPr>
-                  <a:lstStyle/>
-                  <a:p>
-                    <a:r>
-                      <a:rPr lang="de-DE" dirty="0">
-                        <a:latin typeface="CMU Sans Serif" panose="02000603000000000000" pitchFamily="2" charset="0"/>
-                        <a:ea typeface="CMU Sans Serif" panose="02000603000000000000" pitchFamily="2" charset="0"/>
-                        <a:cs typeface="CMU Sans Serif" panose="02000603000000000000" pitchFamily="2" charset="0"/>
-                        <a:sym typeface="Wingdings" panose="05000000000000000000" pitchFamily="2" charset="2"/>
-                      </a:rPr>
-                      <a:t></a:t>
-                    </a:r>
-                    <a:endParaRPr lang="de-DE" dirty="0">
-                      <a:latin typeface="CMU Sans Serif" panose="02000603000000000000" pitchFamily="2" charset="0"/>
-                      <a:ea typeface="CMU Sans Serif" panose="02000603000000000000" pitchFamily="2" charset="0"/>
-                      <a:cs typeface="CMU Sans Serif" panose="02000603000000000000" pitchFamily="2" charset="0"/>
-                    </a:endParaRPr>
-                  </a:p>
-                </p:txBody>
-              </p:sp>
-              <p:sp>
-                <p:nvSpPr>
-                  <p:cNvPr id="32" name="Textfeld 31">
-                    <a:extLst>
-                      <a:ext uri="{FF2B5EF4-FFF2-40B4-BE49-F238E27FC236}">
-                        <a16:creationId xmlns:a16="http://schemas.microsoft.com/office/drawing/2014/main" id="{5D1CEF29-873F-44CA-8341-C46B2F6C9C38}"/>
-                      </a:ext>
-                    </a:extLst>
-                  </p:cNvPr>
-                  <p:cNvSpPr txBox="1"/>
-                  <p:nvPr/>
-                </p:nvSpPr>
-                <p:spPr>
-                  <a:xfrm>
-                    <a:off x="921719" y="1060859"/>
-                    <a:ext cx="378630" cy="369332"/>
-                  </a:xfrm>
-                  <a:prstGeom prst="rect">
-                    <a:avLst/>
-                  </a:prstGeom>
-                  <a:noFill/>
-                </p:spPr>
-                <p:txBody>
-                  <a:bodyPr wrap="none" rtlCol="0">
-                    <a:spAutoFit/>
-                  </a:bodyPr>
-                  <a:lstStyle/>
-                  <a:p>
-                    <a:r>
-                      <a:rPr lang="de-DE" dirty="0">
-                        <a:solidFill>
-                          <a:schemeClr val="accent2"/>
-                        </a:solidFill>
-                        <a:latin typeface="CMU Sans Serif" panose="02000603000000000000" pitchFamily="2" charset="0"/>
-                        <a:ea typeface="CMU Sans Serif" panose="02000603000000000000" pitchFamily="2" charset="0"/>
-                        <a:cs typeface="CMU Sans Serif" panose="02000603000000000000" pitchFamily="2" charset="0"/>
-                        <a:sym typeface="Wingdings" panose="05000000000000000000" pitchFamily="2" charset="2"/>
-                      </a:rPr>
-                      <a:t></a:t>
-                    </a:r>
-                    <a:endParaRPr lang="de-DE" dirty="0">
+                <a:prstGeom prst="rect">
+                  <a:avLst/>
+                </a:prstGeom>
+                <a:noFill/>
+              </p:spPr>
+              <p:txBody>
+                <a:bodyPr wrap="none" rtlCol="0">
+                  <a:spAutoFit/>
+                </a:bodyPr>
+                <a:lstStyle/>
+                <a:p>
+                  <a:r>
+                    <a:rPr lang="de-DE" dirty="0">
                       <a:solidFill>
                         <a:schemeClr val="accent2"/>
                       </a:solidFill>
                       <a:latin typeface="CMU Sans Serif" panose="02000603000000000000" pitchFamily="2" charset="0"/>
                       <a:ea typeface="CMU Sans Serif" panose="02000603000000000000" pitchFamily="2" charset="0"/>
                       <a:cs typeface="CMU Sans Serif" panose="02000603000000000000" pitchFamily="2" charset="0"/>
-                    </a:endParaRPr>
-                  </a:p>
-                </p:txBody>
-              </p:sp>
-              <p:sp>
-                <p:nvSpPr>
-                  <p:cNvPr id="33" name="Textfeld 32">
-                    <a:extLst>
-                      <a:ext uri="{FF2B5EF4-FFF2-40B4-BE49-F238E27FC236}">
-                        <a16:creationId xmlns:a16="http://schemas.microsoft.com/office/drawing/2014/main" id="{EDD7D6C5-94EE-4197-9E5A-085632E3225C}"/>
-                      </a:ext>
-                    </a:extLst>
-                  </p:cNvPr>
-                  <p:cNvSpPr txBox="1"/>
-                  <p:nvPr/>
-                </p:nvSpPr>
-                <p:spPr>
-                  <a:xfrm>
-                    <a:off x="800986" y="1522022"/>
-                    <a:ext cx="378630" cy="369332"/>
-                  </a:xfrm>
-                  <a:prstGeom prst="rect">
-                    <a:avLst/>
-                  </a:prstGeom>
-                  <a:noFill/>
-                </p:spPr>
-                <p:txBody>
-                  <a:bodyPr wrap="none" rtlCol="0">
-                    <a:spAutoFit/>
-                  </a:bodyPr>
-                  <a:lstStyle/>
-                  <a:p>
-                    <a:r>
-                      <a:rPr lang="de-DE" dirty="0">
-                        <a:solidFill>
-                          <a:srgbClr val="FF0000"/>
-                        </a:solidFill>
-                        <a:latin typeface="CMU Sans Serif" panose="02000603000000000000" pitchFamily="2" charset="0"/>
-                        <a:ea typeface="CMU Sans Serif" panose="02000603000000000000" pitchFamily="2" charset="0"/>
-                        <a:cs typeface="CMU Sans Serif" panose="02000603000000000000" pitchFamily="2" charset="0"/>
-                        <a:sym typeface="Wingdings" panose="05000000000000000000" pitchFamily="2" charset="2"/>
-                      </a:rPr>
-                      <a:t></a:t>
-                    </a:r>
-                    <a:endParaRPr lang="de-DE" dirty="0">
+                      <a:sym typeface="Wingdings" panose="05000000000000000000" pitchFamily="2" charset="2"/>
+                    </a:rPr>
+                    <a:t></a:t>
+                  </a:r>
+                  <a:endParaRPr lang="de-DE" dirty="0">
+                    <a:solidFill>
+                      <a:schemeClr val="accent2"/>
+                    </a:solidFill>
+                    <a:latin typeface="CMU Sans Serif" panose="02000603000000000000" pitchFamily="2" charset="0"/>
+                    <a:ea typeface="CMU Sans Serif" panose="02000603000000000000" pitchFamily="2" charset="0"/>
+                    <a:cs typeface="CMU Sans Serif" panose="02000603000000000000" pitchFamily="2" charset="0"/>
+                  </a:endParaRPr>
+                </a:p>
+              </p:txBody>
+            </p:sp>
+            <p:sp>
+              <p:nvSpPr>
+                <p:cNvPr id="33" name="Textfeld 32">
+                  <a:extLst>
+                    <a:ext uri="{FF2B5EF4-FFF2-40B4-BE49-F238E27FC236}">
+                      <a16:creationId xmlns:a16="http://schemas.microsoft.com/office/drawing/2014/main" id="{EDD7D6C5-94EE-4197-9E5A-085632E3225C}"/>
+                    </a:ext>
+                  </a:extLst>
+                </p:cNvPr>
+                <p:cNvSpPr txBox="1"/>
+                <p:nvPr/>
+              </p:nvSpPr>
+              <p:spPr>
+                <a:xfrm>
+                  <a:off x="800986" y="1522022"/>
+                  <a:ext cx="378630" cy="369332"/>
+                </a:xfrm>
+                <a:prstGeom prst="rect">
+                  <a:avLst/>
+                </a:prstGeom>
+                <a:noFill/>
+              </p:spPr>
+              <p:txBody>
+                <a:bodyPr wrap="none" rtlCol="0">
+                  <a:spAutoFit/>
+                </a:bodyPr>
+                <a:lstStyle/>
+                <a:p>
+                  <a:r>
+                    <a:rPr lang="de-DE" dirty="0">
                       <a:solidFill>
                         <a:srgbClr val="FF0000"/>
                       </a:solidFill>
                       <a:latin typeface="CMU Sans Serif" panose="02000603000000000000" pitchFamily="2" charset="0"/>
                       <a:ea typeface="CMU Sans Serif" panose="02000603000000000000" pitchFamily="2" charset="0"/>
                       <a:cs typeface="CMU Sans Serif" panose="02000603000000000000" pitchFamily="2" charset="0"/>
-                    </a:endParaRPr>
-                  </a:p>
-                </p:txBody>
-              </p:sp>
-              <p:sp>
-                <p:nvSpPr>
-                  <p:cNvPr id="35" name="Textfeld 34">
-                    <a:extLst>
-                      <a:ext uri="{FF2B5EF4-FFF2-40B4-BE49-F238E27FC236}">
-                        <a16:creationId xmlns:a16="http://schemas.microsoft.com/office/drawing/2014/main" id="{553B1AA4-914B-442A-B5B8-7C17AE4E418F}"/>
-                      </a:ext>
-                    </a:extLst>
-                  </p:cNvPr>
-                  <p:cNvSpPr txBox="1"/>
-                  <p:nvPr/>
-                </p:nvSpPr>
-                <p:spPr>
-                  <a:xfrm>
-                    <a:off x="1063360" y="1326286"/>
-                    <a:ext cx="378630" cy="369332"/>
-                  </a:xfrm>
-                  <a:prstGeom prst="rect">
-                    <a:avLst/>
-                  </a:prstGeom>
-                  <a:noFill/>
-                </p:spPr>
-                <p:txBody>
-                  <a:bodyPr wrap="none" rtlCol="0">
-                    <a:spAutoFit/>
-                  </a:bodyPr>
-                  <a:lstStyle/>
-                  <a:p>
-                    <a:r>
-                      <a:rPr lang="de-DE" dirty="0">
-                        <a:solidFill>
-                          <a:schemeClr val="accent6">
-                            <a:lumMod val="60000"/>
-                            <a:lumOff val="40000"/>
-                          </a:schemeClr>
-                        </a:solidFill>
-                        <a:latin typeface="CMU Sans Serif" panose="02000603000000000000" pitchFamily="2" charset="0"/>
-                        <a:ea typeface="CMU Sans Serif" panose="02000603000000000000" pitchFamily="2" charset="0"/>
-                        <a:cs typeface="CMU Sans Serif" panose="02000603000000000000" pitchFamily="2" charset="0"/>
-                        <a:sym typeface="Wingdings" panose="05000000000000000000" pitchFamily="2" charset="2"/>
-                      </a:rPr>
-                      <a:t></a:t>
-                    </a:r>
-                    <a:endParaRPr lang="de-DE" dirty="0">
+                      <a:sym typeface="Wingdings" panose="05000000000000000000" pitchFamily="2" charset="2"/>
+                    </a:rPr>
+                    <a:t></a:t>
+                  </a:r>
+                  <a:endParaRPr lang="de-DE" dirty="0">
+                    <a:solidFill>
+                      <a:srgbClr val="FF0000"/>
+                    </a:solidFill>
+                    <a:latin typeface="CMU Sans Serif" panose="02000603000000000000" pitchFamily="2" charset="0"/>
+                    <a:ea typeface="CMU Sans Serif" panose="02000603000000000000" pitchFamily="2" charset="0"/>
+                    <a:cs typeface="CMU Sans Serif" panose="02000603000000000000" pitchFamily="2" charset="0"/>
+                  </a:endParaRPr>
+                </a:p>
+              </p:txBody>
+            </p:sp>
+            <p:sp>
+              <p:nvSpPr>
+                <p:cNvPr id="35" name="Textfeld 34">
+                  <a:extLst>
+                    <a:ext uri="{FF2B5EF4-FFF2-40B4-BE49-F238E27FC236}">
+                      <a16:creationId xmlns:a16="http://schemas.microsoft.com/office/drawing/2014/main" id="{553B1AA4-914B-442A-B5B8-7C17AE4E418F}"/>
+                    </a:ext>
+                  </a:extLst>
+                </p:cNvPr>
+                <p:cNvSpPr txBox="1"/>
+                <p:nvPr/>
+              </p:nvSpPr>
+              <p:spPr>
+                <a:xfrm>
+                  <a:off x="1063360" y="1326286"/>
+                  <a:ext cx="378630" cy="369332"/>
+                </a:xfrm>
+                <a:prstGeom prst="rect">
+                  <a:avLst/>
+                </a:prstGeom>
+                <a:noFill/>
+              </p:spPr>
+              <p:txBody>
+                <a:bodyPr wrap="none" rtlCol="0">
+                  <a:spAutoFit/>
+                </a:bodyPr>
+                <a:lstStyle/>
+                <a:p>
+                  <a:r>
+                    <a:rPr lang="de-DE" dirty="0">
                       <a:solidFill>
                         <a:schemeClr val="accent6">
                           <a:lumMod val="60000"/>
@@ -5421,54 +5387,54 @@
                       <a:latin typeface="CMU Sans Serif" panose="02000603000000000000" pitchFamily="2" charset="0"/>
                       <a:ea typeface="CMU Sans Serif" panose="02000603000000000000" pitchFamily="2" charset="0"/>
                       <a:cs typeface="CMU Sans Serif" panose="02000603000000000000" pitchFamily="2" charset="0"/>
-                    </a:endParaRPr>
-                  </a:p>
-                </p:txBody>
-              </p:sp>
-              <p:sp>
-                <p:nvSpPr>
-                  <p:cNvPr id="36" name="Textfeld 35">
-                    <a:extLst>
-                      <a:ext uri="{FF2B5EF4-FFF2-40B4-BE49-F238E27FC236}">
-                        <a16:creationId xmlns:a16="http://schemas.microsoft.com/office/drawing/2014/main" id="{58467F11-971C-4F08-8414-A89CB7A56E66}"/>
-                      </a:ext>
-                    </a:extLst>
-                  </p:cNvPr>
-                  <p:cNvSpPr txBox="1"/>
-                  <p:nvPr/>
-                </p:nvSpPr>
-                <p:spPr>
-                  <a:xfrm>
-                    <a:off x="1057943" y="1612642"/>
-                    <a:ext cx="378630" cy="369332"/>
-                  </a:xfrm>
-                  <a:prstGeom prst="rect">
-                    <a:avLst/>
-                  </a:prstGeom>
-                  <a:noFill/>
-                </p:spPr>
-                <p:txBody>
-                  <a:bodyPr wrap="none" rtlCol="0">
-                    <a:spAutoFit/>
-                  </a:bodyPr>
-                  <a:lstStyle/>
-                  <a:p>
-                    <a:r>
-                      <a:rPr lang="de-DE" dirty="0">
-                        <a:solidFill>
-                          <a:schemeClr val="tx2">
-                            <a:lumMod val="60000"/>
-                            <a:lumOff val="40000"/>
-                          </a:schemeClr>
-                        </a:solidFill>
-                        <a:latin typeface="CMU Sans Serif" panose="02000603000000000000" pitchFamily="2" charset="0"/>
-                        <a:ea typeface="CMU Sans Serif" panose="02000603000000000000" pitchFamily="2" charset="0"/>
-                        <a:cs typeface="CMU Sans Serif" panose="02000603000000000000" pitchFamily="2" charset="0"/>
-                        <a:sym typeface="Wingdings" panose="05000000000000000000" pitchFamily="2" charset="2"/>
-                      </a:rPr>
-                      <a:t></a:t>
-                    </a:r>
-                    <a:endParaRPr lang="de-DE" dirty="0">
+                      <a:sym typeface="Wingdings" panose="05000000000000000000" pitchFamily="2" charset="2"/>
+                    </a:rPr>
+                    <a:t></a:t>
+                  </a:r>
+                  <a:endParaRPr lang="de-DE" dirty="0">
+                    <a:solidFill>
+                      <a:schemeClr val="accent6">
+                        <a:lumMod val="60000"/>
+                        <a:lumOff val="40000"/>
+                      </a:schemeClr>
+                    </a:solidFill>
+                    <a:latin typeface="CMU Sans Serif" panose="02000603000000000000" pitchFamily="2" charset="0"/>
+                    <a:ea typeface="CMU Sans Serif" panose="02000603000000000000" pitchFamily="2" charset="0"/>
+                    <a:cs typeface="CMU Sans Serif" panose="02000603000000000000" pitchFamily="2" charset="0"/>
+                  </a:endParaRPr>
+                </a:p>
+              </p:txBody>
+            </p:sp>
+            <p:sp>
+              <p:nvSpPr>
+                <p:cNvPr id="36" name="Textfeld 35">
+                  <a:extLst>
+                    <a:ext uri="{FF2B5EF4-FFF2-40B4-BE49-F238E27FC236}">
+                      <a16:creationId xmlns:a16="http://schemas.microsoft.com/office/drawing/2014/main" id="{58467F11-971C-4F08-8414-A89CB7A56E66}"/>
+                    </a:ext>
+                  </a:extLst>
+                </p:cNvPr>
+                <p:cNvSpPr txBox="1"/>
+                <p:nvPr/>
+              </p:nvSpPr>
+              <p:spPr>
+                <a:xfrm>
+                  <a:off x="1057943" y="1612642"/>
+                  <a:ext cx="378630" cy="369332"/>
+                </a:xfrm>
+                <a:prstGeom prst="rect">
+                  <a:avLst/>
+                </a:prstGeom>
+                <a:noFill/>
+              </p:spPr>
+              <p:txBody>
+                <a:bodyPr wrap="none" rtlCol="0">
+                  <a:spAutoFit/>
+                </a:bodyPr>
+                <a:lstStyle/>
+                <a:p>
+                  <a:r>
+                    <a:rPr lang="de-DE" dirty="0">
                       <a:solidFill>
                         <a:schemeClr val="tx2">
                           <a:lumMod val="60000"/>
@@ -5478,53 +5444,54 @@
                       <a:latin typeface="CMU Sans Serif" panose="02000603000000000000" pitchFamily="2" charset="0"/>
                       <a:ea typeface="CMU Sans Serif" panose="02000603000000000000" pitchFamily="2" charset="0"/>
                       <a:cs typeface="CMU Sans Serif" panose="02000603000000000000" pitchFamily="2" charset="0"/>
-                    </a:endParaRPr>
-                  </a:p>
-                </p:txBody>
-              </p:sp>
-              <p:sp>
-                <p:nvSpPr>
-                  <p:cNvPr id="38" name="Textfeld 37">
-                    <a:extLst>
-                      <a:ext uri="{FF2B5EF4-FFF2-40B4-BE49-F238E27FC236}">
-                        <a16:creationId xmlns:a16="http://schemas.microsoft.com/office/drawing/2014/main" id="{C09FB112-3106-4D45-A0F4-763014DE83FB}"/>
-                      </a:ext>
-                    </a:extLst>
-                  </p:cNvPr>
-                  <p:cNvSpPr txBox="1"/>
-                  <p:nvPr/>
-                </p:nvSpPr>
-                <p:spPr>
-                  <a:xfrm>
-                    <a:off x="1373671" y="1486394"/>
-                    <a:ext cx="378630" cy="369332"/>
-                  </a:xfrm>
-                  <a:prstGeom prst="rect">
-                    <a:avLst/>
-                  </a:prstGeom>
-                  <a:noFill/>
-                </p:spPr>
-                <p:txBody>
-                  <a:bodyPr wrap="none" rtlCol="0">
-                    <a:spAutoFit/>
-                  </a:bodyPr>
-                  <a:lstStyle/>
-                  <a:p>
-                    <a:r>
-                      <a:rPr lang="de-DE" dirty="0">
-                        <a:solidFill>
-                          <a:schemeClr val="accent4">
-                            <a:lumMod val="75000"/>
-                          </a:schemeClr>
-                        </a:solidFill>
-                        <a:latin typeface="CMU Sans Serif" panose="02000603000000000000" pitchFamily="2" charset="0"/>
-                        <a:ea typeface="CMU Sans Serif" panose="02000603000000000000" pitchFamily="2" charset="0"/>
-                        <a:cs typeface="CMU Sans Serif" panose="02000603000000000000" pitchFamily="2" charset="0"/>
-                        <a:sym typeface="Wingdings" panose="05000000000000000000" pitchFamily="2" charset="2"/>
-                      </a:rPr>
-                      <a:t></a:t>
-                    </a:r>
-                    <a:endParaRPr lang="de-DE" dirty="0">
+                      <a:sym typeface="Wingdings" panose="05000000000000000000" pitchFamily="2" charset="2"/>
+                    </a:rPr>
+                    <a:t></a:t>
+                  </a:r>
+                  <a:endParaRPr lang="de-DE" dirty="0">
+                    <a:solidFill>
+                      <a:schemeClr val="tx2">
+                        <a:lumMod val="60000"/>
+                        <a:lumOff val="40000"/>
+                      </a:schemeClr>
+                    </a:solidFill>
+                    <a:latin typeface="CMU Sans Serif" panose="02000603000000000000" pitchFamily="2" charset="0"/>
+                    <a:ea typeface="CMU Sans Serif" panose="02000603000000000000" pitchFamily="2" charset="0"/>
+                    <a:cs typeface="CMU Sans Serif" panose="02000603000000000000" pitchFamily="2" charset="0"/>
+                  </a:endParaRPr>
+                </a:p>
+              </p:txBody>
+            </p:sp>
+            <p:sp>
+              <p:nvSpPr>
+                <p:cNvPr id="38" name="Textfeld 37">
+                  <a:extLst>
+                    <a:ext uri="{FF2B5EF4-FFF2-40B4-BE49-F238E27FC236}">
+                      <a16:creationId xmlns:a16="http://schemas.microsoft.com/office/drawing/2014/main" id="{C09FB112-3106-4D45-A0F4-763014DE83FB}"/>
+                    </a:ext>
+                  </a:extLst>
+                </p:cNvPr>
+                <p:cNvSpPr txBox="1"/>
+                <p:nvPr/>
+              </p:nvSpPr>
+              <p:spPr>
+                <a:xfrm>
+                  <a:off x="1373671" y="1486394"/>
+                  <a:ext cx="378630" cy="369332"/>
+                </a:xfrm>
+                <a:prstGeom prst="rect">
+                  <a:avLst/>
+                </a:prstGeom>
+                <a:noFill/>
+              </p:spPr>
+              <p:txBody>
+                <a:bodyPr wrap="none" rtlCol="0">
+                  <a:spAutoFit/>
+                </a:bodyPr>
+                <a:lstStyle/>
+                <a:p>
+                  <a:r>
+                    <a:rPr lang="de-DE" dirty="0">
                       <a:solidFill>
                         <a:schemeClr val="accent4">
                           <a:lumMod val="75000"/>
@@ -5533,99 +5500,98 @@
                       <a:latin typeface="CMU Sans Serif" panose="02000603000000000000" pitchFamily="2" charset="0"/>
                       <a:ea typeface="CMU Sans Serif" panose="02000603000000000000" pitchFamily="2" charset="0"/>
                       <a:cs typeface="CMU Sans Serif" panose="02000603000000000000" pitchFamily="2" charset="0"/>
-                    </a:endParaRPr>
-                  </a:p>
-                </p:txBody>
-              </p:sp>
-              <p:sp>
-                <p:nvSpPr>
-                  <p:cNvPr id="40" name="Textfeld 39">
-                    <a:extLst>
-                      <a:ext uri="{FF2B5EF4-FFF2-40B4-BE49-F238E27FC236}">
-                        <a16:creationId xmlns:a16="http://schemas.microsoft.com/office/drawing/2014/main" id="{C333BAEF-4EA5-4ED1-8F07-187C089D0739}"/>
-                      </a:ext>
-                    </a:extLst>
-                  </p:cNvPr>
-                  <p:cNvSpPr txBox="1"/>
-                  <p:nvPr/>
-                </p:nvSpPr>
-                <p:spPr>
-                  <a:xfrm>
-                    <a:off x="1447501" y="1225341"/>
-                    <a:ext cx="378630" cy="369332"/>
-                  </a:xfrm>
-                  <a:prstGeom prst="rect">
-                    <a:avLst/>
-                  </a:prstGeom>
-                  <a:noFill/>
-                </p:spPr>
-                <p:txBody>
-                  <a:bodyPr wrap="none" rtlCol="0">
-                    <a:spAutoFit/>
-                  </a:bodyPr>
-                  <a:lstStyle/>
-                  <a:p>
-                    <a:r>
-                      <a:rPr lang="de-DE" dirty="0">
-                        <a:latin typeface="CMU Sans Serif" panose="02000603000000000000" pitchFamily="2" charset="0"/>
-                        <a:ea typeface="CMU Sans Serif" panose="02000603000000000000" pitchFamily="2" charset="0"/>
-                        <a:cs typeface="CMU Sans Serif" panose="02000603000000000000" pitchFamily="2" charset="0"/>
-                        <a:sym typeface="Wingdings" panose="05000000000000000000" pitchFamily="2" charset="2"/>
-                      </a:rPr>
-                      <a:t></a:t>
-                    </a:r>
-                    <a:endParaRPr lang="de-DE" dirty="0">
+                      <a:sym typeface="Wingdings" panose="05000000000000000000" pitchFamily="2" charset="2"/>
+                    </a:rPr>
+                    <a:t></a:t>
+                  </a:r>
+                  <a:endParaRPr lang="de-DE" dirty="0">
+                    <a:solidFill>
+                      <a:schemeClr val="accent4">
+                        <a:lumMod val="75000"/>
+                      </a:schemeClr>
+                    </a:solidFill>
+                    <a:latin typeface="CMU Sans Serif" panose="02000603000000000000" pitchFamily="2" charset="0"/>
+                    <a:ea typeface="CMU Sans Serif" panose="02000603000000000000" pitchFamily="2" charset="0"/>
+                    <a:cs typeface="CMU Sans Serif" panose="02000603000000000000" pitchFamily="2" charset="0"/>
+                  </a:endParaRPr>
+                </a:p>
+              </p:txBody>
+            </p:sp>
+            <p:sp>
+              <p:nvSpPr>
+                <p:cNvPr id="40" name="Textfeld 39">
+                  <a:extLst>
+                    <a:ext uri="{FF2B5EF4-FFF2-40B4-BE49-F238E27FC236}">
+                      <a16:creationId xmlns:a16="http://schemas.microsoft.com/office/drawing/2014/main" id="{C333BAEF-4EA5-4ED1-8F07-187C089D0739}"/>
+                    </a:ext>
+                  </a:extLst>
+                </p:cNvPr>
+                <p:cNvSpPr txBox="1"/>
+                <p:nvPr/>
+              </p:nvSpPr>
+              <p:spPr>
+                <a:xfrm>
+                  <a:off x="1447501" y="1225341"/>
+                  <a:ext cx="378630" cy="369332"/>
+                </a:xfrm>
+                <a:prstGeom prst="rect">
+                  <a:avLst/>
+                </a:prstGeom>
+                <a:noFill/>
+              </p:spPr>
+              <p:txBody>
+                <a:bodyPr wrap="none" rtlCol="0">
+                  <a:spAutoFit/>
+                </a:bodyPr>
+                <a:lstStyle/>
+                <a:p>
+                  <a:r>
+                    <a:rPr lang="de-DE" dirty="0">
                       <a:latin typeface="CMU Sans Serif" panose="02000603000000000000" pitchFamily="2" charset="0"/>
                       <a:ea typeface="CMU Sans Serif" panose="02000603000000000000" pitchFamily="2" charset="0"/>
                       <a:cs typeface="CMU Sans Serif" panose="02000603000000000000" pitchFamily="2" charset="0"/>
-                    </a:endParaRPr>
-                  </a:p>
-                </p:txBody>
-              </p:sp>
-              <p:sp>
-                <p:nvSpPr>
-                  <p:cNvPr id="45" name="Textfeld 44">
-                    <a:extLst>
-                      <a:ext uri="{FF2B5EF4-FFF2-40B4-BE49-F238E27FC236}">
-                        <a16:creationId xmlns:a16="http://schemas.microsoft.com/office/drawing/2014/main" id="{592EB950-19D8-461C-8DB3-3B4707FB7955}"/>
-                      </a:ext>
-                    </a:extLst>
-                  </p:cNvPr>
-                  <p:cNvSpPr txBox="1"/>
-                  <p:nvPr/>
-                </p:nvSpPr>
-                <p:spPr>
-                  <a:xfrm>
-                    <a:off x="779264" y="1293028"/>
-                    <a:ext cx="226230" cy="369332"/>
-                  </a:xfrm>
-                  <a:prstGeom prst="rect">
-                    <a:avLst/>
-                  </a:prstGeom>
-                  <a:noFill/>
-                </p:spPr>
-                <p:txBody>
-                  <a:bodyPr wrap="square" rtlCol="0">
-                    <a:spAutoFit/>
-                  </a:bodyPr>
-                  <a:lstStyle/>
-                  <a:p>
-                    <a:r>
-                      <a:rPr lang="de-DE" dirty="0">
-                        <a:solidFill>
-                          <a:schemeClr val="accent4">
-                            <a:lumMod val="40000"/>
-                            <a:lumOff val="60000"/>
-                          </a:schemeClr>
-                        </a:solidFill>
-                        <a:latin typeface="CMU Sans Serif" panose="02000603000000000000" pitchFamily="2" charset="0"/>
-                        <a:ea typeface="CMU Sans Serif" panose="02000603000000000000" pitchFamily="2" charset="0"/>
-                        <a:cs typeface="CMU Sans Serif" panose="02000603000000000000" pitchFamily="2" charset="0"/>
-                        <a:sym typeface="Wingdings" panose="05000000000000000000" pitchFamily="2" charset="2"/>
-                      </a:rPr>
-                      <a:t></a:t>
-                    </a:r>
-                    <a:endParaRPr lang="de-DE" dirty="0">
+                      <a:sym typeface="Wingdings" panose="05000000000000000000" pitchFamily="2" charset="2"/>
+                    </a:rPr>
+                    <a:t></a:t>
+                  </a:r>
+                  <a:endParaRPr lang="de-DE" dirty="0">
+                    <a:latin typeface="CMU Sans Serif" panose="02000603000000000000" pitchFamily="2" charset="0"/>
+                    <a:ea typeface="CMU Sans Serif" panose="02000603000000000000" pitchFamily="2" charset="0"/>
+                    <a:cs typeface="CMU Sans Serif" panose="02000603000000000000" pitchFamily="2" charset="0"/>
+                  </a:endParaRPr>
+                </a:p>
+              </p:txBody>
+            </p:sp>
+            <p:sp>
+              <p:nvSpPr>
+                <p:cNvPr id="45" name="Textfeld 44">
+                  <a:extLst>
+                    <a:ext uri="{FF2B5EF4-FFF2-40B4-BE49-F238E27FC236}">
+                      <a16:creationId xmlns:a16="http://schemas.microsoft.com/office/drawing/2014/main" id="{592EB950-19D8-461C-8DB3-3B4707FB7955}"/>
+                    </a:ext>
+                  </a:extLst>
+                </p:cNvPr>
+                <p:cNvSpPr txBox="1"/>
+                <p:nvPr/>
+              </p:nvSpPr>
+              <p:spPr>
+                <a:xfrm>
+                  <a:off x="779264" y="1293028"/>
+                  <a:ext cx="226230" cy="369332"/>
+                </a:xfrm>
+                <a:prstGeom prst="rect">
+                  <a:avLst/>
+                </a:prstGeom>
+                <a:noFill/>
+              </p:spPr>
+              <p:txBody>
+                <a:bodyPr wrap="square" rtlCol="0">
+                  <a:spAutoFit/>
+                </a:bodyPr>
+                <a:lstStyle/>
+                <a:p>
+                  <a:r>
+                    <a:rPr lang="de-DE" dirty="0">
                       <a:solidFill>
                         <a:schemeClr val="accent4">
                           <a:lumMod val="40000"/>
@@ -5635,53 +5601,54 @@
                       <a:latin typeface="CMU Sans Serif" panose="02000603000000000000" pitchFamily="2" charset="0"/>
                       <a:ea typeface="CMU Sans Serif" panose="02000603000000000000" pitchFamily="2" charset="0"/>
                       <a:cs typeface="CMU Sans Serif" panose="02000603000000000000" pitchFamily="2" charset="0"/>
-                    </a:endParaRPr>
-                  </a:p>
-                </p:txBody>
-              </p:sp>
-              <p:sp>
-                <p:nvSpPr>
-                  <p:cNvPr id="47" name="Textfeld 46">
-                    <a:extLst>
-                      <a:ext uri="{FF2B5EF4-FFF2-40B4-BE49-F238E27FC236}">
-                        <a16:creationId xmlns:a16="http://schemas.microsoft.com/office/drawing/2014/main" id="{4F079D0C-2554-440F-9F44-81B0D42917D3}"/>
-                      </a:ext>
-                    </a:extLst>
-                  </p:cNvPr>
-                  <p:cNvSpPr txBox="1"/>
-                  <p:nvPr/>
-                </p:nvSpPr>
-                <p:spPr>
-                  <a:xfrm>
-                    <a:off x="488487" y="1474922"/>
-                    <a:ext cx="378630" cy="369332"/>
-                  </a:xfrm>
-                  <a:prstGeom prst="rect">
-                    <a:avLst/>
-                  </a:prstGeom>
-                  <a:noFill/>
-                </p:spPr>
-                <p:txBody>
-                  <a:bodyPr wrap="none" rtlCol="0">
-                    <a:spAutoFit/>
-                  </a:bodyPr>
-                  <a:lstStyle/>
-                  <a:p>
-                    <a:r>
-                      <a:rPr lang="de-DE" dirty="0">
-                        <a:solidFill>
-                          <a:schemeClr val="bg1">
-                            <a:lumMod val="65000"/>
-                          </a:schemeClr>
-                        </a:solidFill>
-                        <a:latin typeface="CMU Sans Serif" panose="02000603000000000000" pitchFamily="2" charset="0"/>
-                        <a:ea typeface="CMU Sans Serif" panose="02000603000000000000" pitchFamily="2" charset="0"/>
-                        <a:cs typeface="CMU Sans Serif" panose="02000603000000000000" pitchFamily="2" charset="0"/>
-                        <a:sym typeface="Wingdings" panose="05000000000000000000" pitchFamily="2" charset="2"/>
-                      </a:rPr>
-                      <a:t></a:t>
-                    </a:r>
-                    <a:endParaRPr lang="de-DE" dirty="0">
+                      <a:sym typeface="Wingdings" panose="05000000000000000000" pitchFamily="2" charset="2"/>
+                    </a:rPr>
+                    <a:t></a:t>
+                  </a:r>
+                  <a:endParaRPr lang="de-DE" dirty="0">
+                    <a:solidFill>
+                      <a:schemeClr val="accent4">
+                        <a:lumMod val="40000"/>
+                        <a:lumOff val="60000"/>
+                      </a:schemeClr>
+                    </a:solidFill>
+                    <a:latin typeface="CMU Sans Serif" panose="02000603000000000000" pitchFamily="2" charset="0"/>
+                    <a:ea typeface="CMU Sans Serif" panose="02000603000000000000" pitchFamily="2" charset="0"/>
+                    <a:cs typeface="CMU Sans Serif" panose="02000603000000000000" pitchFamily="2" charset="0"/>
+                  </a:endParaRPr>
+                </a:p>
+              </p:txBody>
+            </p:sp>
+            <p:sp>
+              <p:nvSpPr>
+                <p:cNvPr id="47" name="Textfeld 46">
+                  <a:extLst>
+                    <a:ext uri="{FF2B5EF4-FFF2-40B4-BE49-F238E27FC236}">
+                      <a16:creationId xmlns:a16="http://schemas.microsoft.com/office/drawing/2014/main" id="{4F079D0C-2554-440F-9F44-81B0D42917D3}"/>
+                    </a:ext>
+                  </a:extLst>
+                </p:cNvPr>
+                <p:cNvSpPr txBox="1"/>
+                <p:nvPr/>
+              </p:nvSpPr>
+              <p:spPr>
+                <a:xfrm>
+                  <a:off x="488487" y="1474922"/>
+                  <a:ext cx="378630" cy="369332"/>
+                </a:xfrm>
+                <a:prstGeom prst="rect">
+                  <a:avLst/>
+                </a:prstGeom>
+                <a:noFill/>
+              </p:spPr>
+              <p:txBody>
+                <a:bodyPr wrap="none" rtlCol="0">
+                  <a:spAutoFit/>
+                </a:bodyPr>
+                <a:lstStyle/>
+                <a:p>
+                  <a:r>
+                    <a:rPr lang="de-DE" dirty="0">
                       <a:solidFill>
                         <a:schemeClr val="bg1">
                           <a:lumMod val="65000"/>
@@ -5690,53 +5657,53 @@
                       <a:latin typeface="CMU Sans Serif" panose="02000603000000000000" pitchFamily="2" charset="0"/>
                       <a:ea typeface="CMU Sans Serif" panose="02000603000000000000" pitchFamily="2" charset="0"/>
                       <a:cs typeface="CMU Sans Serif" panose="02000603000000000000" pitchFamily="2" charset="0"/>
-                    </a:endParaRPr>
-                  </a:p>
-                </p:txBody>
-              </p:sp>
-              <p:sp>
-                <p:nvSpPr>
-                  <p:cNvPr id="48" name="Textfeld 47">
-                    <a:extLst>
-                      <a:ext uri="{FF2B5EF4-FFF2-40B4-BE49-F238E27FC236}">
-                        <a16:creationId xmlns:a16="http://schemas.microsoft.com/office/drawing/2014/main" id="{690E36B0-7A53-4427-A25B-ADF9047F87D1}"/>
-                      </a:ext>
-                    </a:extLst>
-                  </p:cNvPr>
-                  <p:cNvSpPr txBox="1"/>
-                  <p:nvPr/>
-                </p:nvSpPr>
-                <p:spPr>
-                  <a:xfrm>
-                    <a:off x="1193705" y="1093775"/>
-                    <a:ext cx="378630" cy="369332"/>
-                  </a:xfrm>
-                  <a:prstGeom prst="rect">
-                    <a:avLst/>
-                  </a:prstGeom>
-                  <a:noFill/>
-                </p:spPr>
-                <p:txBody>
-                  <a:bodyPr wrap="none" rtlCol="0">
-                    <a:spAutoFit/>
-                  </a:bodyPr>
-                  <a:lstStyle/>
-                  <a:p>
-                    <a:r>
-                      <a:rPr lang="de-DE" dirty="0">
-                        <a:solidFill>
-                          <a:schemeClr val="accent3">
-                            <a:lumMod val="50000"/>
-                          </a:schemeClr>
-                        </a:solidFill>
-                        <a:latin typeface="CMU Sans Serif" panose="02000603000000000000" pitchFamily="2" charset="0"/>
-                        <a:ea typeface="CMU Sans Serif" panose="02000603000000000000" pitchFamily="2" charset="0"/>
-                        <a:cs typeface="CMU Sans Serif" panose="02000603000000000000" pitchFamily="2" charset="0"/>
-                        <a:sym typeface="Wingdings" panose="05000000000000000000" pitchFamily="2" charset="2"/>
-                      </a:rPr>
-                      <a:t></a:t>
-                    </a:r>
-                    <a:endParaRPr lang="de-DE" dirty="0">
+                      <a:sym typeface="Wingdings" panose="05000000000000000000" pitchFamily="2" charset="2"/>
+                    </a:rPr>
+                    <a:t></a:t>
+                  </a:r>
+                  <a:endParaRPr lang="de-DE" dirty="0">
+                    <a:solidFill>
+                      <a:schemeClr val="bg1">
+                        <a:lumMod val="65000"/>
+                      </a:schemeClr>
+                    </a:solidFill>
+                    <a:latin typeface="CMU Sans Serif" panose="02000603000000000000" pitchFamily="2" charset="0"/>
+                    <a:ea typeface="CMU Sans Serif" panose="02000603000000000000" pitchFamily="2" charset="0"/>
+                    <a:cs typeface="CMU Sans Serif" panose="02000603000000000000" pitchFamily="2" charset="0"/>
+                  </a:endParaRPr>
+                </a:p>
+              </p:txBody>
+            </p:sp>
+            <p:sp>
+              <p:nvSpPr>
+                <p:cNvPr id="48" name="Textfeld 47">
+                  <a:extLst>
+                    <a:ext uri="{FF2B5EF4-FFF2-40B4-BE49-F238E27FC236}">
+                      <a16:creationId xmlns:a16="http://schemas.microsoft.com/office/drawing/2014/main" id="{690E36B0-7A53-4427-A25B-ADF9047F87D1}"/>
+                    </a:ext>
+                  </a:extLst>
+                </p:cNvPr>
+                <p:cNvSpPr txBox="1"/>
+                <p:nvPr/>
+              </p:nvSpPr>
+              <p:spPr>
+                <a:xfrm>
+                  <a:off x="1193705" y="1093775"/>
+                  <a:ext cx="378630" cy="369332"/>
+                </a:xfrm>
+                <a:prstGeom prst="rect">
+                  <a:avLst/>
+                </a:prstGeom>
+                <a:noFill/>
+              </p:spPr>
+              <p:txBody>
+                <a:bodyPr wrap="none" rtlCol="0">
+                  <a:spAutoFit/>
+                </a:bodyPr>
+                <a:lstStyle/>
+                <a:p>
+                  <a:r>
+                    <a:rPr lang="de-DE" dirty="0">
                       <a:solidFill>
                         <a:schemeClr val="accent3">
                           <a:lumMod val="50000"/>
@@ -5745,55 +5712,55 @@
                       <a:latin typeface="CMU Sans Serif" panose="02000603000000000000" pitchFamily="2" charset="0"/>
                       <a:ea typeface="CMU Sans Serif" panose="02000603000000000000" pitchFamily="2" charset="0"/>
                       <a:cs typeface="CMU Sans Serif" panose="02000603000000000000" pitchFamily="2" charset="0"/>
-                    </a:endParaRPr>
-                  </a:p>
-                </p:txBody>
-              </p:sp>
-            </p:grpSp>
-          </p:grpSp>
-          <p:sp>
-            <p:nvSpPr>
-              <p:cNvPr id="14" name="Textfeld 13">
-                <a:extLst>
-                  <a:ext uri="{FF2B5EF4-FFF2-40B4-BE49-F238E27FC236}">
-                    <a16:creationId xmlns:a16="http://schemas.microsoft.com/office/drawing/2014/main" id="{22E8961F-E416-486D-B4CA-98FBDCC45248}"/>
-                  </a:ext>
-                </a:extLst>
-              </p:cNvPr>
-              <p:cNvSpPr txBox="1"/>
-              <p:nvPr/>
-            </p:nvSpPr>
-            <p:spPr>
-              <a:xfrm>
-                <a:off x="3054642" y="1265298"/>
-                <a:ext cx="574196" cy="646331"/>
-              </a:xfrm>
-              <a:prstGeom prst="rect">
-                <a:avLst/>
-              </a:prstGeom>
-              <a:noFill/>
-            </p:spPr>
-            <p:txBody>
-              <a:bodyPr wrap="none" rtlCol="0">
-                <a:spAutoFit/>
-              </a:bodyPr>
-              <a:lstStyle/>
-              <a:p>
-                <a:r>
-                  <a:rPr lang="de-DE" sz="3600" dirty="0">
+                      <a:sym typeface="Wingdings" panose="05000000000000000000" pitchFamily="2" charset="2"/>
+                    </a:rPr>
+                    <a:t></a:t>
+                  </a:r>
+                  <a:endParaRPr lang="de-DE" dirty="0">
                     <a:solidFill>
-                      <a:schemeClr val="accent4">
-                        <a:lumMod val="75000"/>
+                      <a:schemeClr val="accent3">
+                        <a:lumMod val="50000"/>
                       </a:schemeClr>
                     </a:solidFill>
                     <a:latin typeface="CMU Sans Serif" panose="02000603000000000000" pitchFamily="2" charset="0"/>
                     <a:ea typeface="CMU Sans Serif" panose="02000603000000000000" pitchFamily="2" charset="0"/>
                     <a:cs typeface="CMU Sans Serif" panose="02000603000000000000" pitchFamily="2" charset="0"/>
-                    <a:sym typeface="Wingdings" panose="05000000000000000000" pitchFamily="2" charset="2"/>
-                  </a:rPr>
-                  <a:t></a:t>
-                </a:r>
-                <a:endParaRPr lang="de-DE" sz="3600" dirty="0">
+                  </a:endParaRPr>
+                </a:p>
+              </p:txBody>
+            </p:sp>
+          </p:grpSp>
+        </p:grpSp>
+        <p:sp>
+          <p:nvSpPr>
+            <p:cNvPr id="14" name="Textfeld 13">
+              <a:extLst>
+                <a:ext uri="{FF2B5EF4-FFF2-40B4-BE49-F238E27FC236}">
+                  <a16:creationId xmlns:a16="http://schemas.microsoft.com/office/drawing/2014/main" id="{22E8961F-E416-486D-B4CA-98FBDCC45248}"/>
+                </a:ext>
+              </a:extLst>
+            </p:cNvPr>
+            <p:cNvSpPr txBox="1"/>
+            <p:nvPr/>
+          </p:nvSpPr>
+          <p:spPr>
+            <a:xfrm>
+              <a:off x="3123127" y="1382751"/>
+              <a:ext cx="574196" cy="646331"/>
+            </a:xfrm>
+            <a:prstGeom prst="rect">
+              <a:avLst/>
+            </a:prstGeom>
+            <a:noFill/>
+          </p:spPr>
+          <p:txBody>
+            <a:bodyPr wrap="none" rtlCol="0">
+              <a:spAutoFit/>
+            </a:bodyPr>
+            <a:lstStyle/>
+            <a:p>
+              <a:r>
+                <a:rPr lang="de-DE" sz="3600" dirty="0">
                   <a:solidFill>
                     <a:schemeClr val="accent4">
                       <a:lumMod val="75000"/>
@@ -5802,456 +5769,468 @@
                   <a:latin typeface="CMU Sans Serif" panose="02000603000000000000" pitchFamily="2" charset="0"/>
                   <a:ea typeface="CMU Sans Serif" panose="02000603000000000000" pitchFamily="2" charset="0"/>
                   <a:cs typeface="CMU Sans Serif" panose="02000603000000000000" pitchFamily="2" charset="0"/>
-                </a:endParaRPr>
-              </a:p>
-            </p:txBody>
-          </p:sp>
-          <p:sp>
-            <p:nvSpPr>
-              <p:cNvPr id="7" name="Textfeld 6">
-                <a:extLst>
-                  <a:ext uri="{FF2B5EF4-FFF2-40B4-BE49-F238E27FC236}">
-                    <a16:creationId xmlns:a16="http://schemas.microsoft.com/office/drawing/2014/main" id="{9652AF03-89C6-45B5-A5F6-E6D68ECD4CF7}"/>
-                  </a:ext>
-                </a:extLst>
-              </p:cNvPr>
-              <p:cNvSpPr txBox="1"/>
-              <p:nvPr/>
-            </p:nvSpPr>
-            <p:spPr>
-              <a:xfrm>
-                <a:off x="3907926" y="1584556"/>
-                <a:ext cx="2747868" cy="307777"/>
-              </a:xfrm>
-              <a:prstGeom prst="rect">
-                <a:avLst/>
-              </a:prstGeom>
-              <a:noFill/>
-            </p:spPr>
-            <p:txBody>
-              <a:bodyPr wrap="none" rtlCol="0">
-                <a:spAutoFit/>
-              </a:bodyPr>
-              <a:lstStyle/>
-              <a:p>
-                <a:r>
-                  <a:rPr lang="de-DE" sz="1400" dirty="0">
+                  <a:sym typeface="Wingdings" panose="05000000000000000000" pitchFamily="2" charset="2"/>
+                </a:rPr>
+                <a:t></a:t>
+              </a:r>
+              <a:endParaRPr lang="de-DE" sz="3600" dirty="0">
+                <a:solidFill>
+                  <a:schemeClr val="accent4">
+                    <a:lumMod val="75000"/>
+                  </a:schemeClr>
+                </a:solidFill>
+                <a:latin typeface="CMU Sans Serif" panose="02000603000000000000" pitchFamily="2" charset="0"/>
+                <a:ea typeface="CMU Sans Serif" panose="02000603000000000000" pitchFamily="2" charset="0"/>
+                <a:cs typeface="CMU Sans Serif" panose="02000603000000000000" pitchFamily="2" charset="0"/>
+              </a:endParaRPr>
+            </a:p>
+          </p:txBody>
+        </p:sp>
+        <p:sp>
+          <p:nvSpPr>
+            <p:cNvPr id="7" name="Textfeld 6">
+              <a:extLst>
+                <a:ext uri="{FF2B5EF4-FFF2-40B4-BE49-F238E27FC236}">
+                  <a16:creationId xmlns:a16="http://schemas.microsoft.com/office/drawing/2014/main" id="{9652AF03-89C6-45B5-A5F6-E6D68ECD4CF7}"/>
+                </a:ext>
+              </a:extLst>
+            </p:cNvPr>
+            <p:cNvSpPr txBox="1"/>
+            <p:nvPr/>
+          </p:nvSpPr>
+          <p:spPr>
+            <a:xfrm>
+              <a:off x="4244765" y="1702009"/>
+              <a:ext cx="2238113" cy="307777"/>
+            </a:xfrm>
+            <a:prstGeom prst="rect">
+              <a:avLst/>
+            </a:prstGeom>
+            <a:noFill/>
+          </p:spPr>
+          <p:txBody>
+            <a:bodyPr wrap="none" rtlCol="0">
+              <a:spAutoFit/>
+            </a:bodyPr>
+            <a:lstStyle/>
+            <a:p>
+              <a:r>
+                <a:rPr lang="de-DE" sz="1400" dirty="0">
+                  <a:latin typeface="CMU Sans Serif" panose="02000603000000000000" pitchFamily="2" charset="0"/>
+                  <a:ea typeface="CMU Sans Serif" panose="02000603000000000000" pitchFamily="2" charset="0"/>
+                  <a:cs typeface="CMU Sans Serif" panose="02000603000000000000" pitchFamily="2" charset="0"/>
+                </a:rPr>
+                <a:t>Messung des BDI-II Wertes</a:t>
+              </a:r>
+            </a:p>
+          </p:txBody>
+        </p:sp>
+        <p:cxnSp>
+          <p:nvCxnSpPr>
+            <p:cNvPr id="9" name="Gerade Verbindung mit Pfeil 8">
+              <a:extLst>
+                <a:ext uri="{FF2B5EF4-FFF2-40B4-BE49-F238E27FC236}">
+                  <a16:creationId xmlns:a16="http://schemas.microsoft.com/office/drawing/2014/main" id="{4D5A6BF6-E1D9-4822-841B-66483F76AF97}"/>
+                </a:ext>
+              </a:extLst>
+            </p:cNvPr>
+            <p:cNvCxnSpPr>
+              <a:cxnSpLocks/>
+            </p:cNvCxnSpPr>
+            <p:nvPr/>
+          </p:nvCxnSpPr>
+          <p:spPr>
+            <a:xfrm>
+              <a:off x="3928866" y="1705916"/>
+              <a:ext cx="2787041" cy="0"/>
+            </a:xfrm>
+            <a:prstGeom prst="straightConnector1">
+              <a:avLst/>
+            </a:prstGeom>
+            <a:ln>
+              <a:solidFill>
+                <a:schemeClr val="tx1"/>
+              </a:solidFill>
+              <a:tailEnd type="triangle"/>
+            </a:ln>
+          </p:spPr>
+          <p:style>
+            <a:lnRef idx="1">
+              <a:schemeClr val="accent1"/>
+            </a:lnRef>
+            <a:fillRef idx="0">
+              <a:schemeClr val="accent1"/>
+            </a:fillRef>
+            <a:effectRef idx="0">
+              <a:schemeClr val="accent1"/>
+            </a:effectRef>
+            <a:fontRef idx="minor">
+              <a:schemeClr val="tx1"/>
+            </a:fontRef>
+          </p:style>
+        </p:cxnSp>
+        <mc:AlternateContent xmlns:mc="http://schemas.openxmlformats.org/markup-compatibility/2006">
+          <mc:Choice xmlns:a14="http://schemas.microsoft.com/office/drawing/2010/main" Requires="a14">
+            <p:sp>
+              <p:nvSpPr>
+                <p:cNvPr id="24" name="Textfeld 23">
+                  <a:extLst>
+                    <a:ext uri="{FF2B5EF4-FFF2-40B4-BE49-F238E27FC236}">
+                      <a16:creationId xmlns:a16="http://schemas.microsoft.com/office/drawing/2014/main" id="{7FF0A7DF-AAAC-4E2E-BB6B-53AA939B0C7A}"/>
+                    </a:ext>
+                  </a:extLst>
+                </p:cNvPr>
+                <p:cNvSpPr txBox="1"/>
+                <p:nvPr/>
+              </p:nvSpPr>
+              <p:spPr>
+                <a:xfrm>
+                  <a:off x="5084172" y="1346721"/>
+                  <a:ext cx="403059" cy="400110"/>
+                </a:xfrm>
+                <a:prstGeom prst="rect">
+                  <a:avLst/>
+                </a:prstGeom>
+                <a:noFill/>
+              </p:spPr>
+              <p:txBody>
+                <a:bodyPr wrap="none" rtlCol="0">
+                  <a:spAutoFit/>
+                </a:bodyPr>
+                <a:lstStyle/>
+                <a:p>
+                  <a:pPr/>
+                  <a14:m>
+                    <m:oMathPara xmlns:m="http://schemas.openxmlformats.org/officeDocument/2006/math">
+                      <m:oMathParaPr>
+                        <m:jc m:val="centerGroup"/>
+                      </m:oMathParaPr>
+                      <m:oMath xmlns:m="http://schemas.openxmlformats.org/officeDocument/2006/math">
+                        <m:r>
+                          <a:rPr lang="de-DE" sz="2000" b="0" i="1" dirty="0" smtClean="0">
+                            <a:latin typeface="Cambria Math" panose="02040503050406030204" pitchFamily="18" charset="0"/>
+                          </a:rPr>
+                          <m:t>𝜉</m:t>
+                        </m:r>
+                      </m:oMath>
+                    </m:oMathPara>
+                  </a14:m>
+                  <a:endParaRPr lang="de-DE" sz="2000" dirty="0">
                     <a:latin typeface="CMU Sans Serif" panose="02000603000000000000" pitchFamily="2" charset="0"/>
                     <a:ea typeface="CMU Sans Serif" panose="02000603000000000000" pitchFamily="2" charset="0"/>
                     <a:cs typeface="CMU Sans Serif" panose="02000603000000000000" pitchFamily="2" charset="0"/>
-                  </a:rPr>
-                  <a:t>Messung des Intelligenzquotienten</a:t>
-                </a:r>
-              </a:p>
-            </p:txBody>
-          </p:sp>
-          <p:cxnSp>
-            <p:nvCxnSpPr>
-              <p:cNvPr id="9" name="Gerade Verbindung mit Pfeil 8">
-                <a:extLst>
-                  <a:ext uri="{FF2B5EF4-FFF2-40B4-BE49-F238E27FC236}">
-                    <a16:creationId xmlns:a16="http://schemas.microsoft.com/office/drawing/2014/main" id="{4D5A6BF6-E1D9-4822-841B-66483F76AF97}"/>
-                  </a:ext>
-                </a:extLst>
-              </p:cNvPr>
-              <p:cNvCxnSpPr>
-                <a:cxnSpLocks/>
-              </p:cNvCxnSpPr>
-              <p:nvPr/>
-            </p:nvCxnSpPr>
-            <p:spPr>
-              <a:xfrm>
-                <a:off x="3860381" y="1588463"/>
-                <a:ext cx="2787041" cy="0"/>
-              </a:xfrm>
-              <a:prstGeom prst="straightConnector1">
-                <a:avLst/>
-              </a:prstGeom>
-              <a:ln>
-                <a:solidFill>
-                  <a:schemeClr val="tx1"/>
-                </a:solidFill>
-                <a:tailEnd type="triangle"/>
-              </a:ln>
-            </p:spPr>
-            <p:style>
-              <a:lnRef idx="1">
-                <a:schemeClr val="accent1"/>
-              </a:lnRef>
-              <a:fillRef idx="0">
-                <a:schemeClr val="accent1"/>
-              </a:fillRef>
-              <a:effectRef idx="0">
-                <a:schemeClr val="accent1"/>
-              </a:effectRef>
-              <a:fontRef idx="minor">
+                  </a:endParaRPr>
+                </a:p>
+              </p:txBody>
+            </p:sp>
+          </mc:Choice>
+          <mc:Fallback>
+            <p:sp>
+              <p:nvSpPr>
+                <p:cNvPr id="24" name="Textfeld 23">
+                  <a:extLst>
+                    <a:ext uri="{FF2B5EF4-FFF2-40B4-BE49-F238E27FC236}">
+                      <a16:creationId xmlns:a16="http://schemas.microsoft.com/office/drawing/2014/main" id="{7FF0A7DF-AAAC-4E2E-BB6B-53AA939B0C7A}"/>
+                    </a:ext>
+                  </a:extLst>
+                </p:cNvPr>
+                <p:cNvSpPr txBox="1">
+                  <a:spLocks noRot="1" noChangeAspect="1" noMove="1" noResize="1" noEditPoints="1" noAdjustHandles="1" noChangeArrowheads="1" noChangeShapeType="1" noTextEdit="1"/>
+                </p:cNvSpPr>
+                <p:nvPr/>
+              </p:nvSpPr>
+              <p:spPr>
+                <a:xfrm>
+                  <a:off x="5084172" y="1346721"/>
+                  <a:ext cx="403059" cy="400110"/>
+                </a:xfrm>
+                <a:prstGeom prst="rect">
+                  <a:avLst/>
+                </a:prstGeom>
+                <a:blipFill>
+                  <a:blip r:embed="rId5"/>
+                  <a:stretch>
+                    <a:fillRect b="-10606"/>
+                  </a:stretch>
+                </a:blipFill>
+              </p:spPr>
+              <p:txBody>
+                <a:bodyPr/>
+                <a:lstStyle/>
+                <a:p>
+                  <a:r>
+                    <a:rPr lang="de-DE">
+                      <a:noFill/>
+                    </a:rPr>
+                    <a:t> </a:t>
+                  </a:r>
+                </a:p>
+              </p:txBody>
+            </p:sp>
+          </mc:Fallback>
+        </mc:AlternateContent>
+        <p:cxnSp>
+          <p:nvCxnSpPr>
+            <p:cNvPr id="27" name="Gerade Verbindung mit Pfeil 26">
+              <a:extLst>
+                <a:ext uri="{FF2B5EF4-FFF2-40B4-BE49-F238E27FC236}">
+                  <a16:creationId xmlns:a16="http://schemas.microsoft.com/office/drawing/2014/main" id="{368BD6D9-D301-446A-8401-C0C27EF1DEF6}"/>
+                </a:ext>
+              </a:extLst>
+            </p:cNvPr>
+            <p:cNvCxnSpPr>
+              <a:cxnSpLocks/>
+            </p:cNvCxnSpPr>
+            <p:nvPr/>
+          </p:nvCxnSpPr>
+          <p:spPr>
+            <a:xfrm>
+              <a:off x="2101981" y="1705916"/>
+              <a:ext cx="917522" cy="0"/>
+            </a:xfrm>
+            <a:prstGeom prst="straightConnector1">
+              <a:avLst/>
+            </a:prstGeom>
+            <a:ln>
+              <a:solidFill>
                 <a:schemeClr val="tx1"/>
-              </a:fontRef>
-            </p:style>
-          </p:cxnSp>
-          <mc:AlternateContent xmlns:mc="http://schemas.openxmlformats.org/markup-compatibility/2006">
-            <mc:Choice xmlns:a14="http://schemas.microsoft.com/office/drawing/2010/main" Requires="a14">
-              <p:sp>
-                <p:nvSpPr>
-                  <p:cNvPr id="24" name="Textfeld 23">
-                    <a:extLst>
-                      <a:ext uri="{FF2B5EF4-FFF2-40B4-BE49-F238E27FC236}">
-                        <a16:creationId xmlns:a16="http://schemas.microsoft.com/office/drawing/2014/main" id="{7FF0A7DF-AAAC-4E2E-BB6B-53AA939B0C7A}"/>
-                      </a:ext>
-                    </a:extLst>
-                  </p:cNvPr>
-                  <p:cNvSpPr txBox="1"/>
-                  <p:nvPr/>
-                </p:nvSpPr>
-                <p:spPr>
-                  <a:xfrm>
-                    <a:off x="5015687" y="1229268"/>
-                    <a:ext cx="403059" cy="400110"/>
-                  </a:xfrm>
-                  <a:prstGeom prst="rect">
-                    <a:avLst/>
-                  </a:prstGeom>
-                  <a:noFill/>
-                </p:spPr>
-                <p:txBody>
-                  <a:bodyPr wrap="none" rtlCol="0">
-                    <a:spAutoFit/>
-                  </a:bodyPr>
-                  <a:lstStyle/>
-                  <a:p>
-                    <a:pPr/>
-                    <a14:m>
-                      <m:oMathPara xmlns:m="http://schemas.openxmlformats.org/officeDocument/2006/math">
-                        <m:oMathParaPr>
-                          <m:jc m:val="centerGroup"/>
-                        </m:oMathParaPr>
-                        <m:oMath xmlns:m="http://schemas.openxmlformats.org/officeDocument/2006/math">
-                          <m:r>
-                            <a:rPr lang="de-DE" sz="2000" b="0" i="1" dirty="0" smtClean="0">
-                              <a:latin typeface="Cambria Math" panose="02040503050406030204" pitchFamily="18" charset="0"/>
-                            </a:rPr>
-                            <m:t>𝜉</m:t>
-                          </m:r>
-                        </m:oMath>
-                      </m:oMathPara>
-                    </a14:m>
-                    <a:endParaRPr lang="de-DE" sz="2000" dirty="0">
-                      <a:latin typeface="CMU Sans Serif" panose="02000603000000000000" pitchFamily="2" charset="0"/>
-                      <a:ea typeface="CMU Sans Serif" panose="02000603000000000000" pitchFamily="2" charset="0"/>
-                      <a:cs typeface="CMU Sans Serif" panose="02000603000000000000" pitchFamily="2" charset="0"/>
-                    </a:endParaRPr>
-                  </a:p>
-                </p:txBody>
-              </p:sp>
-            </mc:Choice>
-            <mc:Fallback>
-              <p:sp>
-                <p:nvSpPr>
-                  <p:cNvPr id="24" name="Textfeld 23">
-                    <a:extLst>
-                      <a:ext uri="{FF2B5EF4-FFF2-40B4-BE49-F238E27FC236}">
-                        <a16:creationId xmlns:a16="http://schemas.microsoft.com/office/drawing/2014/main" id="{7FF0A7DF-AAAC-4E2E-BB6B-53AA939B0C7A}"/>
-                      </a:ext>
-                    </a:extLst>
-                  </p:cNvPr>
-                  <p:cNvSpPr txBox="1">
-                    <a:spLocks noRot="1" noChangeAspect="1" noMove="1" noResize="1" noEditPoints="1" noAdjustHandles="1" noChangeArrowheads="1" noChangeShapeType="1" noTextEdit="1"/>
-                  </p:cNvSpPr>
-                  <p:nvPr/>
-                </p:nvSpPr>
-                <p:spPr>
-                  <a:xfrm>
-                    <a:off x="5015687" y="1229268"/>
-                    <a:ext cx="403059" cy="400110"/>
-                  </a:xfrm>
-                  <a:prstGeom prst="rect">
-                    <a:avLst/>
-                  </a:prstGeom>
-                  <a:blipFill>
-                    <a:blip r:embed="rId5"/>
-                    <a:stretch>
-                      <a:fillRect b="-10606"/>
-                    </a:stretch>
-                  </a:blipFill>
-                </p:spPr>
-                <p:txBody>
-                  <a:bodyPr/>
-                  <a:lstStyle/>
-                  <a:p>
-                    <a:r>
-                      <a:rPr lang="de-DE">
-                        <a:noFill/>
-                      </a:rPr>
-                      <a:t> </a:t>
-                    </a:r>
-                  </a:p>
-                </p:txBody>
-              </p:sp>
-            </mc:Fallback>
-          </mc:AlternateContent>
-          <p:cxnSp>
-            <p:nvCxnSpPr>
-              <p:cNvPr id="27" name="Gerade Verbindung mit Pfeil 26">
-                <a:extLst>
-                  <a:ext uri="{FF2B5EF4-FFF2-40B4-BE49-F238E27FC236}">
-                    <a16:creationId xmlns:a16="http://schemas.microsoft.com/office/drawing/2014/main" id="{368BD6D9-D301-446A-8401-C0C27EF1DEF6}"/>
-                  </a:ext>
-                </a:extLst>
-              </p:cNvPr>
-              <p:cNvCxnSpPr>
-                <a:cxnSpLocks/>
-              </p:cNvCxnSpPr>
-              <p:nvPr/>
-            </p:nvCxnSpPr>
-            <p:spPr>
-              <a:xfrm>
-                <a:off x="2033496" y="1588463"/>
-                <a:ext cx="917522" cy="0"/>
-              </a:xfrm>
-              <a:prstGeom prst="straightConnector1">
-                <a:avLst/>
-              </a:prstGeom>
-              <a:ln>
-                <a:solidFill>
-                  <a:schemeClr val="tx1"/>
-                </a:solidFill>
-                <a:tailEnd type="triangle"/>
-              </a:ln>
-            </p:spPr>
-            <p:style>
-              <a:lnRef idx="1">
-                <a:schemeClr val="accent1"/>
-              </a:lnRef>
-              <a:fillRef idx="0">
-                <a:schemeClr val="accent1"/>
-              </a:fillRef>
-              <a:effectRef idx="0">
-                <a:schemeClr val="accent1"/>
-              </a:effectRef>
-              <a:fontRef idx="minor">
-                <a:schemeClr val="tx1"/>
-              </a:fontRef>
-            </p:style>
-          </p:cxnSp>
-          <mc:AlternateContent xmlns:mc="http://schemas.openxmlformats.org/markup-compatibility/2006" xmlns:a14="http://schemas.microsoft.com/office/drawing/2010/main">
-            <mc:Choice Requires="a14">
-              <p:sp>
-                <p:nvSpPr>
-                  <p:cNvPr id="12" name="Textfeld 11">
-                    <a:extLst>
-                      <a:ext uri="{FF2B5EF4-FFF2-40B4-BE49-F238E27FC236}">
-                        <a16:creationId xmlns:a16="http://schemas.microsoft.com/office/drawing/2014/main" id="{292415BF-B8B2-4C6A-A88C-D90CA792EAB9}"/>
-                      </a:ext>
-                    </a:extLst>
-                  </p:cNvPr>
-                  <p:cNvSpPr txBox="1"/>
-                  <p:nvPr/>
-                </p:nvSpPr>
-                <p:spPr>
-                  <a:xfrm>
-                    <a:off x="2154266" y="1211205"/>
-                    <a:ext cx="695383" cy="246221"/>
-                  </a:xfrm>
-                  <a:prstGeom prst="rect">
-                    <a:avLst/>
-                  </a:prstGeom>
-                  <a:noFill/>
-                </p:spPr>
-                <p:txBody>
-                  <a:bodyPr wrap="none" lIns="0" tIns="0" rIns="0" bIns="0" rtlCol="0">
-                    <a:spAutoFit/>
-                  </a:bodyPr>
-                  <a:lstStyle/>
-                  <a:p>
-                    <a:pPr/>
-                    <a14:m>
-                      <m:oMathPara xmlns:m="http://schemas.openxmlformats.org/officeDocument/2006/math">
-                        <m:oMathParaPr>
-                          <m:jc m:val="centerGroup"/>
-                        </m:oMathParaPr>
-                        <m:oMath xmlns:m="http://schemas.openxmlformats.org/officeDocument/2006/math">
-                          <m:r>
-                            <a:rPr lang="de-DE" sz="1600" i="1">
-                              <a:latin typeface="Cambria Math" panose="02040503050406030204" pitchFamily="18" charset="0"/>
-                            </a:rPr>
-                            <m:t>ℙ</m:t>
-                          </m:r>
-                          <m:r>
-                            <a:rPr lang="de-DE" sz="1600" i="1">
-                              <a:latin typeface="Cambria Math" panose="02040503050406030204" pitchFamily="18" charset="0"/>
-                            </a:rPr>
-                            <m:t>({</m:t>
-                          </m:r>
-                          <m:r>
-                            <a:rPr lang="de-DE" sz="1600" i="1">
-                              <a:latin typeface="Cambria Math" panose="02040503050406030204" pitchFamily="18" charset="0"/>
-                            </a:rPr>
-                            <m:t>𝜔</m:t>
-                          </m:r>
-                          <m:r>
-                            <a:rPr lang="de-DE" sz="1600" i="1">
-                              <a:latin typeface="Cambria Math" panose="02040503050406030204" pitchFamily="18" charset="0"/>
-                            </a:rPr>
-                            <m:t>})</m:t>
-                          </m:r>
-                        </m:oMath>
-                      </m:oMathPara>
-                    </a14:m>
-                    <a:endParaRPr lang="de-DE" sz="1600" dirty="0">
-                      <a:latin typeface="CMU Sans Serif" panose="02000603000000000000" pitchFamily="2" charset="0"/>
-                      <a:ea typeface="CMU Sans Serif" panose="02000603000000000000" pitchFamily="2" charset="0"/>
-                      <a:cs typeface="CMU Sans Serif" panose="02000603000000000000" pitchFamily="2" charset="0"/>
-                    </a:endParaRPr>
-                  </a:p>
-                </p:txBody>
-              </p:sp>
-            </mc:Choice>
-            <mc:Fallback xmlns="">
-              <p:sp>
-                <p:nvSpPr>
-                  <p:cNvPr id="12" name="Textfeld 11">
-                    <a:extLst>
-                      <a:ext uri="{FF2B5EF4-FFF2-40B4-BE49-F238E27FC236}">
-                        <a16:creationId xmlns:a16="http://schemas.microsoft.com/office/drawing/2014/main" id="{292415BF-B8B2-4C6A-A88C-D90CA792EAB9}"/>
-                      </a:ext>
-                    </a:extLst>
-                  </p:cNvPr>
-                  <p:cNvSpPr txBox="1">
-                    <a:spLocks noRot="1" noChangeAspect="1" noMove="1" noResize="1" noEditPoints="1" noAdjustHandles="1" noChangeArrowheads="1" noChangeShapeType="1" noTextEdit="1"/>
-                  </p:cNvSpPr>
-                  <p:nvPr/>
-                </p:nvSpPr>
-                <p:spPr>
-                  <a:xfrm>
-                    <a:off x="2154266" y="1211205"/>
-                    <a:ext cx="695383" cy="246221"/>
-                  </a:xfrm>
-                  <a:prstGeom prst="rect">
-                    <a:avLst/>
-                  </a:prstGeom>
-                  <a:blipFill>
-                    <a:blip r:embed="rId6"/>
-                    <a:stretch>
-                      <a:fillRect l="-5263" t="-5000" r="-7895" b="-27500"/>
-                    </a:stretch>
-                  </a:blipFill>
-                </p:spPr>
-                <p:txBody>
-                  <a:bodyPr/>
-                  <a:lstStyle/>
-                  <a:p>
-                    <a:r>
-                      <a:rPr lang="de-DE">
-                        <a:noFill/>
-                      </a:rPr>
-                      <a:t> </a:t>
-                    </a:r>
-                  </a:p>
-                </p:txBody>
-              </p:sp>
-            </mc:Fallback>
-          </mc:AlternateContent>
-          <mc:AlternateContent xmlns:mc="http://schemas.openxmlformats.org/markup-compatibility/2006" xmlns:a14="http://schemas.microsoft.com/office/drawing/2010/main">
-            <mc:Choice Requires="a14">
-              <p:sp>
-                <p:nvSpPr>
-                  <p:cNvPr id="13" name="Textfeld 12">
-                    <a:extLst>
-                      <a:ext uri="{FF2B5EF4-FFF2-40B4-BE49-F238E27FC236}">
-                        <a16:creationId xmlns:a16="http://schemas.microsoft.com/office/drawing/2014/main" id="{C7BA53CB-A8E4-4E75-BEAC-750A43609C05}"/>
-                      </a:ext>
-                    </a:extLst>
-                  </p:cNvPr>
-                  <p:cNvSpPr txBox="1"/>
-                  <p:nvPr/>
-                </p:nvSpPr>
-                <p:spPr>
-                  <a:xfrm>
-                    <a:off x="6895442" y="1373020"/>
-                    <a:ext cx="745717" cy="430887"/>
-                  </a:xfrm>
-                  <a:prstGeom prst="rect">
-                    <a:avLst/>
-                  </a:prstGeom>
-                  <a:noFill/>
-                </p:spPr>
-                <p:txBody>
-                  <a:bodyPr wrap="none" rtlCol="0">
-                    <a:spAutoFit/>
-                  </a:bodyPr>
-                  <a:lstStyle/>
-                  <a:p>
-                    <a:pPr/>
-                    <a14:m>
-                      <m:oMathPara xmlns:m="http://schemas.openxmlformats.org/officeDocument/2006/math">
-                        <m:oMathParaPr>
-                          <m:jc m:val="centerGroup"/>
-                        </m:oMathParaPr>
-                        <m:oMath xmlns:m="http://schemas.openxmlformats.org/officeDocument/2006/math">
-                          <m:r>
-                            <a:rPr lang="de-DE" sz="2200" i="1" dirty="0">
-                              <a:latin typeface="Cambria Math" panose="02040503050406030204" pitchFamily="18" charset="0"/>
-                            </a:rPr>
-                            <m:t>115</m:t>
-                          </m:r>
-                        </m:oMath>
-                      </m:oMathPara>
-                    </a14:m>
-                    <a:endParaRPr lang="de-DE" sz="2200" dirty="0">
-                      <a:latin typeface="CMU Sans Serif" panose="02000603000000000000" pitchFamily="2" charset="0"/>
-                      <a:ea typeface="CMU Sans Serif" panose="02000603000000000000" pitchFamily="2" charset="0"/>
-                      <a:cs typeface="CMU Sans Serif" panose="02000603000000000000" pitchFamily="2" charset="0"/>
-                    </a:endParaRPr>
-                  </a:p>
-                </p:txBody>
-              </p:sp>
-            </mc:Choice>
-            <mc:Fallback xmlns="">
-              <p:sp>
-                <p:nvSpPr>
-                  <p:cNvPr id="13" name="Textfeld 12">
-                    <a:extLst>
-                      <a:ext uri="{FF2B5EF4-FFF2-40B4-BE49-F238E27FC236}">
-                        <a16:creationId xmlns:a16="http://schemas.microsoft.com/office/drawing/2014/main" id="{C7BA53CB-A8E4-4E75-BEAC-750A43609C05}"/>
-                      </a:ext>
-                    </a:extLst>
-                  </p:cNvPr>
-                  <p:cNvSpPr txBox="1">
-                    <a:spLocks noRot="1" noChangeAspect="1" noMove="1" noResize="1" noEditPoints="1" noAdjustHandles="1" noChangeArrowheads="1" noChangeShapeType="1" noTextEdit="1"/>
-                  </p:cNvSpPr>
-                  <p:nvPr/>
-                </p:nvSpPr>
-                <p:spPr>
-                  <a:xfrm>
-                    <a:off x="6895442" y="1373020"/>
-                    <a:ext cx="745717" cy="430887"/>
-                  </a:xfrm>
-                  <a:prstGeom prst="rect">
-                    <a:avLst/>
-                  </a:prstGeom>
-                  <a:blipFill>
-                    <a:blip r:embed="rId7"/>
-                    <a:stretch>
-                      <a:fillRect/>
-                    </a:stretch>
-                  </a:blipFill>
-                </p:spPr>
-                <p:txBody>
-                  <a:bodyPr/>
-                  <a:lstStyle/>
-                  <a:p>
-                    <a:r>
-                      <a:rPr lang="de-DE">
-                        <a:noFill/>
-                      </a:rPr>
-                      <a:t> </a:t>
-                    </a:r>
-                  </a:p>
-                </p:txBody>
-              </p:sp>
-            </mc:Fallback>
-          </mc:AlternateContent>
-        </p:grpSp>
+              </a:solidFill>
+              <a:tailEnd type="triangle"/>
+            </a:ln>
+          </p:spPr>
+          <p:style>
+            <a:lnRef idx="1">
+              <a:schemeClr val="accent1"/>
+            </a:lnRef>
+            <a:fillRef idx="0">
+              <a:schemeClr val="accent1"/>
+            </a:fillRef>
+            <a:effectRef idx="0">
+              <a:schemeClr val="accent1"/>
+            </a:effectRef>
+            <a:fontRef idx="minor">
+              <a:schemeClr val="tx1"/>
+            </a:fontRef>
+          </p:style>
+        </p:cxnSp>
+        <mc:AlternateContent xmlns:mc="http://schemas.openxmlformats.org/markup-compatibility/2006">
+          <mc:Choice xmlns:a14="http://schemas.microsoft.com/office/drawing/2010/main" Requires="a14">
+            <p:sp>
+              <p:nvSpPr>
+                <p:cNvPr id="12" name="Textfeld 11">
+                  <a:extLst>
+                    <a:ext uri="{FF2B5EF4-FFF2-40B4-BE49-F238E27FC236}">
+                      <a16:creationId xmlns:a16="http://schemas.microsoft.com/office/drawing/2014/main" id="{292415BF-B8B2-4C6A-A88C-D90CA792EAB9}"/>
+                    </a:ext>
+                  </a:extLst>
+                </p:cNvPr>
+                <p:cNvSpPr txBox="1"/>
+                <p:nvPr/>
+              </p:nvSpPr>
+              <p:spPr>
+                <a:xfrm>
+                  <a:off x="2222751" y="1328658"/>
+                  <a:ext cx="695383" cy="246221"/>
+                </a:xfrm>
+                <a:prstGeom prst="rect">
+                  <a:avLst/>
+                </a:prstGeom>
+                <a:noFill/>
+              </p:spPr>
+              <p:txBody>
+                <a:bodyPr wrap="none" lIns="0" tIns="0" rIns="0" bIns="0" rtlCol="0">
+                  <a:spAutoFit/>
+                </a:bodyPr>
+                <a:lstStyle/>
+                <a:p>
+                  <a:pPr/>
+                  <a14:m>
+                    <m:oMathPara xmlns:m="http://schemas.openxmlformats.org/officeDocument/2006/math">
+                      <m:oMathParaPr>
+                        <m:jc m:val="centerGroup"/>
+                      </m:oMathParaPr>
+                      <m:oMath xmlns:m="http://schemas.openxmlformats.org/officeDocument/2006/math">
+                        <m:r>
+                          <a:rPr lang="de-DE" sz="1600" i="1">
+                            <a:latin typeface="Cambria Math" panose="02040503050406030204" pitchFamily="18" charset="0"/>
+                          </a:rPr>
+                          <m:t>ℙ</m:t>
+                        </m:r>
+                        <m:r>
+                          <a:rPr lang="de-DE" sz="1600" i="1">
+                            <a:latin typeface="Cambria Math" panose="02040503050406030204" pitchFamily="18" charset="0"/>
+                          </a:rPr>
+                          <m:t>({</m:t>
+                        </m:r>
+                        <m:r>
+                          <a:rPr lang="de-DE" sz="1600" i="1">
+                            <a:latin typeface="Cambria Math" panose="02040503050406030204" pitchFamily="18" charset="0"/>
+                          </a:rPr>
+                          <m:t>𝜔</m:t>
+                        </m:r>
+                        <m:r>
+                          <a:rPr lang="de-DE" sz="1600" i="1">
+                            <a:latin typeface="Cambria Math" panose="02040503050406030204" pitchFamily="18" charset="0"/>
+                          </a:rPr>
+                          <m:t>})</m:t>
+                        </m:r>
+                      </m:oMath>
+                    </m:oMathPara>
+                  </a14:m>
+                  <a:endParaRPr lang="de-DE" sz="1600" dirty="0">
+                    <a:latin typeface="CMU Sans Serif" panose="02000603000000000000" pitchFamily="2" charset="0"/>
+                    <a:ea typeface="CMU Sans Serif" panose="02000603000000000000" pitchFamily="2" charset="0"/>
+                    <a:cs typeface="CMU Sans Serif" panose="02000603000000000000" pitchFamily="2" charset="0"/>
+                  </a:endParaRPr>
+                </a:p>
+              </p:txBody>
+            </p:sp>
+          </mc:Choice>
+          <mc:Fallback>
+            <p:sp>
+              <p:nvSpPr>
+                <p:cNvPr id="12" name="Textfeld 11">
+                  <a:extLst>
+                    <a:ext uri="{FF2B5EF4-FFF2-40B4-BE49-F238E27FC236}">
+                      <a16:creationId xmlns:a16="http://schemas.microsoft.com/office/drawing/2014/main" id="{292415BF-B8B2-4C6A-A88C-D90CA792EAB9}"/>
+                    </a:ext>
+                  </a:extLst>
+                </p:cNvPr>
+                <p:cNvSpPr txBox="1">
+                  <a:spLocks noRot="1" noChangeAspect="1" noMove="1" noResize="1" noEditPoints="1" noAdjustHandles="1" noChangeArrowheads="1" noChangeShapeType="1" noTextEdit="1"/>
+                </p:cNvSpPr>
+                <p:nvPr/>
+              </p:nvSpPr>
+              <p:spPr>
+                <a:xfrm>
+                  <a:off x="2222751" y="1328658"/>
+                  <a:ext cx="695383" cy="246221"/>
+                </a:xfrm>
+                <a:prstGeom prst="rect">
+                  <a:avLst/>
+                </a:prstGeom>
+                <a:blipFill>
+                  <a:blip r:embed="rId6"/>
+                  <a:stretch>
+                    <a:fillRect l="-5263" t="-5000" r="-7895" b="-27500"/>
+                  </a:stretch>
+                </a:blipFill>
+              </p:spPr>
+              <p:txBody>
+                <a:bodyPr/>
+                <a:lstStyle/>
+                <a:p>
+                  <a:r>
+                    <a:rPr lang="de-DE">
+                      <a:noFill/>
+                    </a:rPr>
+                    <a:t> </a:t>
+                  </a:r>
+                </a:p>
+              </p:txBody>
+            </p:sp>
+          </mc:Fallback>
+        </mc:AlternateContent>
+        <mc:AlternateContent xmlns:mc="http://schemas.openxmlformats.org/markup-compatibility/2006">
+          <mc:Choice xmlns:a14="http://schemas.microsoft.com/office/drawing/2010/main" Requires="a14">
+            <p:sp>
+              <p:nvSpPr>
+                <p:cNvPr id="13" name="Textfeld 12">
+                  <a:extLst>
+                    <a:ext uri="{FF2B5EF4-FFF2-40B4-BE49-F238E27FC236}">
+                      <a16:creationId xmlns:a16="http://schemas.microsoft.com/office/drawing/2014/main" id="{C7BA53CB-A8E4-4E75-BEAC-750A43609C05}"/>
+                    </a:ext>
+                  </a:extLst>
+                </p:cNvPr>
+                <p:cNvSpPr txBox="1"/>
+                <p:nvPr/>
+              </p:nvSpPr>
+              <p:spPr>
+                <a:xfrm>
+                  <a:off x="7046751" y="1490473"/>
+                  <a:ext cx="590226" cy="430887"/>
+                </a:xfrm>
+                <a:prstGeom prst="rect">
+                  <a:avLst/>
+                </a:prstGeom>
+                <a:noFill/>
+              </p:spPr>
+              <p:txBody>
+                <a:bodyPr wrap="none" rtlCol="0">
+                  <a:spAutoFit/>
+                </a:bodyPr>
+                <a:lstStyle/>
+                <a:p>
+                  <a:pPr/>
+                  <a14:m>
+                    <m:oMathPara xmlns:m="http://schemas.openxmlformats.org/officeDocument/2006/math">
+                      <m:oMathParaPr>
+                        <m:jc m:val="centerGroup"/>
+                      </m:oMathParaPr>
+                      <m:oMath xmlns:m="http://schemas.openxmlformats.org/officeDocument/2006/math">
+                        <m:r>
+                          <a:rPr lang="de-DE" sz="2200" i="1" dirty="0">
+                            <a:latin typeface="Cambria Math" panose="02040503050406030204" pitchFamily="18" charset="0"/>
+                          </a:rPr>
+                          <m:t>15</m:t>
+                        </m:r>
+                      </m:oMath>
+                    </m:oMathPara>
+                  </a14:m>
+                  <a:endParaRPr lang="de-DE" sz="2200" dirty="0">
+                    <a:latin typeface="CMU Sans Serif" panose="02000603000000000000" pitchFamily="2" charset="0"/>
+                    <a:ea typeface="CMU Sans Serif" panose="02000603000000000000" pitchFamily="2" charset="0"/>
+                    <a:cs typeface="CMU Sans Serif" panose="02000603000000000000" pitchFamily="2" charset="0"/>
+                  </a:endParaRPr>
+                </a:p>
+              </p:txBody>
+            </p:sp>
+          </mc:Choice>
+          <mc:Fallback>
+            <p:sp>
+              <p:nvSpPr>
+                <p:cNvPr id="13" name="Textfeld 12">
+                  <a:extLst>
+                    <a:ext uri="{FF2B5EF4-FFF2-40B4-BE49-F238E27FC236}">
+                      <a16:creationId xmlns:a16="http://schemas.microsoft.com/office/drawing/2014/main" id="{C7BA53CB-A8E4-4E75-BEAC-750A43609C05}"/>
+                    </a:ext>
+                  </a:extLst>
+                </p:cNvPr>
+                <p:cNvSpPr txBox="1">
+                  <a:spLocks noRot="1" noChangeAspect="1" noMove="1" noResize="1" noEditPoints="1" noAdjustHandles="1" noChangeArrowheads="1" noChangeShapeType="1" noTextEdit="1"/>
+                </p:cNvSpPr>
+                <p:nvPr/>
+              </p:nvSpPr>
+              <p:spPr>
+                <a:xfrm>
+                  <a:off x="7046751" y="1490473"/>
+                  <a:ext cx="590226" cy="430887"/>
+                </a:xfrm>
+                <a:prstGeom prst="rect">
+                  <a:avLst/>
+                </a:prstGeom>
+                <a:blipFill>
+                  <a:blip r:embed="rId7"/>
+                  <a:stretch>
+                    <a:fillRect/>
+                  </a:stretch>
+                </a:blipFill>
+              </p:spPr>
+              <p:txBody>
+                <a:bodyPr/>
+                <a:lstStyle/>
+                <a:p>
+                  <a:r>
+                    <a:rPr lang="de-DE">
+                      <a:noFill/>
+                    </a:rPr>
+                    <a:t> </a:t>
+                  </a:r>
+                </a:p>
+              </p:txBody>
+            </p:sp>
+          </mc:Fallback>
+        </mc:AlternateContent>
         <p:sp>
           <p:nvSpPr>
             <p:cNvPr id="16" name="Textfeld 15">
@@ -6266,7 +6245,7 @@
           </p:nvSpPr>
           <p:spPr>
             <a:xfrm>
-              <a:off x="513507" y="710364"/>
+              <a:off x="568740" y="827817"/>
               <a:ext cx="1343638" cy="338554"/>
             </a:xfrm>
             <a:prstGeom prst="rect">
@@ -6291,29 +6270,8 @@
             </a:p>
           </p:txBody>
         </p:sp>
-      </p:grpSp>
-      <p:grpSp>
-        <p:nvGrpSpPr>
-          <p:cNvPr id="130" name="Gruppieren 129">
-            <a:extLst>
-              <a:ext uri="{FF2B5EF4-FFF2-40B4-BE49-F238E27FC236}">
-                <a16:creationId xmlns:a16="http://schemas.microsoft.com/office/drawing/2014/main" id="{B6C3DA4C-A991-4196-BE74-362161137F3C}"/>
-              </a:ext>
-            </a:extLst>
-          </p:cNvPr>
-          <p:cNvGrpSpPr/>
-          <p:nvPr/>
-        </p:nvGrpSpPr>
-        <p:grpSpPr>
-          <a:xfrm>
-            <a:off x="424745" y="2322130"/>
-            <a:ext cx="7284899" cy="1357927"/>
-            <a:chOff x="356260" y="710364"/>
-            <a:chExt cx="7284899" cy="1357927"/>
-          </a:xfrm>
-        </p:grpSpPr>
-        <mc:AlternateContent xmlns:mc="http://schemas.openxmlformats.org/markup-compatibility/2006" xmlns:a14="http://schemas.microsoft.com/office/drawing/2010/main">
-          <mc:Choice Requires="a14">
+        <mc:AlternateContent xmlns:mc="http://schemas.openxmlformats.org/markup-compatibility/2006">
+          <mc:Choice xmlns:a14="http://schemas.microsoft.com/office/drawing/2010/main" Requires="a14">
             <p:sp>
               <p:nvSpPr>
                 <p:cNvPr id="131" name="Textfeld 130">
@@ -6328,7 +6286,7 @@
               </p:nvSpPr>
               <p:spPr>
                 <a:xfrm>
-                  <a:off x="3047379" y="738074"/>
+                  <a:off x="3115864" y="2349840"/>
                   <a:ext cx="678327" cy="276999"/>
                 </a:xfrm>
                 <a:prstGeom prst="rect">
@@ -6382,7 +6340,7 @@
               </p:txBody>
             </p:sp>
           </mc:Choice>
-          <mc:Fallback xmlns="">
+          <mc:Fallback>
             <p:sp>
               <p:nvSpPr>
                 <p:cNvPr id="131" name="Textfeld 130">
@@ -6399,7 +6357,7 @@
               </p:nvSpPr>
               <p:spPr>
                 <a:xfrm>
-                  <a:off x="3047379" y="738074"/>
+                  <a:off x="3115864" y="2349840"/>
                   <a:ext cx="678327" cy="276999"/>
                 </a:xfrm>
                 <a:prstGeom prst="rect">
@@ -6408,7 +6366,7 @@
                 <a:blipFill>
                   <a:blip r:embed="rId8"/>
                   <a:stretch>
-                    <a:fillRect l="-2703" r="-7207" b="-2174"/>
+                    <a:fillRect l="-2703" r="-7207" b="-2222"/>
                   </a:stretch>
                 </a:blipFill>
               </p:spPr>
@@ -6427,8 +6385,8 @@
             </p:sp>
           </mc:Fallback>
         </mc:AlternateContent>
-        <mc:AlternateContent xmlns:mc="http://schemas.openxmlformats.org/markup-compatibility/2006" xmlns:a14="http://schemas.microsoft.com/office/drawing/2010/main">
-          <mc:Choice Requires="a14">
+        <mc:AlternateContent xmlns:mc="http://schemas.openxmlformats.org/markup-compatibility/2006">
+          <mc:Choice xmlns:a14="http://schemas.microsoft.com/office/drawing/2010/main" Requires="a14">
             <p:sp>
               <p:nvSpPr>
                 <p:cNvPr id="132" name="Textfeld 131">
@@ -6443,7 +6401,7 @@
               </p:nvSpPr>
               <p:spPr>
                 <a:xfrm>
-                  <a:off x="5126462" y="738074"/>
+                  <a:off x="5194947" y="2349840"/>
                   <a:ext cx="278923" cy="276999"/>
                 </a:xfrm>
                 <a:prstGeom prst="rect">
@@ -6482,7 +6440,7 @@
               </p:txBody>
             </p:sp>
           </mc:Choice>
-          <mc:Fallback xmlns="">
+          <mc:Fallback>
             <p:sp>
               <p:nvSpPr>
                 <p:cNvPr id="132" name="Textfeld 131">
@@ -6499,7 +6457,7 @@
               </p:nvSpPr>
               <p:spPr>
                 <a:xfrm>
-                  <a:off x="5126462" y="738074"/>
+                  <a:off x="5194947" y="2349840"/>
                   <a:ext cx="278923" cy="276999"/>
                 </a:xfrm>
                 <a:prstGeom prst="rect">
@@ -6543,7 +6501,7 @@
               </p:nvSpPr>
               <p:spPr>
                 <a:xfrm>
-                  <a:off x="7013238" y="738074"/>
+                  <a:off x="7081723" y="2349840"/>
                   <a:ext cx="560730" cy="276999"/>
                 </a:xfrm>
                 <a:prstGeom prst="rect">
@@ -6617,7 +6575,7 @@
               </p:nvSpPr>
               <p:spPr>
                 <a:xfrm>
-                  <a:off x="7013238" y="738074"/>
+                  <a:off x="7081723" y="2349840"/>
                   <a:ext cx="560730" cy="276999"/>
                 </a:xfrm>
                 <a:prstGeom prst="rect">
@@ -6626,7 +6584,7 @@
                 <a:blipFill>
                   <a:blip r:embed="rId10"/>
                   <a:stretch>
-                    <a:fillRect l="-11957" t="-6522" r="-13043" b="-28261"/>
+                    <a:fillRect l="-11957" t="-8889" r="-13043" b="-31111"/>
                   </a:stretch>
                 </a:blipFill>
               </p:spPr>
@@ -6647,10 +6605,10 @@
         </mc:AlternateContent>
         <p:grpSp>
           <p:nvGrpSpPr>
-            <p:cNvPr id="134" name="Gruppieren 133">
+            <p:cNvPr id="136" name="Gruppieren 135">
               <a:extLst>
                 <a:ext uri="{FF2B5EF4-FFF2-40B4-BE49-F238E27FC236}">
-                  <a16:creationId xmlns:a16="http://schemas.microsoft.com/office/drawing/2014/main" id="{589643AC-BAE5-474E-A17E-6056CE061A02}"/>
+                  <a16:creationId xmlns:a16="http://schemas.microsoft.com/office/drawing/2014/main" id="{43E2C5A9-151F-4144-BCDE-344352FA719A}"/>
                 </a:ext>
               </a:extLst>
             </p:cNvPr>
@@ -6659,18 +6617,78 @@
           </p:nvGrpSpPr>
           <p:grpSpPr>
             <a:xfrm>
-              <a:off x="356260" y="1108635"/>
-              <a:ext cx="7284899" cy="959656"/>
-              <a:chOff x="356260" y="1108635"/>
-              <a:chExt cx="7284899" cy="959656"/>
+              <a:off x="424745" y="2720401"/>
+              <a:ext cx="1585356" cy="959656"/>
+              <a:chOff x="356260" y="1027216"/>
+              <a:chExt cx="1585356" cy="959656"/>
             </a:xfrm>
           </p:grpSpPr>
+          <p:sp>
+            <p:nvSpPr>
+              <p:cNvPr id="144" name="Ellipse 143">
+                <a:extLst>
+                  <a:ext uri="{FF2B5EF4-FFF2-40B4-BE49-F238E27FC236}">
+                    <a16:creationId xmlns:a16="http://schemas.microsoft.com/office/drawing/2014/main" id="{AA309826-E59D-4F3B-8847-13895EE65427}"/>
+                  </a:ext>
+                </a:extLst>
+              </p:cNvPr>
+              <p:cNvSpPr/>
+              <p:nvPr/>
+            </p:nvSpPr>
+            <p:spPr>
+              <a:xfrm>
+                <a:off x="356260" y="1027216"/>
+                <a:ext cx="1585356" cy="919196"/>
+              </a:xfrm>
+              <a:prstGeom prst="ellipse">
+                <a:avLst/>
+              </a:prstGeom>
+              <a:solidFill>
+                <a:schemeClr val="bg1">
+                  <a:lumMod val="95000"/>
+                </a:schemeClr>
+              </a:solidFill>
+              <a:ln>
+                <a:solidFill>
+                  <a:schemeClr val="bg1"/>
+                </a:solidFill>
+              </a:ln>
+            </p:spPr>
+            <p:style>
+              <a:lnRef idx="2">
+                <a:schemeClr val="accent1">
+                  <a:shade val="50000"/>
+                </a:schemeClr>
+              </a:lnRef>
+              <a:fillRef idx="1">
+                <a:schemeClr val="accent1"/>
+              </a:fillRef>
+              <a:effectRef idx="0">
+                <a:schemeClr val="accent1"/>
+              </a:effectRef>
+              <a:fontRef idx="minor">
+                <a:schemeClr val="lt1"/>
+              </a:fontRef>
+            </p:style>
+            <p:txBody>
+              <a:bodyPr rtlCol="0" anchor="ctr"/>
+              <a:lstStyle/>
+              <a:p>
+                <a:pPr algn="ctr"/>
+                <a:endParaRPr lang="de-DE">
+                  <a:latin typeface="CMU Sans Serif" panose="02000603000000000000" pitchFamily="2" charset="0"/>
+                  <a:ea typeface="CMU Sans Serif" panose="02000603000000000000" pitchFamily="2" charset="0"/>
+                  <a:cs typeface="CMU Sans Serif" panose="02000603000000000000" pitchFamily="2" charset="0"/>
+                </a:endParaRPr>
+              </a:p>
+            </p:txBody>
+          </p:sp>
           <p:grpSp>
             <p:nvGrpSpPr>
-              <p:cNvPr id="136" name="Gruppieren 135">
+              <p:cNvPr id="145" name="Gruppieren 144">
                 <a:extLst>
                   <a:ext uri="{FF2B5EF4-FFF2-40B4-BE49-F238E27FC236}">
-                    <a16:creationId xmlns:a16="http://schemas.microsoft.com/office/drawing/2014/main" id="{43E2C5A9-151F-4144-BCDE-344352FA719A}"/>
+                    <a16:creationId xmlns:a16="http://schemas.microsoft.com/office/drawing/2014/main" id="{52CD3D68-F972-4107-8BB7-9821F09AEBC7}"/>
                   </a:ext>
                 </a:extLst>
               </p:cNvPr>
@@ -6679,65 +6697,50 @@
             </p:nvGrpSpPr>
             <p:grpSpPr>
               <a:xfrm>
-                <a:off x="356260" y="1108635"/>
-                <a:ext cx="1585356" cy="959656"/>
-                <a:chOff x="356260" y="1027216"/>
-                <a:chExt cx="1585356" cy="959656"/>
+                <a:off x="480116" y="1065757"/>
+                <a:ext cx="1337644" cy="921115"/>
+                <a:chOff x="488487" y="1060859"/>
+                <a:chExt cx="1337644" cy="921115"/>
               </a:xfrm>
             </p:grpSpPr>
             <p:sp>
               <p:nvSpPr>
-                <p:cNvPr id="144" name="Ellipse 143">
+                <p:cNvPr id="146" name="Textfeld 145">
                   <a:extLst>
                     <a:ext uri="{FF2B5EF4-FFF2-40B4-BE49-F238E27FC236}">
-                      <a16:creationId xmlns:a16="http://schemas.microsoft.com/office/drawing/2014/main" id="{AA309826-E59D-4F3B-8847-13895EE65427}"/>
+                      <a16:creationId xmlns:a16="http://schemas.microsoft.com/office/drawing/2014/main" id="{9D01E0B2-DAB9-4ABB-8122-E4C679155A60}"/>
                     </a:ext>
                   </a:extLst>
                 </p:cNvPr>
-                <p:cNvSpPr/>
+                <p:cNvSpPr txBox="1"/>
                 <p:nvPr/>
               </p:nvSpPr>
               <p:spPr>
                 <a:xfrm>
-                  <a:off x="356260" y="1027216"/>
-                  <a:ext cx="1585356" cy="919196"/>
+                  <a:off x="496186" y="1181594"/>
+                  <a:ext cx="378630" cy="369332"/>
                 </a:xfrm>
-                <a:prstGeom prst="ellipse">
+                <a:prstGeom prst="rect">
                   <a:avLst/>
                 </a:prstGeom>
-                <a:solidFill>
-                  <a:schemeClr val="bg1">
-                    <a:lumMod val="95000"/>
-                  </a:schemeClr>
-                </a:solidFill>
-                <a:ln>
-                  <a:solidFill>
-                    <a:schemeClr val="bg1"/>
-                  </a:solidFill>
-                </a:ln>
+                <a:noFill/>
               </p:spPr>
-              <p:style>
-                <a:lnRef idx="2">
-                  <a:schemeClr val="accent1">
-                    <a:shade val="50000"/>
-                  </a:schemeClr>
-                </a:lnRef>
-                <a:fillRef idx="1">
-                  <a:schemeClr val="accent1"/>
-                </a:fillRef>
-                <a:effectRef idx="0">
-                  <a:schemeClr val="accent1"/>
-                </a:effectRef>
-                <a:fontRef idx="minor">
-                  <a:schemeClr val="lt1"/>
-                </a:fontRef>
-              </p:style>
               <p:txBody>
-                <a:bodyPr rtlCol="0" anchor="ctr"/>
+                <a:bodyPr wrap="none" rtlCol="0">
+                  <a:spAutoFit/>
+                </a:bodyPr>
                 <a:lstStyle/>
                 <a:p>
-                  <a:pPr algn="ctr"/>
-                  <a:endParaRPr lang="de-DE">
+                  <a:r>
+                    <a:rPr lang="de-DE" dirty="0">
+                      <a:latin typeface="CMU Sans Serif" panose="02000603000000000000" pitchFamily="2" charset="0"/>
+                      <a:ea typeface="CMU Sans Serif" panose="02000603000000000000" pitchFamily="2" charset="0"/>
+                      <a:cs typeface="CMU Sans Serif" panose="02000603000000000000" pitchFamily="2" charset="0"/>
+                      <a:sym typeface="Wingdings" panose="05000000000000000000" pitchFamily="2" charset="2"/>
+                    </a:rPr>
+                    <a:t></a:t>
+                  </a:r>
+                  <a:endParaRPr lang="de-DE" dirty="0">
                     <a:latin typeface="CMU Sans Serif" panose="02000603000000000000" pitchFamily="2" charset="0"/>
                     <a:ea typeface="CMU Sans Serif" panose="02000603000000000000" pitchFamily="2" charset="0"/>
                     <a:cs typeface="CMU Sans Serif" panose="02000603000000000000" pitchFamily="2" charset="0"/>
@@ -6745,217 +6748,138 @@
                 </a:p>
               </p:txBody>
             </p:sp>
-            <p:grpSp>
-              <p:nvGrpSpPr>
-                <p:cNvPr id="145" name="Gruppieren 144">
+            <p:sp>
+              <p:nvSpPr>
+                <p:cNvPr id="147" name="Textfeld 146">
                   <a:extLst>
                     <a:ext uri="{FF2B5EF4-FFF2-40B4-BE49-F238E27FC236}">
-                      <a16:creationId xmlns:a16="http://schemas.microsoft.com/office/drawing/2014/main" id="{52CD3D68-F972-4107-8BB7-9821F09AEBC7}"/>
+                      <a16:creationId xmlns:a16="http://schemas.microsoft.com/office/drawing/2014/main" id="{D2133053-E4BF-4DD2-91AA-F5C12F20F79D}"/>
                     </a:ext>
                   </a:extLst>
                 </p:cNvPr>
-                <p:cNvGrpSpPr/>
+                <p:cNvSpPr txBox="1"/>
                 <p:nvPr/>
-              </p:nvGrpSpPr>
-              <p:grpSpPr>
+              </p:nvSpPr>
+              <p:spPr>
                 <a:xfrm>
-                  <a:off x="480116" y="1065757"/>
-                  <a:ext cx="1337644" cy="921115"/>
-                  <a:chOff x="488487" y="1060859"/>
-                  <a:chExt cx="1337644" cy="921115"/>
+                  <a:off x="921719" y="1060859"/>
+                  <a:ext cx="378630" cy="369332"/>
                 </a:xfrm>
-              </p:grpSpPr>
-              <p:sp>
-                <p:nvSpPr>
-                  <p:cNvPr id="146" name="Textfeld 145">
-                    <a:extLst>
-                      <a:ext uri="{FF2B5EF4-FFF2-40B4-BE49-F238E27FC236}">
-                        <a16:creationId xmlns:a16="http://schemas.microsoft.com/office/drawing/2014/main" id="{9D01E0B2-DAB9-4ABB-8122-E4C679155A60}"/>
-                      </a:ext>
-                    </a:extLst>
-                  </p:cNvPr>
-                  <p:cNvSpPr txBox="1"/>
-                  <p:nvPr/>
-                </p:nvSpPr>
-                <p:spPr>
-                  <a:xfrm>
-                    <a:off x="496186" y="1181594"/>
-                    <a:ext cx="378630" cy="369332"/>
-                  </a:xfrm>
-                  <a:prstGeom prst="rect">
-                    <a:avLst/>
-                  </a:prstGeom>
-                  <a:noFill/>
-                </p:spPr>
-                <p:txBody>
-                  <a:bodyPr wrap="none" rtlCol="0">
-                    <a:spAutoFit/>
-                  </a:bodyPr>
-                  <a:lstStyle/>
-                  <a:p>
-                    <a:r>
-                      <a:rPr lang="de-DE" dirty="0">
-                        <a:latin typeface="CMU Sans Serif" panose="02000603000000000000" pitchFamily="2" charset="0"/>
-                        <a:ea typeface="CMU Sans Serif" panose="02000603000000000000" pitchFamily="2" charset="0"/>
-                        <a:cs typeface="CMU Sans Serif" panose="02000603000000000000" pitchFamily="2" charset="0"/>
-                        <a:sym typeface="Wingdings" panose="05000000000000000000" pitchFamily="2" charset="2"/>
-                      </a:rPr>
-                      <a:t></a:t>
-                    </a:r>
-                    <a:endParaRPr lang="de-DE" dirty="0">
-                      <a:latin typeface="CMU Sans Serif" panose="02000603000000000000" pitchFamily="2" charset="0"/>
-                      <a:ea typeface="CMU Sans Serif" panose="02000603000000000000" pitchFamily="2" charset="0"/>
-                      <a:cs typeface="CMU Sans Serif" panose="02000603000000000000" pitchFamily="2" charset="0"/>
-                    </a:endParaRPr>
-                  </a:p>
-                </p:txBody>
-              </p:sp>
-              <p:sp>
-                <p:nvSpPr>
-                  <p:cNvPr id="147" name="Textfeld 146">
-                    <a:extLst>
-                      <a:ext uri="{FF2B5EF4-FFF2-40B4-BE49-F238E27FC236}">
-                        <a16:creationId xmlns:a16="http://schemas.microsoft.com/office/drawing/2014/main" id="{D2133053-E4BF-4DD2-91AA-F5C12F20F79D}"/>
-                      </a:ext>
-                    </a:extLst>
-                  </p:cNvPr>
-                  <p:cNvSpPr txBox="1"/>
-                  <p:nvPr/>
-                </p:nvSpPr>
-                <p:spPr>
-                  <a:xfrm>
-                    <a:off x="921719" y="1060859"/>
-                    <a:ext cx="378630" cy="369332"/>
-                  </a:xfrm>
-                  <a:prstGeom prst="rect">
-                    <a:avLst/>
-                  </a:prstGeom>
-                  <a:noFill/>
-                </p:spPr>
-                <p:txBody>
-                  <a:bodyPr wrap="none" rtlCol="0">
-                    <a:spAutoFit/>
-                  </a:bodyPr>
-                  <a:lstStyle/>
-                  <a:p>
-                    <a:r>
-                      <a:rPr lang="de-DE" dirty="0">
-                        <a:solidFill>
-                          <a:schemeClr val="accent2"/>
-                        </a:solidFill>
-                        <a:latin typeface="CMU Sans Serif" panose="02000603000000000000" pitchFamily="2" charset="0"/>
-                        <a:ea typeface="CMU Sans Serif" panose="02000603000000000000" pitchFamily="2" charset="0"/>
-                        <a:cs typeface="CMU Sans Serif" panose="02000603000000000000" pitchFamily="2" charset="0"/>
-                        <a:sym typeface="Wingdings" panose="05000000000000000000" pitchFamily="2" charset="2"/>
-                      </a:rPr>
-                      <a:t></a:t>
-                    </a:r>
-                    <a:endParaRPr lang="de-DE" dirty="0">
+                <a:prstGeom prst="rect">
+                  <a:avLst/>
+                </a:prstGeom>
+                <a:noFill/>
+              </p:spPr>
+              <p:txBody>
+                <a:bodyPr wrap="none" rtlCol="0">
+                  <a:spAutoFit/>
+                </a:bodyPr>
+                <a:lstStyle/>
+                <a:p>
+                  <a:r>
+                    <a:rPr lang="de-DE" dirty="0">
                       <a:solidFill>
                         <a:schemeClr val="accent2"/>
                       </a:solidFill>
                       <a:latin typeface="CMU Sans Serif" panose="02000603000000000000" pitchFamily="2" charset="0"/>
                       <a:ea typeface="CMU Sans Serif" panose="02000603000000000000" pitchFamily="2" charset="0"/>
                       <a:cs typeface="CMU Sans Serif" panose="02000603000000000000" pitchFamily="2" charset="0"/>
-                    </a:endParaRPr>
-                  </a:p>
-                </p:txBody>
-              </p:sp>
-              <p:sp>
-                <p:nvSpPr>
-                  <p:cNvPr id="148" name="Textfeld 147">
-                    <a:extLst>
-                      <a:ext uri="{FF2B5EF4-FFF2-40B4-BE49-F238E27FC236}">
-                        <a16:creationId xmlns:a16="http://schemas.microsoft.com/office/drawing/2014/main" id="{AC97086D-51EA-4757-AB16-43A61459327C}"/>
-                      </a:ext>
-                    </a:extLst>
-                  </p:cNvPr>
-                  <p:cNvSpPr txBox="1"/>
-                  <p:nvPr/>
-                </p:nvSpPr>
-                <p:spPr>
-                  <a:xfrm>
-                    <a:off x="800986" y="1522022"/>
-                    <a:ext cx="378630" cy="369332"/>
-                  </a:xfrm>
-                  <a:prstGeom prst="rect">
-                    <a:avLst/>
-                  </a:prstGeom>
-                  <a:noFill/>
-                </p:spPr>
-                <p:txBody>
-                  <a:bodyPr wrap="none" rtlCol="0">
-                    <a:spAutoFit/>
-                  </a:bodyPr>
-                  <a:lstStyle/>
-                  <a:p>
-                    <a:r>
-                      <a:rPr lang="de-DE" dirty="0">
-                        <a:solidFill>
-                          <a:srgbClr val="FF0000"/>
-                        </a:solidFill>
-                        <a:latin typeface="CMU Sans Serif" panose="02000603000000000000" pitchFamily="2" charset="0"/>
-                        <a:ea typeface="CMU Sans Serif" panose="02000603000000000000" pitchFamily="2" charset="0"/>
-                        <a:cs typeface="CMU Sans Serif" panose="02000603000000000000" pitchFamily="2" charset="0"/>
-                        <a:sym typeface="Wingdings" panose="05000000000000000000" pitchFamily="2" charset="2"/>
-                      </a:rPr>
-                      <a:t></a:t>
-                    </a:r>
-                    <a:endParaRPr lang="de-DE" dirty="0">
+                      <a:sym typeface="Wingdings" panose="05000000000000000000" pitchFamily="2" charset="2"/>
+                    </a:rPr>
+                    <a:t></a:t>
+                  </a:r>
+                  <a:endParaRPr lang="de-DE" dirty="0">
+                    <a:solidFill>
+                      <a:schemeClr val="accent2"/>
+                    </a:solidFill>
+                    <a:latin typeface="CMU Sans Serif" panose="02000603000000000000" pitchFamily="2" charset="0"/>
+                    <a:ea typeface="CMU Sans Serif" panose="02000603000000000000" pitchFamily="2" charset="0"/>
+                    <a:cs typeface="CMU Sans Serif" panose="02000603000000000000" pitchFamily="2" charset="0"/>
+                  </a:endParaRPr>
+                </a:p>
+              </p:txBody>
+            </p:sp>
+            <p:sp>
+              <p:nvSpPr>
+                <p:cNvPr id="148" name="Textfeld 147">
+                  <a:extLst>
+                    <a:ext uri="{FF2B5EF4-FFF2-40B4-BE49-F238E27FC236}">
+                      <a16:creationId xmlns:a16="http://schemas.microsoft.com/office/drawing/2014/main" id="{AC97086D-51EA-4757-AB16-43A61459327C}"/>
+                    </a:ext>
+                  </a:extLst>
+                </p:cNvPr>
+                <p:cNvSpPr txBox="1"/>
+                <p:nvPr/>
+              </p:nvSpPr>
+              <p:spPr>
+                <a:xfrm>
+                  <a:off x="800986" y="1522022"/>
+                  <a:ext cx="378630" cy="369332"/>
+                </a:xfrm>
+                <a:prstGeom prst="rect">
+                  <a:avLst/>
+                </a:prstGeom>
+                <a:noFill/>
+              </p:spPr>
+              <p:txBody>
+                <a:bodyPr wrap="none" rtlCol="0">
+                  <a:spAutoFit/>
+                </a:bodyPr>
+                <a:lstStyle/>
+                <a:p>
+                  <a:r>
+                    <a:rPr lang="de-DE" dirty="0">
                       <a:solidFill>
                         <a:srgbClr val="FF0000"/>
                       </a:solidFill>
                       <a:latin typeface="CMU Sans Serif" panose="02000603000000000000" pitchFamily="2" charset="0"/>
                       <a:ea typeface="CMU Sans Serif" panose="02000603000000000000" pitchFamily="2" charset="0"/>
                       <a:cs typeface="CMU Sans Serif" panose="02000603000000000000" pitchFamily="2" charset="0"/>
-                    </a:endParaRPr>
-                  </a:p>
-                </p:txBody>
-              </p:sp>
-              <p:sp>
-                <p:nvSpPr>
-                  <p:cNvPr id="149" name="Textfeld 148">
-                    <a:extLst>
-                      <a:ext uri="{FF2B5EF4-FFF2-40B4-BE49-F238E27FC236}">
-                        <a16:creationId xmlns:a16="http://schemas.microsoft.com/office/drawing/2014/main" id="{72B1126C-8D35-4074-B543-B1E0F4391498}"/>
-                      </a:ext>
-                    </a:extLst>
-                  </p:cNvPr>
-                  <p:cNvSpPr txBox="1"/>
-                  <p:nvPr/>
-                </p:nvSpPr>
-                <p:spPr>
-                  <a:xfrm>
-                    <a:off x="1063360" y="1326286"/>
-                    <a:ext cx="378630" cy="369332"/>
-                  </a:xfrm>
-                  <a:prstGeom prst="rect">
-                    <a:avLst/>
-                  </a:prstGeom>
-                  <a:noFill/>
-                </p:spPr>
-                <p:txBody>
-                  <a:bodyPr wrap="none" rtlCol="0">
-                    <a:spAutoFit/>
-                  </a:bodyPr>
-                  <a:lstStyle/>
-                  <a:p>
-                    <a:r>
-                      <a:rPr lang="de-DE" dirty="0">
-                        <a:solidFill>
-                          <a:schemeClr val="accent6">
-                            <a:lumMod val="60000"/>
-                            <a:lumOff val="40000"/>
-                          </a:schemeClr>
-                        </a:solidFill>
-                        <a:latin typeface="CMU Sans Serif" panose="02000603000000000000" pitchFamily="2" charset="0"/>
-                        <a:ea typeface="CMU Sans Serif" panose="02000603000000000000" pitchFamily="2" charset="0"/>
-                        <a:cs typeface="CMU Sans Serif" panose="02000603000000000000" pitchFamily="2" charset="0"/>
-                        <a:sym typeface="Wingdings" panose="05000000000000000000" pitchFamily="2" charset="2"/>
-                      </a:rPr>
-                      <a:t></a:t>
-                    </a:r>
-                    <a:endParaRPr lang="de-DE" dirty="0">
+                      <a:sym typeface="Wingdings" panose="05000000000000000000" pitchFamily="2" charset="2"/>
+                    </a:rPr>
+                    <a:t></a:t>
+                  </a:r>
+                  <a:endParaRPr lang="de-DE" dirty="0">
+                    <a:solidFill>
+                      <a:srgbClr val="FF0000"/>
+                    </a:solidFill>
+                    <a:latin typeface="CMU Sans Serif" panose="02000603000000000000" pitchFamily="2" charset="0"/>
+                    <a:ea typeface="CMU Sans Serif" panose="02000603000000000000" pitchFamily="2" charset="0"/>
+                    <a:cs typeface="CMU Sans Serif" panose="02000603000000000000" pitchFamily="2" charset="0"/>
+                  </a:endParaRPr>
+                </a:p>
+              </p:txBody>
+            </p:sp>
+            <p:sp>
+              <p:nvSpPr>
+                <p:cNvPr id="149" name="Textfeld 148">
+                  <a:extLst>
+                    <a:ext uri="{FF2B5EF4-FFF2-40B4-BE49-F238E27FC236}">
+                      <a16:creationId xmlns:a16="http://schemas.microsoft.com/office/drawing/2014/main" id="{72B1126C-8D35-4074-B543-B1E0F4391498}"/>
+                    </a:ext>
+                  </a:extLst>
+                </p:cNvPr>
+                <p:cNvSpPr txBox="1"/>
+                <p:nvPr/>
+              </p:nvSpPr>
+              <p:spPr>
+                <a:xfrm>
+                  <a:off x="1063360" y="1326286"/>
+                  <a:ext cx="378630" cy="369332"/>
+                </a:xfrm>
+                <a:prstGeom prst="rect">
+                  <a:avLst/>
+                </a:prstGeom>
+                <a:noFill/>
+              </p:spPr>
+              <p:txBody>
+                <a:bodyPr wrap="none" rtlCol="0">
+                  <a:spAutoFit/>
+                </a:bodyPr>
+                <a:lstStyle/>
+                <a:p>
+                  <a:r>
+                    <a:rPr lang="de-DE" dirty="0">
                       <a:solidFill>
                         <a:schemeClr val="accent6">
                           <a:lumMod val="60000"/>
@@ -6965,54 +6889,54 @@
                       <a:latin typeface="CMU Sans Serif" panose="02000603000000000000" pitchFamily="2" charset="0"/>
                       <a:ea typeface="CMU Sans Serif" panose="02000603000000000000" pitchFamily="2" charset="0"/>
                       <a:cs typeface="CMU Sans Serif" panose="02000603000000000000" pitchFamily="2" charset="0"/>
-                    </a:endParaRPr>
-                  </a:p>
-                </p:txBody>
-              </p:sp>
-              <p:sp>
-                <p:nvSpPr>
-                  <p:cNvPr id="150" name="Textfeld 149">
-                    <a:extLst>
-                      <a:ext uri="{FF2B5EF4-FFF2-40B4-BE49-F238E27FC236}">
-                        <a16:creationId xmlns:a16="http://schemas.microsoft.com/office/drawing/2014/main" id="{205E835C-0CB9-4A16-8B3A-5D93B3EA101D}"/>
-                      </a:ext>
-                    </a:extLst>
-                  </p:cNvPr>
-                  <p:cNvSpPr txBox="1"/>
-                  <p:nvPr/>
-                </p:nvSpPr>
-                <p:spPr>
-                  <a:xfrm>
-                    <a:off x="1057943" y="1612642"/>
-                    <a:ext cx="378630" cy="369332"/>
-                  </a:xfrm>
-                  <a:prstGeom prst="rect">
-                    <a:avLst/>
-                  </a:prstGeom>
-                  <a:noFill/>
-                </p:spPr>
-                <p:txBody>
-                  <a:bodyPr wrap="none" rtlCol="0">
-                    <a:spAutoFit/>
-                  </a:bodyPr>
-                  <a:lstStyle/>
-                  <a:p>
-                    <a:r>
-                      <a:rPr lang="de-DE" dirty="0">
-                        <a:solidFill>
-                          <a:schemeClr val="tx2">
-                            <a:lumMod val="60000"/>
-                            <a:lumOff val="40000"/>
-                          </a:schemeClr>
-                        </a:solidFill>
-                        <a:latin typeface="CMU Sans Serif" panose="02000603000000000000" pitchFamily="2" charset="0"/>
-                        <a:ea typeface="CMU Sans Serif" panose="02000603000000000000" pitchFamily="2" charset="0"/>
-                        <a:cs typeface="CMU Sans Serif" panose="02000603000000000000" pitchFamily="2" charset="0"/>
-                        <a:sym typeface="Wingdings" panose="05000000000000000000" pitchFamily="2" charset="2"/>
-                      </a:rPr>
-                      <a:t></a:t>
-                    </a:r>
-                    <a:endParaRPr lang="de-DE" dirty="0">
+                      <a:sym typeface="Wingdings" panose="05000000000000000000" pitchFamily="2" charset="2"/>
+                    </a:rPr>
+                    <a:t></a:t>
+                  </a:r>
+                  <a:endParaRPr lang="de-DE" dirty="0">
+                    <a:solidFill>
+                      <a:schemeClr val="accent6">
+                        <a:lumMod val="60000"/>
+                        <a:lumOff val="40000"/>
+                      </a:schemeClr>
+                    </a:solidFill>
+                    <a:latin typeface="CMU Sans Serif" panose="02000603000000000000" pitchFamily="2" charset="0"/>
+                    <a:ea typeface="CMU Sans Serif" panose="02000603000000000000" pitchFamily="2" charset="0"/>
+                    <a:cs typeface="CMU Sans Serif" panose="02000603000000000000" pitchFamily="2" charset="0"/>
+                  </a:endParaRPr>
+                </a:p>
+              </p:txBody>
+            </p:sp>
+            <p:sp>
+              <p:nvSpPr>
+                <p:cNvPr id="150" name="Textfeld 149">
+                  <a:extLst>
+                    <a:ext uri="{FF2B5EF4-FFF2-40B4-BE49-F238E27FC236}">
+                      <a16:creationId xmlns:a16="http://schemas.microsoft.com/office/drawing/2014/main" id="{205E835C-0CB9-4A16-8B3A-5D93B3EA101D}"/>
+                    </a:ext>
+                  </a:extLst>
+                </p:cNvPr>
+                <p:cNvSpPr txBox="1"/>
+                <p:nvPr/>
+              </p:nvSpPr>
+              <p:spPr>
+                <a:xfrm>
+                  <a:off x="1057943" y="1612642"/>
+                  <a:ext cx="378630" cy="369332"/>
+                </a:xfrm>
+                <a:prstGeom prst="rect">
+                  <a:avLst/>
+                </a:prstGeom>
+                <a:noFill/>
+              </p:spPr>
+              <p:txBody>
+                <a:bodyPr wrap="none" rtlCol="0">
+                  <a:spAutoFit/>
+                </a:bodyPr>
+                <a:lstStyle/>
+                <a:p>
+                  <a:r>
+                    <a:rPr lang="de-DE" dirty="0">
                       <a:solidFill>
                         <a:schemeClr val="tx2">
                           <a:lumMod val="60000"/>
@@ -7022,53 +6946,54 @@
                       <a:latin typeface="CMU Sans Serif" panose="02000603000000000000" pitchFamily="2" charset="0"/>
                       <a:ea typeface="CMU Sans Serif" panose="02000603000000000000" pitchFamily="2" charset="0"/>
                       <a:cs typeface="CMU Sans Serif" panose="02000603000000000000" pitchFamily="2" charset="0"/>
-                    </a:endParaRPr>
-                  </a:p>
-                </p:txBody>
-              </p:sp>
-              <p:sp>
-                <p:nvSpPr>
-                  <p:cNvPr id="151" name="Textfeld 150">
-                    <a:extLst>
-                      <a:ext uri="{FF2B5EF4-FFF2-40B4-BE49-F238E27FC236}">
-                        <a16:creationId xmlns:a16="http://schemas.microsoft.com/office/drawing/2014/main" id="{12D49CE1-7492-4C77-8B6F-3E7FC76A7729}"/>
-                      </a:ext>
-                    </a:extLst>
-                  </p:cNvPr>
-                  <p:cNvSpPr txBox="1"/>
-                  <p:nvPr/>
-                </p:nvSpPr>
-                <p:spPr>
-                  <a:xfrm>
-                    <a:off x="1373671" y="1486394"/>
-                    <a:ext cx="378630" cy="369332"/>
-                  </a:xfrm>
-                  <a:prstGeom prst="rect">
-                    <a:avLst/>
-                  </a:prstGeom>
-                  <a:noFill/>
-                </p:spPr>
-                <p:txBody>
-                  <a:bodyPr wrap="none" rtlCol="0">
-                    <a:spAutoFit/>
-                  </a:bodyPr>
-                  <a:lstStyle/>
-                  <a:p>
-                    <a:r>
-                      <a:rPr lang="de-DE" dirty="0">
-                        <a:solidFill>
-                          <a:schemeClr val="accent4">
-                            <a:lumMod val="75000"/>
-                          </a:schemeClr>
-                        </a:solidFill>
-                        <a:latin typeface="CMU Sans Serif" panose="02000603000000000000" pitchFamily="2" charset="0"/>
-                        <a:ea typeface="CMU Sans Serif" panose="02000603000000000000" pitchFamily="2" charset="0"/>
-                        <a:cs typeface="CMU Sans Serif" panose="02000603000000000000" pitchFamily="2" charset="0"/>
-                        <a:sym typeface="Wingdings" panose="05000000000000000000" pitchFamily="2" charset="2"/>
-                      </a:rPr>
-                      <a:t></a:t>
-                    </a:r>
-                    <a:endParaRPr lang="de-DE" dirty="0">
+                      <a:sym typeface="Wingdings" panose="05000000000000000000" pitchFamily="2" charset="2"/>
+                    </a:rPr>
+                    <a:t></a:t>
+                  </a:r>
+                  <a:endParaRPr lang="de-DE" dirty="0">
+                    <a:solidFill>
+                      <a:schemeClr val="tx2">
+                        <a:lumMod val="60000"/>
+                        <a:lumOff val="40000"/>
+                      </a:schemeClr>
+                    </a:solidFill>
+                    <a:latin typeface="CMU Sans Serif" panose="02000603000000000000" pitchFamily="2" charset="0"/>
+                    <a:ea typeface="CMU Sans Serif" panose="02000603000000000000" pitchFamily="2" charset="0"/>
+                    <a:cs typeface="CMU Sans Serif" panose="02000603000000000000" pitchFamily="2" charset="0"/>
+                  </a:endParaRPr>
+                </a:p>
+              </p:txBody>
+            </p:sp>
+            <p:sp>
+              <p:nvSpPr>
+                <p:cNvPr id="151" name="Textfeld 150">
+                  <a:extLst>
+                    <a:ext uri="{FF2B5EF4-FFF2-40B4-BE49-F238E27FC236}">
+                      <a16:creationId xmlns:a16="http://schemas.microsoft.com/office/drawing/2014/main" id="{12D49CE1-7492-4C77-8B6F-3E7FC76A7729}"/>
+                    </a:ext>
+                  </a:extLst>
+                </p:cNvPr>
+                <p:cNvSpPr txBox="1"/>
+                <p:nvPr/>
+              </p:nvSpPr>
+              <p:spPr>
+                <a:xfrm>
+                  <a:off x="1373671" y="1486394"/>
+                  <a:ext cx="378630" cy="369332"/>
+                </a:xfrm>
+                <a:prstGeom prst="rect">
+                  <a:avLst/>
+                </a:prstGeom>
+                <a:noFill/>
+              </p:spPr>
+              <p:txBody>
+                <a:bodyPr wrap="none" rtlCol="0">
+                  <a:spAutoFit/>
+                </a:bodyPr>
+                <a:lstStyle/>
+                <a:p>
+                  <a:r>
+                    <a:rPr lang="de-DE" dirty="0">
                       <a:solidFill>
                         <a:schemeClr val="accent4">
                           <a:lumMod val="75000"/>
@@ -7077,99 +7002,98 @@
                       <a:latin typeface="CMU Sans Serif" panose="02000603000000000000" pitchFamily="2" charset="0"/>
                       <a:ea typeface="CMU Sans Serif" panose="02000603000000000000" pitchFamily="2" charset="0"/>
                       <a:cs typeface="CMU Sans Serif" panose="02000603000000000000" pitchFamily="2" charset="0"/>
-                    </a:endParaRPr>
-                  </a:p>
-                </p:txBody>
-              </p:sp>
-              <p:sp>
-                <p:nvSpPr>
-                  <p:cNvPr id="152" name="Textfeld 151">
-                    <a:extLst>
-                      <a:ext uri="{FF2B5EF4-FFF2-40B4-BE49-F238E27FC236}">
-                        <a16:creationId xmlns:a16="http://schemas.microsoft.com/office/drawing/2014/main" id="{F6923D90-B45A-4568-8533-B7F7B0778719}"/>
-                      </a:ext>
-                    </a:extLst>
-                  </p:cNvPr>
-                  <p:cNvSpPr txBox="1"/>
-                  <p:nvPr/>
-                </p:nvSpPr>
-                <p:spPr>
-                  <a:xfrm>
-                    <a:off x="1447501" y="1225341"/>
-                    <a:ext cx="378630" cy="369332"/>
-                  </a:xfrm>
-                  <a:prstGeom prst="rect">
-                    <a:avLst/>
-                  </a:prstGeom>
-                  <a:noFill/>
-                </p:spPr>
-                <p:txBody>
-                  <a:bodyPr wrap="none" rtlCol="0">
-                    <a:spAutoFit/>
-                  </a:bodyPr>
-                  <a:lstStyle/>
-                  <a:p>
-                    <a:r>
-                      <a:rPr lang="de-DE" dirty="0">
-                        <a:latin typeface="CMU Sans Serif" panose="02000603000000000000" pitchFamily="2" charset="0"/>
-                        <a:ea typeface="CMU Sans Serif" panose="02000603000000000000" pitchFamily="2" charset="0"/>
-                        <a:cs typeface="CMU Sans Serif" panose="02000603000000000000" pitchFamily="2" charset="0"/>
-                        <a:sym typeface="Wingdings" panose="05000000000000000000" pitchFamily="2" charset="2"/>
-                      </a:rPr>
-                      <a:t></a:t>
-                    </a:r>
-                    <a:endParaRPr lang="de-DE" dirty="0">
+                      <a:sym typeface="Wingdings" panose="05000000000000000000" pitchFamily="2" charset="2"/>
+                    </a:rPr>
+                    <a:t></a:t>
+                  </a:r>
+                  <a:endParaRPr lang="de-DE" dirty="0">
+                    <a:solidFill>
+                      <a:schemeClr val="accent4">
+                        <a:lumMod val="75000"/>
+                      </a:schemeClr>
+                    </a:solidFill>
+                    <a:latin typeface="CMU Sans Serif" panose="02000603000000000000" pitchFamily="2" charset="0"/>
+                    <a:ea typeface="CMU Sans Serif" panose="02000603000000000000" pitchFamily="2" charset="0"/>
+                    <a:cs typeface="CMU Sans Serif" panose="02000603000000000000" pitchFamily="2" charset="0"/>
+                  </a:endParaRPr>
+                </a:p>
+              </p:txBody>
+            </p:sp>
+            <p:sp>
+              <p:nvSpPr>
+                <p:cNvPr id="152" name="Textfeld 151">
+                  <a:extLst>
+                    <a:ext uri="{FF2B5EF4-FFF2-40B4-BE49-F238E27FC236}">
+                      <a16:creationId xmlns:a16="http://schemas.microsoft.com/office/drawing/2014/main" id="{F6923D90-B45A-4568-8533-B7F7B0778719}"/>
+                    </a:ext>
+                  </a:extLst>
+                </p:cNvPr>
+                <p:cNvSpPr txBox="1"/>
+                <p:nvPr/>
+              </p:nvSpPr>
+              <p:spPr>
+                <a:xfrm>
+                  <a:off x="1447501" y="1225341"/>
+                  <a:ext cx="378630" cy="369332"/>
+                </a:xfrm>
+                <a:prstGeom prst="rect">
+                  <a:avLst/>
+                </a:prstGeom>
+                <a:noFill/>
+              </p:spPr>
+              <p:txBody>
+                <a:bodyPr wrap="none" rtlCol="0">
+                  <a:spAutoFit/>
+                </a:bodyPr>
+                <a:lstStyle/>
+                <a:p>
+                  <a:r>
+                    <a:rPr lang="de-DE" dirty="0">
                       <a:latin typeface="CMU Sans Serif" panose="02000603000000000000" pitchFamily="2" charset="0"/>
                       <a:ea typeface="CMU Sans Serif" panose="02000603000000000000" pitchFamily="2" charset="0"/>
                       <a:cs typeface="CMU Sans Serif" panose="02000603000000000000" pitchFamily="2" charset="0"/>
-                    </a:endParaRPr>
-                  </a:p>
-                </p:txBody>
-              </p:sp>
-              <p:sp>
-                <p:nvSpPr>
-                  <p:cNvPr id="153" name="Textfeld 152">
-                    <a:extLst>
-                      <a:ext uri="{FF2B5EF4-FFF2-40B4-BE49-F238E27FC236}">
-                        <a16:creationId xmlns:a16="http://schemas.microsoft.com/office/drawing/2014/main" id="{C658EE9D-152C-4A5B-B868-994AAB7562E9}"/>
-                      </a:ext>
-                    </a:extLst>
-                  </p:cNvPr>
-                  <p:cNvSpPr txBox="1"/>
-                  <p:nvPr/>
-                </p:nvSpPr>
-                <p:spPr>
-                  <a:xfrm>
-                    <a:off x="779264" y="1293028"/>
-                    <a:ext cx="226230" cy="369332"/>
-                  </a:xfrm>
-                  <a:prstGeom prst="rect">
-                    <a:avLst/>
-                  </a:prstGeom>
-                  <a:noFill/>
-                </p:spPr>
-                <p:txBody>
-                  <a:bodyPr wrap="square" rtlCol="0">
-                    <a:spAutoFit/>
-                  </a:bodyPr>
-                  <a:lstStyle/>
-                  <a:p>
-                    <a:r>
-                      <a:rPr lang="de-DE" dirty="0">
-                        <a:solidFill>
-                          <a:schemeClr val="accent4">
-                            <a:lumMod val="40000"/>
-                            <a:lumOff val="60000"/>
-                          </a:schemeClr>
-                        </a:solidFill>
-                        <a:latin typeface="CMU Sans Serif" panose="02000603000000000000" pitchFamily="2" charset="0"/>
-                        <a:ea typeface="CMU Sans Serif" panose="02000603000000000000" pitchFamily="2" charset="0"/>
-                        <a:cs typeface="CMU Sans Serif" panose="02000603000000000000" pitchFamily="2" charset="0"/>
-                        <a:sym typeface="Wingdings" panose="05000000000000000000" pitchFamily="2" charset="2"/>
-                      </a:rPr>
-                      <a:t></a:t>
-                    </a:r>
-                    <a:endParaRPr lang="de-DE" dirty="0">
+                      <a:sym typeface="Wingdings" panose="05000000000000000000" pitchFamily="2" charset="2"/>
+                    </a:rPr>
+                    <a:t></a:t>
+                  </a:r>
+                  <a:endParaRPr lang="de-DE" dirty="0">
+                    <a:latin typeface="CMU Sans Serif" panose="02000603000000000000" pitchFamily="2" charset="0"/>
+                    <a:ea typeface="CMU Sans Serif" panose="02000603000000000000" pitchFamily="2" charset="0"/>
+                    <a:cs typeface="CMU Sans Serif" panose="02000603000000000000" pitchFamily="2" charset="0"/>
+                  </a:endParaRPr>
+                </a:p>
+              </p:txBody>
+            </p:sp>
+            <p:sp>
+              <p:nvSpPr>
+                <p:cNvPr id="153" name="Textfeld 152">
+                  <a:extLst>
+                    <a:ext uri="{FF2B5EF4-FFF2-40B4-BE49-F238E27FC236}">
+                      <a16:creationId xmlns:a16="http://schemas.microsoft.com/office/drawing/2014/main" id="{C658EE9D-152C-4A5B-B868-994AAB7562E9}"/>
+                    </a:ext>
+                  </a:extLst>
+                </p:cNvPr>
+                <p:cNvSpPr txBox="1"/>
+                <p:nvPr/>
+              </p:nvSpPr>
+              <p:spPr>
+                <a:xfrm>
+                  <a:off x="779264" y="1293028"/>
+                  <a:ext cx="226230" cy="369332"/>
+                </a:xfrm>
+                <a:prstGeom prst="rect">
+                  <a:avLst/>
+                </a:prstGeom>
+                <a:noFill/>
+              </p:spPr>
+              <p:txBody>
+                <a:bodyPr wrap="square" rtlCol="0">
+                  <a:spAutoFit/>
+                </a:bodyPr>
+                <a:lstStyle/>
+                <a:p>
+                  <a:r>
+                    <a:rPr lang="de-DE" dirty="0">
                       <a:solidFill>
                         <a:schemeClr val="accent4">
                           <a:lumMod val="40000"/>
@@ -7179,53 +7103,54 @@
                       <a:latin typeface="CMU Sans Serif" panose="02000603000000000000" pitchFamily="2" charset="0"/>
                       <a:ea typeface="CMU Sans Serif" panose="02000603000000000000" pitchFamily="2" charset="0"/>
                       <a:cs typeface="CMU Sans Serif" panose="02000603000000000000" pitchFamily="2" charset="0"/>
-                    </a:endParaRPr>
-                  </a:p>
-                </p:txBody>
-              </p:sp>
-              <p:sp>
-                <p:nvSpPr>
-                  <p:cNvPr id="154" name="Textfeld 153">
-                    <a:extLst>
-                      <a:ext uri="{FF2B5EF4-FFF2-40B4-BE49-F238E27FC236}">
-                        <a16:creationId xmlns:a16="http://schemas.microsoft.com/office/drawing/2014/main" id="{EFC72468-65B3-47A8-879E-C82CD9C9887C}"/>
-                      </a:ext>
-                    </a:extLst>
-                  </p:cNvPr>
-                  <p:cNvSpPr txBox="1"/>
-                  <p:nvPr/>
-                </p:nvSpPr>
-                <p:spPr>
-                  <a:xfrm>
-                    <a:off x="488487" y="1474922"/>
-                    <a:ext cx="378630" cy="369332"/>
-                  </a:xfrm>
-                  <a:prstGeom prst="rect">
-                    <a:avLst/>
-                  </a:prstGeom>
-                  <a:noFill/>
-                </p:spPr>
-                <p:txBody>
-                  <a:bodyPr wrap="none" rtlCol="0">
-                    <a:spAutoFit/>
-                  </a:bodyPr>
-                  <a:lstStyle/>
-                  <a:p>
-                    <a:r>
-                      <a:rPr lang="de-DE" dirty="0">
-                        <a:solidFill>
-                          <a:schemeClr val="bg1">
-                            <a:lumMod val="65000"/>
-                          </a:schemeClr>
-                        </a:solidFill>
-                        <a:latin typeface="CMU Sans Serif" panose="02000603000000000000" pitchFamily="2" charset="0"/>
-                        <a:ea typeface="CMU Sans Serif" panose="02000603000000000000" pitchFamily="2" charset="0"/>
-                        <a:cs typeface="CMU Sans Serif" panose="02000603000000000000" pitchFamily="2" charset="0"/>
-                        <a:sym typeface="Wingdings" panose="05000000000000000000" pitchFamily="2" charset="2"/>
-                      </a:rPr>
-                      <a:t></a:t>
-                    </a:r>
-                    <a:endParaRPr lang="de-DE" dirty="0">
+                      <a:sym typeface="Wingdings" panose="05000000000000000000" pitchFamily="2" charset="2"/>
+                    </a:rPr>
+                    <a:t></a:t>
+                  </a:r>
+                  <a:endParaRPr lang="de-DE" dirty="0">
+                    <a:solidFill>
+                      <a:schemeClr val="accent4">
+                        <a:lumMod val="40000"/>
+                        <a:lumOff val="60000"/>
+                      </a:schemeClr>
+                    </a:solidFill>
+                    <a:latin typeface="CMU Sans Serif" panose="02000603000000000000" pitchFamily="2" charset="0"/>
+                    <a:ea typeface="CMU Sans Serif" panose="02000603000000000000" pitchFamily="2" charset="0"/>
+                    <a:cs typeface="CMU Sans Serif" panose="02000603000000000000" pitchFamily="2" charset="0"/>
+                  </a:endParaRPr>
+                </a:p>
+              </p:txBody>
+            </p:sp>
+            <p:sp>
+              <p:nvSpPr>
+                <p:cNvPr id="154" name="Textfeld 153">
+                  <a:extLst>
+                    <a:ext uri="{FF2B5EF4-FFF2-40B4-BE49-F238E27FC236}">
+                      <a16:creationId xmlns:a16="http://schemas.microsoft.com/office/drawing/2014/main" id="{EFC72468-65B3-47A8-879E-C82CD9C9887C}"/>
+                    </a:ext>
+                  </a:extLst>
+                </p:cNvPr>
+                <p:cNvSpPr txBox="1"/>
+                <p:nvPr/>
+              </p:nvSpPr>
+              <p:spPr>
+                <a:xfrm>
+                  <a:off x="488487" y="1474922"/>
+                  <a:ext cx="378630" cy="369332"/>
+                </a:xfrm>
+                <a:prstGeom prst="rect">
+                  <a:avLst/>
+                </a:prstGeom>
+                <a:noFill/>
+              </p:spPr>
+              <p:txBody>
+                <a:bodyPr wrap="none" rtlCol="0">
+                  <a:spAutoFit/>
+                </a:bodyPr>
+                <a:lstStyle/>
+                <a:p>
+                  <a:r>
+                    <a:rPr lang="de-DE" dirty="0">
                       <a:solidFill>
                         <a:schemeClr val="bg1">
                           <a:lumMod val="65000"/>
@@ -7234,53 +7159,53 @@
                       <a:latin typeface="CMU Sans Serif" panose="02000603000000000000" pitchFamily="2" charset="0"/>
                       <a:ea typeface="CMU Sans Serif" panose="02000603000000000000" pitchFamily="2" charset="0"/>
                       <a:cs typeface="CMU Sans Serif" panose="02000603000000000000" pitchFamily="2" charset="0"/>
-                    </a:endParaRPr>
-                  </a:p>
-                </p:txBody>
-              </p:sp>
-              <p:sp>
-                <p:nvSpPr>
-                  <p:cNvPr id="155" name="Textfeld 154">
-                    <a:extLst>
-                      <a:ext uri="{FF2B5EF4-FFF2-40B4-BE49-F238E27FC236}">
-                        <a16:creationId xmlns:a16="http://schemas.microsoft.com/office/drawing/2014/main" id="{F093FA0A-5800-45A8-A849-19ACF4CF0278}"/>
-                      </a:ext>
-                    </a:extLst>
-                  </p:cNvPr>
-                  <p:cNvSpPr txBox="1"/>
-                  <p:nvPr/>
-                </p:nvSpPr>
-                <p:spPr>
-                  <a:xfrm>
-                    <a:off x="1193705" y="1093775"/>
-                    <a:ext cx="378630" cy="369332"/>
-                  </a:xfrm>
-                  <a:prstGeom prst="rect">
-                    <a:avLst/>
-                  </a:prstGeom>
-                  <a:noFill/>
-                </p:spPr>
-                <p:txBody>
-                  <a:bodyPr wrap="none" rtlCol="0">
-                    <a:spAutoFit/>
-                  </a:bodyPr>
-                  <a:lstStyle/>
-                  <a:p>
-                    <a:r>
-                      <a:rPr lang="de-DE" dirty="0">
-                        <a:solidFill>
-                          <a:schemeClr val="accent3">
-                            <a:lumMod val="50000"/>
-                          </a:schemeClr>
-                        </a:solidFill>
-                        <a:latin typeface="CMU Sans Serif" panose="02000603000000000000" pitchFamily="2" charset="0"/>
-                        <a:ea typeface="CMU Sans Serif" panose="02000603000000000000" pitchFamily="2" charset="0"/>
-                        <a:cs typeface="CMU Sans Serif" panose="02000603000000000000" pitchFamily="2" charset="0"/>
-                        <a:sym typeface="Wingdings" panose="05000000000000000000" pitchFamily="2" charset="2"/>
-                      </a:rPr>
-                      <a:t></a:t>
-                    </a:r>
-                    <a:endParaRPr lang="de-DE" dirty="0">
+                      <a:sym typeface="Wingdings" panose="05000000000000000000" pitchFamily="2" charset="2"/>
+                    </a:rPr>
+                    <a:t></a:t>
+                  </a:r>
+                  <a:endParaRPr lang="de-DE" dirty="0">
+                    <a:solidFill>
+                      <a:schemeClr val="bg1">
+                        <a:lumMod val="65000"/>
+                      </a:schemeClr>
+                    </a:solidFill>
+                    <a:latin typeface="CMU Sans Serif" panose="02000603000000000000" pitchFamily="2" charset="0"/>
+                    <a:ea typeface="CMU Sans Serif" panose="02000603000000000000" pitchFamily="2" charset="0"/>
+                    <a:cs typeface="CMU Sans Serif" panose="02000603000000000000" pitchFamily="2" charset="0"/>
+                  </a:endParaRPr>
+                </a:p>
+              </p:txBody>
+            </p:sp>
+            <p:sp>
+              <p:nvSpPr>
+                <p:cNvPr id="155" name="Textfeld 154">
+                  <a:extLst>
+                    <a:ext uri="{FF2B5EF4-FFF2-40B4-BE49-F238E27FC236}">
+                      <a16:creationId xmlns:a16="http://schemas.microsoft.com/office/drawing/2014/main" id="{F093FA0A-5800-45A8-A849-19ACF4CF0278}"/>
+                    </a:ext>
+                  </a:extLst>
+                </p:cNvPr>
+                <p:cNvSpPr txBox="1"/>
+                <p:nvPr/>
+              </p:nvSpPr>
+              <p:spPr>
+                <a:xfrm>
+                  <a:off x="1193705" y="1093775"/>
+                  <a:ext cx="378630" cy="369332"/>
+                </a:xfrm>
+                <a:prstGeom prst="rect">
+                  <a:avLst/>
+                </a:prstGeom>
+                <a:noFill/>
+              </p:spPr>
+              <p:txBody>
+                <a:bodyPr wrap="none" rtlCol="0">
+                  <a:spAutoFit/>
+                </a:bodyPr>
+                <a:lstStyle/>
+                <a:p>
+                  <a:r>
+                    <a:rPr lang="de-DE" dirty="0">
                       <a:solidFill>
                         <a:schemeClr val="accent3">
                           <a:lumMod val="50000"/>
@@ -7289,509 +7214,527 @@
                       <a:latin typeface="CMU Sans Serif" panose="02000603000000000000" pitchFamily="2" charset="0"/>
                       <a:ea typeface="CMU Sans Serif" panose="02000603000000000000" pitchFamily="2" charset="0"/>
                       <a:cs typeface="CMU Sans Serif" panose="02000603000000000000" pitchFamily="2" charset="0"/>
-                    </a:endParaRPr>
-                  </a:p>
-                </p:txBody>
-              </p:sp>
-            </p:grpSp>
-          </p:grpSp>
-          <p:sp>
-            <p:nvSpPr>
-              <p:cNvPr id="137" name="Textfeld 136">
-                <a:extLst>
-                  <a:ext uri="{FF2B5EF4-FFF2-40B4-BE49-F238E27FC236}">
-                    <a16:creationId xmlns:a16="http://schemas.microsoft.com/office/drawing/2014/main" id="{96FDFB07-4B8B-43A8-937D-480C4AD937B2}"/>
-                  </a:ext>
-                </a:extLst>
-              </p:cNvPr>
-              <p:cNvSpPr txBox="1"/>
-              <p:nvPr/>
-            </p:nvSpPr>
-            <p:spPr>
-              <a:xfrm>
-                <a:off x="3054642" y="1265298"/>
-                <a:ext cx="574196" cy="646331"/>
-              </a:xfrm>
-              <a:prstGeom prst="rect">
-                <a:avLst/>
-              </a:prstGeom>
-              <a:noFill/>
-            </p:spPr>
-            <p:txBody>
-              <a:bodyPr wrap="none" rtlCol="0">
-                <a:spAutoFit/>
-              </a:bodyPr>
-              <a:lstStyle/>
-              <a:p>
-                <a:r>
-                  <a:rPr lang="de-DE" sz="3600" dirty="0">
+                      <a:sym typeface="Wingdings" panose="05000000000000000000" pitchFamily="2" charset="2"/>
+                    </a:rPr>
+                    <a:t></a:t>
+                  </a:r>
+                  <a:endParaRPr lang="de-DE" dirty="0">
                     <a:solidFill>
-                      <a:srgbClr val="00B0F0"/>
+                      <a:schemeClr val="accent3">
+                        <a:lumMod val="50000"/>
+                      </a:schemeClr>
                     </a:solidFill>
                     <a:latin typeface="CMU Sans Serif" panose="02000603000000000000" pitchFamily="2" charset="0"/>
                     <a:ea typeface="CMU Sans Serif" panose="02000603000000000000" pitchFamily="2" charset="0"/>
                     <a:cs typeface="CMU Sans Serif" panose="02000603000000000000" pitchFamily="2" charset="0"/>
-                    <a:sym typeface="Wingdings" panose="05000000000000000000" pitchFamily="2" charset="2"/>
-                  </a:rPr>
-                  <a:t></a:t>
-                </a:r>
-                <a:endParaRPr lang="de-DE" sz="3600" dirty="0">
+                  </a:endParaRPr>
+                </a:p>
+              </p:txBody>
+            </p:sp>
+          </p:grpSp>
+        </p:grpSp>
+        <p:sp>
+          <p:nvSpPr>
+            <p:cNvPr id="137" name="Textfeld 136">
+              <a:extLst>
+                <a:ext uri="{FF2B5EF4-FFF2-40B4-BE49-F238E27FC236}">
+                  <a16:creationId xmlns:a16="http://schemas.microsoft.com/office/drawing/2014/main" id="{96FDFB07-4B8B-43A8-937D-480C4AD937B2}"/>
+                </a:ext>
+              </a:extLst>
+            </p:cNvPr>
+            <p:cNvSpPr txBox="1"/>
+            <p:nvPr/>
+          </p:nvSpPr>
+          <p:spPr>
+            <a:xfrm>
+              <a:off x="3123127" y="2877064"/>
+              <a:ext cx="574196" cy="646331"/>
+            </a:xfrm>
+            <a:prstGeom prst="rect">
+              <a:avLst/>
+            </a:prstGeom>
+            <a:noFill/>
+          </p:spPr>
+          <p:txBody>
+            <a:bodyPr wrap="none" rtlCol="0">
+              <a:spAutoFit/>
+            </a:bodyPr>
+            <a:lstStyle/>
+            <a:p>
+              <a:r>
+                <a:rPr lang="de-DE" sz="3600" dirty="0">
                   <a:solidFill>
                     <a:srgbClr val="00B0F0"/>
                   </a:solidFill>
                   <a:latin typeface="CMU Sans Serif" panose="02000603000000000000" pitchFamily="2" charset="0"/>
                   <a:ea typeface="CMU Sans Serif" panose="02000603000000000000" pitchFamily="2" charset="0"/>
                   <a:cs typeface="CMU Sans Serif" panose="02000603000000000000" pitchFamily="2" charset="0"/>
-                </a:endParaRPr>
-              </a:p>
-            </p:txBody>
-          </p:sp>
-          <p:sp>
-            <p:nvSpPr>
-              <p:cNvPr id="138" name="Textfeld 137">
-                <a:extLst>
-                  <a:ext uri="{FF2B5EF4-FFF2-40B4-BE49-F238E27FC236}">
-                    <a16:creationId xmlns:a16="http://schemas.microsoft.com/office/drawing/2014/main" id="{C775D4E2-F220-4542-AE87-0A4D1F450469}"/>
-                  </a:ext>
-                </a:extLst>
-              </p:cNvPr>
-              <p:cNvSpPr txBox="1"/>
-              <p:nvPr/>
-            </p:nvSpPr>
-            <p:spPr>
-              <a:xfrm>
-                <a:off x="3907926" y="1584556"/>
-                <a:ext cx="2747868" cy="307777"/>
-              </a:xfrm>
-              <a:prstGeom prst="rect">
-                <a:avLst/>
-              </a:prstGeom>
-              <a:noFill/>
-            </p:spPr>
-            <p:txBody>
-              <a:bodyPr wrap="none" rtlCol="0">
-                <a:spAutoFit/>
-              </a:bodyPr>
-              <a:lstStyle/>
-              <a:p>
-                <a:r>
-                  <a:rPr lang="de-DE" sz="1400" dirty="0">
+                  <a:sym typeface="Wingdings" panose="05000000000000000000" pitchFamily="2" charset="2"/>
+                </a:rPr>
+                <a:t></a:t>
+              </a:r>
+              <a:endParaRPr lang="de-DE" sz="3600" dirty="0">
+                <a:solidFill>
+                  <a:srgbClr val="00B0F0"/>
+                </a:solidFill>
+                <a:latin typeface="CMU Sans Serif" panose="02000603000000000000" pitchFamily="2" charset="0"/>
+                <a:ea typeface="CMU Sans Serif" panose="02000603000000000000" pitchFamily="2" charset="0"/>
+                <a:cs typeface="CMU Sans Serif" panose="02000603000000000000" pitchFamily="2" charset="0"/>
+              </a:endParaRPr>
+            </a:p>
+          </p:txBody>
+        </p:sp>
+        <p:sp>
+          <p:nvSpPr>
+            <p:cNvPr id="138" name="Textfeld 137">
+              <a:extLst>
+                <a:ext uri="{FF2B5EF4-FFF2-40B4-BE49-F238E27FC236}">
+                  <a16:creationId xmlns:a16="http://schemas.microsoft.com/office/drawing/2014/main" id="{C775D4E2-F220-4542-AE87-0A4D1F450469}"/>
+                </a:ext>
+              </a:extLst>
+            </p:cNvPr>
+            <p:cNvSpPr txBox="1"/>
+            <p:nvPr/>
+          </p:nvSpPr>
+          <p:spPr>
+            <a:xfrm>
+              <a:off x="4244765" y="3196322"/>
+              <a:ext cx="2238113" cy="307777"/>
+            </a:xfrm>
+            <a:prstGeom prst="rect">
+              <a:avLst/>
+            </a:prstGeom>
+            <a:noFill/>
+          </p:spPr>
+          <p:txBody>
+            <a:bodyPr wrap="none" rtlCol="0">
+              <a:spAutoFit/>
+            </a:bodyPr>
+            <a:lstStyle/>
+            <a:p>
+              <a:r>
+                <a:rPr lang="de-DE" sz="1400" dirty="0">
+                  <a:latin typeface="CMU Sans Serif" panose="02000603000000000000" pitchFamily="2" charset="0"/>
+                  <a:ea typeface="CMU Sans Serif" panose="02000603000000000000" pitchFamily="2" charset="0"/>
+                  <a:cs typeface="CMU Sans Serif" panose="02000603000000000000" pitchFamily="2" charset="0"/>
+                </a:rPr>
+                <a:t>Messung des BDI-II Wertes</a:t>
+              </a:r>
+            </a:p>
+          </p:txBody>
+        </p:sp>
+        <p:cxnSp>
+          <p:nvCxnSpPr>
+            <p:cNvPr id="139" name="Gerade Verbindung mit Pfeil 138">
+              <a:extLst>
+                <a:ext uri="{FF2B5EF4-FFF2-40B4-BE49-F238E27FC236}">
+                  <a16:creationId xmlns:a16="http://schemas.microsoft.com/office/drawing/2014/main" id="{2BB0EC12-0ACD-48C5-BEB1-4CE2F0D1972B}"/>
+                </a:ext>
+              </a:extLst>
+            </p:cNvPr>
+            <p:cNvCxnSpPr>
+              <a:cxnSpLocks/>
+            </p:cNvCxnSpPr>
+            <p:nvPr/>
+          </p:nvCxnSpPr>
+          <p:spPr>
+            <a:xfrm>
+              <a:off x="3928866" y="3200229"/>
+              <a:ext cx="2787041" cy="0"/>
+            </a:xfrm>
+            <a:prstGeom prst="straightConnector1">
+              <a:avLst/>
+            </a:prstGeom>
+            <a:ln>
+              <a:solidFill>
+                <a:schemeClr val="tx1"/>
+              </a:solidFill>
+              <a:tailEnd type="triangle"/>
+            </a:ln>
+          </p:spPr>
+          <p:style>
+            <a:lnRef idx="1">
+              <a:schemeClr val="accent1"/>
+            </a:lnRef>
+            <a:fillRef idx="0">
+              <a:schemeClr val="accent1"/>
+            </a:fillRef>
+            <a:effectRef idx="0">
+              <a:schemeClr val="accent1"/>
+            </a:effectRef>
+            <a:fontRef idx="minor">
+              <a:schemeClr val="tx1"/>
+            </a:fontRef>
+          </p:style>
+        </p:cxnSp>
+        <mc:AlternateContent xmlns:mc="http://schemas.openxmlformats.org/markup-compatibility/2006">
+          <mc:Choice xmlns:a14="http://schemas.microsoft.com/office/drawing/2010/main" Requires="a14">
+            <p:sp>
+              <p:nvSpPr>
+                <p:cNvPr id="140" name="Textfeld 139">
+                  <a:extLst>
+                    <a:ext uri="{FF2B5EF4-FFF2-40B4-BE49-F238E27FC236}">
+                      <a16:creationId xmlns:a16="http://schemas.microsoft.com/office/drawing/2014/main" id="{93C27196-9472-48E3-87A3-1B1098439649}"/>
+                    </a:ext>
+                  </a:extLst>
+                </p:cNvPr>
+                <p:cNvSpPr txBox="1"/>
+                <p:nvPr/>
+              </p:nvSpPr>
+              <p:spPr>
+                <a:xfrm>
+                  <a:off x="5084172" y="2841034"/>
+                  <a:ext cx="403059" cy="400110"/>
+                </a:xfrm>
+                <a:prstGeom prst="rect">
+                  <a:avLst/>
+                </a:prstGeom>
+                <a:noFill/>
+              </p:spPr>
+              <p:txBody>
+                <a:bodyPr wrap="none" rtlCol="0">
+                  <a:spAutoFit/>
+                </a:bodyPr>
+                <a:lstStyle/>
+                <a:p>
+                  <a:pPr/>
+                  <a14:m>
+                    <m:oMathPara xmlns:m="http://schemas.openxmlformats.org/officeDocument/2006/math">
+                      <m:oMathParaPr>
+                        <m:jc m:val="centerGroup"/>
+                      </m:oMathParaPr>
+                      <m:oMath xmlns:m="http://schemas.openxmlformats.org/officeDocument/2006/math">
+                        <m:r>
+                          <a:rPr lang="de-DE" sz="2000" b="0" i="1" dirty="0" smtClean="0">
+                            <a:latin typeface="Cambria Math" panose="02040503050406030204" pitchFamily="18" charset="0"/>
+                          </a:rPr>
+                          <m:t>𝜉</m:t>
+                        </m:r>
+                      </m:oMath>
+                    </m:oMathPara>
+                  </a14:m>
+                  <a:endParaRPr lang="de-DE" sz="2000" dirty="0">
                     <a:latin typeface="CMU Sans Serif" panose="02000603000000000000" pitchFamily="2" charset="0"/>
                     <a:ea typeface="CMU Sans Serif" panose="02000603000000000000" pitchFamily="2" charset="0"/>
                     <a:cs typeface="CMU Sans Serif" panose="02000603000000000000" pitchFamily="2" charset="0"/>
-                  </a:rPr>
-                  <a:t>Messung des Intelligenzquotienten</a:t>
-                </a:r>
-              </a:p>
-            </p:txBody>
-          </p:sp>
-          <p:cxnSp>
-            <p:nvCxnSpPr>
-              <p:cNvPr id="139" name="Gerade Verbindung mit Pfeil 138">
-                <a:extLst>
-                  <a:ext uri="{FF2B5EF4-FFF2-40B4-BE49-F238E27FC236}">
-                    <a16:creationId xmlns:a16="http://schemas.microsoft.com/office/drawing/2014/main" id="{2BB0EC12-0ACD-48C5-BEB1-4CE2F0D1972B}"/>
-                  </a:ext>
-                </a:extLst>
-              </p:cNvPr>
-              <p:cNvCxnSpPr>
-                <a:cxnSpLocks/>
-              </p:cNvCxnSpPr>
-              <p:nvPr/>
-            </p:nvCxnSpPr>
-            <p:spPr>
-              <a:xfrm>
-                <a:off x="3860381" y="1588463"/>
-                <a:ext cx="2787041" cy="0"/>
-              </a:xfrm>
-              <a:prstGeom prst="straightConnector1">
-                <a:avLst/>
-              </a:prstGeom>
-              <a:ln>
-                <a:solidFill>
-                  <a:schemeClr val="tx1"/>
-                </a:solidFill>
-                <a:tailEnd type="triangle"/>
-              </a:ln>
-            </p:spPr>
-            <p:style>
-              <a:lnRef idx="1">
-                <a:schemeClr val="accent1"/>
-              </a:lnRef>
-              <a:fillRef idx="0">
-                <a:schemeClr val="accent1"/>
-              </a:fillRef>
-              <a:effectRef idx="0">
-                <a:schemeClr val="accent1"/>
-              </a:effectRef>
-              <a:fontRef idx="minor">
+                  </a:endParaRPr>
+                </a:p>
+              </p:txBody>
+            </p:sp>
+          </mc:Choice>
+          <mc:Fallback>
+            <p:sp>
+              <p:nvSpPr>
+                <p:cNvPr id="140" name="Textfeld 139">
+                  <a:extLst>
+                    <a:ext uri="{FF2B5EF4-FFF2-40B4-BE49-F238E27FC236}">
+                      <a16:creationId xmlns:a16="http://schemas.microsoft.com/office/drawing/2014/main" id="{93C27196-9472-48E3-87A3-1B1098439649}"/>
+                    </a:ext>
+                  </a:extLst>
+                </p:cNvPr>
+                <p:cNvSpPr txBox="1">
+                  <a:spLocks noRot="1" noChangeAspect="1" noMove="1" noResize="1" noEditPoints="1" noAdjustHandles="1" noChangeArrowheads="1" noChangeShapeType="1" noTextEdit="1"/>
+                </p:cNvSpPr>
+                <p:nvPr/>
+              </p:nvSpPr>
+              <p:spPr>
+                <a:xfrm>
+                  <a:off x="5084172" y="2841034"/>
+                  <a:ext cx="403059" cy="400110"/>
+                </a:xfrm>
+                <a:prstGeom prst="rect">
+                  <a:avLst/>
+                </a:prstGeom>
+                <a:blipFill>
+                  <a:blip r:embed="rId11"/>
+                  <a:stretch>
+                    <a:fillRect b="-10606"/>
+                  </a:stretch>
+                </a:blipFill>
+              </p:spPr>
+              <p:txBody>
+                <a:bodyPr/>
+                <a:lstStyle/>
+                <a:p>
+                  <a:r>
+                    <a:rPr lang="de-DE">
+                      <a:noFill/>
+                    </a:rPr>
+                    <a:t> </a:t>
+                  </a:r>
+                </a:p>
+              </p:txBody>
+            </p:sp>
+          </mc:Fallback>
+        </mc:AlternateContent>
+        <p:cxnSp>
+          <p:nvCxnSpPr>
+            <p:cNvPr id="141" name="Gerade Verbindung mit Pfeil 140">
+              <a:extLst>
+                <a:ext uri="{FF2B5EF4-FFF2-40B4-BE49-F238E27FC236}">
+                  <a16:creationId xmlns:a16="http://schemas.microsoft.com/office/drawing/2014/main" id="{1CF41151-F265-4C3B-90DB-E97DF8C884E5}"/>
+                </a:ext>
+              </a:extLst>
+            </p:cNvPr>
+            <p:cNvCxnSpPr>
+              <a:cxnSpLocks/>
+            </p:cNvCxnSpPr>
+            <p:nvPr/>
+          </p:nvCxnSpPr>
+          <p:spPr>
+            <a:xfrm>
+              <a:off x="2101981" y="3200229"/>
+              <a:ext cx="917522" cy="0"/>
+            </a:xfrm>
+            <a:prstGeom prst="straightConnector1">
+              <a:avLst/>
+            </a:prstGeom>
+            <a:ln>
+              <a:solidFill>
                 <a:schemeClr val="tx1"/>
-              </a:fontRef>
-            </p:style>
-          </p:cxnSp>
-          <mc:AlternateContent xmlns:mc="http://schemas.openxmlformats.org/markup-compatibility/2006">
-            <mc:Choice xmlns:a14="http://schemas.microsoft.com/office/drawing/2010/main" Requires="a14">
-              <p:sp>
-                <p:nvSpPr>
-                  <p:cNvPr id="140" name="Textfeld 139">
-                    <a:extLst>
-                      <a:ext uri="{FF2B5EF4-FFF2-40B4-BE49-F238E27FC236}">
-                        <a16:creationId xmlns:a16="http://schemas.microsoft.com/office/drawing/2014/main" id="{93C27196-9472-48E3-87A3-1B1098439649}"/>
-                      </a:ext>
-                    </a:extLst>
-                  </p:cNvPr>
-                  <p:cNvSpPr txBox="1"/>
-                  <p:nvPr/>
-                </p:nvSpPr>
-                <p:spPr>
-                  <a:xfrm>
-                    <a:off x="5015687" y="1229268"/>
-                    <a:ext cx="403059" cy="400110"/>
-                  </a:xfrm>
-                  <a:prstGeom prst="rect">
-                    <a:avLst/>
-                  </a:prstGeom>
-                  <a:noFill/>
-                </p:spPr>
-                <p:txBody>
-                  <a:bodyPr wrap="none" rtlCol="0">
-                    <a:spAutoFit/>
-                  </a:bodyPr>
-                  <a:lstStyle/>
-                  <a:p>
-                    <a:pPr/>
-                    <a14:m>
-                      <m:oMathPara xmlns:m="http://schemas.openxmlformats.org/officeDocument/2006/math">
-                        <m:oMathParaPr>
-                          <m:jc m:val="centerGroup"/>
-                        </m:oMathParaPr>
-                        <m:oMath xmlns:m="http://schemas.openxmlformats.org/officeDocument/2006/math">
-                          <m:r>
-                            <a:rPr lang="de-DE" sz="2000" b="0" i="1" dirty="0" smtClean="0">
-                              <a:latin typeface="Cambria Math" panose="02040503050406030204" pitchFamily="18" charset="0"/>
-                            </a:rPr>
-                            <m:t>𝜉</m:t>
-                          </m:r>
-                        </m:oMath>
-                      </m:oMathPara>
-                    </a14:m>
-                    <a:endParaRPr lang="de-DE" sz="2000" dirty="0">
-                      <a:latin typeface="CMU Sans Serif" panose="02000603000000000000" pitchFamily="2" charset="0"/>
-                      <a:ea typeface="CMU Sans Serif" panose="02000603000000000000" pitchFamily="2" charset="0"/>
-                      <a:cs typeface="CMU Sans Serif" panose="02000603000000000000" pitchFamily="2" charset="0"/>
-                    </a:endParaRPr>
-                  </a:p>
-                </p:txBody>
-              </p:sp>
-            </mc:Choice>
-            <mc:Fallback>
-              <p:sp>
-                <p:nvSpPr>
-                  <p:cNvPr id="140" name="Textfeld 139">
-                    <a:extLst>
-                      <a:ext uri="{FF2B5EF4-FFF2-40B4-BE49-F238E27FC236}">
-                        <a16:creationId xmlns:a16="http://schemas.microsoft.com/office/drawing/2014/main" id="{93C27196-9472-48E3-87A3-1B1098439649}"/>
-                      </a:ext>
-                    </a:extLst>
-                  </p:cNvPr>
-                  <p:cNvSpPr txBox="1">
-                    <a:spLocks noRot="1" noChangeAspect="1" noMove="1" noResize="1" noEditPoints="1" noAdjustHandles="1" noChangeArrowheads="1" noChangeShapeType="1" noTextEdit="1"/>
-                  </p:cNvSpPr>
-                  <p:nvPr/>
-                </p:nvSpPr>
-                <p:spPr>
-                  <a:xfrm>
-                    <a:off x="5015687" y="1229268"/>
-                    <a:ext cx="403059" cy="400110"/>
-                  </a:xfrm>
-                  <a:prstGeom prst="rect">
-                    <a:avLst/>
-                  </a:prstGeom>
-                  <a:blipFill>
-                    <a:blip r:embed="rId11"/>
-                    <a:stretch>
-                      <a:fillRect b="-10606"/>
-                    </a:stretch>
-                  </a:blipFill>
-                </p:spPr>
-                <p:txBody>
-                  <a:bodyPr/>
-                  <a:lstStyle/>
-                  <a:p>
-                    <a:r>
-                      <a:rPr lang="de-DE">
-                        <a:noFill/>
-                      </a:rPr>
-                      <a:t> </a:t>
-                    </a:r>
-                  </a:p>
-                </p:txBody>
-              </p:sp>
-            </mc:Fallback>
-          </mc:AlternateContent>
-          <p:cxnSp>
-            <p:nvCxnSpPr>
-              <p:cNvPr id="141" name="Gerade Verbindung mit Pfeil 140">
-                <a:extLst>
-                  <a:ext uri="{FF2B5EF4-FFF2-40B4-BE49-F238E27FC236}">
-                    <a16:creationId xmlns:a16="http://schemas.microsoft.com/office/drawing/2014/main" id="{1CF41151-F265-4C3B-90DB-E97DF8C884E5}"/>
-                  </a:ext>
-                </a:extLst>
-              </p:cNvPr>
-              <p:cNvCxnSpPr>
-                <a:cxnSpLocks/>
-              </p:cNvCxnSpPr>
-              <p:nvPr/>
-            </p:nvCxnSpPr>
-            <p:spPr>
-              <a:xfrm>
-                <a:off x="2033496" y="1588463"/>
-                <a:ext cx="917522" cy="0"/>
-              </a:xfrm>
-              <a:prstGeom prst="straightConnector1">
-                <a:avLst/>
-              </a:prstGeom>
-              <a:ln>
-                <a:solidFill>
-                  <a:schemeClr val="tx1"/>
-                </a:solidFill>
-                <a:tailEnd type="triangle"/>
-              </a:ln>
-            </p:spPr>
-            <p:style>
-              <a:lnRef idx="1">
-                <a:schemeClr val="accent1"/>
-              </a:lnRef>
-              <a:fillRef idx="0">
-                <a:schemeClr val="accent1"/>
-              </a:fillRef>
-              <a:effectRef idx="0">
-                <a:schemeClr val="accent1"/>
-              </a:effectRef>
-              <a:fontRef idx="minor">
-                <a:schemeClr val="tx1"/>
-              </a:fontRef>
-            </p:style>
-          </p:cxnSp>
-          <mc:AlternateContent xmlns:mc="http://schemas.openxmlformats.org/markup-compatibility/2006" xmlns:a14="http://schemas.microsoft.com/office/drawing/2010/main">
-            <mc:Choice Requires="a14">
-              <p:sp>
-                <p:nvSpPr>
-                  <p:cNvPr id="142" name="Textfeld 141">
-                    <a:extLst>
-                      <a:ext uri="{FF2B5EF4-FFF2-40B4-BE49-F238E27FC236}">
-                        <a16:creationId xmlns:a16="http://schemas.microsoft.com/office/drawing/2014/main" id="{FD9D862B-1B1A-41EA-9254-9042FA462986}"/>
-                      </a:ext>
-                    </a:extLst>
-                  </p:cNvPr>
-                  <p:cNvSpPr txBox="1"/>
-                  <p:nvPr/>
-                </p:nvSpPr>
-                <p:spPr>
-                  <a:xfrm>
-                    <a:off x="2154266" y="1211205"/>
-                    <a:ext cx="695383" cy="246221"/>
-                  </a:xfrm>
-                  <a:prstGeom prst="rect">
-                    <a:avLst/>
-                  </a:prstGeom>
-                  <a:noFill/>
-                </p:spPr>
-                <p:txBody>
-                  <a:bodyPr wrap="none" lIns="0" tIns="0" rIns="0" bIns="0" rtlCol="0">
-                    <a:spAutoFit/>
-                  </a:bodyPr>
-                  <a:lstStyle/>
-                  <a:p>
-                    <a:pPr/>
-                    <a14:m>
-                      <m:oMathPara xmlns:m="http://schemas.openxmlformats.org/officeDocument/2006/math">
-                        <m:oMathParaPr>
-                          <m:jc m:val="centerGroup"/>
-                        </m:oMathParaPr>
-                        <m:oMath xmlns:m="http://schemas.openxmlformats.org/officeDocument/2006/math">
-                          <m:r>
-                            <a:rPr lang="de-DE" sz="1600" i="1">
-                              <a:latin typeface="Cambria Math" panose="02040503050406030204" pitchFamily="18" charset="0"/>
-                            </a:rPr>
-                            <m:t>ℙ</m:t>
-                          </m:r>
-                          <m:r>
-                            <a:rPr lang="de-DE" sz="1600" i="1">
-                              <a:latin typeface="Cambria Math" panose="02040503050406030204" pitchFamily="18" charset="0"/>
-                            </a:rPr>
-                            <m:t>({</m:t>
-                          </m:r>
-                          <m:r>
-                            <a:rPr lang="de-DE" sz="1600" i="1">
-                              <a:latin typeface="Cambria Math" panose="02040503050406030204" pitchFamily="18" charset="0"/>
-                            </a:rPr>
-                            <m:t>𝜔</m:t>
-                          </m:r>
-                          <m:r>
-                            <a:rPr lang="de-DE" sz="1600" i="1">
-                              <a:latin typeface="Cambria Math" panose="02040503050406030204" pitchFamily="18" charset="0"/>
-                            </a:rPr>
-                            <m:t>})</m:t>
-                          </m:r>
-                        </m:oMath>
-                      </m:oMathPara>
-                    </a14:m>
-                    <a:endParaRPr lang="de-DE" sz="1600" dirty="0">
-                      <a:latin typeface="CMU Sans Serif" panose="02000603000000000000" pitchFamily="2" charset="0"/>
-                      <a:ea typeface="CMU Sans Serif" panose="02000603000000000000" pitchFamily="2" charset="0"/>
-                      <a:cs typeface="CMU Sans Serif" panose="02000603000000000000" pitchFamily="2" charset="0"/>
-                    </a:endParaRPr>
-                  </a:p>
-                </p:txBody>
-              </p:sp>
-            </mc:Choice>
-            <mc:Fallback xmlns="">
-              <p:sp>
-                <p:nvSpPr>
-                  <p:cNvPr id="142" name="Textfeld 141">
-                    <a:extLst>
-                      <a:ext uri="{FF2B5EF4-FFF2-40B4-BE49-F238E27FC236}">
-                        <a16:creationId xmlns:a16="http://schemas.microsoft.com/office/drawing/2014/main" id="{FD9D862B-1B1A-41EA-9254-9042FA462986}"/>
-                      </a:ext>
-                    </a:extLst>
-                  </p:cNvPr>
-                  <p:cNvSpPr txBox="1">
-                    <a:spLocks noRot="1" noChangeAspect="1" noMove="1" noResize="1" noEditPoints="1" noAdjustHandles="1" noChangeArrowheads="1" noChangeShapeType="1" noTextEdit="1"/>
-                  </p:cNvSpPr>
-                  <p:nvPr/>
-                </p:nvSpPr>
-                <p:spPr>
-                  <a:xfrm>
-                    <a:off x="2154266" y="1211205"/>
-                    <a:ext cx="695383" cy="246221"/>
-                  </a:xfrm>
-                  <a:prstGeom prst="rect">
-                    <a:avLst/>
-                  </a:prstGeom>
-                  <a:blipFill>
-                    <a:blip r:embed="rId12"/>
-                    <a:stretch>
-                      <a:fillRect l="-5263" t="-5000" r="-7895" b="-30000"/>
-                    </a:stretch>
-                  </a:blipFill>
-                </p:spPr>
-                <p:txBody>
-                  <a:bodyPr/>
-                  <a:lstStyle/>
-                  <a:p>
-                    <a:r>
-                      <a:rPr lang="de-DE">
-                        <a:noFill/>
-                      </a:rPr>
-                      <a:t> </a:t>
-                    </a:r>
-                  </a:p>
-                </p:txBody>
-              </p:sp>
-            </mc:Fallback>
-          </mc:AlternateContent>
-          <mc:AlternateContent xmlns:mc="http://schemas.openxmlformats.org/markup-compatibility/2006" xmlns:a14="http://schemas.microsoft.com/office/drawing/2010/main">
-            <mc:Choice Requires="a14">
-              <p:sp>
-                <p:nvSpPr>
-                  <p:cNvPr id="143" name="Textfeld 142">
-                    <a:extLst>
-                      <a:ext uri="{FF2B5EF4-FFF2-40B4-BE49-F238E27FC236}">
-                        <a16:creationId xmlns:a16="http://schemas.microsoft.com/office/drawing/2014/main" id="{DB1ACDE8-E4C5-4B08-89BD-719D1065593E}"/>
-                      </a:ext>
-                    </a:extLst>
-                  </p:cNvPr>
-                  <p:cNvSpPr txBox="1"/>
-                  <p:nvPr/>
-                </p:nvSpPr>
-                <p:spPr>
-                  <a:xfrm>
-                    <a:off x="6895442" y="1373020"/>
-                    <a:ext cx="745717" cy="430887"/>
-                  </a:xfrm>
-                  <a:prstGeom prst="rect">
-                    <a:avLst/>
-                  </a:prstGeom>
-                  <a:noFill/>
-                </p:spPr>
-                <p:txBody>
-                  <a:bodyPr wrap="none" rtlCol="0">
-                    <a:spAutoFit/>
-                  </a:bodyPr>
-                  <a:lstStyle/>
-                  <a:p>
-                    <a:pPr/>
-                    <a14:m>
-                      <m:oMathPara xmlns:m="http://schemas.openxmlformats.org/officeDocument/2006/math">
-                        <m:oMathParaPr>
-                          <m:jc m:val="centerGroup"/>
-                        </m:oMathParaPr>
-                        <m:oMath xmlns:m="http://schemas.openxmlformats.org/officeDocument/2006/math">
-                          <m:r>
-                            <a:rPr lang="de-DE" sz="2200" i="1" dirty="0">
-                              <a:latin typeface="Cambria Math" panose="02040503050406030204" pitchFamily="18" charset="0"/>
-                            </a:rPr>
-                            <m:t>130</m:t>
-                          </m:r>
-                        </m:oMath>
-                      </m:oMathPara>
-                    </a14:m>
-                    <a:endParaRPr lang="de-DE" sz="2200" dirty="0">
-                      <a:latin typeface="CMU Sans Serif" panose="02000603000000000000" pitchFamily="2" charset="0"/>
-                      <a:ea typeface="CMU Sans Serif" panose="02000603000000000000" pitchFamily="2" charset="0"/>
-                      <a:cs typeface="CMU Sans Serif" panose="02000603000000000000" pitchFamily="2" charset="0"/>
-                    </a:endParaRPr>
-                  </a:p>
-                </p:txBody>
-              </p:sp>
-            </mc:Choice>
-            <mc:Fallback xmlns="">
-              <p:sp>
-                <p:nvSpPr>
-                  <p:cNvPr id="143" name="Textfeld 142">
-                    <a:extLst>
-                      <a:ext uri="{FF2B5EF4-FFF2-40B4-BE49-F238E27FC236}">
-                        <a16:creationId xmlns:a16="http://schemas.microsoft.com/office/drawing/2014/main" id="{DB1ACDE8-E4C5-4B08-89BD-719D1065593E}"/>
-                      </a:ext>
-                    </a:extLst>
-                  </p:cNvPr>
-                  <p:cNvSpPr txBox="1">
-                    <a:spLocks noRot="1" noChangeAspect="1" noMove="1" noResize="1" noEditPoints="1" noAdjustHandles="1" noChangeArrowheads="1" noChangeShapeType="1" noTextEdit="1"/>
-                  </p:cNvSpPr>
-                  <p:nvPr/>
-                </p:nvSpPr>
-                <p:spPr>
-                  <a:xfrm>
-                    <a:off x="6895442" y="1373020"/>
-                    <a:ext cx="745717" cy="430887"/>
-                  </a:xfrm>
-                  <a:prstGeom prst="rect">
-                    <a:avLst/>
-                  </a:prstGeom>
-                  <a:blipFill>
-                    <a:blip r:embed="rId13"/>
-                    <a:stretch>
-                      <a:fillRect/>
-                    </a:stretch>
-                  </a:blipFill>
-                </p:spPr>
-                <p:txBody>
-                  <a:bodyPr/>
-                  <a:lstStyle/>
-                  <a:p>
-                    <a:r>
-                      <a:rPr lang="de-DE">
-                        <a:noFill/>
-                      </a:rPr>
-                      <a:t> </a:t>
-                    </a:r>
-                  </a:p>
-                </p:txBody>
-              </p:sp>
-            </mc:Fallback>
-          </mc:AlternateContent>
-        </p:grpSp>
+              </a:solidFill>
+              <a:tailEnd type="triangle"/>
+            </a:ln>
+          </p:spPr>
+          <p:style>
+            <a:lnRef idx="1">
+              <a:schemeClr val="accent1"/>
+            </a:lnRef>
+            <a:fillRef idx="0">
+              <a:schemeClr val="accent1"/>
+            </a:fillRef>
+            <a:effectRef idx="0">
+              <a:schemeClr val="accent1"/>
+            </a:effectRef>
+            <a:fontRef idx="minor">
+              <a:schemeClr val="tx1"/>
+            </a:fontRef>
+          </p:style>
+        </p:cxnSp>
+        <mc:AlternateContent xmlns:mc="http://schemas.openxmlformats.org/markup-compatibility/2006">
+          <mc:Choice xmlns:a14="http://schemas.microsoft.com/office/drawing/2010/main" Requires="a14">
+            <p:sp>
+              <p:nvSpPr>
+                <p:cNvPr id="142" name="Textfeld 141">
+                  <a:extLst>
+                    <a:ext uri="{FF2B5EF4-FFF2-40B4-BE49-F238E27FC236}">
+                      <a16:creationId xmlns:a16="http://schemas.microsoft.com/office/drawing/2014/main" id="{FD9D862B-1B1A-41EA-9254-9042FA462986}"/>
+                    </a:ext>
+                  </a:extLst>
+                </p:cNvPr>
+                <p:cNvSpPr txBox="1"/>
+                <p:nvPr/>
+              </p:nvSpPr>
+              <p:spPr>
+                <a:xfrm>
+                  <a:off x="2222751" y="2822971"/>
+                  <a:ext cx="695383" cy="246221"/>
+                </a:xfrm>
+                <a:prstGeom prst="rect">
+                  <a:avLst/>
+                </a:prstGeom>
+                <a:noFill/>
+              </p:spPr>
+              <p:txBody>
+                <a:bodyPr wrap="none" lIns="0" tIns="0" rIns="0" bIns="0" rtlCol="0">
+                  <a:spAutoFit/>
+                </a:bodyPr>
+                <a:lstStyle/>
+                <a:p>
+                  <a:pPr/>
+                  <a14:m>
+                    <m:oMathPara xmlns:m="http://schemas.openxmlformats.org/officeDocument/2006/math">
+                      <m:oMathParaPr>
+                        <m:jc m:val="centerGroup"/>
+                      </m:oMathParaPr>
+                      <m:oMath xmlns:m="http://schemas.openxmlformats.org/officeDocument/2006/math">
+                        <m:r>
+                          <a:rPr lang="de-DE" sz="1600" i="1">
+                            <a:latin typeface="Cambria Math" panose="02040503050406030204" pitchFamily="18" charset="0"/>
+                          </a:rPr>
+                          <m:t>ℙ</m:t>
+                        </m:r>
+                        <m:r>
+                          <a:rPr lang="de-DE" sz="1600" i="1">
+                            <a:latin typeface="Cambria Math" panose="02040503050406030204" pitchFamily="18" charset="0"/>
+                          </a:rPr>
+                          <m:t>({</m:t>
+                        </m:r>
+                        <m:r>
+                          <a:rPr lang="de-DE" sz="1600" i="1">
+                            <a:latin typeface="Cambria Math" panose="02040503050406030204" pitchFamily="18" charset="0"/>
+                          </a:rPr>
+                          <m:t>𝜔</m:t>
+                        </m:r>
+                        <m:r>
+                          <a:rPr lang="de-DE" sz="1600" i="1">
+                            <a:latin typeface="Cambria Math" panose="02040503050406030204" pitchFamily="18" charset="0"/>
+                          </a:rPr>
+                          <m:t>})</m:t>
+                        </m:r>
+                      </m:oMath>
+                    </m:oMathPara>
+                  </a14:m>
+                  <a:endParaRPr lang="de-DE" sz="1600" dirty="0">
+                    <a:latin typeface="CMU Sans Serif" panose="02000603000000000000" pitchFamily="2" charset="0"/>
+                    <a:ea typeface="CMU Sans Serif" panose="02000603000000000000" pitchFamily="2" charset="0"/>
+                    <a:cs typeface="CMU Sans Serif" panose="02000603000000000000" pitchFamily="2" charset="0"/>
+                  </a:endParaRPr>
+                </a:p>
+              </p:txBody>
+            </p:sp>
+          </mc:Choice>
+          <mc:Fallback>
+            <p:sp>
+              <p:nvSpPr>
+                <p:cNvPr id="142" name="Textfeld 141">
+                  <a:extLst>
+                    <a:ext uri="{FF2B5EF4-FFF2-40B4-BE49-F238E27FC236}">
+                      <a16:creationId xmlns:a16="http://schemas.microsoft.com/office/drawing/2014/main" id="{FD9D862B-1B1A-41EA-9254-9042FA462986}"/>
+                    </a:ext>
+                  </a:extLst>
+                </p:cNvPr>
+                <p:cNvSpPr txBox="1">
+                  <a:spLocks noRot="1" noChangeAspect="1" noMove="1" noResize="1" noEditPoints="1" noAdjustHandles="1" noChangeArrowheads="1" noChangeShapeType="1" noTextEdit="1"/>
+                </p:cNvSpPr>
+                <p:nvPr/>
+              </p:nvSpPr>
+              <p:spPr>
+                <a:xfrm>
+                  <a:off x="2222751" y="2822971"/>
+                  <a:ext cx="695383" cy="246221"/>
+                </a:xfrm>
+                <a:prstGeom prst="rect">
+                  <a:avLst/>
+                </a:prstGeom>
+                <a:blipFill>
+                  <a:blip r:embed="rId12"/>
+                  <a:stretch>
+                    <a:fillRect l="-5263" t="-4878" r="-7895" b="-26829"/>
+                  </a:stretch>
+                </a:blipFill>
+              </p:spPr>
+              <p:txBody>
+                <a:bodyPr/>
+                <a:lstStyle/>
+                <a:p>
+                  <a:r>
+                    <a:rPr lang="de-DE">
+                      <a:noFill/>
+                    </a:rPr>
+                    <a:t> </a:t>
+                  </a:r>
+                </a:p>
+              </p:txBody>
+            </p:sp>
+          </mc:Fallback>
+        </mc:AlternateContent>
+        <mc:AlternateContent xmlns:mc="http://schemas.openxmlformats.org/markup-compatibility/2006">
+          <mc:Choice xmlns:a14="http://schemas.microsoft.com/office/drawing/2010/main" Requires="a14">
+            <p:sp>
+              <p:nvSpPr>
+                <p:cNvPr id="143" name="Textfeld 142">
+                  <a:extLst>
+                    <a:ext uri="{FF2B5EF4-FFF2-40B4-BE49-F238E27FC236}">
+                      <a16:creationId xmlns:a16="http://schemas.microsoft.com/office/drawing/2014/main" id="{DB1ACDE8-E4C5-4B08-89BD-719D1065593E}"/>
+                    </a:ext>
+                  </a:extLst>
+                </p:cNvPr>
+                <p:cNvSpPr txBox="1"/>
+                <p:nvPr/>
+              </p:nvSpPr>
+              <p:spPr>
+                <a:xfrm>
+                  <a:off x="7046752" y="2984786"/>
+                  <a:ext cx="590225" cy="430887"/>
+                </a:xfrm>
+                <a:prstGeom prst="rect">
+                  <a:avLst/>
+                </a:prstGeom>
+                <a:noFill/>
+              </p:spPr>
+              <p:txBody>
+                <a:bodyPr wrap="none" rtlCol="0">
+                  <a:spAutoFit/>
+                </a:bodyPr>
+                <a:lstStyle/>
+                <a:p>
+                  <a:pPr/>
+                  <a14:m>
+                    <m:oMathPara xmlns:m="http://schemas.openxmlformats.org/officeDocument/2006/math">
+                      <m:oMathParaPr>
+                        <m:jc m:val="centerGroup"/>
+                      </m:oMathParaPr>
+                      <m:oMath xmlns:m="http://schemas.openxmlformats.org/officeDocument/2006/math">
+                        <m:r>
+                          <a:rPr lang="de-DE" sz="2200" i="1" dirty="0" smtClean="0">
+                            <a:latin typeface="Cambria Math" panose="02040503050406030204" pitchFamily="18" charset="0"/>
+                          </a:rPr>
+                          <m:t>3</m:t>
+                        </m:r>
+                        <m:r>
+                          <a:rPr lang="de-DE" sz="2200" b="0" i="1" dirty="0" smtClean="0">
+                            <a:latin typeface="Cambria Math" panose="02040503050406030204" pitchFamily="18" charset="0"/>
+                          </a:rPr>
+                          <m:t>7</m:t>
+                        </m:r>
+                      </m:oMath>
+                    </m:oMathPara>
+                  </a14:m>
+                  <a:endParaRPr lang="de-DE" sz="2200" dirty="0">
+                    <a:latin typeface="CMU Sans Serif" panose="02000603000000000000" pitchFamily="2" charset="0"/>
+                    <a:ea typeface="CMU Sans Serif" panose="02000603000000000000" pitchFamily="2" charset="0"/>
+                    <a:cs typeface="CMU Sans Serif" panose="02000603000000000000" pitchFamily="2" charset="0"/>
+                  </a:endParaRPr>
+                </a:p>
+              </p:txBody>
+            </p:sp>
+          </mc:Choice>
+          <mc:Fallback>
+            <p:sp>
+              <p:nvSpPr>
+                <p:cNvPr id="143" name="Textfeld 142">
+                  <a:extLst>
+                    <a:ext uri="{FF2B5EF4-FFF2-40B4-BE49-F238E27FC236}">
+                      <a16:creationId xmlns:a16="http://schemas.microsoft.com/office/drawing/2014/main" id="{DB1ACDE8-E4C5-4B08-89BD-719D1065593E}"/>
+                    </a:ext>
+                  </a:extLst>
+                </p:cNvPr>
+                <p:cNvSpPr txBox="1">
+                  <a:spLocks noRot="1" noChangeAspect="1" noMove="1" noResize="1" noEditPoints="1" noAdjustHandles="1" noChangeArrowheads="1" noChangeShapeType="1" noTextEdit="1"/>
+                </p:cNvSpPr>
+                <p:nvPr/>
+              </p:nvSpPr>
+              <p:spPr>
+                <a:xfrm>
+                  <a:off x="7046752" y="2984786"/>
+                  <a:ext cx="590225" cy="430887"/>
+                </a:xfrm>
+                <a:prstGeom prst="rect">
+                  <a:avLst/>
+                </a:prstGeom>
+                <a:blipFill>
+                  <a:blip r:embed="rId13"/>
+                  <a:stretch>
+                    <a:fillRect/>
+                  </a:stretch>
+                </a:blipFill>
+              </p:spPr>
+              <p:txBody>
+                <a:bodyPr/>
+                <a:lstStyle/>
+                <a:p>
+                  <a:r>
+                    <a:rPr lang="de-DE">
+                      <a:noFill/>
+                    </a:rPr>
+                    <a:t> </a:t>
+                  </a:r>
+                </a:p>
+              </p:txBody>
+            </p:sp>
+          </mc:Fallback>
+        </mc:AlternateContent>
         <p:sp>
           <p:nvSpPr>
             <p:cNvPr id="135" name="Textfeld 134">
@@ -7806,7 +7749,7 @@
           </p:nvSpPr>
           <p:spPr>
             <a:xfrm>
-              <a:off x="513507" y="710364"/>
+              <a:off x="568740" y="2322130"/>
               <a:ext cx="1343638" cy="338554"/>
             </a:xfrm>
             <a:prstGeom prst="rect">
@@ -7831,29 +7774,8 @@
             </a:p>
           </p:txBody>
         </p:sp>
-      </p:grpSp>
-      <p:grpSp>
-        <p:nvGrpSpPr>
-          <p:cNvPr id="156" name="Gruppieren 155">
-            <a:extLst>
-              <a:ext uri="{FF2B5EF4-FFF2-40B4-BE49-F238E27FC236}">
-                <a16:creationId xmlns:a16="http://schemas.microsoft.com/office/drawing/2014/main" id="{E7C1CB69-0A4C-4F92-8EA9-D20C2A856F2A}"/>
-              </a:ext>
-            </a:extLst>
-          </p:cNvPr>
-          <p:cNvGrpSpPr/>
-          <p:nvPr/>
-        </p:nvGrpSpPr>
-        <p:grpSpPr>
-          <a:xfrm>
-            <a:off x="424745" y="5270363"/>
-            <a:ext cx="7284899" cy="1357927"/>
-            <a:chOff x="356260" y="710364"/>
-            <a:chExt cx="7284899" cy="1357927"/>
-          </a:xfrm>
-        </p:grpSpPr>
-        <mc:AlternateContent xmlns:mc="http://schemas.openxmlformats.org/markup-compatibility/2006" xmlns:a14="http://schemas.microsoft.com/office/drawing/2010/main">
-          <mc:Choice Requires="a14">
+        <mc:AlternateContent xmlns:mc="http://schemas.openxmlformats.org/markup-compatibility/2006">
+          <mc:Choice xmlns:a14="http://schemas.microsoft.com/office/drawing/2010/main" Requires="a14">
             <p:sp>
               <p:nvSpPr>
                 <p:cNvPr id="157" name="Textfeld 156">
@@ -7868,7 +7790,7 @@
               </p:nvSpPr>
               <p:spPr>
                 <a:xfrm>
-                  <a:off x="3047379" y="738074"/>
+                  <a:off x="3115864" y="5218561"/>
                   <a:ext cx="678327" cy="276999"/>
                 </a:xfrm>
                 <a:prstGeom prst="rect">
@@ -7922,7 +7844,7 @@
               </p:txBody>
             </p:sp>
           </mc:Choice>
-          <mc:Fallback xmlns="">
+          <mc:Fallback>
             <p:sp>
               <p:nvSpPr>
                 <p:cNvPr id="157" name="Textfeld 156">
@@ -7939,7 +7861,7 @@
               </p:nvSpPr>
               <p:spPr>
                 <a:xfrm>
-                  <a:off x="3047379" y="738074"/>
+                  <a:off x="3115864" y="5218561"/>
                   <a:ext cx="678327" cy="276999"/>
                 </a:xfrm>
                 <a:prstGeom prst="rect">
@@ -7967,8 +7889,8 @@
             </p:sp>
           </mc:Fallback>
         </mc:AlternateContent>
-        <mc:AlternateContent xmlns:mc="http://schemas.openxmlformats.org/markup-compatibility/2006" xmlns:a14="http://schemas.microsoft.com/office/drawing/2010/main">
-          <mc:Choice Requires="a14">
+        <mc:AlternateContent xmlns:mc="http://schemas.openxmlformats.org/markup-compatibility/2006">
+          <mc:Choice xmlns:a14="http://schemas.microsoft.com/office/drawing/2010/main" Requires="a14">
             <p:sp>
               <p:nvSpPr>
                 <p:cNvPr id="158" name="Textfeld 157">
@@ -7983,7 +7905,7 @@
               </p:nvSpPr>
               <p:spPr>
                 <a:xfrm>
-                  <a:off x="5126462" y="738074"/>
+                  <a:off x="5194947" y="5218561"/>
                   <a:ext cx="278923" cy="276999"/>
                 </a:xfrm>
                 <a:prstGeom prst="rect">
@@ -8022,7 +7944,7 @@
               </p:txBody>
             </p:sp>
           </mc:Choice>
-          <mc:Fallback xmlns="">
+          <mc:Fallback>
             <p:sp>
               <p:nvSpPr>
                 <p:cNvPr id="158" name="Textfeld 157">
@@ -8039,7 +7961,7 @@
               </p:nvSpPr>
               <p:spPr>
                 <a:xfrm>
-                  <a:off x="5126462" y="738074"/>
+                  <a:off x="5194947" y="5218561"/>
                   <a:ext cx="278923" cy="276999"/>
                 </a:xfrm>
                 <a:prstGeom prst="rect">
@@ -8083,7 +8005,7 @@
               </p:nvSpPr>
               <p:spPr>
                 <a:xfrm>
-                  <a:off x="7013238" y="738074"/>
+                  <a:off x="7081723" y="5218561"/>
                   <a:ext cx="560730" cy="276999"/>
                 </a:xfrm>
                 <a:prstGeom prst="rect">
@@ -8157,7 +8079,7 @@
               </p:nvSpPr>
               <p:spPr>
                 <a:xfrm>
-                  <a:off x="7013238" y="738074"/>
+                  <a:off x="7081723" y="5218561"/>
                   <a:ext cx="560730" cy="276999"/>
                 </a:xfrm>
                 <a:prstGeom prst="rect">
@@ -8187,10 +8109,10 @@
         </mc:AlternateContent>
         <p:grpSp>
           <p:nvGrpSpPr>
-            <p:cNvPr id="160" name="Gruppieren 159">
+            <p:cNvPr id="162" name="Gruppieren 161">
               <a:extLst>
                 <a:ext uri="{FF2B5EF4-FFF2-40B4-BE49-F238E27FC236}">
-                  <a16:creationId xmlns:a16="http://schemas.microsoft.com/office/drawing/2014/main" id="{179D571A-0B36-4943-8E93-0B4C9D711BE8}"/>
+                  <a16:creationId xmlns:a16="http://schemas.microsoft.com/office/drawing/2014/main" id="{B66E2AC9-5B5E-4D2A-A054-F31B57D41E5F}"/>
                 </a:ext>
               </a:extLst>
             </p:cNvPr>
@@ -8199,18 +8121,78 @@
           </p:nvGrpSpPr>
           <p:grpSpPr>
             <a:xfrm>
-              <a:off x="356260" y="1108635"/>
-              <a:ext cx="7284899" cy="959656"/>
-              <a:chOff x="356260" y="1108635"/>
-              <a:chExt cx="7284899" cy="959656"/>
+              <a:off x="424745" y="5589122"/>
+              <a:ext cx="1585356" cy="959656"/>
+              <a:chOff x="356260" y="1027216"/>
+              <a:chExt cx="1585356" cy="959656"/>
             </a:xfrm>
           </p:grpSpPr>
+          <p:sp>
+            <p:nvSpPr>
+              <p:cNvPr id="170" name="Ellipse 169">
+                <a:extLst>
+                  <a:ext uri="{FF2B5EF4-FFF2-40B4-BE49-F238E27FC236}">
+                    <a16:creationId xmlns:a16="http://schemas.microsoft.com/office/drawing/2014/main" id="{F4EB821E-C7E5-47B4-AAA9-1E07864F3A66}"/>
+                  </a:ext>
+                </a:extLst>
+              </p:cNvPr>
+              <p:cNvSpPr/>
+              <p:nvPr/>
+            </p:nvSpPr>
+            <p:spPr>
+              <a:xfrm>
+                <a:off x="356260" y="1027216"/>
+                <a:ext cx="1585356" cy="919196"/>
+              </a:xfrm>
+              <a:prstGeom prst="ellipse">
+                <a:avLst/>
+              </a:prstGeom>
+              <a:solidFill>
+                <a:schemeClr val="bg1">
+                  <a:lumMod val="95000"/>
+                </a:schemeClr>
+              </a:solidFill>
+              <a:ln>
+                <a:solidFill>
+                  <a:schemeClr val="bg1"/>
+                </a:solidFill>
+              </a:ln>
+            </p:spPr>
+            <p:style>
+              <a:lnRef idx="2">
+                <a:schemeClr val="accent1">
+                  <a:shade val="50000"/>
+                </a:schemeClr>
+              </a:lnRef>
+              <a:fillRef idx="1">
+                <a:schemeClr val="accent1"/>
+              </a:fillRef>
+              <a:effectRef idx="0">
+                <a:schemeClr val="accent1"/>
+              </a:effectRef>
+              <a:fontRef idx="minor">
+                <a:schemeClr val="lt1"/>
+              </a:fontRef>
+            </p:style>
+            <p:txBody>
+              <a:bodyPr rtlCol="0" anchor="ctr"/>
+              <a:lstStyle/>
+              <a:p>
+                <a:pPr algn="ctr"/>
+                <a:endParaRPr lang="de-DE">
+                  <a:latin typeface="CMU Sans Serif" panose="02000603000000000000" pitchFamily="2" charset="0"/>
+                  <a:ea typeface="CMU Sans Serif" panose="02000603000000000000" pitchFamily="2" charset="0"/>
+                  <a:cs typeface="CMU Sans Serif" panose="02000603000000000000" pitchFamily="2" charset="0"/>
+                </a:endParaRPr>
+              </a:p>
+            </p:txBody>
+          </p:sp>
           <p:grpSp>
             <p:nvGrpSpPr>
-              <p:cNvPr id="162" name="Gruppieren 161">
+              <p:cNvPr id="171" name="Gruppieren 170">
                 <a:extLst>
                   <a:ext uri="{FF2B5EF4-FFF2-40B4-BE49-F238E27FC236}">
-                    <a16:creationId xmlns:a16="http://schemas.microsoft.com/office/drawing/2014/main" id="{B66E2AC9-5B5E-4D2A-A054-F31B57D41E5F}"/>
+                    <a16:creationId xmlns:a16="http://schemas.microsoft.com/office/drawing/2014/main" id="{05268A2E-B17B-455B-8C52-B326395F4A70}"/>
                   </a:ext>
                 </a:extLst>
               </p:cNvPr>
@@ -8219,65 +8201,50 @@
             </p:nvGrpSpPr>
             <p:grpSpPr>
               <a:xfrm>
-                <a:off x="356260" y="1108635"/>
-                <a:ext cx="1585356" cy="959656"/>
-                <a:chOff x="356260" y="1027216"/>
-                <a:chExt cx="1585356" cy="959656"/>
+                <a:off x="480116" y="1065757"/>
+                <a:ext cx="1337644" cy="921115"/>
+                <a:chOff x="488487" y="1060859"/>
+                <a:chExt cx="1337644" cy="921115"/>
               </a:xfrm>
             </p:grpSpPr>
             <p:sp>
               <p:nvSpPr>
-                <p:cNvPr id="170" name="Ellipse 169">
+                <p:cNvPr id="172" name="Textfeld 171">
                   <a:extLst>
                     <a:ext uri="{FF2B5EF4-FFF2-40B4-BE49-F238E27FC236}">
-                      <a16:creationId xmlns:a16="http://schemas.microsoft.com/office/drawing/2014/main" id="{F4EB821E-C7E5-47B4-AAA9-1E07864F3A66}"/>
+                      <a16:creationId xmlns:a16="http://schemas.microsoft.com/office/drawing/2014/main" id="{262F8EFC-18CA-4452-98C5-35C6877A326D}"/>
                     </a:ext>
                   </a:extLst>
                 </p:cNvPr>
-                <p:cNvSpPr/>
+                <p:cNvSpPr txBox="1"/>
                 <p:nvPr/>
               </p:nvSpPr>
               <p:spPr>
                 <a:xfrm>
-                  <a:off x="356260" y="1027216"/>
-                  <a:ext cx="1585356" cy="919196"/>
+                  <a:off x="496186" y="1181594"/>
+                  <a:ext cx="378630" cy="369332"/>
                 </a:xfrm>
-                <a:prstGeom prst="ellipse">
+                <a:prstGeom prst="rect">
                   <a:avLst/>
                 </a:prstGeom>
-                <a:solidFill>
-                  <a:schemeClr val="bg1">
-                    <a:lumMod val="95000"/>
-                  </a:schemeClr>
-                </a:solidFill>
-                <a:ln>
-                  <a:solidFill>
-                    <a:schemeClr val="bg1"/>
-                  </a:solidFill>
-                </a:ln>
+                <a:noFill/>
               </p:spPr>
-              <p:style>
-                <a:lnRef idx="2">
-                  <a:schemeClr val="accent1">
-                    <a:shade val="50000"/>
-                  </a:schemeClr>
-                </a:lnRef>
-                <a:fillRef idx="1">
-                  <a:schemeClr val="accent1"/>
-                </a:fillRef>
-                <a:effectRef idx="0">
-                  <a:schemeClr val="accent1"/>
-                </a:effectRef>
-                <a:fontRef idx="minor">
-                  <a:schemeClr val="lt1"/>
-                </a:fontRef>
-              </p:style>
               <p:txBody>
-                <a:bodyPr rtlCol="0" anchor="ctr"/>
+                <a:bodyPr wrap="none" rtlCol="0">
+                  <a:spAutoFit/>
+                </a:bodyPr>
                 <a:lstStyle/>
                 <a:p>
-                  <a:pPr algn="ctr"/>
-                  <a:endParaRPr lang="de-DE">
+                  <a:r>
+                    <a:rPr lang="de-DE" dirty="0">
+                      <a:latin typeface="CMU Sans Serif" panose="02000603000000000000" pitchFamily="2" charset="0"/>
+                      <a:ea typeface="CMU Sans Serif" panose="02000603000000000000" pitchFamily="2" charset="0"/>
+                      <a:cs typeface="CMU Sans Serif" panose="02000603000000000000" pitchFamily="2" charset="0"/>
+                      <a:sym typeface="Wingdings" panose="05000000000000000000" pitchFamily="2" charset="2"/>
+                    </a:rPr>
+                    <a:t></a:t>
+                  </a:r>
+                  <a:endParaRPr lang="de-DE" dirty="0">
                     <a:latin typeface="CMU Sans Serif" panose="02000603000000000000" pitchFamily="2" charset="0"/>
                     <a:ea typeface="CMU Sans Serif" panose="02000603000000000000" pitchFamily="2" charset="0"/>
                     <a:cs typeface="CMU Sans Serif" panose="02000603000000000000" pitchFamily="2" charset="0"/>
@@ -8285,217 +8252,138 @@
                 </a:p>
               </p:txBody>
             </p:sp>
-            <p:grpSp>
-              <p:nvGrpSpPr>
-                <p:cNvPr id="171" name="Gruppieren 170">
+            <p:sp>
+              <p:nvSpPr>
+                <p:cNvPr id="173" name="Textfeld 172">
                   <a:extLst>
                     <a:ext uri="{FF2B5EF4-FFF2-40B4-BE49-F238E27FC236}">
-                      <a16:creationId xmlns:a16="http://schemas.microsoft.com/office/drawing/2014/main" id="{05268A2E-B17B-455B-8C52-B326395F4A70}"/>
+                      <a16:creationId xmlns:a16="http://schemas.microsoft.com/office/drawing/2014/main" id="{569B601B-117A-4B30-8D03-434F81B45C5A}"/>
                     </a:ext>
                   </a:extLst>
                 </p:cNvPr>
-                <p:cNvGrpSpPr/>
+                <p:cNvSpPr txBox="1"/>
                 <p:nvPr/>
-              </p:nvGrpSpPr>
-              <p:grpSpPr>
+              </p:nvSpPr>
+              <p:spPr>
                 <a:xfrm>
-                  <a:off x="480116" y="1065757"/>
-                  <a:ext cx="1337644" cy="921115"/>
-                  <a:chOff x="488487" y="1060859"/>
-                  <a:chExt cx="1337644" cy="921115"/>
+                  <a:off x="921719" y="1060859"/>
+                  <a:ext cx="378630" cy="369332"/>
                 </a:xfrm>
-              </p:grpSpPr>
-              <p:sp>
-                <p:nvSpPr>
-                  <p:cNvPr id="172" name="Textfeld 171">
-                    <a:extLst>
-                      <a:ext uri="{FF2B5EF4-FFF2-40B4-BE49-F238E27FC236}">
-                        <a16:creationId xmlns:a16="http://schemas.microsoft.com/office/drawing/2014/main" id="{262F8EFC-18CA-4452-98C5-35C6877A326D}"/>
-                      </a:ext>
-                    </a:extLst>
-                  </p:cNvPr>
-                  <p:cNvSpPr txBox="1"/>
-                  <p:nvPr/>
-                </p:nvSpPr>
-                <p:spPr>
-                  <a:xfrm>
-                    <a:off x="496186" y="1181594"/>
-                    <a:ext cx="378630" cy="369332"/>
-                  </a:xfrm>
-                  <a:prstGeom prst="rect">
-                    <a:avLst/>
-                  </a:prstGeom>
-                  <a:noFill/>
-                </p:spPr>
-                <p:txBody>
-                  <a:bodyPr wrap="none" rtlCol="0">
-                    <a:spAutoFit/>
-                  </a:bodyPr>
-                  <a:lstStyle/>
-                  <a:p>
-                    <a:r>
-                      <a:rPr lang="de-DE" dirty="0">
-                        <a:latin typeface="CMU Sans Serif" panose="02000603000000000000" pitchFamily="2" charset="0"/>
-                        <a:ea typeface="CMU Sans Serif" panose="02000603000000000000" pitchFamily="2" charset="0"/>
-                        <a:cs typeface="CMU Sans Serif" panose="02000603000000000000" pitchFamily="2" charset="0"/>
-                        <a:sym typeface="Wingdings" panose="05000000000000000000" pitchFamily="2" charset="2"/>
-                      </a:rPr>
-                      <a:t></a:t>
-                    </a:r>
-                    <a:endParaRPr lang="de-DE" dirty="0">
-                      <a:latin typeface="CMU Sans Serif" panose="02000603000000000000" pitchFamily="2" charset="0"/>
-                      <a:ea typeface="CMU Sans Serif" panose="02000603000000000000" pitchFamily="2" charset="0"/>
-                      <a:cs typeface="CMU Sans Serif" panose="02000603000000000000" pitchFamily="2" charset="0"/>
-                    </a:endParaRPr>
-                  </a:p>
-                </p:txBody>
-              </p:sp>
-              <p:sp>
-                <p:nvSpPr>
-                  <p:cNvPr id="173" name="Textfeld 172">
-                    <a:extLst>
-                      <a:ext uri="{FF2B5EF4-FFF2-40B4-BE49-F238E27FC236}">
-                        <a16:creationId xmlns:a16="http://schemas.microsoft.com/office/drawing/2014/main" id="{569B601B-117A-4B30-8D03-434F81B45C5A}"/>
-                      </a:ext>
-                    </a:extLst>
-                  </p:cNvPr>
-                  <p:cNvSpPr txBox="1"/>
-                  <p:nvPr/>
-                </p:nvSpPr>
-                <p:spPr>
-                  <a:xfrm>
-                    <a:off x="921719" y="1060859"/>
-                    <a:ext cx="378630" cy="369332"/>
-                  </a:xfrm>
-                  <a:prstGeom prst="rect">
-                    <a:avLst/>
-                  </a:prstGeom>
-                  <a:noFill/>
-                </p:spPr>
-                <p:txBody>
-                  <a:bodyPr wrap="none" rtlCol="0">
-                    <a:spAutoFit/>
-                  </a:bodyPr>
-                  <a:lstStyle/>
-                  <a:p>
-                    <a:r>
-                      <a:rPr lang="de-DE" dirty="0">
-                        <a:solidFill>
-                          <a:schemeClr val="accent2"/>
-                        </a:solidFill>
-                        <a:latin typeface="CMU Sans Serif" panose="02000603000000000000" pitchFamily="2" charset="0"/>
-                        <a:ea typeface="CMU Sans Serif" panose="02000603000000000000" pitchFamily="2" charset="0"/>
-                        <a:cs typeface="CMU Sans Serif" panose="02000603000000000000" pitchFamily="2" charset="0"/>
-                        <a:sym typeface="Wingdings" panose="05000000000000000000" pitchFamily="2" charset="2"/>
-                      </a:rPr>
-                      <a:t></a:t>
-                    </a:r>
-                    <a:endParaRPr lang="de-DE" dirty="0">
+                <a:prstGeom prst="rect">
+                  <a:avLst/>
+                </a:prstGeom>
+                <a:noFill/>
+              </p:spPr>
+              <p:txBody>
+                <a:bodyPr wrap="none" rtlCol="0">
+                  <a:spAutoFit/>
+                </a:bodyPr>
+                <a:lstStyle/>
+                <a:p>
+                  <a:r>
+                    <a:rPr lang="de-DE" dirty="0">
                       <a:solidFill>
                         <a:schemeClr val="accent2"/>
                       </a:solidFill>
                       <a:latin typeface="CMU Sans Serif" panose="02000603000000000000" pitchFamily="2" charset="0"/>
                       <a:ea typeface="CMU Sans Serif" panose="02000603000000000000" pitchFamily="2" charset="0"/>
                       <a:cs typeface="CMU Sans Serif" panose="02000603000000000000" pitchFamily="2" charset="0"/>
-                    </a:endParaRPr>
-                  </a:p>
-                </p:txBody>
-              </p:sp>
-              <p:sp>
-                <p:nvSpPr>
-                  <p:cNvPr id="174" name="Textfeld 173">
-                    <a:extLst>
-                      <a:ext uri="{FF2B5EF4-FFF2-40B4-BE49-F238E27FC236}">
-                        <a16:creationId xmlns:a16="http://schemas.microsoft.com/office/drawing/2014/main" id="{06B0C45D-6D78-4393-8A0B-5DF6EBEFE5AF}"/>
-                      </a:ext>
-                    </a:extLst>
-                  </p:cNvPr>
-                  <p:cNvSpPr txBox="1"/>
-                  <p:nvPr/>
-                </p:nvSpPr>
-                <p:spPr>
-                  <a:xfrm>
-                    <a:off x="800986" y="1522022"/>
-                    <a:ext cx="378630" cy="369332"/>
-                  </a:xfrm>
-                  <a:prstGeom prst="rect">
-                    <a:avLst/>
-                  </a:prstGeom>
-                  <a:noFill/>
-                </p:spPr>
-                <p:txBody>
-                  <a:bodyPr wrap="none" rtlCol="0">
-                    <a:spAutoFit/>
-                  </a:bodyPr>
-                  <a:lstStyle/>
-                  <a:p>
-                    <a:r>
-                      <a:rPr lang="de-DE" dirty="0">
-                        <a:solidFill>
-                          <a:srgbClr val="FF0000"/>
-                        </a:solidFill>
-                        <a:latin typeface="CMU Sans Serif" panose="02000603000000000000" pitchFamily="2" charset="0"/>
-                        <a:ea typeface="CMU Sans Serif" panose="02000603000000000000" pitchFamily="2" charset="0"/>
-                        <a:cs typeface="CMU Sans Serif" panose="02000603000000000000" pitchFamily="2" charset="0"/>
-                        <a:sym typeface="Wingdings" panose="05000000000000000000" pitchFamily="2" charset="2"/>
-                      </a:rPr>
-                      <a:t></a:t>
-                    </a:r>
-                    <a:endParaRPr lang="de-DE" dirty="0">
+                      <a:sym typeface="Wingdings" panose="05000000000000000000" pitchFamily="2" charset="2"/>
+                    </a:rPr>
+                    <a:t></a:t>
+                  </a:r>
+                  <a:endParaRPr lang="de-DE" dirty="0">
+                    <a:solidFill>
+                      <a:schemeClr val="accent2"/>
+                    </a:solidFill>
+                    <a:latin typeface="CMU Sans Serif" panose="02000603000000000000" pitchFamily="2" charset="0"/>
+                    <a:ea typeface="CMU Sans Serif" panose="02000603000000000000" pitchFamily="2" charset="0"/>
+                    <a:cs typeface="CMU Sans Serif" panose="02000603000000000000" pitchFamily="2" charset="0"/>
+                  </a:endParaRPr>
+                </a:p>
+              </p:txBody>
+            </p:sp>
+            <p:sp>
+              <p:nvSpPr>
+                <p:cNvPr id="174" name="Textfeld 173">
+                  <a:extLst>
+                    <a:ext uri="{FF2B5EF4-FFF2-40B4-BE49-F238E27FC236}">
+                      <a16:creationId xmlns:a16="http://schemas.microsoft.com/office/drawing/2014/main" id="{06B0C45D-6D78-4393-8A0B-5DF6EBEFE5AF}"/>
+                    </a:ext>
+                  </a:extLst>
+                </p:cNvPr>
+                <p:cNvSpPr txBox="1"/>
+                <p:nvPr/>
+              </p:nvSpPr>
+              <p:spPr>
+                <a:xfrm>
+                  <a:off x="800986" y="1522022"/>
+                  <a:ext cx="378630" cy="369332"/>
+                </a:xfrm>
+                <a:prstGeom prst="rect">
+                  <a:avLst/>
+                </a:prstGeom>
+                <a:noFill/>
+              </p:spPr>
+              <p:txBody>
+                <a:bodyPr wrap="none" rtlCol="0">
+                  <a:spAutoFit/>
+                </a:bodyPr>
+                <a:lstStyle/>
+                <a:p>
+                  <a:r>
+                    <a:rPr lang="de-DE" dirty="0">
                       <a:solidFill>
                         <a:srgbClr val="FF0000"/>
                       </a:solidFill>
                       <a:latin typeface="CMU Sans Serif" panose="02000603000000000000" pitchFamily="2" charset="0"/>
                       <a:ea typeface="CMU Sans Serif" panose="02000603000000000000" pitchFamily="2" charset="0"/>
                       <a:cs typeface="CMU Sans Serif" panose="02000603000000000000" pitchFamily="2" charset="0"/>
-                    </a:endParaRPr>
-                  </a:p>
-                </p:txBody>
-              </p:sp>
-              <p:sp>
-                <p:nvSpPr>
-                  <p:cNvPr id="175" name="Textfeld 174">
-                    <a:extLst>
-                      <a:ext uri="{FF2B5EF4-FFF2-40B4-BE49-F238E27FC236}">
-                        <a16:creationId xmlns:a16="http://schemas.microsoft.com/office/drawing/2014/main" id="{BF6C8A90-DBAC-480B-94E2-E67BB1843AD5}"/>
-                      </a:ext>
-                    </a:extLst>
-                  </p:cNvPr>
-                  <p:cNvSpPr txBox="1"/>
-                  <p:nvPr/>
-                </p:nvSpPr>
-                <p:spPr>
-                  <a:xfrm>
-                    <a:off x="1063360" y="1326286"/>
-                    <a:ext cx="378630" cy="369332"/>
-                  </a:xfrm>
-                  <a:prstGeom prst="rect">
-                    <a:avLst/>
-                  </a:prstGeom>
-                  <a:noFill/>
-                </p:spPr>
-                <p:txBody>
-                  <a:bodyPr wrap="none" rtlCol="0">
-                    <a:spAutoFit/>
-                  </a:bodyPr>
-                  <a:lstStyle/>
-                  <a:p>
-                    <a:r>
-                      <a:rPr lang="de-DE" dirty="0">
-                        <a:solidFill>
-                          <a:schemeClr val="accent6">
-                            <a:lumMod val="60000"/>
-                            <a:lumOff val="40000"/>
-                          </a:schemeClr>
-                        </a:solidFill>
-                        <a:latin typeface="CMU Sans Serif" panose="02000603000000000000" pitchFamily="2" charset="0"/>
-                        <a:ea typeface="CMU Sans Serif" panose="02000603000000000000" pitchFamily="2" charset="0"/>
-                        <a:cs typeface="CMU Sans Serif" panose="02000603000000000000" pitchFamily="2" charset="0"/>
-                        <a:sym typeface="Wingdings" panose="05000000000000000000" pitchFamily="2" charset="2"/>
-                      </a:rPr>
-                      <a:t></a:t>
-                    </a:r>
-                    <a:endParaRPr lang="de-DE" dirty="0">
+                      <a:sym typeface="Wingdings" panose="05000000000000000000" pitchFamily="2" charset="2"/>
+                    </a:rPr>
+                    <a:t></a:t>
+                  </a:r>
+                  <a:endParaRPr lang="de-DE" dirty="0">
+                    <a:solidFill>
+                      <a:srgbClr val="FF0000"/>
+                    </a:solidFill>
+                    <a:latin typeface="CMU Sans Serif" panose="02000603000000000000" pitchFamily="2" charset="0"/>
+                    <a:ea typeface="CMU Sans Serif" panose="02000603000000000000" pitchFamily="2" charset="0"/>
+                    <a:cs typeface="CMU Sans Serif" panose="02000603000000000000" pitchFamily="2" charset="0"/>
+                  </a:endParaRPr>
+                </a:p>
+              </p:txBody>
+            </p:sp>
+            <p:sp>
+              <p:nvSpPr>
+                <p:cNvPr id="175" name="Textfeld 174">
+                  <a:extLst>
+                    <a:ext uri="{FF2B5EF4-FFF2-40B4-BE49-F238E27FC236}">
+                      <a16:creationId xmlns:a16="http://schemas.microsoft.com/office/drawing/2014/main" id="{BF6C8A90-DBAC-480B-94E2-E67BB1843AD5}"/>
+                    </a:ext>
+                  </a:extLst>
+                </p:cNvPr>
+                <p:cNvSpPr txBox="1"/>
+                <p:nvPr/>
+              </p:nvSpPr>
+              <p:spPr>
+                <a:xfrm>
+                  <a:off x="1063360" y="1326286"/>
+                  <a:ext cx="378630" cy="369332"/>
+                </a:xfrm>
+                <a:prstGeom prst="rect">
+                  <a:avLst/>
+                </a:prstGeom>
+                <a:noFill/>
+              </p:spPr>
+              <p:txBody>
+                <a:bodyPr wrap="none" rtlCol="0">
+                  <a:spAutoFit/>
+                </a:bodyPr>
+                <a:lstStyle/>
+                <a:p>
+                  <a:r>
+                    <a:rPr lang="de-DE" dirty="0">
                       <a:solidFill>
                         <a:schemeClr val="accent6">
                           <a:lumMod val="60000"/>
@@ -8505,54 +8393,54 @@
                       <a:latin typeface="CMU Sans Serif" panose="02000603000000000000" pitchFamily="2" charset="0"/>
                       <a:ea typeface="CMU Sans Serif" panose="02000603000000000000" pitchFamily="2" charset="0"/>
                       <a:cs typeface="CMU Sans Serif" panose="02000603000000000000" pitchFamily="2" charset="0"/>
-                    </a:endParaRPr>
-                  </a:p>
-                </p:txBody>
-              </p:sp>
-              <p:sp>
-                <p:nvSpPr>
-                  <p:cNvPr id="176" name="Textfeld 175">
-                    <a:extLst>
-                      <a:ext uri="{FF2B5EF4-FFF2-40B4-BE49-F238E27FC236}">
-                        <a16:creationId xmlns:a16="http://schemas.microsoft.com/office/drawing/2014/main" id="{8448DE20-AFED-492C-8D1E-3273A7878F7B}"/>
-                      </a:ext>
-                    </a:extLst>
-                  </p:cNvPr>
-                  <p:cNvSpPr txBox="1"/>
-                  <p:nvPr/>
-                </p:nvSpPr>
-                <p:spPr>
-                  <a:xfrm>
-                    <a:off x="1057943" y="1612642"/>
-                    <a:ext cx="378630" cy="369332"/>
-                  </a:xfrm>
-                  <a:prstGeom prst="rect">
-                    <a:avLst/>
-                  </a:prstGeom>
-                  <a:noFill/>
-                </p:spPr>
-                <p:txBody>
-                  <a:bodyPr wrap="none" rtlCol="0">
-                    <a:spAutoFit/>
-                  </a:bodyPr>
-                  <a:lstStyle/>
-                  <a:p>
-                    <a:r>
-                      <a:rPr lang="de-DE" dirty="0">
-                        <a:solidFill>
-                          <a:schemeClr val="tx2">
-                            <a:lumMod val="60000"/>
-                            <a:lumOff val="40000"/>
-                          </a:schemeClr>
-                        </a:solidFill>
-                        <a:latin typeface="CMU Sans Serif" panose="02000603000000000000" pitchFamily="2" charset="0"/>
-                        <a:ea typeface="CMU Sans Serif" panose="02000603000000000000" pitchFamily="2" charset="0"/>
-                        <a:cs typeface="CMU Sans Serif" panose="02000603000000000000" pitchFamily="2" charset="0"/>
-                        <a:sym typeface="Wingdings" panose="05000000000000000000" pitchFamily="2" charset="2"/>
-                      </a:rPr>
-                      <a:t></a:t>
-                    </a:r>
-                    <a:endParaRPr lang="de-DE" dirty="0">
+                      <a:sym typeface="Wingdings" panose="05000000000000000000" pitchFamily="2" charset="2"/>
+                    </a:rPr>
+                    <a:t></a:t>
+                  </a:r>
+                  <a:endParaRPr lang="de-DE" dirty="0">
+                    <a:solidFill>
+                      <a:schemeClr val="accent6">
+                        <a:lumMod val="60000"/>
+                        <a:lumOff val="40000"/>
+                      </a:schemeClr>
+                    </a:solidFill>
+                    <a:latin typeface="CMU Sans Serif" panose="02000603000000000000" pitchFamily="2" charset="0"/>
+                    <a:ea typeface="CMU Sans Serif" panose="02000603000000000000" pitchFamily="2" charset="0"/>
+                    <a:cs typeface="CMU Sans Serif" panose="02000603000000000000" pitchFamily="2" charset="0"/>
+                  </a:endParaRPr>
+                </a:p>
+              </p:txBody>
+            </p:sp>
+            <p:sp>
+              <p:nvSpPr>
+                <p:cNvPr id="176" name="Textfeld 175">
+                  <a:extLst>
+                    <a:ext uri="{FF2B5EF4-FFF2-40B4-BE49-F238E27FC236}">
+                      <a16:creationId xmlns:a16="http://schemas.microsoft.com/office/drawing/2014/main" id="{8448DE20-AFED-492C-8D1E-3273A7878F7B}"/>
+                    </a:ext>
+                  </a:extLst>
+                </p:cNvPr>
+                <p:cNvSpPr txBox="1"/>
+                <p:nvPr/>
+              </p:nvSpPr>
+              <p:spPr>
+                <a:xfrm>
+                  <a:off x="1057943" y="1612642"/>
+                  <a:ext cx="378630" cy="369332"/>
+                </a:xfrm>
+                <a:prstGeom prst="rect">
+                  <a:avLst/>
+                </a:prstGeom>
+                <a:noFill/>
+              </p:spPr>
+              <p:txBody>
+                <a:bodyPr wrap="none" rtlCol="0">
+                  <a:spAutoFit/>
+                </a:bodyPr>
+                <a:lstStyle/>
+                <a:p>
+                  <a:r>
+                    <a:rPr lang="de-DE" dirty="0">
                       <a:solidFill>
                         <a:schemeClr val="tx2">
                           <a:lumMod val="60000"/>
@@ -8562,53 +8450,54 @@
                       <a:latin typeface="CMU Sans Serif" panose="02000603000000000000" pitchFamily="2" charset="0"/>
                       <a:ea typeface="CMU Sans Serif" panose="02000603000000000000" pitchFamily="2" charset="0"/>
                       <a:cs typeface="CMU Sans Serif" panose="02000603000000000000" pitchFamily="2" charset="0"/>
-                    </a:endParaRPr>
-                  </a:p>
-                </p:txBody>
-              </p:sp>
-              <p:sp>
-                <p:nvSpPr>
-                  <p:cNvPr id="177" name="Textfeld 176">
-                    <a:extLst>
-                      <a:ext uri="{FF2B5EF4-FFF2-40B4-BE49-F238E27FC236}">
-                        <a16:creationId xmlns:a16="http://schemas.microsoft.com/office/drawing/2014/main" id="{3C668DA7-42E4-4255-98C3-2FE74725B046}"/>
-                      </a:ext>
-                    </a:extLst>
-                  </p:cNvPr>
-                  <p:cNvSpPr txBox="1"/>
-                  <p:nvPr/>
-                </p:nvSpPr>
-                <p:spPr>
-                  <a:xfrm>
-                    <a:off x="1373671" y="1486394"/>
-                    <a:ext cx="378630" cy="369332"/>
-                  </a:xfrm>
-                  <a:prstGeom prst="rect">
-                    <a:avLst/>
-                  </a:prstGeom>
-                  <a:noFill/>
-                </p:spPr>
-                <p:txBody>
-                  <a:bodyPr wrap="none" rtlCol="0">
-                    <a:spAutoFit/>
-                  </a:bodyPr>
-                  <a:lstStyle/>
-                  <a:p>
-                    <a:r>
-                      <a:rPr lang="de-DE" dirty="0">
-                        <a:solidFill>
-                          <a:schemeClr val="accent4">
-                            <a:lumMod val="75000"/>
-                          </a:schemeClr>
-                        </a:solidFill>
-                        <a:latin typeface="CMU Sans Serif" panose="02000603000000000000" pitchFamily="2" charset="0"/>
-                        <a:ea typeface="CMU Sans Serif" panose="02000603000000000000" pitchFamily="2" charset="0"/>
-                        <a:cs typeface="CMU Sans Serif" panose="02000603000000000000" pitchFamily="2" charset="0"/>
-                        <a:sym typeface="Wingdings" panose="05000000000000000000" pitchFamily="2" charset="2"/>
-                      </a:rPr>
-                      <a:t></a:t>
-                    </a:r>
-                    <a:endParaRPr lang="de-DE" dirty="0">
+                      <a:sym typeface="Wingdings" panose="05000000000000000000" pitchFamily="2" charset="2"/>
+                    </a:rPr>
+                    <a:t></a:t>
+                  </a:r>
+                  <a:endParaRPr lang="de-DE" dirty="0">
+                    <a:solidFill>
+                      <a:schemeClr val="tx2">
+                        <a:lumMod val="60000"/>
+                        <a:lumOff val="40000"/>
+                      </a:schemeClr>
+                    </a:solidFill>
+                    <a:latin typeface="CMU Sans Serif" panose="02000603000000000000" pitchFamily="2" charset="0"/>
+                    <a:ea typeface="CMU Sans Serif" panose="02000603000000000000" pitchFamily="2" charset="0"/>
+                    <a:cs typeface="CMU Sans Serif" panose="02000603000000000000" pitchFamily="2" charset="0"/>
+                  </a:endParaRPr>
+                </a:p>
+              </p:txBody>
+            </p:sp>
+            <p:sp>
+              <p:nvSpPr>
+                <p:cNvPr id="177" name="Textfeld 176">
+                  <a:extLst>
+                    <a:ext uri="{FF2B5EF4-FFF2-40B4-BE49-F238E27FC236}">
+                      <a16:creationId xmlns:a16="http://schemas.microsoft.com/office/drawing/2014/main" id="{3C668DA7-42E4-4255-98C3-2FE74725B046}"/>
+                    </a:ext>
+                  </a:extLst>
+                </p:cNvPr>
+                <p:cNvSpPr txBox="1"/>
+                <p:nvPr/>
+              </p:nvSpPr>
+              <p:spPr>
+                <a:xfrm>
+                  <a:off x="1373671" y="1486394"/>
+                  <a:ext cx="378630" cy="369332"/>
+                </a:xfrm>
+                <a:prstGeom prst="rect">
+                  <a:avLst/>
+                </a:prstGeom>
+                <a:noFill/>
+              </p:spPr>
+              <p:txBody>
+                <a:bodyPr wrap="none" rtlCol="0">
+                  <a:spAutoFit/>
+                </a:bodyPr>
+                <a:lstStyle/>
+                <a:p>
+                  <a:r>
+                    <a:rPr lang="de-DE" dirty="0">
                       <a:solidFill>
                         <a:schemeClr val="accent4">
                           <a:lumMod val="75000"/>
@@ -8617,99 +8506,98 @@
                       <a:latin typeface="CMU Sans Serif" panose="02000603000000000000" pitchFamily="2" charset="0"/>
                       <a:ea typeface="CMU Sans Serif" panose="02000603000000000000" pitchFamily="2" charset="0"/>
                       <a:cs typeface="CMU Sans Serif" panose="02000603000000000000" pitchFamily="2" charset="0"/>
-                    </a:endParaRPr>
-                  </a:p>
-                </p:txBody>
-              </p:sp>
-              <p:sp>
-                <p:nvSpPr>
-                  <p:cNvPr id="178" name="Textfeld 177">
-                    <a:extLst>
-                      <a:ext uri="{FF2B5EF4-FFF2-40B4-BE49-F238E27FC236}">
-                        <a16:creationId xmlns:a16="http://schemas.microsoft.com/office/drawing/2014/main" id="{0506901E-57E0-4075-853B-FE210C5751E8}"/>
-                      </a:ext>
-                    </a:extLst>
-                  </p:cNvPr>
-                  <p:cNvSpPr txBox="1"/>
-                  <p:nvPr/>
-                </p:nvSpPr>
-                <p:spPr>
-                  <a:xfrm>
-                    <a:off x="1447501" y="1225341"/>
-                    <a:ext cx="378630" cy="369332"/>
-                  </a:xfrm>
-                  <a:prstGeom prst="rect">
-                    <a:avLst/>
-                  </a:prstGeom>
-                  <a:noFill/>
-                </p:spPr>
-                <p:txBody>
-                  <a:bodyPr wrap="none" rtlCol="0">
-                    <a:spAutoFit/>
-                  </a:bodyPr>
-                  <a:lstStyle/>
-                  <a:p>
-                    <a:r>
-                      <a:rPr lang="de-DE" dirty="0">
-                        <a:latin typeface="CMU Sans Serif" panose="02000603000000000000" pitchFamily="2" charset="0"/>
-                        <a:ea typeface="CMU Sans Serif" panose="02000603000000000000" pitchFamily="2" charset="0"/>
-                        <a:cs typeface="CMU Sans Serif" panose="02000603000000000000" pitchFamily="2" charset="0"/>
-                        <a:sym typeface="Wingdings" panose="05000000000000000000" pitchFamily="2" charset="2"/>
-                      </a:rPr>
-                      <a:t></a:t>
-                    </a:r>
-                    <a:endParaRPr lang="de-DE" dirty="0">
+                      <a:sym typeface="Wingdings" panose="05000000000000000000" pitchFamily="2" charset="2"/>
+                    </a:rPr>
+                    <a:t></a:t>
+                  </a:r>
+                  <a:endParaRPr lang="de-DE" dirty="0">
+                    <a:solidFill>
+                      <a:schemeClr val="accent4">
+                        <a:lumMod val="75000"/>
+                      </a:schemeClr>
+                    </a:solidFill>
+                    <a:latin typeface="CMU Sans Serif" panose="02000603000000000000" pitchFamily="2" charset="0"/>
+                    <a:ea typeface="CMU Sans Serif" panose="02000603000000000000" pitchFamily="2" charset="0"/>
+                    <a:cs typeface="CMU Sans Serif" panose="02000603000000000000" pitchFamily="2" charset="0"/>
+                  </a:endParaRPr>
+                </a:p>
+              </p:txBody>
+            </p:sp>
+            <p:sp>
+              <p:nvSpPr>
+                <p:cNvPr id="178" name="Textfeld 177">
+                  <a:extLst>
+                    <a:ext uri="{FF2B5EF4-FFF2-40B4-BE49-F238E27FC236}">
+                      <a16:creationId xmlns:a16="http://schemas.microsoft.com/office/drawing/2014/main" id="{0506901E-57E0-4075-853B-FE210C5751E8}"/>
+                    </a:ext>
+                  </a:extLst>
+                </p:cNvPr>
+                <p:cNvSpPr txBox="1"/>
+                <p:nvPr/>
+              </p:nvSpPr>
+              <p:spPr>
+                <a:xfrm>
+                  <a:off x="1447501" y="1225341"/>
+                  <a:ext cx="378630" cy="369332"/>
+                </a:xfrm>
+                <a:prstGeom prst="rect">
+                  <a:avLst/>
+                </a:prstGeom>
+                <a:noFill/>
+              </p:spPr>
+              <p:txBody>
+                <a:bodyPr wrap="none" rtlCol="0">
+                  <a:spAutoFit/>
+                </a:bodyPr>
+                <a:lstStyle/>
+                <a:p>
+                  <a:r>
+                    <a:rPr lang="de-DE" dirty="0">
                       <a:latin typeface="CMU Sans Serif" panose="02000603000000000000" pitchFamily="2" charset="0"/>
                       <a:ea typeface="CMU Sans Serif" panose="02000603000000000000" pitchFamily="2" charset="0"/>
                       <a:cs typeface="CMU Sans Serif" panose="02000603000000000000" pitchFamily="2" charset="0"/>
-                    </a:endParaRPr>
-                  </a:p>
-                </p:txBody>
-              </p:sp>
-              <p:sp>
-                <p:nvSpPr>
-                  <p:cNvPr id="179" name="Textfeld 178">
-                    <a:extLst>
-                      <a:ext uri="{FF2B5EF4-FFF2-40B4-BE49-F238E27FC236}">
-                        <a16:creationId xmlns:a16="http://schemas.microsoft.com/office/drawing/2014/main" id="{BBC69AD8-4E6F-4668-9C43-566D2B0BFF8A}"/>
-                      </a:ext>
-                    </a:extLst>
-                  </p:cNvPr>
-                  <p:cNvSpPr txBox="1"/>
-                  <p:nvPr/>
-                </p:nvSpPr>
-                <p:spPr>
-                  <a:xfrm>
-                    <a:off x="779264" y="1293028"/>
-                    <a:ext cx="226230" cy="369332"/>
-                  </a:xfrm>
-                  <a:prstGeom prst="rect">
-                    <a:avLst/>
-                  </a:prstGeom>
-                  <a:noFill/>
-                </p:spPr>
-                <p:txBody>
-                  <a:bodyPr wrap="square" rtlCol="0">
-                    <a:spAutoFit/>
-                  </a:bodyPr>
-                  <a:lstStyle/>
-                  <a:p>
-                    <a:r>
-                      <a:rPr lang="de-DE" dirty="0">
-                        <a:solidFill>
-                          <a:schemeClr val="accent4">
-                            <a:lumMod val="40000"/>
-                            <a:lumOff val="60000"/>
-                          </a:schemeClr>
-                        </a:solidFill>
-                        <a:latin typeface="CMU Sans Serif" panose="02000603000000000000" pitchFamily="2" charset="0"/>
-                        <a:ea typeface="CMU Sans Serif" panose="02000603000000000000" pitchFamily="2" charset="0"/>
-                        <a:cs typeface="CMU Sans Serif" panose="02000603000000000000" pitchFamily="2" charset="0"/>
-                        <a:sym typeface="Wingdings" panose="05000000000000000000" pitchFamily="2" charset="2"/>
-                      </a:rPr>
-                      <a:t></a:t>
-                    </a:r>
-                    <a:endParaRPr lang="de-DE" dirty="0">
+                      <a:sym typeface="Wingdings" panose="05000000000000000000" pitchFamily="2" charset="2"/>
+                    </a:rPr>
+                    <a:t></a:t>
+                  </a:r>
+                  <a:endParaRPr lang="de-DE" dirty="0">
+                    <a:latin typeface="CMU Sans Serif" panose="02000603000000000000" pitchFamily="2" charset="0"/>
+                    <a:ea typeface="CMU Sans Serif" panose="02000603000000000000" pitchFamily="2" charset="0"/>
+                    <a:cs typeface="CMU Sans Serif" panose="02000603000000000000" pitchFamily="2" charset="0"/>
+                  </a:endParaRPr>
+                </a:p>
+              </p:txBody>
+            </p:sp>
+            <p:sp>
+              <p:nvSpPr>
+                <p:cNvPr id="179" name="Textfeld 178">
+                  <a:extLst>
+                    <a:ext uri="{FF2B5EF4-FFF2-40B4-BE49-F238E27FC236}">
+                      <a16:creationId xmlns:a16="http://schemas.microsoft.com/office/drawing/2014/main" id="{BBC69AD8-4E6F-4668-9C43-566D2B0BFF8A}"/>
+                    </a:ext>
+                  </a:extLst>
+                </p:cNvPr>
+                <p:cNvSpPr txBox="1"/>
+                <p:nvPr/>
+              </p:nvSpPr>
+              <p:spPr>
+                <a:xfrm>
+                  <a:off x="779264" y="1293028"/>
+                  <a:ext cx="226230" cy="369332"/>
+                </a:xfrm>
+                <a:prstGeom prst="rect">
+                  <a:avLst/>
+                </a:prstGeom>
+                <a:noFill/>
+              </p:spPr>
+              <p:txBody>
+                <a:bodyPr wrap="square" rtlCol="0">
+                  <a:spAutoFit/>
+                </a:bodyPr>
+                <a:lstStyle/>
+                <a:p>
+                  <a:r>
+                    <a:rPr lang="de-DE" dirty="0">
                       <a:solidFill>
                         <a:schemeClr val="accent4">
                           <a:lumMod val="40000"/>
@@ -8719,53 +8607,54 @@
                       <a:latin typeface="CMU Sans Serif" panose="02000603000000000000" pitchFamily="2" charset="0"/>
                       <a:ea typeface="CMU Sans Serif" panose="02000603000000000000" pitchFamily="2" charset="0"/>
                       <a:cs typeface="CMU Sans Serif" panose="02000603000000000000" pitchFamily="2" charset="0"/>
-                    </a:endParaRPr>
-                  </a:p>
-                </p:txBody>
-              </p:sp>
-              <p:sp>
-                <p:nvSpPr>
-                  <p:cNvPr id="180" name="Textfeld 179">
-                    <a:extLst>
-                      <a:ext uri="{FF2B5EF4-FFF2-40B4-BE49-F238E27FC236}">
-                        <a16:creationId xmlns:a16="http://schemas.microsoft.com/office/drawing/2014/main" id="{6CD66FAF-B7F3-45DE-A380-D6D7D1F11D8E}"/>
-                      </a:ext>
-                    </a:extLst>
-                  </p:cNvPr>
-                  <p:cNvSpPr txBox="1"/>
-                  <p:nvPr/>
-                </p:nvSpPr>
-                <p:spPr>
-                  <a:xfrm>
-                    <a:off x="488487" y="1474922"/>
-                    <a:ext cx="378630" cy="369332"/>
-                  </a:xfrm>
-                  <a:prstGeom prst="rect">
-                    <a:avLst/>
-                  </a:prstGeom>
-                  <a:noFill/>
-                </p:spPr>
-                <p:txBody>
-                  <a:bodyPr wrap="none" rtlCol="0">
-                    <a:spAutoFit/>
-                  </a:bodyPr>
-                  <a:lstStyle/>
-                  <a:p>
-                    <a:r>
-                      <a:rPr lang="de-DE" dirty="0">
-                        <a:solidFill>
-                          <a:schemeClr val="bg1">
-                            <a:lumMod val="65000"/>
-                          </a:schemeClr>
-                        </a:solidFill>
-                        <a:latin typeface="CMU Sans Serif" panose="02000603000000000000" pitchFamily="2" charset="0"/>
-                        <a:ea typeface="CMU Sans Serif" panose="02000603000000000000" pitchFamily="2" charset="0"/>
-                        <a:cs typeface="CMU Sans Serif" panose="02000603000000000000" pitchFamily="2" charset="0"/>
-                        <a:sym typeface="Wingdings" panose="05000000000000000000" pitchFamily="2" charset="2"/>
-                      </a:rPr>
-                      <a:t></a:t>
-                    </a:r>
-                    <a:endParaRPr lang="de-DE" dirty="0">
+                      <a:sym typeface="Wingdings" panose="05000000000000000000" pitchFamily="2" charset="2"/>
+                    </a:rPr>
+                    <a:t></a:t>
+                  </a:r>
+                  <a:endParaRPr lang="de-DE" dirty="0">
+                    <a:solidFill>
+                      <a:schemeClr val="accent4">
+                        <a:lumMod val="40000"/>
+                        <a:lumOff val="60000"/>
+                      </a:schemeClr>
+                    </a:solidFill>
+                    <a:latin typeface="CMU Sans Serif" panose="02000603000000000000" pitchFamily="2" charset="0"/>
+                    <a:ea typeface="CMU Sans Serif" panose="02000603000000000000" pitchFamily="2" charset="0"/>
+                    <a:cs typeface="CMU Sans Serif" panose="02000603000000000000" pitchFamily="2" charset="0"/>
+                  </a:endParaRPr>
+                </a:p>
+              </p:txBody>
+            </p:sp>
+            <p:sp>
+              <p:nvSpPr>
+                <p:cNvPr id="180" name="Textfeld 179">
+                  <a:extLst>
+                    <a:ext uri="{FF2B5EF4-FFF2-40B4-BE49-F238E27FC236}">
+                      <a16:creationId xmlns:a16="http://schemas.microsoft.com/office/drawing/2014/main" id="{6CD66FAF-B7F3-45DE-A380-D6D7D1F11D8E}"/>
+                    </a:ext>
+                  </a:extLst>
+                </p:cNvPr>
+                <p:cNvSpPr txBox="1"/>
+                <p:nvPr/>
+              </p:nvSpPr>
+              <p:spPr>
+                <a:xfrm>
+                  <a:off x="488487" y="1474922"/>
+                  <a:ext cx="378630" cy="369332"/>
+                </a:xfrm>
+                <a:prstGeom prst="rect">
+                  <a:avLst/>
+                </a:prstGeom>
+                <a:noFill/>
+              </p:spPr>
+              <p:txBody>
+                <a:bodyPr wrap="none" rtlCol="0">
+                  <a:spAutoFit/>
+                </a:bodyPr>
+                <a:lstStyle/>
+                <a:p>
+                  <a:r>
+                    <a:rPr lang="de-DE" dirty="0">
                       <a:solidFill>
                         <a:schemeClr val="bg1">
                           <a:lumMod val="65000"/>
@@ -8774,53 +8663,53 @@
                       <a:latin typeface="CMU Sans Serif" panose="02000603000000000000" pitchFamily="2" charset="0"/>
                       <a:ea typeface="CMU Sans Serif" panose="02000603000000000000" pitchFamily="2" charset="0"/>
                       <a:cs typeface="CMU Sans Serif" panose="02000603000000000000" pitchFamily="2" charset="0"/>
-                    </a:endParaRPr>
-                  </a:p>
-                </p:txBody>
-              </p:sp>
-              <p:sp>
-                <p:nvSpPr>
-                  <p:cNvPr id="181" name="Textfeld 180">
-                    <a:extLst>
-                      <a:ext uri="{FF2B5EF4-FFF2-40B4-BE49-F238E27FC236}">
-                        <a16:creationId xmlns:a16="http://schemas.microsoft.com/office/drawing/2014/main" id="{F2B94A4A-1C96-4966-A8DA-42C4464A1F1F}"/>
-                      </a:ext>
-                    </a:extLst>
-                  </p:cNvPr>
-                  <p:cNvSpPr txBox="1"/>
-                  <p:nvPr/>
-                </p:nvSpPr>
-                <p:spPr>
-                  <a:xfrm>
-                    <a:off x="1193705" y="1093775"/>
-                    <a:ext cx="378630" cy="369332"/>
-                  </a:xfrm>
-                  <a:prstGeom prst="rect">
-                    <a:avLst/>
-                  </a:prstGeom>
-                  <a:noFill/>
-                </p:spPr>
-                <p:txBody>
-                  <a:bodyPr wrap="none" rtlCol="0">
-                    <a:spAutoFit/>
-                  </a:bodyPr>
-                  <a:lstStyle/>
-                  <a:p>
-                    <a:r>
-                      <a:rPr lang="de-DE" dirty="0">
-                        <a:solidFill>
-                          <a:schemeClr val="accent3">
-                            <a:lumMod val="50000"/>
-                          </a:schemeClr>
-                        </a:solidFill>
-                        <a:latin typeface="CMU Sans Serif" panose="02000603000000000000" pitchFamily="2" charset="0"/>
-                        <a:ea typeface="CMU Sans Serif" panose="02000603000000000000" pitchFamily="2" charset="0"/>
-                        <a:cs typeface="CMU Sans Serif" panose="02000603000000000000" pitchFamily="2" charset="0"/>
-                        <a:sym typeface="Wingdings" panose="05000000000000000000" pitchFamily="2" charset="2"/>
-                      </a:rPr>
-                      <a:t></a:t>
-                    </a:r>
-                    <a:endParaRPr lang="de-DE" dirty="0">
+                      <a:sym typeface="Wingdings" panose="05000000000000000000" pitchFamily="2" charset="2"/>
+                    </a:rPr>
+                    <a:t></a:t>
+                  </a:r>
+                  <a:endParaRPr lang="de-DE" dirty="0">
+                    <a:solidFill>
+                      <a:schemeClr val="bg1">
+                        <a:lumMod val="65000"/>
+                      </a:schemeClr>
+                    </a:solidFill>
+                    <a:latin typeface="CMU Sans Serif" panose="02000603000000000000" pitchFamily="2" charset="0"/>
+                    <a:ea typeface="CMU Sans Serif" panose="02000603000000000000" pitchFamily="2" charset="0"/>
+                    <a:cs typeface="CMU Sans Serif" panose="02000603000000000000" pitchFamily="2" charset="0"/>
+                  </a:endParaRPr>
+                </a:p>
+              </p:txBody>
+            </p:sp>
+            <p:sp>
+              <p:nvSpPr>
+                <p:cNvPr id="181" name="Textfeld 180">
+                  <a:extLst>
+                    <a:ext uri="{FF2B5EF4-FFF2-40B4-BE49-F238E27FC236}">
+                      <a16:creationId xmlns:a16="http://schemas.microsoft.com/office/drawing/2014/main" id="{F2B94A4A-1C96-4966-A8DA-42C4464A1F1F}"/>
+                    </a:ext>
+                  </a:extLst>
+                </p:cNvPr>
+                <p:cNvSpPr txBox="1"/>
+                <p:nvPr/>
+              </p:nvSpPr>
+              <p:spPr>
+                <a:xfrm>
+                  <a:off x="1193705" y="1093775"/>
+                  <a:ext cx="378630" cy="369332"/>
+                </a:xfrm>
+                <a:prstGeom prst="rect">
+                  <a:avLst/>
+                </a:prstGeom>
+                <a:noFill/>
+              </p:spPr>
+              <p:txBody>
+                <a:bodyPr wrap="none" rtlCol="0">
+                  <a:spAutoFit/>
+                </a:bodyPr>
+                <a:lstStyle/>
+                <a:p>
+                  <a:r>
+                    <a:rPr lang="de-DE" dirty="0">
                       <a:solidFill>
                         <a:schemeClr val="accent3">
                           <a:lumMod val="50000"/>
@@ -8829,55 +8718,55 @@
                       <a:latin typeface="CMU Sans Serif" panose="02000603000000000000" pitchFamily="2" charset="0"/>
                       <a:ea typeface="CMU Sans Serif" panose="02000603000000000000" pitchFamily="2" charset="0"/>
                       <a:cs typeface="CMU Sans Serif" panose="02000603000000000000" pitchFamily="2" charset="0"/>
-                    </a:endParaRPr>
-                  </a:p>
-                </p:txBody>
-              </p:sp>
-            </p:grpSp>
-          </p:grpSp>
-          <p:sp>
-            <p:nvSpPr>
-              <p:cNvPr id="163" name="Textfeld 162">
-                <a:extLst>
-                  <a:ext uri="{FF2B5EF4-FFF2-40B4-BE49-F238E27FC236}">
-                    <a16:creationId xmlns:a16="http://schemas.microsoft.com/office/drawing/2014/main" id="{8567CED2-58DA-4601-8902-AA86D62FD217}"/>
-                  </a:ext>
-                </a:extLst>
-              </p:cNvPr>
-              <p:cNvSpPr txBox="1"/>
-              <p:nvPr/>
-            </p:nvSpPr>
-            <p:spPr>
-              <a:xfrm>
-                <a:off x="3054642" y="1265298"/>
-                <a:ext cx="574196" cy="646331"/>
-              </a:xfrm>
-              <a:prstGeom prst="rect">
-                <a:avLst/>
-              </a:prstGeom>
-              <a:noFill/>
-            </p:spPr>
-            <p:txBody>
-              <a:bodyPr wrap="none" rtlCol="0">
-                <a:spAutoFit/>
-              </a:bodyPr>
-              <a:lstStyle/>
-              <a:p>
-                <a:r>
-                  <a:rPr lang="de-DE" sz="3600" dirty="0">
+                      <a:sym typeface="Wingdings" panose="05000000000000000000" pitchFamily="2" charset="2"/>
+                    </a:rPr>
+                    <a:t></a:t>
+                  </a:r>
+                  <a:endParaRPr lang="de-DE" dirty="0">
                     <a:solidFill>
-                      <a:schemeClr val="accent4">
-                        <a:lumMod val="75000"/>
+                      <a:schemeClr val="accent3">
+                        <a:lumMod val="50000"/>
                       </a:schemeClr>
                     </a:solidFill>
                     <a:latin typeface="CMU Sans Serif" panose="02000603000000000000" pitchFamily="2" charset="0"/>
                     <a:ea typeface="CMU Sans Serif" panose="02000603000000000000" pitchFamily="2" charset="0"/>
                     <a:cs typeface="CMU Sans Serif" panose="02000603000000000000" pitchFamily="2" charset="0"/>
-                    <a:sym typeface="Wingdings" panose="05000000000000000000" pitchFamily="2" charset="2"/>
-                  </a:rPr>
-                  <a:t></a:t>
-                </a:r>
-                <a:endParaRPr lang="de-DE" sz="3600" dirty="0">
+                  </a:endParaRPr>
+                </a:p>
+              </p:txBody>
+            </p:sp>
+          </p:grpSp>
+        </p:grpSp>
+        <p:sp>
+          <p:nvSpPr>
+            <p:cNvPr id="163" name="Textfeld 162">
+              <a:extLst>
+                <a:ext uri="{FF2B5EF4-FFF2-40B4-BE49-F238E27FC236}">
+                  <a16:creationId xmlns:a16="http://schemas.microsoft.com/office/drawing/2014/main" id="{8567CED2-58DA-4601-8902-AA86D62FD217}"/>
+                </a:ext>
+              </a:extLst>
+            </p:cNvPr>
+            <p:cNvSpPr txBox="1"/>
+            <p:nvPr/>
+          </p:nvSpPr>
+          <p:spPr>
+            <a:xfrm>
+              <a:off x="3123127" y="5745785"/>
+              <a:ext cx="574196" cy="646331"/>
+            </a:xfrm>
+            <a:prstGeom prst="rect">
+              <a:avLst/>
+            </a:prstGeom>
+            <a:noFill/>
+          </p:spPr>
+          <p:txBody>
+            <a:bodyPr wrap="none" rtlCol="0">
+              <a:spAutoFit/>
+            </a:bodyPr>
+            <a:lstStyle/>
+            <a:p>
+              <a:r>
+                <a:rPr lang="de-DE" sz="3600" dirty="0">
                   <a:solidFill>
                     <a:schemeClr val="accent4">
                       <a:lumMod val="75000"/>
@@ -8886,456 +8775,468 @@
                   <a:latin typeface="CMU Sans Serif" panose="02000603000000000000" pitchFamily="2" charset="0"/>
                   <a:ea typeface="CMU Sans Serif" panose="02000603000000000000" pitchFamily="2" charset="0"/>
                   <a:cs typeface="CMU Sans Serif" panose="02000603000000000000" pitchFamily="2" charset="0"/>
-                </a:endParaRPr>
-              </a:p>
-            </p:txBody>
-          </p:sp>
-          <p:sp>
-            <p:nvSpPr>
-              <p:cNvPr id="164" name="Textfeld 163">
-                <a:extLst>
-                  <a:ext uri="{FF2B5EF4-FFF2-40B4-BE49-F238E27FC236}">
-                    <a16:creationId xmlns:a16="http://schemas.microsoft.com/office/drawing/2014/main" id="{99CF7ED0-7A44-4C46-85ED-068BD12CE14D}"/>
-                  </a:ext>
-                </a:extLst>
-              </p:cNvPr>
-              <p:cNvSpPr txBox="1"/>
-              <p:nvPr/>
-            </p:nvSpPr>
-            <p:spPr>
-              <a:xfrm>
-                <a:off x="3907926" y="1584556"/>
-                <a:ext cx="2747868" cy="307777"/>
-              </a:xfrm>
-              <a:prstGeom prst="rect">
-                <a:avLst/>
-              </a:prstGeom>
-              <a:noFill/>
-            </p:spPr>
-            <p:txBody>
-              <a:bodyPr wrap="none" rtlCol="0">
-                <a:spAutoFit/>
-              </a:bodyPr>
-              <a:lstStyle/>
-              <a:p>
-                <a:r>
-                  <a:rPr lang="de-DE" sz="1400" dirty="0">
+                  <a:sym typeface="Wingdings" panose="05000000000000000000" pitchFamily="2" charset="2"/>
+                </a:rPr>
+                <a:t></a:t>
+              </a:r>
+              <a:endParaRPr lang="de-DE" sz="3600" dirty="0">
+                <a:solidFill>
+                  <a:schemeClr val="accent4">
+                    <a:lumMod val="75000"/>
+                  </a:schemeClr>
+                </a:solidFill>
+                <a:latin typeface="CMU Sans Serif" panose="02000603000000000000" pitchFamily="2" charset="0"/>
+                <a:ea typeface="CMU Sans Serif" panose="02000603000000000000" pitchFamily="2" charset="0"/>
+                <a:cs typeface="CMU Sans Serif" panose="02000603000000000000" pitchFamily="2" charset="0"/>
+              </a:endParaRPr>
+            </a:p>
+          </p:txBody>
+        </p:sp>
+        <p:sp>
+          <p:nvSpPr>
+            <p:cNvPr id="164" name="Textfeld 163">
+              <a:extLst>
+                <a:ext uri="{FF2B5EF4-FFF2-40B4-BE49-F238E27FC236}">
+                  <a16:creationId xmlns:a16="http://schemas.microsoft.com/office/drawing/2014/main" id="{99CF7ED0-7A44-4C46-85ED-068BD12CE14D}"/>
+                </a:ext>
+              </a:extLst>
+            </p:cNvPr>
+            <p:cNvSpPr txBox="1"/>
+            <p:nvPr/>
+          </p:nvSpPr>
+          <p:spPr>
+            <a:xfrm>
+              <a:off x="4244765" y="6065043"/>
+              <a:ext cx="2238113" cy="307777"/>
+            </a:xfrm>
+            <a:prstGeom prst="rect">
+              <a:avLst/>
+            </a:prstGeom>
+            <a:noFill/>
+          </p:spPr>
+          <p:txBody>
+            <a:bodyPr wrap="none" rtlCol="0">
+              <a:spAutoFit/>
+            </a:bodyPr>
+            <a:lstStyle/>
+            <a:p>
+              <a:r>
+                <a:rPr lang="de-DE" sz="1400" dirty="0">
+                  <a:latin typeface="CMU Sans Serif" panose="02000603000000000000" pitchFamily="2" charset="0"/>
+                  <a:ea typeface="CMU Sans Serif" panose="02000603000000000000" pitchFamily="2" charset="0"/>
+                  <a:cs typeface="CMU Sans Serif" panose="02000603000000000000" pitchFamily="2" charset="0"/>
+                </a:rPr>
+                <a:t>Messung des BDI-II Wertes</a:t>
+              </a:r>
+            </a:p>
+          </p:txBody>
+        </p:sp>
+        <p:cxnSp>
+          <p:nvCxnSpPr>
+            <p:cNvPr id="165" name="Gerade Verbindung mit Pfeil 164">
+              <a:extLst>
+                <a:ext uri="{FF2B5EF4-FFF2-40B4-BE49-F238E27FC236}">
+                  <a16:creationId xmlns:a16="http://schemas.microsoft.com/office/drawing/2014/main" id="{3F0153FB-1F95-4255-A899-7B1A1D217EA2}"/>
+                </a:ext>
+              </a:extLst>
+            </p:cNvPr>
+            <p:cNvCxnSpPr>
+              <a:cxnSpLocks/>
+            </p:cNvCxnSpPr>
+            <p:nvPr/>
+          </p:nvCxnSpPr>
+          <p:spPr>
+            <a:xfrm>
+              <a:off x="3928866" y="6068950"/>
+              <a:ext cx="2787041" cy="0"/>
+            </a:xfrm>
+            <a:prstGeom prst="straightConnector1">
+              <a:avLst/>
+            </a:prstGeom>
+            <a:ln>
+              <a:solidFill>
+                <a:schemeClr val="tx1"/>
+              </a:solidFill>
+              <a:tailEnd type="triangle"/>
+            </a:ln>
+          </p:spPr>
+          <p:style>
+            <a:lnRef idx="1">
+              <a:schemeClr val="accent1"/>
+            </a:lnRef>
+            <a:fillRef idx="0">
+              <a:schemeClr val="accent1"/>
+            </a:fillRef>
+            <a:effectRef idx="0">
+              <a:schemeClr val="accent1"/>
+            </a:effectRef>
+            <a:fontRef idx="minor">
+              <a:schemeClr val="tx1"/>
+            </a:fontRef>
+          </p:style>
+        </p:cxnSp>
+        <mc:AlternateContent xmlns:mc="http://schemas.openxmlformats.org/markup-compatibility/2006">
+          <mc:Choice xmlns:a14="http://schemas.microsoft.com/office/drawing/2010/main" Requires="a14">
+            <p:sp>
+              <p:nvSpPr>
+                <p:cNvPr id="166" name="Textfeld 165">
+                  <a:extLst>
+                    <a:ext uri="{FF2B5EF4-FFF2-40B4-BE49-F238E27FC236}">
+                      <a16:creationId xmlns:a16="http://schemas.microsoft.com/office/drawing/2014/main" id="{B0D7E7F4-79CF-4E8B-AB29-53C7E3505DA5}"/>
+                    </a:ext>
+                  </a:extLst>
+                </p:cNvPr>
+                <p:cNvSpPr txBox="1"/>
+                <p:nvPr/>
+              </p:nvSpPr>
+              <p:spPr>
+                <a:xfrm>
+                  <a:off x="5084172" y="5709755"/>
+                  <a:ext cx="403059" cy="400110"/>
+                </a:xfrm>
+                <a:prstGeom prst="rect">
+                  <a:avLst/>
+                </a:prstGeom>
+                <a:noFill/>
+              </p:spPr>
+              <p:txBody>
+                <a:bodyPr wrap="none" rtlCol="0">
+                  <a:spAutoFit/>
+                </a:bodyPr>
+                <a:lstStyle/>
+                <a:p>
+                  <a:pPr/>
+                  <a14:m>
+                    <m:oMathPara xmlns:m="http://schemas.openxmlformats.org/officeDocument/2006/math">
+                      <m:oMathParaPr>
+                        <m:jc m:val="centerGroup"/>
+                      </m:oMathParaPr>
+                      <m:oMath xmlns:m="http://schemas.openxmlformats.org/officeDocument/2006/math">
+                        <m:r>
+                          <a:rPr lang="de-DE" sz="2000" b="0" i="1" dirty="0" smtClean="0">
+                            <a:latin typeface="Cambria Math" panose="02040503050406030204" pitchFamily="18" charset="0"/>
+                          </a:rPr>
+                          <m:t>𝜉</m:t>
+                        </m:r>
+                      </m:oMath>
+                    </m:oMathPara>
+                  </a14:m>
+                  <a:endParaRPr lang="de-DE" sz="2000" dirty="0">
                     <a:latin typeface="CMU Sans Serif" panose="02000603000000000000" pitchFamily="2" charset="0"/>
                     <a:ea typeface="CMU Sans Serif" panose="02000603000000000000" pitchFamily="2" charset="0"/>
                     <a:cs typeface="CMU Sans Serif" panose="02000603000000000000" pitchFamily="2" charset="0"/>
-                  </a:rPr>
-                  <a:t>Messung des Intelligenzquotienten</a:t>
-                </a:r>
-              </a:p>
-            </p:txBody>
-          </p:sp>
-          <p:cxnSp>
-            <p:nvCxnSpPr>
-              <p:cNvPr id="165" name="Gerade Verbindung mit Pfeil 164">
-                <a:extLst>
-                  <a:ext uri="{FF2B5EF4-FFF2-40B4-BE49-F238E27FC236}">
-                    <a16:creationId xmlns:a16="http://schemas.microsoft.com/office/drawing/2014/main" id="{3F0153FB-1F95-4255-A899-7B1A1D217EA2}"/>
-                  </a:ext>
-                </a:extLst>
-              </p:cNvPr>
-              <p:cNvCxnSpPr>
-                <a:cxnSpLocks/>
-              </p:cNvCxnSpPr>
-              <p:nvPr/>
-            </p:nvCxnSpPr>
-            <p:spPr>
-              <a:xfrm>
-                <a:off x="3860381" y="1588463"/>
-                <a:ext cx="2787041" cy="0"/>
-              </a:xfrm>
-              <a:prstGeom prst="straightConnector1">
-                <a:avLst/>
-              </a:prstGeom>
-              <a:ln>
-                <a:solidFill>
-                  <a:schemeClr val="tx1"/>
-                </a:solidFill>
-                <a:tailEnd type="triangle"/>
-              </a:ln>
-            </p:spPr>
-            <p:style>
-              <a:lnRef idx="1">
-                <a:schemeClr val="accent1"/>
-              </a:lnRef>
-              <a:fillRef idx="0">
-                <a:schemeClr val="accent1"/>
-              </a:fillRef>
-              <a:effectRef idx="0">
-                <a:schemeClr val="accent1"/>
-              </a:effectRef>
-              <a:fontRef idx="minor">
+                  </a:endParaRPr>
+                </a:p>
+              </p:txBody>
+            </p:sp>
+          </mc:Choice>
+          <mc:Fallback>
+            <p:sp>
+              <p:nvSpPr>
+                <p:cNvPr id="166" name="Textfeld 165">
+                  <a:extLst>
+                    <a:ext uri="{FF2B5EF4-FFF2-40B4-BE49-F238E27FC236}">
+                      <a16:creationId xmlns:a16="http://schemas.microsoft.com/office/drawing/2014/main" id="{B0D7E7F4-79CF-4E8B-AB29-53C7E3505DA5}"/>
+                    </a:ext>
+                  </a:extLst>
+                </p:cNvPr>
+                <p:cNvSpPr txBox="1">
+                  <a:spLocks noRot="1" noChangeAspect="1" noMove="1" noResize="1" noEditPoints="1" noAdjustHandles="1" noChangeArrowheads="1" noChangeShapeType="1" noTextEdit="1"/>
+                </p:cNvSpPr>
+                <p:nvPr/>
+              </p:nvSpPr>
+              <p:spPr>
+                <a:xfrm>
+                  <a:off x="5084172" y="5709755"/>
+                  <a:ext cx="403059" cy="400110"/>
+                </a:xfrm>
+                <a:prstGeom prst="rect">
+                  <a:avLst/>
+                </a:prstGeom>
+                <a:blipFill>
+                  <a:blip r:embed="rId17"/>
+                  <a:stretch>
+                    <a:fillRect b="-12308"/>
+                  </a:stretch>
+                </a:blipFill>
+              </p:spPr>
+              <p:txBody>
+                <a:bodyPr/>
+                <a:lstStyle/>
+                <a:p>
+                  <a:r>
+                    <a:rPr lang="de-DE">
+                      <a:noFill/>
+                    </a:rPr>
+                    <a:t> </a:t>
+                  </a:r>
+                </a:p>
+              </p:txBody>
+            </p:sp>
+          </mc:Fallback>
+        </mc:AlternateContent>
+        <p:cxnSp>
+          <p:nvCxnSpPr>
+            <p:cNvPr id="167" name="Gerade Verbindung mit Pfeil 166">
+              <a:extLst>
+                <a:ext uri="{FF2B5EF4-FFF2-40B4-BE49-F238E27FC236}">
+                  <a16:creationId xmlns:a16="http://schemas.microsoft.com/office/drawing/2014/main" id="{76E7C1D9-614D-45B0-B650-93F8DC810B07}"/>
+                </a:ext>
+              </a:extLst>
+            </p:cNvPr>
+            <p:cNvCxnSpPr>
+              <a:cxnSpLocks/>
+            </p:cNvCxnSpPr>
+            <p:nvPr/>
+          </p:nvCxnSpPr>
+          <p:spPr>
+            <a:xfrm>
+              <a:off x="2101981" y="6068950"/>
+              <a:ext cx="917522" cy="0"/>
+            </a:xfrm>
+            <a:prstGeom prst="straightConnector1">
+              <a:avLst/>
+            </a:prstGeom>
+            <a:ln>
+              <a:solidFill>
                 <a:schemeClr val="tx1"/>
-              </a:fontRef>
-            </p:style>
-          </p:cxnSp>
-          <mc:AlternateContent xmlns:mc="http://schemas.openxmlformats.org/markup-compatibility/2006">
-            <mc:Choice xmlns:a14="http://schemas.microsoft.com/office/drawing/2010/main" Requires="a14">
-              <p:sp>
-                <p:nvSpPr>
-                  <p:cNvPr id="166" name="Textfeld 165">
-                    <a:extLst>
-                      <a:ext uri="{FF2B5EF4-FFF2-40B4-BE49-F238E27FC236}">
-                        <a16:creationId xmlns:a16="http://schemas.microsoft.com/office/drawing/2014/main" id="{B0D7E7F4-79CF-4E8B-AB29-53C7E3505DA5}"/>
-                      </a:ext>
-                    </a:extLst>
-                  </p:cNvPr>
-                  <p:cNvSpPr txBox="1"/>
-                  <p:nvPr/>
-                </p:nvSpPr>
-                <p:spPr>
-                  <a:xfrm>
-                    <a:off x="5015687" y="1229268"/>
-                    <a:ext cx="403059" cy="400110"/>
-                  </a:xfrm>
-                  <a:prstGeom prst="rect">
-                    <a:avLst/>
-                  </a:prstGeom>
-                  <a:noFill/>
-                </p:spPr>
-                <p:txBody>
-                  <a:bodyPr wrap="none" rtlCol="0">
-                    <a:spAutoFit/>
-                  </a:bodyPr>
-                  <a:lstStyle/>
-                  <a:p>
-                    <a:pPr/>
-                    <a14:m>
-                      <m:oMathPara xmlns:m="http://schemas.openxmlformats.org/officeDocument/2006/math">
-                        <m:oMathParaPr>
-                          <m:jc m:val="centerGroup"/>
-                        </m:oMathParaPr>
-                        <m:oMath xmlns:m="http://schemas.openxmlformats.org/officeDocument/2006/math">
-                          <m:r>
-                            <a:rPr lang="de-DE" sz="2000" b="0" i="1" dirty="0" smtClean="0">
-                              <a:latin typeface="Cambria Math" panose="02040503050406030204" pitchFamily="18" charset="0"/>
-                            </a:rPr>
-                            <m:t>𝜉</m:t>
-                          </m:r>
-                        </m:oMath>
-                      </m:oMathPara>
-                    </a14:m>
-                    <a:endParaRPr lang="de-DE" sz="2000" dirty="0">
-                      <a:latin typeface="CMU Sans Serif" panose="02000603000000000000" pitchFamily="2" charset="0"/>
-                      <a:ea typeface="CMU Sans Serif" panose="02000603000000000000" pitchFamily="2" charset="0"/>
-                      <a:cs typeface="CMU Sans Serif" panose="02000603000000000000" pitchFamily="2" charset="0"/>
-                    </a:endParaRPr>
-                  </a:p>
-                </p:txBody>
-              </p:sp>
-            </mc:Choice>
-            <mc:Fallback>
-              <p:sp>
-                <p:nvSpPr>
-                  <p:cNvPr id="166" name="Textfeld 165">
-                    <a:extLst>
-                      <a:ext uri="{FF2B5EF4-FFF2-40B4-BE49-F238E27FC236}">
-                        <a16:creationId xmlns:a16="http://schemas.microsoft.com/office/drawing/2014/main" id="{B0D7E7F4-79CF-4E8B-AB29-53C7E3505DA5}"/>
-                      </a:ext>
-                    </a:extLst>
-                  </p:cNvPr>
-                  <p:cNvSpPr txBox="1">
-                    <a:spLocks noRot="1" noChangeAspect="1" noMove="1" noResize="1" noEditPoints="1" noAdjustHandles="1" noChangeArrowheads="1" noChangeShapeType="1" noTextEdit="1"/>
-                  </p:cNvSpPr>
-                  <p:nvPr/>
-                </p:nvSpPr>
-                <p:spPr>
-                  <a:xfrm>
-                    <a:off x="5015687" y="1229268"/>
-                    <a:ext cx="403059" cy="400110"/>
-                  </a:xfrm>
-                  <a:prstGeom prst="rect">
-                    <a:avLst/>
-                  </a:prstGeom>
-                  <a:blipFill>
-                    <a:blip r:embed="rId17"/>
-                    <a:stretch>
-                      <a:fillRect b="-12308"/>
-                    </a:stretch>
-                  </a:blipFill>
-                </p:spPr>
-                <p:txBody>
-                  <a:bodyPr/>
-                  <a:lstStyle/>
-                  <a:p>
-                    <a:r>
-                      <a:rPr lang="de-DE">
-                        <a:noFill/>
-                      </a:rPr>
-                      <a:t> </a:t>
-                    </a:r>
-                  </a:p>
-                </p:txBody>
-              </p:sp>
-            </mc:Fallback>
-          </mc:AlternateContent>
-          <p:cxnSp>
-            <p:nvCxnSpPr>
-              <p:cNvPr id="167" name="Gerade Verbindung mit Pfeil 166">
-                <a:extLst>
-                  <a:ext uri="{FF2B5EF4-FFF2-40B4-BE49-F238E27FC236}">
-                    <a16:creationId xmlns:a16="http://schemas.microsoft.com/office/drawing/2014/main" id="{76E7C1D9-614D-45B0-B650-93F8DC810B07}"/>
-                  </a:ext>
-                </a:extLst>
-              </p:cNvPr>
-              <p:cNvCxnSpPr>
-                <a:cxnSpLocks/>
-              </p:cNvCxnSpPr>
-              <p:nvPr/>
-            </p:nvCxnSpPr>
-            <p:spPr>
-              <a:xfrm>
-                <a:off x="2033496" y="1588463"/>
-                <a:ext cx="917522" cy="0"/>
-              </a:xfrm>
-              <a:prstGeom prst="straightConnector1">
-                <a:avLst/>
-              </a:prstGeom>
-              <a:ln>
-                <a:solidFill>
-                  <a:schemeClr val="tx1"/>
-                </a:solidFill>
-                <a:tailEnd type="triangle"/>
-              </a:ln>
-            </p:spPr>
-            <p:style>
-              <a:lnRef idx="1">
-                <a:schemeClr val="accent1"/>
-              </a:lnRef>
-              <a:fillRef idx="0">
-                <a:schemeClr val="accent1"/>
-              </a:fillRef>
-              <a:effectRef idx="0">
-                <a:schemeClr val="accent1"/>
-              </a:effectRef>
-              <a:fontRef idx="minor">
-                <a:schemeClr val="tx1"/>
-              </a:fontRef>
-            </p:style>
-          </p:cxnSp>
-          <mc:AlternateContent xmlns:mc="http://schemas.openxmlformats.org/markup-compatibility/2006" xmlns:a14="http://schemas.microsoft.com/office/drawing/2010/main">
-            <mc:Choice Requires="a14">
-              <p:sp>
-                <p:nvSpPr>
-                  <p:cNvPr id="168" name="Textfeld 167">
-                    <a:extLst>
-                      <a:ext uri="{FF2B5EF4-FFF2-40B4-BE49-F238E27FC236}">
-                        <a16:creationId xmlns:a16="http://schemas.microsoft.com/office/drawing/2014/main" id="{F0C471ED-E9AC-457E-B74B-0195982B9F38}"/>
-                      </a:ext>
-                    </a:extLst>
-                  </p:cNvPr>
-                  <p:cNvSpPr txBox="1"/>
-                  <p:nvPr/>
-                </p:nvSpPr>
-                <p:spPr>
-                  <a:xfrm>
-                    <a:off x="2154266" y="1211205"/>
-                    <a:ext cx="695383" cy="246221"/>
-                  </a:xfrm>
-                  <a:prstGeom prst="rect">
-                    <a:avLst/>
-                  </a:prstGeom>
-                  <a:noFill/>
-                </p:spPr>
-                <p:txBody>
-                  <a:bodyPr wrap="none" lIns="0" tIns="0" rIns="0" bIns="0" rtlCol="0">
-                    <a:spAutoFit/>
-                  </a:bodyPr>
-                  <a:lstStyle/>
-                  <a:p>
-                    <a:pPr/>
-                    <a14:m>
-                      <m:oMathPara xmlns:m="http://schemas.openxmlformats.org/officeDocument/2006/math">
-                        <m:oMathParaPr>
-                          <m:jc m:val="centerGroup"/>
-                        </m:oMathParaPr>
-                        <m:oMath xmlns:m="http://schemas.openxmlformats.org/officeDocument/2006/math">
-                          <m:r>
-                            <a:rPr lang="de-DE" sz="1600" i="1">
-                              <a:latin typeface="Cambria Math" panose="02040503050406030204" pitchFamily="18" charset="0"/>
-                            </a:rPr>
-                            <m:t>ℙ</m:t>
-                          </m:r>
-                          <m:r>
-                            <a:rPr lang="de-DE" sz="1600" i="1">
-                              <a:latin typeface="Cambria Math" panose="02040503050406030204" pitchFamily="18" charset="0"/>
-                            </a:rPr>
-                            <m:t>({</m:t>
-                          </m:r>
-                          <m:r>
-                            <a:rPr lang="de-DE" sz="1600" i="1">
-                              <a:latin typeface="Cambria Math" panose="02040503050406030204" pitchFamily="18" charset="0"/>
-                            </a:rPr>
-                            <m:t>𝜔</m:t>
-                          </m:r>
-                          <m:r>
-                            <a:rPr lang="de-DE" sz="1600" i="1">
-                              <a:latin typeface="Cambria Math" panose="02040503050406030204" pitchFamily="18" charset="0"/>
-                            </a:rPr>
-                            <m:t>})</m:t>
-                          </m:r>
-                        </m:oMath>
-                      </m:oMathPara>
-                    </a14:m>
-                    <a:endParaRPr lang="de-DE" sz="1600" dirty="0">
-                      <a:latin typeface="CMU Sans Serif" panose="02000603000000000000" pitchFamily="2" charset="0"/>
-                      <a:ea typeface="CMU Sans Serif" panose="02000603000000000000" pitchFamily="2" charset="0"/>
-                      <a:cs typeface="CMU Sans Serif" panose="02000603000000000000" pitchFamily="2" charset="0"/>
-                    </a:endParaRPr>
-                  </a:p>
-                </p:txBody>
-              </p:sp>
-            </mc:Choice>
-            <mc:Fallback xmlns="">
-              <p:sp>
-                <p:nvSpPr>
-                  <p:cNvPr id="168" name="Textfeld 167">
-                    <a:extLst>
-                      <a:ext uri="{FF2B5EF4-FFF2-40B4-BE49-F238E27FC236}">
-                        <a16:creationId xmlns:a16="http://schemas.microsoft.com/office/drawing/2014/main" id="{F0C471ED-E9AC-457E-B74B-0195982B9F38}"/>
-                      </a:ext>
-                    </a:extLst>
-                  </p:cNvPr>
-                  <p:cNvSpPr txBox="1">
-                    <a:spLocks noRot="1" noChangeAspect="1" noMove="1" noResize="1" noEditPoints="1" noAdjustHandles="1" noChangeArrowheads="1" noChangeShapeType="1" noTextEdit="1"/>
-                  </p:cNvSpPr>
-                  <p:nvPr/>
-                </p:nvSpPr>
-                <p:spPr>
-                  <a:xfrm>
-                    <a:off x="2154266" y="1211205"/>
-                    <a:ext cx="695383" cy="246221"/>
-                  </a:xfrm>
-                  <a:prstGeom prst="rect">
-                    <a:avLst/>
-                  </a:prstGeom>
-                  <a:blipFill>
-                    <a:blip r:embed="rId18"/>
-                    <a:stretch>
-                      <a:fillRect l="-5263" t="-5000" r="-7895" b="-27500"/>
-                    </a:stretch>
-                  </a:blipFill>
-                </p:spPr>
-                <p:txBody>
-                  <a:bodyPr/>
-                  <a:lstStyle/>
-                  <a:p>
-                    <a:r>
-                      <a:rPr lang="de-DE">
-                        <a:noFill/>
-                      </a:rPr>
-                      <a:t> </a:t>
-                    </a:r>
-                  </a:p>
-                </p:txBody>
-              </p:sp>
-            </mc:Fallback>
-          </mc:AlternateContent>
-          <mc:AlternateContent xmlns:mc="http://schemas.openxmlformats.org/markup-compatibility/2006" xmlns:a14="http://schemas.microsoft.com/office/drawing/2010/main">
-            <mc:Choice Requires="a14">
-              <p:sp>
-                <p:nvSpPr>
-                  <p:cNvPr id="169" name="Textfeld 168">
-                    <a:extLst>
-                      <a:ext uri="{FF2B5EF4-FFF2-40B4-BE49-F238E27FC236}">
-                        <a16:creationId xmlns:a16="http://schemas.microsoft.com/office/drawing/2014/main" id="{21CF481A-9B3F-419B-B5E7-8A702999838F}"/>
-                      </a:ext>
-                    </a:extLst>
-                  </p:cNvPr>
-                  <p:cNvSpPr txBox="1"/>
-                  <p:nvPr/>
-                </p:nvSpPr>
-                <p:spPr>
-                  <a:xfrm>
-                    <a:off x="6895442" y="1373020"/>
-                    <a:ext cx="745717" cy="430887"/>
-                  </a:xfrm>
-                  <a:prstGeom prst="rect">
-                    <a:avLst/>
-                  </a:prstGeom>
-                  <a:noFill/>
-                </p:spPr>
-                <p:txBody>
-                  <a:bodyPr wrap="none" rtlCol="0">
-                    <a:spAutoFit/>
-                  </a:bodyPr>
-                  <a:lstStyle/>
-                  <a:p>
-                    <a:pPr/>
-                    <a14:m>
-                      <m:oMathPara xmlns:m="http://schemas.openxmlformats.org/officeDocument/2006/math">
-                        <m:oMathParaPr>
-                          <m:jc m:val="centerGroup"/>
-                        </m:oMathParaPr>
-                        <m:oMath xmlns:m="http://schemas.openxmlformats.org/officeDocument/2006/math">
-                          <m:r>
-                            <a:rPr lang="de-DE" sz="2200" i="1" dirty="0">
-                              <a:latin typeface="Cambria Math" panose="02040503050406030204" pitchFamily="18" charset="0"/>
-                            </a:rPr>
-                            <m:t>115</m:t>
-                          </m:r>
-                        </m:oMath>
-                      </m:oMathPara>
-                    </a14:m>
-                    <a:endParaRPr lang="de-DE" sz="2200" dirty="0">
-                      <a:latin typeface="CMU Sans Serif" panose="02000603000000000000" pitchFamily="2" charset="0"/>
-                      <a:ea typeface="CMU Sans Serif" panose="02000603000000000000" pitchFamily="2" charset="0"/>
-                      <a:cs typeface="CMU Sans Serif" panose="02000603000000000000" pitchFamily="2" charset="0"/>
-                    </a:endParaRPr>
-                  </a:p>
-                </p:txBody>
-              </p:sp>
-            </mc:Choice>
-            <mc:Fallback xmlns="">
-              <p:sp>
-                <p:nvSpPr>
-                  <p:cNvPr id="169" name="Textfeld 168">
-                    <a:extLst>
-                      <a:ext uri="{FF2B5EF4-FFF2-40B4-BE49-F238E27FC236}">
-                        <a16:creationId xmlns:a16="http://schemas.microsoft.com/office/drawing/2014/main" id="{21CF481A-9B3F-419B-B5E7-8A702999838F}"/>
-                      </a:ext>
-                    </a:extLst>
-                  </p:cNvPr>
-                  <p:cNvSpPr txBox="1">
-                    <a:spLocks noRot="1" noChangeAspect="1" noMove="1" noResize="1" noEditPoints="1" noAdjustHandles="1" noChangeArrowheads="1" noChangeShapeType="1" noTextEdit="1"/>
-                  </p:cNvSpPr>
-                  <p:nvPr/>
-                </p:nvSpPr>
-                <p:spPr>
-                  <a:xfrm>
-                    <a:off x="6895442" y="1373020"/>
-                    <a:ext cx="745717" cy="430887"/>
-                  </a:xfrm>
-                  <a:prstGeom prst="rect">
-                    <a:avLst/>
-                  </a:prstGeom>
-                  <a:blipFill>
-                    <a:blip r:embed="rId19"/>
-                    <a:stretch>
-                      <a:fillRect/>
-                    </a:stretch>
-                  </a:blipFill>
-                </p:spPr>
-                <p:txBody>
-                  <a:bodyPr/>
-                  <a:lstStyle/>
-                  <a:p>
-                    <a:r>
-                      <a:rPr lang="de-DE">
-                        <a:noFill/>
-                      </a:rPr>
-                      <a:t> </a:t>
-                    </a:r>
-                  </a:p>
-                </p:txBody>
-              </p:sp>
-            </mc:Fallback>
-          </mc:AlternateContent>
-        </p:grpSp>
+              </a:solidFill>
+              <a:tailEnd type="triangle"/>
+            </a:ln>
+          </p:spPr>
+          <p:style>
+            <a:lnRef idx="1">
+              <a:schemeClr val="accent1"/>
+            </a:lnRef>
+            <a:fillRef idx="0">
+              <a:schemeClr val="accent1"/>
+            </a:fillRef>
+            <a:effectRef idx="0">
+              <a:schemeClr val="accent1"/>
+            </a:effectRef>
+            <a:fontRef idx="minor">
+              <a:schemeClr val="tx1"/>
+            </a:fontRef>
+          </p:style>
+        </p:cxnSp>
+        <mc:AlternateContent xmlns:mc="http://schemas.openxmlformats.org/markup-compatibility/2006">
+          <mc:Choice xmlns:a14="http://schemas.microsoft.com/office/drawing/2010/main" Requires="a14">
+            <p:sp>
+              <p:nvSpPr>
+                <p:cNvPr id="168" name="Textfeld 167">
+                  <a:extLst>
+                    <a:ext uri="{FF2B5EF4-FFF2-40B4-BE49-F238E27FC236}">
+                      <a16:creationId xmlns:a16="http://schemas.microsoft.com/office/drawing/2014/main" id="{F0C471ED-E9AC-457E-B74B-0195982B9F38}"/>
+                    </a:ext>
+                  </a:extLst>
+                </p:cNvPr>
+                <p:cNvSpPr txBox="1"/>
+                <p:nvPr/>
+              </p:nvSpPr>
+              <p:spPr>
+                <a:xfrm>
+                  <a:off x="2222751" y="5691692"/>
+                  <a:ext cx="695383" cy="246221"/>
+                </a:xfrm>
+                <a:prstGeom prst="rect">
+                  <a:avLst/>
+                </a:prstGeom>
+                <a:noFill/>
+              </p:spPr>
+              <p:txBody>
+                <a:bodyPr wrap="none" lIns="0" tIns="0" rIns="0" bIns="0" rtlCol="0">
+                  <a:spAutoFit/>
+                </a:bodyPr>
+                <a:lstStyle/>
+                <a:p>
+                  <a:pPr/>
+                  <a14:m>
+                    <m:oMathPara xmlns:m="http://schemas.openxmlformats.org/officeDocument/2006/math">
+                      <m:oMathParaPr>
+                        <m:jc m:val="centerGroup"/>
+                      </m:oMathParaPr>
+                      <m:oMath xmlns:m="http://schemas.openxmlformats.org/officeDocument/2006/math">
+                        <m:r>
+                          <a:rPr lang="de-DE" sz="1600" i="1">
+                            <a:latin typeface="Cambria Math" panose="02040503050406030204" pitchFamily="18" charset="0"/>
+                          </a:rPr>
+                          <m:t>ℙ</m:t>
+                        </m:r>
+                        <m:r>
+                          <a:rPr lang="de-DE" sz="1600" i="1">
+                            <a:latin typeface="Cambria Math" panose="02040503050406030204" pitchFamily="18" charset="0"/>
+                          </a:rPr>
+                          <m:t>({</m:t>
+                        </m:r>
+                        <m:r>
+                          <a:rPr lang="de-DE" sz="1600" i="1">
+                            <a:latin typeface="Cambria Math" panose="02040503050406030204" pitchFamily="18" charset="0"/>
+                          </a:rPr>
+                          <m:t>𝜔</m:t>
+                        </m:r>
+                        <m:r>
+                          <a:rPr lang="de-DE" sz="1600" i="1">
+                            <a:latin typeface="Cambria Math" panose="02040503050406030204" pitchFamily="18" charset="0"/>
+                          </a:rPr>
+                          <m:t>})</m:t>
+                        </m:r>
+                      </m:oMath>
+                    </m:oMathPara>
+                  </a14:m>
+                  <a:endParaRPr lang="de-DE" sz="1600" dirty="0">
+                    <a:latin typeface="CMU Sans Serif" panose="02000603000000000000" pitchFamily="2" charset="0"/>
+                    <a:ea typeface="CMU Sans Serif" panose="02000603000000000000" pitchFamily="2" charset="0"/>
+                    <a:cs typeface="CMU Sans Serif" panose="02000603000000000000" pitchFamily="2" charset="0"/>
+                  </a:endParaRPr>
+                </a:p>
+              </p:txBody>
+            </p:sp>
+          </mc:Choice>
+          <mc:Fallback>
+            <p:sp>
+              <p:nvSpPr>
+                <p:cNvPr id="168" name="Textfeld 167">
+                  <a:extLst>
+                    <a:ext uri="{FF2B5EF4-FFF2-40B4-BE49-F238E27FC236}">
+                      <a16:creationId xmlns:a16="http://schemas.microsoft.com/office/drawing/2014/main" id="{F0C471ED-E9AC-457E-B74B-0195982B9F38}"/>
+                    </a:ext>
+                  </a:extLst>
+                </p:cNvPr>
+                <p:cNvSpPr txBox="1">
+                  <a:spLocks noRot="1" noChangeAspect="1" noMove="1" noResize="1" noEditPoints="1" noAdjustHandles="1" noChangeArrowheads="1" noChangeShapeType="1" noTextEdit="1"/>
+                </p:cNvSpPr>
+                <p:nvPr/>
+              </p:nvSpPr>
+              <p:spPr>
+                <a:xfrm>
+                  <a:off x="2222751" y="5691692"/>
+                  <a:ext cx="695383" cy="246221"/>
+                </a:xfrm>
+                <a:prstGeom prst="rect">
+                  <a:avLst/>
+                </a:prstGeom>
+                <a:blipFill>
+                  <a:blip r:embed="rId18"/>
+                  <a:stretch>
+                    <a:fillRect l="-5263" t="-5000" r="-7895" b="-27500"/>
+                  </a:stretch>
+                </a:blipFill>
+              </p:spPr>
+              <p:txBody>
+                <a:bodyPr/>
+                <a:lstStyle/>
+                <a:p>
+                  <a:r>
+                    <a:rPr lang="de-DE">
+                      <a:noFill/>
+                    </a:rPr>
+                    <a:t> </a:t>
+                  </a:r>
+                </a:p>
+              </p:txBody>
+            </p:sp>
+          </mc:Fallback>
+        </mc:AlternateContent>
+        <mc:AlternateContent xmlns:mc="http://schemas.openxmlformats.org/markup-compatibility/2006">
+          <mc:Choice xmlns:a14="http://schemas.microsoft.com/office/drawing/2010/main" Requires="a14">
+            <p:sp>
+              <p:nvSpPr>
+                <p:cNvPr id="169" name="Textfeld 168">
+                  <a:extLst>
+                    <a:ext uri="{FF2B5EF4-FFF2-40B4-BE49-F238E27FC236}">
+                      <a16:creationId xmlns:a16="http://schemas.microsoft.com/office/drawing/2014/main" id="{21CF481A-9B3F-419B-B5E7-8A702999838F}"/>
+                    </a:ext>
+                  </a:extLst>
+                </p:cNvPr>
+                <p:cNvSpPr txBox="1"/>
+                <p:nvPr/>
+              </p:nvSpPr>
+              <p:spPr>
+                <a:xfrm>
+                  <a:off x="7046751" y="5853507"/>
+                  <a:ext cx="590226" cy="430887"/>
+                </a:xfrm>
+                <a:prstGeom prst="rect">
+                  <a:avLst/>
+                </a:prstGeom>
+                <a:noFill/>
+              </p:spPr>
+              <p:txBody>
+                <a:bodyPr wrap="none" rtlCol="0">
+                  <a:spAutoFit/>
+                </a:bodyPr>
+                <a:lstStyle/>
+                <a:p>
+                  <a:pPr/>
+                  <a14:m>
+                    <m:oMathPara xmlns:m="http://schemas.openxmlformats.org/officeDocument/2006/math">
+                      <m:oMathParaPr>
+                        <m:jc m:val="centerGroup"/>
+                      </m:oMathParaPr>
+                      <m:oMath xmlns:m="http://schemas.openxmlformats.org/officeDocument/2006/math">
+                        <m:r>
+                          <a:rPr lang="de-DE" sz="2200" i="1" dirty="0">
+                            <a:latin typeface="Cambria Math" panose="02040503050406030204" pitchFamily="18" charset="0"/>
+                          </a:rPr>
+                          <m:t>15</m:t>
+                        </m:r>
+                      </m:oMath>
+                    </m:oMathPara>
+                  </a14:m>
+                  <a:endParaRPr lang="de-DE" sz="2200" dirty="0">
+                    <a:latin typeface="CMU Sans Serif" panose="02000603000000000000" pitchFamily="2" charset="0"/>
+                    <a:ea typeface="CMU Sans Serif" panose="02000603000000000000" pitchFamily="2" charset="0"/>
+                    <a:cs typeface="CMU Sans Serif" panose="02000603000000000000" pitchFamily="2" charset="0"/>
+                  </a:endParaRPr>
+                </a:p>
+              </p:txBody>
+            </p:sp>
+          </mc:Choice>
+          <mc:Fallback>
+            <p:sp>
+              <p:nvSpPr>
+                <p:cNvPr id="169" name="Textfeld 168">
+                  <a:extLst>
+                    <a:ext uri="{FF2B5EF4-FFF2-40B4-BE49-F238E27FC236}">
+                      <a16:creationId xmlns:a16="http://schemas.microsoft.com/office/drawing/2014/main" id="{21CF481A-9B3F-419B-B5E7-8A702999838F}"/>
+                    </a:ext>
+                  </a:extLst>
+                </p:cNvPr>
+                <p:cNvSpPr txBox="1">
+                  <a:spLocks noRot="1" noChangeAspect="1" noMove="1" noResize="1" noEditPoints="1" noAdjustHandles="1" noChangeArrowheads="1" noChangeShapeType="1" noTextEdit="1"/>
+                </p:cNvSpPr>
+                <p:nvPr/>
+              </p:nvSpPr>
+              <p:spPr>
+                <a:xfrm>
+                  <a:off x="7046751" y="5853507"/>
+                  <a:ext cx="590226" cy="430887"/>
+                </a:xfrm>
+                <a:prstGeom prst="rect">
+                  <a:avLst/>
+                </a:prstGeom>
+                <a:blipFill>
+                  <a:blip r:embed="rId19"/>
+                  <a:stretch>
+                    <a:fillRect/>
+                  </a:stretch>
+                </a:blipFill>
+              </p:spPr>
+              <p:txBody>
+                <a:bodyPr/>
+                <a:lstStyle/>
+                <a:p>
+                  <a:r>
+                    <a:rPr lang="de-DE">
+                      <a:noFill/>
+                    </a:rPr>
+                    <a:t> </a:t>
+                  </a:r>
+                </a:p>
+              </p:txBody>
+            </p:sp>
+          </mc:Fallback>
+        </mc:AlternateContent>
         <p:sp>
           <p:nvSpPr>
             <p:cNvPr id="161" name="Textfeld 160">
@@ -9350,7 +9251,7 @@
           </p:nvSpPr>
           <p:spPr>
             <a:xfrm>
-              <a:off x="513507" y="710364"/>
+              <a:off x="568740" y="5190851"/>
               <a:ext cx="1343638" cy="338554"/>
             </a:xfrm>
             <a:prstGeom prst="rect">
@@ -9375,29 +9276,8 @@
             </a:p>
           </p:txBody>
         </p:sp>
-      </p:grpSp>
-      <p:grpSp>
-        <p:nvGrpSpPr>
-          <p:cNvPr id="182" name="Gruppieren 181">
-            <a:extLst>
-              <a:ext uri="{FF2B5EF4-FFF2-40B4-BE49-F238E27FC236}">
-                <a16:creationId xmlns:a16="http://schemas.microsoft.com/office/drawing/2014/main" id="{369DEE5F-5ACF-4215-84C1-97C18BD5A566}"/>
-              </a:ext>
-            </a:extLst>
-          </p:cNvPr>
-          <p:cNvGrpSpPr/>
-          <p:nvPr/>
-        </p:nvGrpSpPr>
-        <p:grpSpPr>
-          <a:xfrm>
-            <a:off x="424745" y="3683396"/>
-            <a:ext cx="7284899" cy="1357927"/>
-            <a:chOff x="356260" y="710364"/>
-            <a:chExt cx="7284899" cy="1357927"/>
-          </a:xfrm>
-        </p:grpSpPr>
-        <mc:AlternateContent xmlns:mc="http://schemas.openxmlformats.org/markup-compatibility/2006" xmlns:a14="http://schemas.microsoft.com/office/drawing/2010/main">
-          <mc:Choice Requires="a14">
+        <mc:AlternateContent xmlns:mc="http://schemas.openxmlformats.org/markup-compatibility/2006">
+          <mc:Choice xmlns:a14="http://schemas.microsoft.com/office/drawing/2010/main" Requires="a14">
             <p:sp>
               <p:nvSpPr>
                 <p:cNvPr id="183" name="Textfeld 182">
@@ -9412,7 +9292,7 @@
               </p:nvSpPr>
               <p:spPr>
                 <a:xfrm>
-                  <a:off x="3047379" y="738074"/>
+                  <a:off x="3115864" y="3711106"/>
                   <a:ext cx="678327" cy="276999"/>
                 </a:xfrm>
                 <a:prstGeom prst="rect">
@@ -9466,7 +9346,7 @@
               </p:txBody>
             </p:sp>
           </mc:Choice>
-          <mc:Fallback xmlns="">
+          <mc:Fallback>
             <p:sp>
               <p:nvSpPr>
                 <p:cNvPr id="183" name="Textfeld 182">
@@ -9483,7 +9363,7 @@
               </p:nvSpPr>
               <p:spPr>
                 <a:xfrm>
-                  <a:off x="3047379" y="738074"/>
+                  <a:off x="3115864" y="3711106"/>
                   <a:ext cx="678327" cy="276999"/>
                 </a:xfrm>
                 <a:prstGeom prst="rect">
@@ -9511,8 +9391,8 @@
             </p:sp>
           </mc:Fallback>
         </mc:AlternateContent>
-        <mc:AlternateContent xmlns:mc="http://schemas.openxmlformats.org/markup-compatibility/2006" xmlns:a14="http://schemas.microsoft.com/office/drawing/2010/main">
-          <mc:Choice Requires="a14">
+        <mc:AlternateContent xmlns:mc="http://schemas.openxmlformats.org/markup-compatibility/2006">
+          <mc:Choice xmlns:a14="http://schemas.microsoft.com/office/drawing/2010/main" Requires="a14">
             <p:sp>
               <p:nvSpPr>
                 <p:cNvPr id="184" name="Textfeld 183">
@@ -9527,7 +9407,7 @@
               </p:nvSpPr>
               <p:spPr>
                 <a:xfrm>
-                  <a:off x="5126462" y="738074"/>
+                  <a:off x="5194947" y="3711106"/>
                   <a:ext cx="278923" cy="276999"/>
                 </a:xfrm>
                 <a:prstGeom prst="rect">
@@ -9566,7 +9446,7 @@
               </p:txBody>
             </p:sp>
           </mc:Choice>
-          <mc:Fallback xmlns="">
+          <mc:Fallback>
             <p:sp>
               <p:nvSpPr>
                 <p:cNvPr id="184" name="Textfeld 183">
@@ -9583,7 +9463,7 @@
               </p:nvSpPr>
               <p:spPr>
                 <a:xfrm>
-                  <a:off x="5126462" y="738074"/>
+                  <a:off x="5194947" y="3711106"/>
                   <a:ext cx="278923" cy="276999"/>
                 </a:xfrm>
                 <a:prstGeom prst="rect">
@@ -9627,7 +9507,7 @@
               </p:nvSpPr>
               <p:spPr>
                 <a:xfrm>
-                  <a:off x="7013238" y="738074"/>
+                  <a:off x="7081723" y="3711106"/>
                   <a:ext cx="560730" cy="276999"/>
                 </a:xfrm>
                 <a:prstGeom prst="rect">
@@ -9701,7 +9581,7 @@
               </p:nvSpPr>
               <p:spPr>
                 <a:xfrm>
-                  <a:off x="7013238" y="738074"/>
+                  <a:off x="7081723" y="3711106"/>
                   <a:ext cx="560730" cy="276999"/>
                 </a:xfrm>
                 <a:prstGeom prst="rect">
@@ -9731,10 +9611,10 @@
         </mc:AlternateContent>
         <p:grpSp>
           <p:nvGrpSpPr>
-            <p:cNvPr id="186" name="Gruppieren 185">
+            <p:cNvPr id="188" name="Gruppieren 187">
               <a:extLst>
                 <a:ext uri="{FF2B5EF4-FFF2-40B4-BE49-F238E27FC236}">
-                  <a16:creationId xmlns:a16="http://schemas.microsoft.com/office/drawing/2014/main" id="{77D7E5ED-A49D-4950-ADFE-A51BA05CF0A8}"/>
+                  <a16:creationId xmlns:a16="http://schemas.microsoft.com/office/drawing/2014/main" id="{4FA32511-8C08-4900-8A54-4574A6C3D374}"/>
                 </a:ext>
               </a:extLst>
             </p:cNvPr>
@@ -9743,18 +9623,78 @@
           </p:nvGrpSpPr>
           <p:grpSpPr>
             <a:xfrm>
-              <a:off x="356260" y="1108635"/>
-              <a:ext cx="7284899" cy="959656"/>
-              <a:chOff x="356260" y="1108635"/>
-              <a:chExt cx="7284899" cy="959656"/>
+              <a:off x="424745" y="4081667"/>
+              <a:ext cx="1585356" cy="959656"/>
+              <a:chOff x="356260" y="1027216"/>
+              <a:chExt cx="1585356" cy="959656"/>
             </a:xfrm>
           </p:grpSpPr>
+          <p:sp>
+            <p:nvSpPr>
+              <p:cNvPr id="196" name="Ellipse 195">
+                <a:extLst>
+                  <a:ext uri="{FF2B5EF4-FFF2-40B4-BE49-F238E27FC236}">
+                    <a16:creationId xmlns:a16="http://schemas.microsoft.com/office/drawing/2014/main" id="{F73B957D-B4E0-419D-BFF9-3972F890FFF5}"/>
+                  </a:ext>
+                </a:extLst>
+              </p:cNvPr>
+              <p:cNvSpPr/>
+              <p:nvPr/>
+            </p:nvSpPr>
+            <p:spPr>
+              <a:xfrm>
+                <a:off x="356260" y="1027216"/>
+                <a:ext cx="1585356" cy="919196"/>
+              </a:xfrm>
+              <a:prstGeom prst="ellipse">
+                <a:avLst/>
+              </a:prstGeom>
+              <a:solidFill>
+                <a:schemeClr val="bg1">
+                  <a:lumMod val="95000"/>
+                </a:schemeClr>
+              </a:solidFill>
+              <a:ln>
+                <a:solidFill>
+                  <a:schemeClr val="bg1"/>
+                </a:solidFill>
+              </a:ln>
+            </p:spPr>
+            <p:style>
+              <a:lnRef idx="2">
+                <a:schemeClr val="accent1">
+                  <a:shade val="50000"/>
+                </a:schemeClr>
+              </a:lnRef>
+              <a:fillRef idx="1">
+                <a:schemeClr val="accent1"/>
+              </a:fillRef>
+              <a:effectRef idx="0">
+                <a:schemeClr val="accent1"/>
+              </a:effectRef>
+              <a:fontRef idx="minor">
+                <a:schemeClr val="lt1"/>
+              </a:fontRef>
+            </p:style>
+            <p:txBody>
+              <a:bodyPr rtlCol="0" anchor="ctr"/>
+              <a:lstStyle/>
+              <a:p>
+                <a:pPr algn="ctr"/>
+                <a:endParaRPr lang="de-DE">
+                  <a:latin typeface="CMU Sans Serif" panose="02000603000000000000" pitchFamily="2" charset="0"/>
+                  <a:ea typeface="CMU Sans Serif" panose="02000603000000000000" pitchFamily="2" charset="0"/>
+                  <a:cs typeface="CMU Sans Serif" panose="02000603000000000000" pitchFamily="2" charset="0"/>
+                </a:endParaRPr>
+              </a:p>
+            </p:txBody>
+          </p:sp>
           <p:grpSp>
             <p:nvGrpSpPr>
-              <p:cNvPr id="188" name="Gruppieren 187">
+              <p:cNvPr id="197" name="Gruppieren 196">
                 <a:extLst>
                   <a:ext uri="{FF2B5EF4-FFF2-40B4-BE49-F238E27FC236}">
-                    <a16:creationId xmlns:a16="http://schemas.microsoft.com/office/drawing/2014/main" id="{4FA32511-8C08-4900-8A54-4574A6C3D374}"/>
+                    <a16:creationId xmlns:a16="http://schemas.microsoft.com/office/drawing/2014/main" id="{8325DD1C-79C6-4993-A28C-275DBA16ABE3}"/>
                   </a:ext>
                 </a:extLst>
               </p:cNvPr>
@@ -9763,65 +9703,50 @@
             </p:nvGrpSpPr>
             <p:grpSpPr>
               <a:xfrm>
-                <a:off x="356260" y="1108635"/>
-                <a:ext cx="1585356" cy="959656"/>
-                <a:chOff x="356260" y="1027216"/>
-                <a:chExt cx="1585356" cy="959656"/>
+                <a:off x="480116" y="1065757"/>
+                <a:ext cx="1337644" cy="921115"/>
+                <a:chOff x="488487" y="1060859"/>
+                <a:chExt cx="1337644" cy="921115"/>
               </a:xfrm>
             </p:grpSpPr>
             <p:sp>
               <p:nvSpPr>
-                <p:cNvPr id="196" name="Ellipse 195">
+                <p:cNvPr id="198" name="Textfeld 197">
                   <a:extLst>
                     <a:ext uri="{FF2B5EF4-FFF2-40B4-BE49-F238E27FC236}">
-                      <a16:creationId xmlns:a16="http://schemas.microsoft.com/office/drawing/2014/main" id="{F73B957D-B4E0-419D-BFF9-3972F890FFF5}"/>
+                      <a16:creationId xmlns:a16="http://schemas.microsoft.com/office/drawing/2014/main" id="{DF7010B3-2710-4B25-86BE-20C116E64825}"/>
                     </a:ext>
                   </a:extLst>
                 </p:cNvPr>
-                <p:cNvSpPr/>
+                <p:cNvSpPr txBox="1"/>
                 <p:nvPr/>
               </p:nvSpPr>
               <p:spPr>
                 <a:xfrm>
-                  <a:off x="356260" y="1027216"/>
-                  <a:ext cx="1585356" cy="919196"/>
+                  <a:off x="496186" y="1181594"/>
+                  <a:ext cx="378630" cy="369332"/>
                 </a:xfrm>
-                <a:prstGeom prst="ellipse">
+                <a:prstGeom prst="rect">
                   <a:avLst/>
                 </a:prstGeom>
-                <a:solidFill>
-                  <a:schemeClr val="bg1">
-                    <a:lumMod val="95000"/>
-                  </a:schemeClr>
-                </a:solidFill>
-                <a:ln>
-                  <a:solidFill>
-                    <a:schemeClr val="bg1"/>
-                  </a:solidFill>
-                </a:ln>
+                <a:noFill/>
               </p:spPr>
-              <p:style>
-                <a:lnRef idx="2">
-                  <a:schemeClr val="accent1">
-                    <a:shade val="50000"/>
-                  </a:schemeClr>
-                </a:lnRef>
-                <a:fillRef idx="1">
-                  <a:schemeClr val="accent1"/>
-                </a:fillRef>
-                <a:effectRef idx="0">
-                  <a:schemeClr val="accent1"/>
-                </a:effectRef>
-                <a:fontRef idx="minor">
-                  <a:schemeClr val="lt1"/>
-                </a:fontRef>
-              </p:style>
               <p:txBody>
-                <a:bodyPr rtlCol="0" anchor="ctr"/>
+                <a:bodyPr wrap="none" rtlCol="0">
+                  <a:spAutoFit/>
+                </a:bodyPr>
                 <a:lstStyle/>
                 <a:p>
-                  <a:pPr algn="ctr"/>
-                  <a:endParaRPr lang="de-DE">
+                  <a:r>
+                    <a:rPr lang="de-DE" dirty="0">
+                      <a:latin typeface="CMU Sans Serif" panose="02000603000000000000" pitchFamily="2" charset="0"/>
+                      <a:ea typeface="CMU Sans Serif" panose="02000603000000000000" pitchFamily="2" charset="0"/>
+                      <a:cs typeface="CMU Sans Serif" panose="02000603000000000000" pitchFamily="2" charset="0"/>
+                      <a:sym typeface="Wingdings" panose="05000000000000000000" pitchFamily="2" charset="2"/>
+                    </a:rPr>
+                    <a:t></a:t>
+                  </a:r>
+                  <a:endParaRPr lang="de-DE" dirty="0">
                     <a:latin typeface="CMU Sans Serif" panose="02000603000000000000" pitchFamily="2" charset="0"/>
                     <a:ea typeface="CMU Sans Serif" panose="02000603000000000000" pitchFamily="2" charset="0"/>
                     <a:cs typeface="CMU Sans Serif" panose="02000603000000000000" pitchFamily="2" charset="0"/>
@@ -9829,217 +9754,138 @@
                 </a:p>
               </p:txBody>
             </p:sp>
-            <p:grpSp>
-              <p:nvGrpSpPr>
-                <p:cNvPr id="197" name="Gruppieren 196">
+            <p:sp>
+              <p:nvSpPr>
+                <p:cNvPr id="199" name="Textfeld 198">
                   <a:extLst>
                     <a:ext uri="{FF2B5EF4-FFF2-40B4-BE49-F238E27FC236}">
-                      <a16:creationId xmlns:a16="http://schemas.microsoft.com/office/drawing/2014/main" id="{8325DD1C-79C6-4993-A28C-275DBA16ABE3}"/>
+                      <a16:creationId xmlns:a16="http://schemas.microsoft.com/office/drawing/2014/main" id="{930C58AE-E859-4CBE-AA8B-B61118CB9C88}"/>
                     </a:ext>
                   </a:extLst>
                 </p:cNvPr>
-                <p:cNvGrpSpPr/>
+                <p:cNvSpPr txBox="1"/>
                 <p:nvPr/>
-              </p:nvGrpSpPr>
-              <p:grpSpPr>
+              </p:nvSpPr>
+              <p:spPr>
                 <a:xfrm>
-                  <a:off x="480116" y="1065757"/>
-                  <a:ext cx="1337644" cy="921115"/>
-                  <a:chOff x="488487" y="1060859"/>
-                  <a:chExt cx="1337644" cy="921115"/>
+                  <a:off x="921719" y="1060859"/>
+                  <a:ext cx="378630" cy="369332"/>
                 </a:xfrm>
-              </p:grpSpPr>
-              <p:sp>
-                <p:nvSpPr>
-                  <p:cNvPr id="198" name="Textfeld 197">
-                    <a:extLst>
-                      <a:ext uri="{FF2B5EF4-FFF2-40B4-BE49-F238E27FC236}">
-                        <a16:creationId xmlns:a16="http://schemas.microsoft.com/office/drawing/2014/main" id="{DF7010B3-2710-4B25-86BE-20C116E64825}"/>
-                      </a:ext>
-                    </a:extLst>
-                  </p:cNvPr>
-                  <p:cNvSpPr txBox="1"/>
-                  <p:nvPr/>
-                </p:nvSpPr>
-                <p:spPr>
-                  <a:xfrm>
-                    <a:off x="496186" y="1181594"/>
-                    <a:ext cx="378630" cy="369332"/>
-                  </a:xfrm>
-                  <a:prstGeom prst="rect">
-                    <a:avLst/>
-                  </a:prstGeom>
-                  <a:noFill/>
-                </p:spPr>
-                <p:txBody>
-                  <a:bodyPr wrap="none" rtlCol="0">
-                    <a:spAutoFit/>
-                  </a:bodyPr>
-                  <a:lstStyle/>
-                  <a:p>
-                    <a:r>
-                      <a:rPr lang="de-DE" dirty="0">
-                        <a:latin typeface="CMU Sans Serif" panose="02000603000000000000" pitchFamily="2" charset="0"/>
-                        <a:ea typeface="CMU Sans Serif" panose="02000603000000000000" pitchFamily="2" charset="0"/>
-                        <a:cs typeface="CMU Sans Serif" panose="02000603000000000000" pitchFamily="2" charset="0"/>
-                        <a:sym typeface="Wingdings" panose="05000000000000000000" pitchFamily="2" charset="2"/>
-                      </a:rPr>
-                      <a:t></a:t>
-                    </a:r>
-                    <a:endParaRPr lang="de-DE" dirty="0">
-                      <a:latin typeface="CMU Sans Serif" panose="02000603000000000000" pitchFamily="2" charset="0"/>
-                      <a:ea typeface="CMU Sans Serif" panose="02000603000000000000" pitchFamily="2" charset="0"/>
-                      <a:cs typeface="CMU Sans Serif" panose="02000603000000000000" pitchFamily="2" charset="0"/>
-                    </a:endParaRPr>
-                  </a:p>
-                </p:txBody>
-              </p:sp>
-              <p:sp>
-                <p:nvSpPr>
-                  <p:cNvPr id="199" name="Textfeld 198">
-                    <a:extLst>
-                      <a:ext uri="{FF2B5EF4-FFF2-40B4-BE49-F238E27FC236}">
-                        <a16:creationId xmlns:a16="http://schemas.microsoft.com/office/drawing/2014/main" id="{930C58AE-E859-4CBE-AA8B-B61118CB9C88}"/>
-                      </a:ext>
-                    </a:extLst>
-                  </p:cNvPr>
-                  <p:cNvSpPr txBox="1"/>
-                  <p:nvPr/>
-                </p:nvSpPr>
-                <p:spPr>
-                  <a:xfrm>
-                    <a:off x="921719" y="1060859"/>
-                    <a:ext cx="378630" cy="369332"/>
-                  </a:xfrm>
-                  <a:prstGeom prst="rect">
-                    <a:avLst/>
-                  </a:prstGeom>
-                  <a:noFill/>
-                </p:spPr>
-                <p:txBody>
-                  <a:bodyPr wrap="none" rtlCol="0">
-                    <a:spAutoFit/>
-                  </a:bodyPr>
-                  <a:lstStyle/>
-                  <a:p>
-                    <a:r>
-                      <a:rPr lang="de-DE" dirty="0">
-                        <a:solidFill>
-                          <a:schemeClr val="accent2"/>
-                        </a:solidFill>
-                        <a:latin typeface="CMU Sans Serif" panose="02000603000000000000" pitchFamily="2" charset="0"/>
-                        <a:ea typeface="CMU Sans Serif" panose="02000603000000000000" pitchFamily="2" charset="0"/>
-                        <a:cs typeface="CMU Sans Serif" panose="02000603000000000000" pitchFamily="2" charset="0"/>
-                        <a:sym typeface="Wingdings" panose="05000000000000000000" pitchFamily="2" charset="2"/>
-                      </a:rPr>
-                      <a:t></a:t>
-                    </a:r>
-                    <a:endParaRPr lang="de-DE" dirty="0">
+                <a:prstGeom prst="rect">
+                  <a:avLst/>
+                </a:prstGeom>
+                <a:noFill/>
+              </p:spPr>
+              <p:txBody>
+                <a:bodyPr wrap="none" rtlCol="0">
+                  <a:spAutoFit/>
+                </a:bodyPr>
+                <a:lstStyle/>
+                <a:p>
+                  <a:r>
+                    <a:rPr lang="de-DE" dirty="0">
                       <a:solidFill>
                         <a:schemeClr val="accent2"/>
                       </a:solidFill>
                       <a:latin typeface="CMU Sans Serif" panose="02000603000000000000" pitchFamily="2" charset="0"/>
                       <a:ea typeface="CMU Sans Serif" panose="02000603000000000000" pitchFamily="2" charset="0"/>
                       <a:cs typeface="CMU Sans Serif" panose="02000603000000000000" pitchFamily="2" charset="0"/>
-                    </a:endParaRPr>
-                  </a:p>
-                </p:txBody>
-              </p:sp>
-              <p:sp>
-                <p:nvSpPr>
-                  <p:cNvPr id="200" name="Textfeld 199">
-                    <a:extLst>
-                      <a:ext uri="{FF2B5EF4-FFF2-40B4-BE49-F238E27FC236}">
-                        <a16:creationId xmlns:a16="http://schemas.microsoft.com/office/drawing/2014/main" id="{9562FE63-B63B-4477-9254-B0C3B0D9CE1F}"/>
-                      </a:ext>
-                    </a:extLst>
-                  </p:cNvPr>
-                  <p:cNvSpPr txBox="1"/>
-                  <p:nvPr/>
-                </p:nvSpPr>
-                <p:spPr>
-                  <a:xfrm>
-                    <a:off x="800986" y="1522022"/>
-                    <a:ext cx="378630" cy="369332"/>
-                  </a:xfrm>
-                  <a:prstGeom prst="rect">
-                    <a:avLst/>
-                  </a:prstGeom>
-                  <a:noFill/>
-                </p:spPr>
-                <p:txBody>
-                  <a:bodyPr wrap="none" rtlCol="0">
-                    <a:spAutoFit/>
-                  </a:bodyPr>
-                  <a:lstStyle/>
-                  <a:p>
-                    <a:r>
-                      <a:rPr lang="de-DE" dirty="0">
-                        <a:solidFill>
-                          <a:srgbClr val="FF0000"/>
-                        </a:solidFill>
-                        <a:latin typeface="CMU Sans Serif" panose="02000603000000000000" pitchFamily="2" charset="0"/>
-                        <a:ea typeface="CMU Sans Serif" panose="02000603000000000000" pitchFamily="2" charset="0"/>
-                        <a:cs typeface="CMU Sans Serif" panose="02000603000000000000" pitchFamily="2" charset="0"/>
-                        <a:sym typeface="Wingdings" panose="05000000000000000000" pitchFamily="2" charset="2"/>
-                      </a:rPr>
-                      <a:t></a:t>
-                    </a:r>
-                    <a:endParaRPr lang="de-DE" dirty="0">
+                      <a:sym typeface="Wingdings" panose="05000000000000000000" pitchFamily="2" charset="2"/>
+                    </a:rPr>
+                    <a:t></a:t>
+                  </a:r>
+                  <a:endParaRPr lang="de-DE" dirty="0">
+                    <a:solidFill>
+                      <a:schemeClr val="accent2"/>
+                    </a:solidFill>
+                    <a:latin typeface="CMU Sans Serif" panose="02000603000000000000" pitchFamily="2" charset="0"/>
+                    <a:ea typeface="CMU Sans Serif" panose="02000603000000000000" pitchFamily="2" charset="0"/>
+                    <a:cs typeface="CMU Sans Serif" panose="02000603000000000000" pitchFamily="2" charset="0"/>
+                  </a:endParaRPr>
+                </a:p>
+              </p:txBody>
+            </p:sp>
+            <p:sp>
+              <p:nvSpPr>
+                <p:cNvPr id="200" name="Textfeld 199">
+                  <a:extLst>
+                    <a:ext uri="{FF2B5EF4-FFF2-40B4-BE49-F238E27FC236}">
+                      <a16:creationId xmlns:a16="http://schemas.microsoft.com/office/drawing/2014/main" id="{9562FE63-B63B-4477-9254-B0C3B0D9CE1F}"/>
+                    </a:ext>
+                  </a:extLst>
+                </p:cNvPr>
+                <p:cNvSpPr txBox="1"/>
+                <p:nvPr/>
+              </p:nvSpPr>
+              <p:spPr>
+                <a:xfrm>
+                  <a:off x="800986" y="1522022"/>
+                  <a:ext cx="378630" cy="369332"/>
+                </a:xfrm>
+                <a:prstGeom prst="rect">
+                  <a:avLst/>
+                </a:prstGeom>
+                <a:noFill/>
+              </p:spPr>
+              <p:txBody>
+                <a:bodyPr wrap="none" rtlCol="0">
+                  <a:spAutoFit/>
+                </a:bodyPr>
+                <a:lstStyle/>
+                <a:p>
+                  <a:r>
+                    <a:rPr lang="de-DE" dirty="0">
                       <a:solidFill>
                         <a:srgbClr val="FF0000"/>
                       </a:solidFill>
                       <a:latin typeface="CMU Sans Serif" panose="02000603000000000000" pitchFamily="2" charset="0"/>
                       <a:ea typeface="CMU Sans Serif" panose="02000603000000000000" pitchFamily="2" charset="0"/>
                       <a:cs typeface="CMU Sans Serif" panose="02000603000000000000" pitchFamily="2" charset="0"/>
-                    </a:endParaRPr>
-                  </a:p>
-                </p:txBody>
-              </p:sp>
-              <p:sp>
-                <p:nvSpPr>
-                  <p:cNvPr id="201" name="Textfeld 200">
-                    <a:extLst>
-                      <a:ext uri="{FF2B5EF4-FFF2-40B4-BE49-F238E27FC236}">
-                        <a16:creationId xmlns:a16="http://schemas.microsoft.com/office/drawing/2014/main" id="{41B5DEBB-5896-4B83-ADA2-95C3B077AE54}"/>
-                      </a:ext>
-                    </a:extLst>
-                  </p:cNvPr>
-                  <p:cNvSpPr txBox="1"/>
-                  <p:nvPr/>
-                </p:nvSpPr>
-                <p:spPr>
-                  <a:xfrm>
-                    <a:off x="1063360" y="1326286"/>
-                    <a:ext cx="378630" cy="369332"/>
-                  </a:xfrm>
-                  <a:prstGeom prst="rect">
-                    <a:avLst/>
-                  </a:prstGeom>
-                  <a:noFill/>
-                </p:spPr>
-                <p:txBody>
-                  <a:bodyPr wrap="none" rtlCol="0">
-                    <a:spAutoFit/>
-                  </a:bodyPr>
-                  <a:lstStyle/>
-                  <a:p>
-                    <a:r>
-                      <a:rPr lang="de-DE" dirty="0">
-                        <a:solidFill>
-                          <a:schemeClr val="accent6">
-                            <a:lumMod val="60000"/>
-                            <a:lumOff val="40000"/>
-                          </a:schemeClr>
-                        </a:solidFill>
-                        <a:latin typeface="CMU Sans Serif" panose="02000603000000000000" pitchFamily="2" charset="0"/>
-                        <a:ea typeface="CMU Sans Serif" panose="02000603000000000000" pitchFamily="2" charset="0"/>
-                        <a:cs typeface="CMU Sans Serif" panose="02000603000000000000" pitchFamily="2" charset="0"/>
-                        <a:sym typeface="Wingdings" panose="05000000000000000000" pitchFamily="2" charset="2"/>
-                      </a:rPr>
-                      <a:t></a:t>
-                    </a:r>
-                    <a:endParaRPr lang="de-DE" dirty="0">
+                      <a:sym typeface="Wingdings" panose="05000000000000000000" pitchFamily="2" charset="2"/>
+                    </a:rPr>
+                    <a:t></a:t>
+                  </a:r>
+                  <a:endParaRPr lang="de-DE" dirty="0">
+                    <a:solidFill>
+                      <a:srgbClr val="FF0000"/>
+                    </a:solidFill>
+                    <a:latin typeface="CMU Sans Serif" panose="02000603000000000000" pitchFamily="2" charset="0"/>
+                    <a:ea typeface="CMU Sans Serif" panose="02000603000000000000" pitchFamily="2" charset="0"/>
+                    <a:cs typeface="CMU Sans Serif" panose="02000603000000000000" pitchFamily="2" charset="0"/>
+                  </a:endParaRPr>
+                </a:p>
+              </p:txBody>
+            </p:sp>
+            <p:sp>
+              <p:nvSpPr>
+                <p:cNvPr id="201" name="Textfeld 200">
+                  <a:extLst>
+                    <a:ext uri="{FF2B5EF4-FFF2-40B4-BE49-F238E27FC236}">
+                      <a16:creationId xmlns:a16="http://schemas.microsoft.com/office/drawing/2014/main" id="{41B5DEBB-5896-4B83-ADA2-95C3B077AE54}"/>
+                    </a:ext>
+                  </a:extLst>
+                </p:cNvPr>
+                <p:cNvSpPr txBox="1"/>
+                <p:nvPr/>
+              </p:nvSpPr>
+              <p:spPr>
+                <a:xfrm>
+                  <a:off x="1063360" y="1326286"/>
+                  <a:ext cx="378630" cy="369332"/>
+                </a:xfrm>
+                <a:prstGeom prst="rect">
+                  <a:avLst/>
+                </a:prstGeom>
+                <a:noFill/>
+              </p:spPr>
+              <p:txBody>
+                <a:bodyPr wrap="none" rtlCol="0">
+                  <a:spAutoFit/>
+                </a:bodyPr>
+                <a:lstStyle/>
+                <a:p>
+                  <a:r>
+                    <a:rPr lang="de-DE" dirty="0">
                       <a:solidFill>
                         <a:schemeClr val="accent6">
                           <a:lumMod val="60000"/>
@@ -10049,54 +9895,54 @@
                       <a:latin typeface="CMU Sans Serif" panose="02000603000000000000" pitchFamily="2" charset="0"/>
                       <a:ea typeface="CMU Sans Serif" panose="02000603000000000000" pitchFamily="2" charset="0"/>
                       <a:cs typeface="CMU Sans Serif" panose="02000603000000000000" pitchFamily="2" charset="0"/>
-                    </a:endParaRPr>
-                  </a:p>
-                </p:txBody>
-              </p:sp>
-              <p:sp>
-                <p:nvSpPr>
-                  <p:cNvPr id="202" name="Textfeld 201">
-                    <a:extLst>
-                      <a:ext uri="{FF2B5EF4-FFF2-40B4-BE49-F238E27FC236}">
-                        <a16:creationId xmlns:a16="http://schemas.microsoft.com/office/drawing/2014/main" id="{0FE0C316-AC77-4F20-AAB4-2281A1565292}"/>
-                      </a:ext>
-                    </a:extLst>
-                  </p:cNvPr>
-                  <p:cNvSpPr txBox="1"/>
-                  <p:nvPr/>
-                </p:nvSpPr>
-                <p:spPr>
-                  <a:xfrm>
-                    <a:off x="1057943" y="1612642"/>
-                    <a:ext cx="378630" cy="369332"/>
-                  </a:xfrm>
-                  <a:prstGeom prst="rect">
-                    <a:avLst/>
-                  </a:prstGeom>
-                  <a:noFill/>
-                </p:spPr>
-                <p:txBody>
-                  <a:bodyPr wrap="none" rtlCol="0">
-                    <a:spAutoFit/>
-                  </a:bodyPr>
-                  <a:lstStyle/>
-                  <a:p>
-                    <a:r>
-                      <a:rPr lang="de-DE" dirty="0">
-                        <a:solidFill>
-                          <a:schemeClr val="tx2">
-                            <a:lumMod val="60000"/>
-                            <a:lumOff val="40000"/>
-                          </a:schemeClr>
-                        </a:solidFill>
-                        <a:latin typeface="CMU Sans Serif" panose="02000603000000000000" pitchFamily="2" charset="0"/>
-                        <a:ea typeface="CMU Sans Serif" panose="02000603000000000000" pitchFamily="2" charset="0"/>
-                        <a:cs typeface="CMU Sans Serif" panose="02000603000000000000" pitchFamily="2" charset="0"/>
-                        <a:sym typeface="Wingdings" panose="05000000000000000000" pitchFamily="2" charset="2"/>
-                      </a:rPr>
-                      <a:t></a:t>
-                    </a:r>
-                    <a:endParaRPr lang="de-DE" dirty="0">
+                      <a:sym typeface="Wingdings" panose="05000000000000000000" pitchFamily="2" charset="2"/>
+                    </a:rPr>
+                    <a:t></a:t>
+                  </a:r>
+                  <a:endParaRPr lang="de-DE" dirty="0">
+                    <a:solidFill>
+                      <a:schemeClr val="accent6">
+                        <a:lumMod val="60000"/>
+                        <a:lumOff val="40000"/>
+                      </a:schemeClr>
+                    </a:solidFill>
+                    <a:latin typeface="CMU Sans Serif" panose="02000603000000000000" pitchFamily="2" charset="0"/>
+                    <a:ea typeface="CMU Sans Serif" panose="02000603000000000000" pitchFamily="2" charset="0"/>
+                    <a:cs typeface="CMU Sans Serif" panose="02000603000000000000" pitchFamily="2" charset="0"/>
+                  </a:endParaRPr>
+                </a:p>
+              </p:txBody>
+            </p:sp>
+            <p:sp>
+              <p:nvSpPr>
+                <p:cNvPr id="202" name="Textfeld 201">
+                  <a:extLst>
+                    <a:ext uri="{FF2B5EF4-FFF2-40B4-BE49-F238E27FC236}">
+                      <a16:creationId xmlns:a16="http://schemas.microsoft.com/office/drawing/2014/main" id="{0FE0C316-AC77-4F20-AAB4-2281A1565292}"/>
+                    </a:ext>
+                  </a:extLst>
+                </p:cNvPr>
+                <p:cNvSpPr txBox="1"/>
+                <p:nvPr/>
+              </p:nvSpPr>
+              <p:spPr>
+                <a:xfrm>
+                  <a:off x="1057943" y="1612642"/>
+                  <a:ext cx="378630" cy="369332"/>
+                </a:xfrm>
+                <a:prstGeom prst="rect">
+                  <a:avLst/>
+                </a:prstGeom>
+                <a:noFill/>
+              </p:spPr>
+              <p:txBody>
+                <a:bodyPr wrap="none" rtlCol="0">
+                  <a:spAutoFit/>
+                </a:bodyPr>
+                <a:lstStyle/>
+                <a:p>
+                  <a:r>
+                    <a:rPr lang="de-DE" dirty="0">
                       <a:solidFill>
                         <a:schemeClr val="tx2">
                           <a:lumMod val="60000"/>
@@ -10106,53 +9952,54 @@
                       <a:latin typeface="CMU Sans Serif" panose="02000603000000000000" pitchFamily="2" charset="0"/>
                       <a:ea typeface="CMU Sans Serif" panose="02000603000000000000" pitchFamily="2" charset="0"/>
                       <a:cs typeface="CMU Sans Serif" panose="02000603000000000000" pitchFamily="2" charset="0"/>
-                    </a:endParaRPr>
-                  </a:p>
-                </p:txBody>
-              </p:sp>
-              <p:sp>
-                <p:nvSpPr>
-                  <p:cNvPr id="203" name="Textfeld 202">
-                    <a:extLst>
-                      <a:ext uri="{FF2B5EF4-FFF2-40B4-BE49-F238E27FC236}">
-                        <a16:creationId xmlns:a16="http://schemas.microsoft.com/office/drawing/2014/main" id="{6158BBFE-DF1F-4B7B-8696-570902E59EFA}"/>
-                      </a:ext>
-                    </a:extLst>
-                  </p:cNvPr>
-                  <p:cNvSpPr txBox="1"/>
-                  <p:nvPr/>
-                </p:nvSpPr>
-                <p:spPr>
-                  <a:xfrm>
-                    <a:off x="1373671" y="1486394"/>
-                    <a:ext cx="378630" cy="369332"/>
-                  </a:xfrm>
-                  <a:prstGeom prst="rect">
-                    <a:avLst/>
-                  </a:prstGeom>
-                  <a:noFill/>
-                </p:spPr>
-                <p:txBody>
-                  <a:bodyPr wrap="none" rtlCol="0">
-                    <a:spAutoFit/>
-                  </a:bodyPr>
-                  <a:lstStyle/>
-                  <a:p>
-                    <a:r>
-                      <a:rPr lang="de-DE" dirty="0">
-                        <a:solidFill>
-                          <a:schemeClr val="accent4">
-                            <a:lumMod val="75000"/>
-                          </a:schemeClr>
-                        </a:solidFill>
-                        <a:latin typeface="CMU Sans Serif" panose="02000603000000000000" pitchFamily="2" charset="0"/>
-                        <a:ea typeface="CMU Sans Serif" panose="02000603000000000000" pitchFamily="2" charset="0"/>
-                        <a:cs typeface="CMU Sans Serif" panose="02000603000000000000" pitchFamily="2" charset="0"/>
-                        <a:sym typeface="Wingdings" panose="05000000000000000000" pitchFamily="2" charset="2"/>
-                      </a:rPr>
-                      <a:t></a:t>
-                    </a:r>
-                    <a:endParaRPr lang="de-DE" dirty="0">
+                      <a:sym typeface="Wingdings" panose="05000000000000000000" pitchFamily="2" charset="2"/>
+                    </a:rPr>
+                    <a:t></a:t>
+                  </a:r>
+                  <a:endParaRPr lang="de-DE" dirty="0">
+                    <a:solidFill>
+                      <a:schemeClr val="tx2">
+                        <a:lumMod val="60000"/>
+                        <a:lumOff val="40000"/>
+                      </a:schemeClr>
+                    </a:solidFill>
+                    <a:latin typeface="CMU Sans Serif" panose="02000603000000000000" pitchFamily="2" charset="0"/>
+                    <a:ea typeface="CMU Sans Serif" panose="02000603000000000000" pitchFamily="2" charset="0"/>
+                    <a:cs typeface="CMU Sans Serif" panose="02000603000000000000" pitchFamily="2" charset="0"/>
+                  </a:endParaRPr>
+                </a:p>
+              </p:txBody>
+            </p:sp>
+            <p:sp>
+              <p:nvSpPr>
+                <p:cNvPr id="203" name="Textfeld 202">
+                  <a:extLst>
+                    <a:ext uri="{FF2B5EF4-FFF2-40B4-BE49-F238E27FC236}">
+                      <a16:creationId xmlns:a16="http://schemas.microsoft.com/office/drawing/2014/main" id="{6158BBFE-DF1F-4B7B-8696-570902E59EFA}"/>
+                    </a:ext>
+                  </a:extLst>
+                </p:cNvPr>
+                <p:cNvSpPr txBox="1"/>
+                <p:nvPr/>
+              </p:nvSpPr>
+              <p:spPr>
+                <a:xfrm>
+                  <a:off x="1373671" y="1486394"/>
+                  <a:ext cx="378630" cy="369332"/>
+                </a:xfrm>
+                <a:prstGeom prst="rect">
+                  <a:avLst/>
+                </a:prstGeom>
+                <a:noFill/>
+              </p:spPr>
+              <p:txBody>
+                <a:bodyPr wrap="none" rtlCol="0">
+                  <a:spAutoFit/>
+                </a:bodyPr>
+                <a:lstStyle/>
+                <a:p>
+                  <a:r>
+                    <a:rPr lang="de-DE" dirty="0">
                       <a:solidFill>
                         <a:schemeClr val="accent4">
                           <a:lumMod val="75000"/>
@@ -10161,99 +10008,98 @@
                       <a:latin typeface="CMU Sans Serif" panose="02000603000000000000" pitchFamily="2" charset="0"/>
                       <a:ea typeface="CMU Sans Serif" panose="02000603000000000000" pitchFamily="2" charset="0"/>
                       <a:cs typeface="CMU Sans Serif" panose="02000603000000000000" pitchFamily="2" charset="0"/>
-                    </a:endParaRPr>
-                  </a:p>
-                </p:txBody>
-              </p:sp>
-              <p:sp>
-                <p:nvSpPr>
-                  <p:cNvPr id="204" name="Textfeld 203">
-                    <a:extLst>
-                      <a:ext uri="{FF2B5EF4-FFF2-40B4-BE49-F238E27FC236}">
-                        <a16:creationId xmlns:a16="http://schemas.microsoft.com/office/drawing/2014/main" id="{BE7EE0F2-FAB6-419A-8254-15FC01CFDCCA}"/>
-                      </a:ext>
-                    </a:extLst>
-                  </p:cNvPr>
-                  <p:cNvSpPr txBox="1"/>
-                  <p:nvPr/>
-                </p:nvSpPr>
-                <p:spPr>
-                  <a:xfrm>
-                    <a:off x="1447501" y="1225341"/>
-                    <a:ext cx="378630" cy="369332"/>
-                  </a:xfrm>
-                  <a:prstGeom prst="rect">
-                    <a:avLst/>
-                  </a:prstGeom>
-                  <a:noFill/>
-                </p:spPr>
-                <p:txBody>
-                  <a:bodyPr wrap="none" rtlCol="0">
-                    <a:spAutoFit/>
-                  </a:bodyPr>
-                  <a:lstStyle/>
-                  <a:p>
-                    <a:r>
-                      <a:rPr lang="de-DE" dirty="0">
-                        <a:latin typeface="CMU Sans Serif" panose="02000603000000000000" pitchFamily="2" charset="0"/>
-                        <a:ea typeface="CMU Sans Serif" panose="02000603000000000000" pitchFamily="2" charset="0"/>
-                        <a:cs typeface="CMU Sans Serif" panose="02000603000000000000" pitchFamily="2" charset="0"/>
-                        <a:sym typeface="Wingdings" panose="05000000000000000000" pitchFamily="2" charset="2"/>
-                      </a:rPr>
-                      <a:t></a:t>
-                    </a:r>
-                    <a:endParaRPr lang="de-DE" dirty="0">
+                      <a:sym typeface="Wingdings" panose="05000000000000000000" pitchFamily="2" charset="2"/>
+                    </a:rPr>
+                    <a:t></a:t>
+                  </a:r>
+                  <a:endParaRPr lang="de-DE" dirty="0">
+                    <a:solidFill>
+                      <a:schemeClr val="accent4">
+                        <a:lumMod val="75000"/>
+                      </a:schemeClr>
+                    </a:solidFill>
+                    <a:latin typeface="CMU Sans Serif" panose="02000603000000000000" pitchFamily="2" charset="0"/>
+                    <a:ea typeface="CMU Sans Serif" panose="02000603000000000000" pitchFamily="2" charset="0"/>
+                    <a:cs typeface="CMU Sans Serif" panose="02000603000000000000" pitchFamily="2" charset="0"/>
+                  </a:endParaRPr>
+                </a:p>
+              </p:txBody>
+            </p:sp>
+            <p:sp>
+              <p:nvSpPr>
+                <p:cNvPr id="204" name="Textfeld 203">
+                  <a:extLst>
+                    <a:ext uri="{FF2B5EF4-FFF2-40B4-BE49-F238E27FC236}">
+                      <a16:creationId xmlns:a16="http://schemas.microsoft.com/office/drawing/2014/main" id="{BE7EE0F2-FAB6-419A-8254-15FC01CFDCCA}"/>
+                    </a:ext>
+                  </a:extLst>
+                </p:cNvPr>
+                <p:cNvSpPr txBox="1"/>
+                <p:nvPr/>
+              </p:nvSpPr>
+              <p:spPr>
+                <a:xfrm>
+                  <a:off x="1447501" y="1225341"/>
+                  <a:ext cx="378630" cy="369332"/>
+                </a:xfrm>
+                <a:prstGeom prst="rect">
+                  <a:avLst/>
+                </a:prstGeom>
+                <a:noFill/>
+              </p:spPr>
+              <p:txBody>
+                <a:bodyPr wrap="none" rtlCol="0">
+                  <a:spAutoFit/>
+                </a:bodyPr>
+                <a:lstStyle/>
+                <a:p>
+                  <a:r>
+                    <a:rPr lang="de-DE" dirty="0">
                       <a:latin typeface="CMU Sans Serif" panose="02000603000000000000" pitchFamily="2" charset="0"/>
                       <a:ea typeface="CMU Sans Serif" panose="02000603000000000000" pitchFamily="2" charset="0"/>
                       <a:cs typeface="CMU Sans Serif" panose="02000603000000000000" pitchFamily="2" charset="0"/>
-                    </a:endParaRPr>
-                  </a:p>
-                </p:txBody>
-              </p:sp>
-              <p:sp>
-                <p:nvSpPr>
-                  <p:cNvPr id="205" name="Textfeld 204">
-                    <a:extLst>
-                      <a:ext uri="{FF2B5EF4-FFF2-40B4-BE49-F238E27FC236}">
-                        <a16:creationId xmlns:a16="http://schemas.microsoft.com/office/drawing/2014/main" id="{57C7308A-950E-4B3D-B77F-9E9D5F7297DC}"/>
-                      </a:ext>
-                    </a:extLst>
-                  </p:cNvPr>
-                  <p:cNvSpPr txBox="1"/>
-                  <p:nvPr/>
-                </p:nvSpPr>
-                <p:spPr>
-                  <a:xfrm>
-                    <a:off x="779264" y="1293028"/>
-                    <a:ext cx="226230" cy="369332"/>
-                  </a:xfrm>
-                  <a:prstGeom prst="rect">
-                    <a:avLst/>
-                  </a:prstGeom>
-                  <a:noFill/>
-                </p:spPr>
-                <p:txBody>
-                  <a:bodyPr wrap="square" rtlCol="0">
-                    <a:spAutoFit/>
-                  </a:bodyPr>
-                  <a:lstStyle/>
-                  <a:p>
-                    <a:r>
-                      <a:rPr lang="de-DE" dirty="0">
-                        <a:solidFill>
-                          <a:schemeClr val="accent4">
-                            <a:lumMod val="40000"/>
-                            <a:lumOff val="60000"/>
-                          </a:schemeClr>
-                        </a:solidFill>
-                        <a:latin typeface="CMU Sans Serif" panose="02000603000000000000" pitchFamily="2" charset="0"/>
-                        <a:ea typeface="CMU Sans Serif" panose="02000603000000000000" pitchFamily="2" charset="0"/>
-                        <a:cs typeface="CMU Sans Serif" panose="02000603000000000000" pitchFamily="2" charset="0"/>
-                        <a:sym typeface="Wingdings" panose="05000000000000000000" pitchFamily="2" charset="2"/>
-                      </a:rPr>
-                      <a:t></a:t>
-                    </a:r>
-                    <a:endParaRPr lang="de-DE" dirty="0">
+                      <a:sym typeface="Wingdings" panose="05000000000000000000" pitchFamily="2" charset="2"/>
+                    </a:rPr>
+                    <a:t></a:t>
+                  </a:r>
+                  <a:endParaRPr lang="de-DE" dirty="0">
+                    <a:latin typeface="CMU Sans Serif" panose="02000603000000000000" pitchFamily="2" charset="0"/>
+                    <a:ea typeface="CMU Sans Serif" panose="02000603000000000000" pitchFamily="2" charset="0"/>
+                    <a:cs typeface="CMU Sans Serif" panose="02000603000000000000" pitchFamily="2" charset="0"/>
+                  </a:endParaRPr>
+                </a:p>
+              </p:txBody>
+            </p:sp>
+            <p:sp>
+              <p:nvSpPr>
+                <p:cNvPr id="205" name="Textfeld 204">
+                  <a:extLst>
+                    <a:ext uri="{FF2B5EF4-FFF2-40B4-BE49-F238E27FC236}">
+                      <a16:creationId xmlns:a16="http://schemas.microsoft.com/office/drawing/2014/main" id="{57C7308A-950E-4B3D-B77F-9E9D5F7297DC}"/>
+                    </a:ext>
+                  </a:extLst>
+                </p:cNvPr>
+                <p:cNvSpPr txBox="1"/>
+                <p:nvPr/>
+              </p:nvSpPr>
+              <p:spPr>
+                <a:xfrm>
+                  <a:off x="779264" y="1293028"/>
+                  <a:ext cx="226230" cy="369332"/>
+                </a:xfrm>
+                <a:prstGeom prst="rect">
+                  <a:avLst/>
+                </a:prstGeom>
+                <a:noFill/>
+              </p:spPr>
+              <p:txBody>
+                <a:bodyPr wrap="square" rtlCol="0">
+                  <a:spAutoFit/>
+                </a:bodyPr>
+                <a:lstStyle/>
+                <a:p>
+                  <a:r>
+                    <a:rPr lang="de-DE" dirty="0">
                       <a:solidFill>
                         <a:schemeClr val="accent4">
                           <a:lumMod val="40000"/>
@@ -10263,53 +10109,54 @@
                       <a:latin typeface="CMU Sans Serif" panose="02000603000000000000" pitchFamily="2" charset="0"/>
                       <a:ea typeface="CMU Sans Serif" panose="02000603000000000000" pitchFamily="2" charset="0"/>
                       <a:cs typeface="CMU Sans Serif" panose="02000603000000000000" pitchFamily="2" charset="0"/>
-                    </a:endParaRPr>
-                  </a:p>
-                </p:txBody>
-              </p:sp>
-              <p:sp>
-                <p:nvSpPr>
-                  <p:cNvPr id="206" name="Textfeld 205">
-                    <a:extLst>
-                      <a:ext uri="{FF2B5EF4-FFF2-40B4-BE49-F238E27FC236}">
-                        <a16:creationId xmlns:a16="http://schemas.microsoft.com/office/drawing/2014/main" id="{A9F69EEA-6A09-4647-9D98-634624DD30DB}"/>
-                      </a:ext>
-                    </a:extLst>
-                  </p:cNvPr>
-                  <p:cNvSpPr txBox="1"/>
-                  <p:nvPr/>
-                </p:nvSpPr>
-                <p:spPr>
-                  <a:xfrm>
-                    <a:off x="488487" y="1474922"/>
-                    <a:ext cx="378630" cy="369332"/>
-                  </a:xfrm>
-                  <a:prstGeom prst="rect">
-                    <a:avLst/>
-                  </a:prstGeom>
-                  <a:noFill/>
-                </p:spPr>
-                <p:txBody>
-                  <a:bodyPr wrap="none" rtlCol="0">
-                    <a:spAutoFit/>
-                  </a:bodyPr>
-                  <a:lstStyle/>
-                  <a:p>
-                    <a:r>
-                      <a:rPr lang="de-DE" dirty="0">
-                        <a:solidFill>
-                          <a:schemeClr val="bg1">
-                            <a:lumMod val="65000"/>
-                          </a:schemeClr>
-                        </a:solidFill>
-                        <a:latin typeface="CMU Sans Serif" panose="02000603000000000000" pitchFamily="2" charset="0"/>
-                        <a:ea typeface="CMU Sans Serif" panose="02000603000000000000" pitchFamily="2" charset="0"/>
-                        <a:cs typeface="CMU Sans Serif" panose="02000603000000000000" pitchFamily="2" charset="0"/>
-                        <a:sym typeface="Wingdings" panose="05000000000000000000" pitchFamily="2" charset="2"/>
-                      </a:rPr>
-                      <a:t></a:t>
-                    </a:r>
-                    <a:endParaRPr lang="de-DE" dirty="0">
+                      <a:sym typeface="Wingdings" panose="05000000000000000000" pitchFamily="2" charset="2"/>
+                    </a:rPr>
+                    <a:t></a:t>
+                  </a:r>
+                  <a:endParaRPr lang="de-DE" dirty="0">
+                    <a:solidFill>
+                      <a:schemeClr val="accent4">
+                        <a:lumMod val="40000"/>
+                        <a:lumOff val="60000"/>
+                      </a:schemeClr>
+                    </a:solidFill>
+                    <a:latin typeface="CMU Sans Serif" panose="02000603000000000000" pitchFamily="2" charset="0"/>
+                    <a:ea typeface="CMU Sans Serif" panose="02000603000000000000" pitchFamily="2" charset="0"/>
+                    <a:cs typeface="CMU Sans Serif" panose="02000603000000000000" pitchFamily="2" charset="0"/>
+                  </a:endParaRPr>
+                </a:p>
+              </p:txBody>
+            </p:sp>
+            <p:sp>
+              <p:nvSpPr>
+                <p:cNvPr id="206" name="Textfeld 205">
+                  <a:extLst>
+                    <a:ext uri="{FF2B5EF4-FFF2-40B4-BE49-F238E27FC236}">
+                      <a16:creationId xmlns:a16="http://schemas.microsoft.com/office/drawing/2014/main" id="{A9F69EEA-6A09-4647-9D98-634624DD30DB}"/>
+                    </a:ext>
+                  </a:extLst>
+                </p:cNvPr>
+                <p:cNvSpPr txBox="1"/>
+                <p:nvPr/>
+              </p:nvSpPr>
+              <p:spPr>
+                <a:xfrm>
+                  <a:off x="488487" y="1474922"/>
+                  <a:ext cx="378630" cy="369332"/>
+                </a:xfrm>
+                <a:prstGeom prst="rect">
+                  <a:avLst/>
+                </a:prstGeom>
+                <a:noFill/>
+              </p:spPr>
+              <p:txBody>
+                <a:bodyPr wrap="none" rtlCol="0">
+                  <a:spAutoFit/>
+                </a:bodyPr>
+                <a:lstStyle/>
+                <a:p>
+                  <a:r>
+                    <a:rPr lang="de-DE" dirty="0">
                       <a:solidFill>
                         <a:schemeClr val="bg1">
                           <a:lumMod val="65000"/>
@@ -10318,53 +10165,53 @@
                       <a:latin typeface="CMU Sans Serif" panose="02000603000000000000" pitchFamily="2" charset="0"/>
                       <a:ea typeface="CMU Sans Serif" panose="02000603000000000000" pitchFamily="2" charset="0"/>
                       <a:cs typeface="CMU Sans Serif" panose="02000603000000000000" pitchFamily="2" charset="0"/>
-                    </a:endParaRPr>
-                  </a:p>
-                </p:txBody>
-              </p:sp>
-              <p:sp>
-                <p:nvSpPr>
-                  <p:cNvPr id="207" name="Textfeld 206">
-                    <a:extLst>
-                      <a:ext uri="{FF2B5EF4-FFF2-40B4-BE49-F238E27FC236}">
-                        <a16:creationId xmlns:a16="http://schemas.microsoft.com/office/drawing/2014/main" id="{2580104E-212E-4373-97A2-FF54B8DD61C0}"/>
-                      </a:ext>
-                    </a:extLst>
-                  </p:cNvPr>
-                  <p:cNvSpPr txBox="1"/>
-                  <p:nvPr/>
-                </p:nvSpPr>
-                <p:spPr>
-                  <a:xfrm>
-                    <a:off x="1193705" y="1093775"/>
-                    <a:ext cx="378630" cy="369332"/>
-                  </a:xfrm>
-                  <a:prstGeom prst="rect">
-                    <a:avLst/>
-                  </a:prstGeom>
-                  <a:noFill/>
-                </p:spPr>
-                <p:txBody>
-                  <a:bodyPr wrap="none" rtlCol="0">
-                    <a:spAutoFit/>
-                  </a:bodyPr>
-                  <a:lstStyle/>
-                  <a:p>
-                    <a:r>
-                      <a:rPr lang="de-DE" dirty="0">
-                        <a:solidFill>
-                          <a:schemeClr val="accent3">
-                            <a:lumMod val="50000"/>
-                          </a:schemeClr>
-                        </a:solidFill>
-                        <a:latin typeface="CMU Sans Serif" panose="02000603000000000000" pitchFamily="2" charset="0"/>
-                        <a:ea typeface="CMU Sans Serif" panose="02000603000000000000" pitchFamily="2" charset="0"/>
-                        <a:cs typeface="CMU Sans Serif" panose="02000603000000000000" pitchFamily="2" charset="0"/>
-                        <a:sym typeface="Wingdings" panose="05000000000000000000" pitchFamily="2" charset="2"/>
-                      </a:rPr>
-                      <a:t></a:t>
-                    </a:r>
-                    <a:endParaRPr lang="de-DE" dirty="0">
+                      <a:sym typeface="Wingdings" panose="05000000000000000000" pitchFamily="2" charset="2"/>
+                    </a:rPr>
+                    <a:t></a:t>
+                  </a:r>
+                  <a:endParaRPr lang="de-DE" dirty="0">
+                    <a:solidFill>
+                      <a:schemeClr val="bg1">
+                        <a:lumMod val="65000"/>
+                      </a:schemeClr>
+                    </a:solidFill>
+                    <a:latin typeface="CMU Sans Serif" panose="02000603000000000000" pitchFamily="2" charset="0"/>
+                    <a:ea typeface="CMU Sans Serif" panose="02000603000000000000" pitchFamily="2" charset="0"/>
+                    <a:cs typeface="CMU Sans Serif" panose="02000603000000000000" pitchFamily="2" charset="0"/>
+                  </a:endParaRPr>
+                </a:p>
+              </p:txBody>
+            </p:sp>
+            <p:sp>
+              <p:nvSpPr>
+                <p:cNvPr id="207" name="Textfeld 206">
+                  <a:extLst>
+                    <a:ext uri="{FF2B5EF4-FFF2-40B4-BE49-F238E27FC236}">
+                      <a16:creationId xmlns:a16="http://schemas.microsoft.com/office/drawing/2014/main" id="{2580104E-212E-4373-97A2-FF54B8DD61C0}"/>
+                    </a:ext>
+                  </a:extLst>
+                </p:cNvPr>
+                <p:cNvSpPr txBox="1"/>
+                <p:nvPr/>
+              </p:nvSpPr>
+              <p:spPr>
+                <a:xfrm>
+                  <a:off x="1193705" y="1093775"/>
+                  <a:ext cx="378630" cy="369332"/>
+                </a:xfrm>
+                <a:prstGeom prst="rect">
+                  <a:avLst/>
+                </a:prstGeom>
+                <a:noFill/>
+              </p:spPr>
+              <p:txBody>
+                <a:bodyPr wrap="none" rtlCol="0">
+                  <a:spAutoFit/>
+                </a:bodyPr>
+                <a:lstStyle/>
+                <a:p>
+                  <a:r>
+                    <a:rPr lang="de-DE" dirty="0">
                       <a:solidFill>
                         <a:schemeClr val="accent3">
                           <a:lumMod val="50000"/>
@@ -10373,503 +10220,521 @@
                       <a:latin typeface="CMU Sans Serif" panose="02000603000000000000" pitchFamily="2" charset="0"/>
                       <a:ea typeface="CMU Sans Serif" panose="02000603000000000000" pitchFamily="2" charset="0"/>
                       <a:cs typeface="CMU Sans Serif" panose="02000603000000000000" pitchFamily="2" charset="0"/>
-                    </a:endParaRPr>
-                  </a:p>
-                </p:txBody>
-              </p:sp>
-            </p:grpSp>
-          </p:grpSp>
-          <p:sp>
-            <p:nvSpPr>
-              <p:cNvPr id="189" name="Textfeld 188">
-                <a:extLst>
-                  <a:ext uri="{FF2B5EF4-FFF2-40B4-BE49-F238E27FC236}">
-                    <a16:creationId xmlns:a16="http://schemas.microsoft.com/office/drawing/2014/main" id="{839DA155-7943-43B8-AB47-B2736A1A8427}"/>
-                  </a:ext>
-                </a:extLst>
-              </p:cNvPr>
-              <p:cNvSpPr txBox="1"/>
-              <p:nvPr/>
-            </p:nvSpPr>
-            <p:spPr>
-              <a:xfrm>
-                <a:off x="3054642" y="1265298"/>
-                <a:ext cx="574196" cy="646331"/>
-              </a:xfrm>
-              <a:prstGeom prst="rect">
-                <a:avLst/>
-              </a:prstGeom>
-              <a:noFill/>
-            </p:spPr>
-            <p:txBody>
-              <a:bodyPr wrap="none" rtlCol="0">
-                <a:spAutoFit/>
-              </a:bodyPr>
-              <a:lstStyle/>
-              <a:p>
-                <a:r>
-                  <a:rPr lang="de-DE" sz="3600" dirty="0">
+                      <a:sym typeface="Wingdings" panose="05000000000000000000" pitchFamily="2" charset="2"/>
+                    </a:rPr>
+                    <a:t></a:t>
+                  </a:r>
+                  <a:endParaRPr lang="de-DE" dirty="0">
+                    <a:solidFill>
+                      <a:schemeClr val="accent3">
+                        <a:lumMod val="50000"/>
+                      </a:schemeClr>
+                    </a:solidFill>
                     <a:latin typeface="CMU Sans Serif" panose="02000603000000000000" pitchFamily="2" charset="0"/>
                     <a:ea typeface="CMU Sans Serif" panose="02000603000000000000" pitchFamily="2" charset="0"/>
                     <a:cs typeface="CMU Sans Serif" panose="02000603000000000000" pitchFamily="2" charset="0"/>
-                    <a:sym typeface="Wingdings" panose="05000000000000000000" pitchFamily="2" charset="2"/>
-                  </a:rPr>
-                  <a:t></a:t>
-                </a:r>
-                <a:endParaRPr lang="de-DE" sz="3600" dirty="0">
+                  </a:endParaRPr>
+                </a:p>
+              </p:txBody>
+            </p:sp>
+          </p:grpSp>
+        </p:grpSp>
+        <p:sp>
+          <p:nvSpPr>
+            <p:cNvPr id="189" name="Textfeld 188">
+              <a:extLst>
+                <a:ext uri="{FF2B5EF4-FFF2-40B4-BE49-F238E27FC236}">
+                  <a16:creationId xmlns:a16="http://schemas.microsoft.com/office/drawing/2014/main" id="{839DA155-7943-43B8-AB47-B2736A1A8427}"/>
+                </a:ext>
+              </a:extLst>
+            </p:cNvPr>
+            <p:cNvSpPr txBox="1"/>
+            <p:nvPr/>
+          </p:nvSpPr>
+          <p:spPr>
+            <a:xfrm>
+              <a:off x="3123127" y="4238330"/>
+              <a:ext cx="574196" cy="646331"/>
+            </a:xfrm>
+            <a:prstGeom prst="rect">
+              <a:avLst/>
+            </a:prstGeom>
+            <a:noFill/>
+          </p:spPr>
+          <p:txBody>
+            <a:bodyPr wrap="none" rtlCol="0">
+              <a:spAutoFit/>
+            </a:bodyPr>
+            <a:lstStyle/>
+            <a:p>
+              <a:r>
+                <a:rPr lang="de-DE" sz="3600" dirty="0">
                   <a:latin typeface="CMU Sans Serif" panose="02000603000000000000" pitchFamily="2" charset="0"/>
                   <a:ea typeface="CMU Sans Serif" panose="02000603000000000000" pitchFamily="2" charset="0"/>
                   <a:cs typeface="CMU Sans Serif" panose="02000603000000000000" pitchFamily="2" charset="0"/>
-                </a:endParaRPr>
-              </a:p>
-            </p:txBody>
-          </p:sp>
-          <p:sp>
-            <p:nvSpPr>
-              <p:cNvPr id="190" name="Textfeld 189">
-                <a:extLst>
-                  <a:ext uri="{FF2B5EF4-FFF2-40B4-BE49-F238E27FC236}">
-                    <a16:creationId xmlns:a16="http://schemas.microsoft.com/office/drawing/2014/main" id="{4C7F3EB9-22FE-4144-8588-51C80BD943B0}"/>
-                  </a:ext>
-                </a:extLst>
-              </p:cNvPr>
-              <p:cNvSpPr txBox="1"/>
-              <p:nvPr/>
-            </p:nvSpPr>
-            <p:spPr>
-              <a:xfrm>
-                <a:off x="3907926" y="1584556"/>
-                <a:ext cx="2747868" cy="307777"/>
-              </a:xfrm>
-              <a:prstGeom prst="rect">
-                <a:avLst/>
-              </a:prstGeom>
-              <a:noFill/>
-            </p:spPr>
-            <p:txBody>
-              <a:bodyPr wrap="none" rtlCol="0">
-                <a:spAutoFit/>
-              </a:bodyPr>
-              <a:lstStyle/>
-              <a:p>
-                <a:r>
-                  <a:rPr lang="de-DE" sz="1400" dirty="0">
+                  <a:sym typeface="Wingdings" panose="05000000000000000000" pitchFamily="2" charset="2"/>
+                </a:rPr>
+                <a:t></a:t>
+              </a:r>
+              <a:endParaRPr lang="de-DE" sz="3600" dirty="0">
+                <a:latin typeface="CMU Sans Serif" panose="02000603000000000000" pitchFamily="2" charset="0"/>
+                <a:ea typeface="CMU Sans Serif" panose="02000603000000000000" pitchFamily="2" charset="0"/>
+                <a:cs typeface="CMU Sans Serif" panose="02000603000000000000" pitchFamily="2" charset="0"/>
+              </a:endParaRPr>
+            </a:p>
+          </p:txBody>
+        </p:sp>
+        <p:sp>
+          <p:nvSpPr>
+            <p:cNvPr id="190" name="Textfeld 189">
+              <a:extLst>
+                <a:ext uri="{FF2B5EF4-FFF2-40B4-BE49-F238E27FC236}">
+                  <a16:creationId xmlns:a16="http://schemas.microsoft.com/office/drawing/2014/main" id="{4C7F3EB9-22FE-4144-8588-51C80BD943B0}"/>
+                </a:ext>
+              </a:extLst>
+            </p:cNvPr>
+            <p:cNvSpPr txBox="1"/>
+            <p:nvPr/>
+          </p:nvSpPr>
+          <p:spPr>
+            <a:xfrm>
+              <a:off x="4244765" y="4557588"/>
+              <a:ext cx="2238113" cy="307777"/>
+            </a:xfrm>
+            <a:prstGeom prst="rect">
+              <a:avLst/>
+            </a:prstGeom>
+            <a:noFill/>
+          </p:spPr>
+          <p:txBody>
+            <a:bodyPr wrap="none" rtlCol="0">
+              <a:spAutoFit/>
+            </a:bodyPr>
+            <a:lstStyle/>
+            <a:p>
+              <a:r>
+                <a:rPr lang="de-DE" sz="1400" dirty="0">
+                  <a:latin typeface="CMU Sans Serif" panose="02000603000000000000" pitchFamily="2" charset="0"/>
+                  <a:ea typeface="CMU Sans Serif" panose="02000603000000000000" pitchFamily="2" charset="0"/>
+                  <a:cs typeface="CMU Sans Serif" panose="02000603000000000000" pitchFamily="2" charset="0"/>
+                </a:rPr>
+                <a:t>Messung des BDI-II Wertes</a:t>
+              </a:r>
+            </a:p>
+          </p:txBody>
+        </p:sp>
+        <p:cxnSp>
+          <p:nvCxnSpPr>
+            <p:cNvPr id="191" name="Gerade Verbindung mit Pfeil 190">
+              <a:extLst>
+                <a:ext uri="{FF2B5EF4-FFF2-40B4-BE49-F238E27FC236}">
+                  <a16:creationId xmlns:a16="http://schemas.microsoft.com/office/drawing/2014/main" id="{1E50A4B8-60D5-46A0-B43C-8152ED4F48E6}"/>
+                </a:ext>
+              </a:extLst>
+            </p:cNvPr>
+            <p:cNvCxnSpPr>
+              <a:cxnSpLocks/>
+            </p:cNvCxnSpPr>
+            <p:nvPr/>
+          </p:nvCxnSpPr>
+          <p:spPr>
+            <a:xfrm>
+              <a:off x="3928866" y="4561495"/>
+              <a:ext cx="2787041" cy="0"/>
+            </a:xfrm>
+            <a:prstGeom prst="straightConnector1">
+              <a:avLst/>
+            </a:prstGeom>
+            <a:ln>
+              <a:solidFill>
+                <a:schemeClr val="tx1"/>
+              </a:solidFill>
+              <a:tailEnd type="triangle"/>
+            </a:ln>
+          </p:spPr>
+          <p:style>
+            <a:lnRef idx="1">
+              <a:schemeClr val="accent1"/>
+            </a:lnRef>
+            <a:fillRef idx="0">
+              <a:schemeClr val="accent1"/>
+            </a:fillRef>
+            <a:effectRef idx="0">
+              <a:schemeClr val="accent1"/>
+            </a:effectRef>
+            <a:fontRef idx="minor">
+              <a:schemeClr val="tx1"/>
+            </a:fontRef>
+          </p:style>
+        </p:cxnSp>
+        <mc:AlternateContent xmlns:mc="http://schemas.openxmlformats.org/markup-compatibility/2006">
+          <mc:Choice xmlns:a14="http://schemas.microsoft.com/office/drawing/2010/main" Requires="a14">
+            <p:sp>
+              <p:nvSpPr>
+                <p:cNvPr id="192" name="Textfeld 191">
+                  <a:extLst>
+                    <a:ext uri="{FF2B5EF4-FFF2-40B4-BE49-F238E27FC236}">
+                      <a16:creationId xmlns:a16="http://schemas.microsoft.com/office/drawing/2014/main" id="{613B39E3-A1B1-47CA-B34A-7C6633B38255}"/>
+                    </a:ext>
+                  </a:extLst>
+                </p:cNvPr>
+                <p:cNvSpPr txBox="1"/>
+                <p:nvPr/>
+              </p:nvSpPr>
+              <p:spPr>
+                <a:xfrm>
+                  <a:off x="5084172" y="4202300"/>
+                  <a:ext cx="403059" cy="400110"/>
+                </a:xfrm>
+                <a:prstGeom prst="rect">
+                  <a:avLst/>
+                </a:prstGeom>
+                <a:noFill/>
+              </p:spPr>
+              <p:txBody>
+                <a:bodyPr wrap="none" rtlCol="0">
+                  <a:spAutoFit/>
+                </a:bodyPr>
+                <a:lstStyle/>
+                <a:p>
+                  <a:pPr/>
+                  <a14:m>
+                    <m:oMathPara xmlns:m="http://schemas.openxmlformats.org/officeDocument/2006/math">
+                      <m:oMathParaPr>
+                        <m:jc m:val="centerGroup"/>
+                      </m:oMathParaPr>
+                      <m:oMath xmlns:m="http://schemas.openxmlformats.org/officeDocument/2006/math">
+                        <m:r>
+                          <a:rPr lang="de-DE" sz="2000" b="0" i="1" dirty="0" smtClean="0">
+                            <a:latin typeface="Cambria Math" panose="02040503050406030204" pitchFamily="18" charset="0"/>
+                          </a:rPr>
+                          <m:t>𝜉</m:t>
+                        </m:r>
+                      </m:oMath>
+                    </m:oMathPara>
+                  </a14:m>
+                  <a:endParaRPr lang="de-DE" sz="2000" dirty="0">
                     <a:latin typeface="CMU Sans Serif" panose="02000603000000000000" pitchFamily="2" charset="0"/>
                     <a:ea typeface="CMU Sans Serif" panose="02000603000000000000" pitchFamily="2" charset="0"/>
                     <a:cs typeface="CMU Sans Serif" panose="02000603000000000000" pitchFamily="2" charset="0"/>
-                  </a:rPr>
-                  <a:t>Messung des Intelligenzquotienten</a:t>
-                </a:r>
-              </a:p>
-            </p:txBody>
-          </p:sp>
-          <p:cxnSp>
-            <p:nvCxnSpPr>
-              <p:cNvPr id="191" name="Gerade Verbindung mit Pfeil 190">
-                <a:extLst>
-                  <a:ext uri="{FF2B5EF4-FFF2-40B4-BE49-F238E27FC236}">
-                    <a16:creationId xmlns:a16="http://schemas.microsoft.com/office/drawing/2014/main" id="{1E50A4B8-60D5-46A0-B43C-8152ED4F48E6}"/>
-                  </a:ext>
-                </a:extLst>
-              </p:cNvPr>
-              <p:cNvCxnSpPr>
-                <a:cxnSpLocks/>
-              </p:cNvCxnSpPr>
-              <p:nvPr/>
-            </p:nvCxnSpPr>
-            <p:spPr>
-              <a:xfrm>
-                <a:off x="3860381" y="1588463"/>
-                <a:ext cx="2787041" cy="0"/>
-              </a:xfrm>
-              <a:prstGeom prst="straightConnector1">
-                <a:avLst/>
-              </a:prstGeom>
-              <a:ln>
-                <a:solidFill>
-                  <a:schemeClr val="tx1"/>
-                </a:solidFill>
-                <a:tailEnd type="triangle"/>
-              </a:ln>
-            </p:spPr>
-            <p:style>
-              <a:lnRef idx="1">
-                <a:schemeClr val="accent1"/>
-              </a:lnRef>
-              <a:fillRef idx="0">
-                <a:schemeClr val="accent1"/>
-              </a:fillRef>
-              <a:effectRef idx="0">
-                <a:schemeClr val="accent1"/>
-              </a:effectRef>
-              <a:fontRef idx="minor">
+                  </a:endParaRPr>
+                </a:p>
+              </p:txBody>
+            </p:sp>
+          </mc:Choice>
+          <mc:Fallback>
+            <p:sp>
+              <p:nvSpPr>
+                <p:cNvPr id="192" name="Textfeld 191">
+                  <a:extLst>
+                    <a:ext uri="{FF2B5EF4-FFF2-40B4-BE49-F238E27FC236}">
+                      <a16:creationId xmlns:a16="http://schemas.microsoft.com/office/drawing/2014/main" id="{613B39E3-A1B1-47CA-B34A-7C6633B38255}"/>
+                    </a:ext>
+                  </a:extLst>
+                </p:cNvPr>
+                <p:cNvSpPr txBox="1">
+                  <a:spLocks noRot="1" noChangeAspect="1" noMove="1" noResize="1" noEditPoints="1" noAdjustHandles="1" noChangeArrowheads="1" noChangeShapeType="1" noTextEdit="1"/>
+                </p:cNvSpPr>
+                <p:nvPr/>
+              </p:nvSpPr>
+              <p:spPr>
+                <a:xfrm>
+                  <a:off x="5084172" y="4202300"/>
+                  <a:ext cx="403059" cy="400110"/>
+                </a:xfrm>
+                <a:prstGeom prst="rect">
+                  <a:avLst/>
+                </a:prstGeom>
+                <a:blipFill>
+                  <a:blip r:embed="rId23"/>
+                  <a:stretch>
+                    <a:fillRect b="-10606"/>
+                  </a:stretch>
+                </a:blipFill>
+              </p:spPr>
+              <p:txBody>
+                <a:bodyPr/>
+                <a:lstStyle/>
+                <a:p>
+                  <a:r>
+                    <a:rPr lang="de-DE">
+                      <a:noFill/>
+                    </a:rPr>
+                    <a:t> </a:t>
+                  </a:r>
+                </a:p>
+              </p:txBody>
+            </p:sp>
+          </mc:Fallback>
+        </mc:AlternateContent>
+        <p:cxnSp>
+          <p:nvCxnSpPr>
+            <p:cNvPr id="193" name="Gerade Verbindung mit Pfeil 192">
+              <a:extLst>
+                <a:ext uri="{FF2B5EF4-FFF2-40B4-BE49-F238E27FC236}">
+                  <a16:creationId xmlns:a16="http://schemas.microsoft.com/office/drawing/2014/main" id="{209B3457-5098-4145-A7F7-996CA6471412}"/>
+                </a:ext>
+              </a:extLst>
+            </p:cNvPr>
+            <p:cNvCxnSpPr>
+              <a:cxnSpLocks/>
+            </p:cNvCxnSpPr>
+            <p:nvPr/>
+          </p:nvCxnSpPr>
+          <p:spPr>
+            <a:xfrm>
+              <a:off x="2101981" y="4561495"/>
+              <a:ext cx="917522" cy="0"/>
+            </a:xfrm>
+            <a:prstGeom prst="straightConnector1">
+              <a:avLst/>
+            </a:prstGeom>
+            <a:ln>
+              <a:solidFill>
                 <a:schemeClr val="tx1"/>
-              </a:fontRef>
-            </p:style>
-          </p:cxnSp>
-          <mc:AlternateContent xmlns:mc="http://schemas.openxmlformats.org/markup-compatibility/2006">
-            <mc:Choice xmlns:a14="http://schemas.microsoft.com/office/drawing/2010/main" Requires="a14">
-              <p:sp>
-                <p:nvSpPr>
-                  <p:cNvPr id="192" name="Textfeld 191">
-                    <a:extLst>
-                      <a:ext uri="{FF2B5EF4-FFF2-40B4-BE49-F238E27FC236}">
-                        <a16:creationId xmlns:a16="http://schemas.microsoft.com/office/drawing/2014/main" id="{613B39E3-A1B1-47CA-B34A-7C6633B38255}"/>
-                      </a:ext>
-                    </a:extLst>
-                  </p:cNvPr>
-                  <p:cNvSpPr txBox="1"/>
-                  <p:nvPr/>
-                </p:nvSpPr>
-                <p:spPr>
-                  <a:xfrm>
-                    <a:off x="5015687" y="1229268"/>
-                    <a:ext cx="403059" cy="400110"/>
-                  </a:xfrm>
-                  <a:prstGeom prst="rect">
-                    <a:avLst/>
-                  </a:prstGeom>
-                  <a:noFill/>
-                </p:spPr>
-                <p:txBody>
-                  <a:bodyPr wrap="none" rtlCol="0">
-                    <a:spAutoFit/>
-                  </a:bodyPr>
-                  <a:lstStyle/>
-                  <a:p>
-                    <a:pPr/>
-                    <a14:m>
-                      <m:oMathPara xmlns:m="http://schemas.openxmlformats.org/officeDocument/2006/math">
-                        <m:oMathParaPr>
-                          <m:jc m:val="centerGroup"/>
-                        </m:oMathParaPr>
-                        <m:oMath xmlns:m="http://schemas.openxmlformats.org/officeDocument/2006/math">
-                          <m:r>
-                            <a:rPr lang="de-DE" sz="2000" b="0" i="1" dirty="0" smtClean="0">
-                              <a:latin typeface="Cambria Math" panose="02040503050406030204" pitchFamily="18" charset="0"/>
-                            </a:rPr>
-                            <m:t>𝜉</m:t>
-                          </m:r>
-                        </m:oMath>
-                      </m:oMathPara>
-                    </a14:m>
-                    <a:endParaRPr lang="de-DE" sz="2000" dirty="0">
-                      <a:latin typeface="CMU Sans Serif" panose="02000603000000000000" pitchFamily="2" charset="0"/>
-                      <a:ea typeface="CMU Sans Serif" panose="02000603000000000000" pitchFamily="2" charset="0"/>
-                      <a:cs typeface="CMU Sans Serif" panose="02000603000000000000" pitchFamily="2" charset="0"/>
-                    </a:endParaRPr>
-                  </a:p>
-                </p:txBody>
-              </p:sp>
-            </mc:Choice>
-            <mc:Fallback>
-              <p:sp>
-                <p:nvSpPr>
-                  <p:cNvPr id="192" name="Textfeld 191">
-                    <a:extLst>
-                      <a:ext uri="{FF2B5EF4-FFF2-40B4-BE49-F238E27FC236}">
-                        <a16:creationId xmlns:a16="http://schemas.microsoft.com/office/drawing/2014/main" id="{613B39E3-A1B1-47CA-B34A-7C6633B38255}"/>
-                      </a:ext>
-                    </a:extLst>
-                  </p:cNvPr>
-                  <p:cNvSpPr txBox="1">
-                    <a:spLocks noRot="1" noChangeAspect="1" noMove="1" noResize="1" noEditPoints="1" noAdjustHandles="1" noChangeArrowheads="1" noChangeShapeType="1" noTextEdit="1"/>
-                  </p:cNvSpPr>
-                  <p:nvPr/>
-                </p:nvSpPr>
-                <p:spPr>
-                  <a:xfrm>
-                    <a:off x="5015687" y="1229268"/>
-                    <a:ext cx="403059" cy="400110"/>
-                  </a:xfrm>
-                  <a:prstGeom prst="rect">
-                    <a:avLst/>
-                  </a:prstGeom>
-                  <a:blipFill>
-                    <a:blip r:embed="rId23"/>
-                    <a:stretch>
-                      <a:fillRect b="-10606"/>
-                    </a:stretch>
-                  </a:blipFill>
-                </p:spPr>
-                <p:txBody>
-                  <a:bodyPr/>
-                  <a:lstStyle/>
-                  <a:p>
-                    <a:r>
-                      <a:rPr lang="de-DE">
-                        <a:noFill/>
-                      </a:rPr>
-                      <a:t> </a:t>
-                    </a:r>
-                  </a:p>
-                </p:txBody>
-              </p:sp>
-            </mc:Fallback>
-          </mc:AlternateContent>
-          <p:cxnSp>
-            <p:nvCxnSpPr>
-              <p:cNvPr id="193" name="Gerade Verbindung mit Pfeil 192">
-                <a:extLst>
-                  <a:ext uri="{FF2B5EF4-FFF2-40B4-BE49-F238E27FC236}">
-                    <a16:creationId xmlns:a16="http://schemas.microsoft.com/office/drawing/2014/main" id="{209B3457-5098-4145-A7F7-996CA6471412}"/>
-                  </a:ext>
-                </a:extLst>
-              </p:cNvPr>
-              <p:cNvCxnSpPr>
-                <a:cxnSpLocks/>
-              </p:cNvCxnSpPr>
-              <p:nvPr/>
-            </p:nvCxnSpPr>
-            <p:spPr>
-              <a:xfrm>
-                <a:off x="2033496" y="1588463"/>
-                <a:ext cx="917522" cy="0"/>
-              </a:xfrm>
-              <a:prstGeom prst="straightConnector1">
-                <a:avLst/>
-              </a:prstGeom>
-              <a:ln>
-                <a:solidFill>
-                  <a:schemeClr val="tx1"/>
-                </a:solidFill>
-                <a:tailEnd type="triangle"/>
-              </a:ln>
-            </p:spPr>
-            <p:style>
-              <a:lnRef idx="1">
-                <a:schemeClr val="accent1"/>
-              </a:lnRef>
-              <a:fillRef idx="0">
-                <a:schemeClr val="accent1"/>
-              </a:fillRef>
-              <a:effectRef idx="0">
-                <a:schemeClr val="accent1"/>
-              </a:effectRef>
-              <a:fontRef idx="minor">
-                <a:schemeClr val="tx1"/>
-              </a:fontRef>
-            </p:style>
-          </p:cxnSp>
-          <mc:AlternateContent xmlns:mc="http://schemas.openxmlformats.org/markup-compatibility/2006" xmlns:a14="http://schemas.microsoft.com/office/drawing/2010/main">
-            <mc:Choice Requires="a14">
-              <p:sp>
-                <p:nvSpPr>
-                  <p:cNvPr id="194" name="Textfeld 193">
-                    <a:extLst>
-                      <a:ext uri="{FF2B5EF4-FFF2-40B4-BE49-F238E27FC236}">
-                        <a16:creationId xmlns:a16="http://schemas.microsoft.com/office/drawing/2014/main" id="{3A65E553-0BD5-43EE-92B3-2D70918E6FE3}"/>
-                      </a:ext>
-                    </a:extLst>
-                  </p:cNvPr>
-                  <p:cNvSpPr txBox="1"/>
-                  <p:nvPr/>
-                </p:nvSpPr>
-                <p:spPr>
-                  <a:xfrm>
-                    <a:off x="2154266" y="1211205"/>
-                    <a:ext cx="695383" cy="246221"/>
-                  </a:xfrm>
-                  <a:prstGeom prst="rect">
-                    <a:avLst/>
-                  </a:prstGeom>
-                  <a:noFill/>
-                </p:spPr>
-                <p:txBody>
-                  <a:bodyPr wrap="none" lIns="0" tIns="0" rIns="0" bIns="0" rtlCol="0">
-                    <a:spAutoFit/>
-                  </a:bodyPr>
-                  <a:lstStyle/>
-                  <a:p>
-                    <a:pPr/>
-                    <a14:m>
-                      <m:oMathPara xmlns:m="http://schemas.openxmlformats.org/officeDocument/2006/math">
-                        <m:oMathParaPr>
-                          <m:jc m:val="centerGroup"/>
-                        </m:oMathParaPr>
-                        <m:oMath xmlns:m="http://schemas.openxmlformats.org/officeDocument/2006/math">
-                          <m:r>
-                            <a:rPr lang="de-DE" sz="1600" i="1">
-                              <a:latin typeface="Cambria Math" panose="02040503050406030204" pitchFamily="18" charset="0"/>
-                            </a:rPr>
-                            <m:t>ℙ</m:t>
-                          </m:r>
-                          <m:r>
-                            <a:rPr lang="de-DE" sz="1600" i="1">
-                              <a:latin typeface="Cambria Math" panose="02040503050406030204" pitchFamily="18" charset="0"/>
-                            </a:rPr>
-                            <m:t>({</m:t>
-                          </m:r>
-                          <m:r>
-                            <a:rPr lang="de-DE" sz="1600" i="1">
-                              <a:latin typeface="Cambria Math" panose="02040503050406030204" pitchFamily="18" charset="0"/>
-                            </a:rPr>
-                            <m:t>𝜔</m:t>
-                          </m:r>
-                          <m:r>
-                            <a:rPr lang="de-DE" sz="1600" i="1">
-                              <a:latin typeface="Cambria Math" panose="02040503050406030204" pitchFamily="18" charset="0"/>
-                            </a:rPr>
-                            <m:t>})</m:t>
-                          </m:r>
-                        </m:oMath>
-                      </m:oMathPara>
-                    </a14:m>
-                    <a:endParaRPr lang="de-DE" sz="1600" dirty="0">
-                      <a:latin typeface="CMU Sans Serif" panose="02000603000000000000" pitchFamily="2" charset="0"/>
-                      <a:ea typeface="CMU Sans Serif" panose="02000603000000000000" pitchFamily="2" charset="0"/>
-                      <a:cs typeface="CMU Sans Serif" panose="02000603000000000000" pitchFamily="2" charset="0"/>
-                    </a:endParaRPr>
-                  </a:p>
-                </p:txBody>
-              </p:sp>
-            </mc:Choice>
-            <mc:Fallback xmlns="">
-              <p:sp>
-                <p:nvSpPr>
-                  <p:cNvPr id="194" name="Textfeld 193">
-                    <a:extLst>
-                      <a:ext uri="{FF2B5EF4-FFF2-40B4-BE49-F238E27FC236}">
-                        <a16:creationId xmlns:a16="http://schemas.microsoft.com/office/drawing/2014/main" id="{3A65E553-0BD5-43EE-92B3-2D70918E6FE3}"/>
-                      </a:ext>
-                    </a:extLst>
-                  </p:cNvPr>
-                  <p:cNvSpPr txBox="1">
-                    <a:spLocks noRot="1" noChangeAspect="1" noMove="1" noResize="1" noEditPoints="1" noAdjustHandles="1" noChangeArrowheads="1" noChangeShapeType="1" noTextEdit="1"/>
-                  </p:cNvSpPr>
-                  <p:nvPr/>
-                </p:nvSpPr>
-                <p:spPr>
-                  <a:xfrm>
-                    <a:off x="2154266" y="1211205"/>
-                    <a:ext cx="695383" cy="246221"/>
-                  </a:xfrm>
-                  <a:prstGeom prst="rect">
-                    <a:avLst/>
-                  </a:prstGeom>
-                  <a:blipFill>
-                    <a:blip r:embed="rId24"/>
-                    <a:stretch>
-                      <a:fillRect l="-5263" t="-4878" r="-7895" b="-26829"/>
-                    </a:stretch>
-                  </a:blipFill>
-                </p:spPr>
-                <p:txBody>
-                  <a:bodyPr/>
-                  <a:lstStyle/>
-                  <a:p>
-                    <a:r>
-                      <a:rPr lang="de-DE">
-                        <a:noFill/>
-                      </a:rPr>
-                      <a:t> </a:t>
-                    </a:r>
-                  </a:p>
-                </p:txBody>
-              </p:sp>
-            </mc:Fallback>
-          </mc:AlternateContent>
-          <mc:AlternateContent xmlns:mc="http://schemas.openxmlformats.org/markup-compatibility/2006" xmlns:a14="http://schemas.microsoft.com/office/drawing/2010/main">
-            <mc:Choice Requires="a14">
-              <p:sp>
-                <p:nvSpPr>
-                  <p:cNvPr id="195" name="Textfeld 194">
-                    <a:extLst>
-                      <a:ext uri="{FF2B5EF4-FFF2-40B4-BE49-F238E27FC236}">
-                        <a16:creationId xmlns:a16="http://schemas.microsoft.com/office/drawing/2014/main" id="{4F4AE5B4-11D4-4AE1-A7B1-B0644189E4C6}"/>
-                      </a:ext>
-                    </a:extLst>
-                  </p:cNvPr>
-                  <p:cNvSpPr txBox="1"/>
-                  <p:nvPr/>
-                </p:nvSpPr>
-                <p:spPr>
-                  <a:xfrm>
-                    <a:off x="6895442" y="1373020"/>
-                    <a:ext cx="745717" cy="430887"/>
-                  </a:xfrm>
-                  <a:prstGeom prst="rect">
-                    <a:avLst/>
-                  </a:prstGeom>
-                  <a:noFill/>
-                </p:spPr>
-                <p:txBody>
-                  <a:bodyPr wrap="none" rtlCol="0">
-                    <a:spAutoFit/>
-                  </a:bodyPr>
-                  <a:lstStyle/>
-                  <a:p>
-                    <a:pPr/>
-                    <a14:m>
-                      <m:oMathPara xmlns:m="http://schemas.openxmlformats.org/officeDocument/2006/math">
-                        <m:oMathParaPr>
-                          <m:jc m:val="centerGroup"/>
-                        </m:oMathParaPr>
-                        <m:oMath xmlns:m="http://schemas.openxmlformats.org/officeDocument/2006/math">
-                          <m:r>
-                            <a:rPr lang="de-DE" sz="2200" i="1" dirty="0">
-                              <a:latin typeface="Cambria Math" panose="02040503050406030204" pitchFamily="18" charset="0"/>
-                            </a:rPr>
-                            <m:t>142</m:t>
-                          </m:r>
-                        </m:oMath>
-                      </m:oMathPara>
-                    </a14:m>
-                    <a:endParaRPr lang="de-DE" sz="2200" dirty="0">
-                      <a:latin typeface="CMU Sans Serif" panose="02000603000000000000" pitchFamily="2" charset="0"/>
-                      <a:ea typeface="CMU Sans Serif" panose="02000603000000000000" pitchFamily="2" charset="0"/>
-                      <a:cs typeface="CMU Sans Serif" panose="02000603000000000000" pitchFamily="2" charset="0"/>
-                    </a:endParaRPr>
-                  </a:p>
-                </p:txBody>
-              </p:sp>
-            </mc:Choice>
-            <mc:Fallback xmlns="">
-              <p:sp>
-                <p:nvSpPr>
-                  <p:cNvPr id="195" name="Textfeld 194">
-                    <a:extLst>
-                      <a:ext uri="{FF2B5EF4-FFF2-40B4-BE49-F238E27FC236}">
-                        <a16:creationId xmlns:a16="http://schemas.microsoft.com/office/drawing/2014/main" id="{4F4AE5B4-11D4-4AE1-A7B1-B0644189E4C6}"/>
-                      </a:ext>
-                    </a:extLst>
-                  </p:cNvPr>
-                  <p:cNvSpPr txBox="1">
-                    <a:spLocks noRot="1" noChangeAspect="1" noMove="1" noResize="1" noEditPoints="1" noAdjustHandles="1" noChangeArrowheads="1" noChangeShapeType="1" noTextEdit="1"/>
-                  </p:cNvSpPr>
-                  <p:nvPr/>
-                </p:nvSpPr>
-                <p:spPr>
-                  <a:xfrm>
-                    <a:off x="6895442" y="1373020"/>
-                    <a:ext cx="745717" cy="430887"/>
-                  </a:xfrm>
-                  <a:prstGeom prst="rect">
-                    <a:avLst/>
-                  </a:prstGeom>
-                  <a:blipFill>
-                    <a:blip r:embed="rId25"/>
-                    <a:stretch>
-                      <a:fillRect/>
-                    </a:stretch>
-                  </a:blipFill>
-                </p:spPr>
-                <p:txBody>
-                  <a:bodyPr/>
-                  <a:lstStyle/>
-                  <a:p>
-                    <a:r>
-                      <a:rPr lang="de-DE">
-                        <a:noFill/>
-                      </a:rPr>
-                      <a:t> </a:t>
-                    </a:r>
-                  </a:p>
-                </p:txBody>
-              </p:sp>
-            </mc:Fallback>
-          </mc:AlternateContent>
-        </p:grpSp>
+              </a:solidFill>
+              <a:tailEnd type="triangle"/>
+            </a:ln>
+          </p:spPr>
+          <p:style>
+            <a:lnRef idx="1">
+              <a:schemeClr val="accent1"/>
+            </a:lnRef>
+            <a:fillRef idx="0">
+              <a:schemeClr val="accent1"/>
+            </a:fillRef>
+            <a:effectRef idx="0">
+              <a:schemeClr val="accent1"/>
+            </a:effectRef>
+            <a:fontRef idx="minor">
+              <a:schemeClr val="tx1"/>
+            </a:fontRef>
+          </p:style>
+        </p:cxnSp>
+        <mc:AlternateContent xmlns:mc="http://schemas.openxmlformats.org/markup-compatibility/2006">
+          <mc:Choice xmlns:a14="http://schemas.microsoft.com/office/drawing/2010/main" Requires="a14">
+            <p:sp>
+              <p:nvSpPr>
+                <p:cNvPr id="194" name="Textfeld 193">
+                  <a:extLst>
+                    <a:ext uri="{FF2B5EF4-FFF2-40B4-BE49-F238E27FC236}">
+                      <a16:creationId xmlns:a16="http://schemas.microsoft.com/office/drawing/2014/main" id="{3A65E553-0BD5-43EE-92B3-2D70918E6FE3}"/>
+                    </a:ext>
+                  </a:extLst>
+                </p:cNvPr>
+                <p:cNvSpPr txBox="1"/>
+                <p:nvPr/>
+              </p:nvSpPr>
+              <p:spPr>
+                <a:xfrm>
+                  <a:off x="2222751" y="4184237"/>
+                  <a:ext cx="695383" cy="246221"/>
+                </a:xfrm>
+                <a:prstGeom prst="rect">
+                  <a:avLst/>
+                </a:prstGeom>
+                <a:noFill/>
+              </p:spPr>
+              <p:txBody>
+                <a:bodyPr wrap="none" lIns="0" tIns="0" rIns="0" bIns="0" rtlCol="0">
+                  <a:spAutoFit/>
+                </a:bodyPr>
+                <a:lstStyle/>
+                <a:p>
+                  <a:pPr/>
+                  <a14:m>
+                    <m:oMathPara xmlns:m="http://schemas.openxmlformats.org/officeDocument/2006/math">
+                      <m:oMathParaPr>
+                        <m:jc m:val="centerGroup"/>
+                      </m:oMathParaPr>
+                      <m:oMath xmlns:m="http://schemas.openxmlformats.org/officeDocument/2006/math">
+                        <m:r>
+                          <a:rPr lang="de-DE" sz="1600" i="1">
+                            <a:latin typeface="Cambria Math" panose="02040503050406030204" pitchFamily="18" charset="0"/>
+                          </a:rPr>
+                          <m:t>ℙ</m:t>
+                        </m:r>
+                        <m:r>
+                          <a:rPr lang="de-DE" sz="1600" i="1">
+                            <a:latin typeface="Cambria Math" panose="02040503050406030204" pitchFamily="18" charset="0"/>
+                          </a:rPr>
+                          <m:t>({</m:t>
+                        </m:r>
+                        <m:r>
+                          <a:rPr lang="de-DE" sz="1600" i="1">
+                            <a:latin typeface="Cambria Math" panose="02040503050406030204" pitchFamily="18" charset="0"/>
+                          </a:rPr>
+                          <m:t>𝜔</m:t>
+                        </m:r>
+                        <m:r>
+                          <a:rPr lang="de-DE" sz="1600" i="1">
+                            <a:latin typeface="Cambria Math" panose="02040503050406030204" pitchFamily="18" charset="0"/>
+                          </a:rPr>
+                          <m:t>})</m:t>
+                        </m:r>
+                      </m:oMath>
+                    </m:oMathPara>
+                  </a14:m>
+                  <a:endParaRPr lang="de-DE" sz="1600" dirty="0">
+                    <a:latin typeface="CMU Sans Serif" panose="02000603000000000000" pitchFamily="2" charset="0"/>
+                    <a:ea typeface="CMU Sans Serif" panose="02000603000000000000" pitchFamily="2" charset="0"/>
+                    <a:cs typeface="CMU Sans Serif" panose="02000603000000000000" pitchFamily="2" charset="0"/>
+                  </a:endParaRPr>
+                </a:p>
+              </p:txBody>
+            </p:sp>
+          </mc:Choice>
+          <mc:Fallback>
+            <p:sp>
+              <p:nvSpPr>
+                <p:cNvPr id="194" name="Textfeld 193">
+                  <a:extLst>
+                    <a:ext uri="{FF2B5EF4-FFF2-40B4-BE49-F238E27FC236}">
+                      <a16:creationId xmlns:a16="http://schemas.microsoft.com/office/drawing/2014/main" id="{3A65E553-0BD5-43EE-92B3-2D70918E6FE3}"/>
+                    </a:ext>
+                  </a:extLst>
+                </p:cNvPr>
+                <p:cNvSpPr txBox="1">
+                  <a:spLocks noRot="1" noChangeAspect="1" noMove="1" noResize="1" noEditPoints="1" noAdjustHandles="1" noChangeArrowheads="1" noChangeShapeType="1" noTextEdit="1"/>
+                </p:cNvSpPr>
+                <p:nvPr/>
+              </p:nvSpPr>
+              <p:spPr>
+                <a:xfrm>
+                  <a:off x="2222751" y="4184237"/>
+                  <a:ext cx="695383" cy="246221"/>
+                </a:xfrm>
+                <a:prstGeom prst="rect">
+                  <a:avLst/>
+                </a:prstGeom>
+                <a:blipFill>
+                  <a:blip r:embed="rId24"/>
+                  <a:stretch>
+                    <a:fillRect l="-5263" t="-4878" r="-7895" b="-26829"/>
+                  </a:stretch>
+                </a:blipFill>
+              </p:spPr>
+              <p:txBody>
+                <a:bodyPr/>
+                <a:lstStyle/>
+                <a:p>
+                  <a:r>
+                    <a:rPr lang="de-DE">
+                      <a:noFill/>
+                    </a:rPr>
+                    <a:t> </a:t>
+                  </a:r>
+                </a:p>
+              </p:txBody>
+            </p:sp>
+          </mc:Fallback>
+        </mc:AlternateContent>
+        <mc:AlternateContent xmlns:mc="http://schemas.openxmlformats.org/markup-compatibility/2006">
+          <mc:Choice xmlns:a14="http://schemas.microsoft.com/office/drawing/2010/main" Requires="a14">
+            <p:sp>
+              <p:nvSpPr>
+                <p:cNvPr id="195" name="Textfeld 194">
+                  <a:extLst>
+                    <a:ext uri="{FF2B5EF4-FFF2-40B4-BE49-F238E27FC236}">
+                      <a16:creationId xmlns:a16="http://schemas.microsoft.com/office/drawing/2014/main" id="{4F4AE5B4-11D4-4AE1-A7B1-B0644189E4C6}"/>
+                    </a:ext>
+                  </a:extLst>
+                </p:cNvPr>
+                <p:cNvSpPr txBox="1"/>
+                <p:nvPr/>
+              </p:nvSpPr>
+              <p:spPr>
+                <a:xfrm>
+                  <a:off x="7046752" y="4346052"/>
+                  <a:ext cx="590225" cy="430887"/>
+                </a:xfrm>
+                <a:prstGeom prst="rect">
+                  <a:avLst/>
+                </a:prstGeom>
+                <a:noFill/>
+              </p:spPr>
+              <p:txBody>
+                <a:bodyPr wrap="none" rtlCol="0">
+                  <a:spAutoFit/>
+                </a:bodyPr>
+                <a:lstStyle/>
+                <a:p>
+                  <a:pPr/>
+                  <a14:m>
+                    <m:oMathPara xmlns:m="http://schemas.openxmlformats.org/officeDocument/2006/math">
+                      <m:oMathParaPr>
+                        <m:jc m:val="centerGroup"/>
+                      </m:oMathParaPr>
+                      <m:oMath xmlns:m="http://schemas.openxmlformats.org/officeDocument/2006/math">
+                        <m:r>
+                          <a:rPr lang="de-DE" sz="2200" i="1" dirty="0" smtClean="0">
+                            <a:latin typeface="Cambria Math" panose="02040503050406030204" pitchFamily="18" charset="0"/>
+                          </a:rPr>
+                          <m:t>4</m:t>
+                        </m:r>
+                        <m:r>
+                          <a:rPr lang="de-DE" sz="2200" b="0" i="1" dirty="0" smtClean="0">
+                            <a:latin typeface="Cambria Math" panose="02040503050406030204" pitchFamily="18" charset="0"/>
+                          </a:rPr>
+                          <m:t>3</m:t>
+                        </m:r>
+                      </m:oMath>
+                    </m:oMathPara>
+                  </a14:m>
+                  <a:endParaRPr lang="de-DE" sz="2200" dirty="0">
+                    <a:latin typeface="CMU Sans Serif" panose="02000603000000000000" pitchFamily="2" charset="0"/>
+                    <a:ea typeface="CMU Sans Serif" panose="02000603000000000000" pitchFamily="2" charset="0"/>
+                    <a:cs typeface="CMU Sans Serif" panose="02000603000000000000" pitchFamily="2" charset="0"/>
+                  </a:endParaRPr>
+                </a:p>
+              </p:txBody>
+            </p:sp>
+          </mc:Choice>
+          <mc:Fallback>
+            <p:sp>
+              <p:nvSpPr>
+                <p:cNvPr id="195" name="Textfeld 194">
+                  <a:extLst>
+                    <a:ext uri="{FF2B5EF4-FFF2-40B4-BE49-F238E27FC236}">
+                      <a16:creationId xmlns:a16="http://schemas.microsoft.com/office/drawing/2014/main" id="{4F4AE5B4-11D4-4AE1-A7B1-B0644189E4C6}"/>
+                    </a:ext>
+                  </a:extLst>
+                </p:cNvPr>
+                <p:cNvSpPr txBox="1">
+                  <a:spLocks noRot="1" noChangeAspect="1" noMove="1" noResize="1" noEditPoints="1" noAdjustHandles="1" noChangeArrowheads="1" noChangeShapeType="1" noTextEdit="1"/>
+                </p:cNvSpPr>
+                <p:nvPr/>
+              </p:nvSpPr>
+              <p:spPr>
+                <a:xfrm>
+                  <a:off x="7046752" y="4346052"/>
+                  <a:ext cx="590225" cy="430887"/>
+                </a:xfrm>
+                <a:prstGeom prst="rect">
+                  <a:avLst/>
+                </a:prstGeom>
+                <a:blipFill>
+                  <a:blip r:embed="rId25"/>
+                  <a:stretch>
+                    <a:fillRect/>
+                  </a:stretch>
+                </a:blipFill>
+              </p:spPr>
+              <p:txBody>
+                <a:bodyPr/>
+                <a:lstStyle/>
+                <a:p>
+                  <a:r>
+                    <a:rPr lang="de-DE">
+                      <a:noFill/>
+                    </a:rPr>
+                    <a:t> </a:t>
+                  </a:r>
+                </a:p>
+              </p:txBody>
+            </p:sp>
+          </mc:Fallback>
+        </mc:AlternateContent>
         <p:sp>
           <p:nvSpPr>
             <p:cNvPr id="187" name="Textfeld 186">
@@ -10884,7 +10749,7 @@
           </p:nvSpPr>
           <p:spPr>
             <a:xfrm>
-              <a:off x="513507" y="710364"/>
+              <a:off x="568740" y="3683396"/>
               <a:ext cx="1343638" cy="338554"/>
             </a:xfrm>
             <a:prstGeom prst="rect">
@@ -10909,103 +10774,103 @@
             </a:p>
           </p:txBody>
         </p:sp>
+        <mc:AlternateContent xmlns:mc="http://schemas.openxmlformats.org/markup-compatibility/2006">
+          <mc:Choice xmlns:a14="http://schemas.microsoft.com/office/drawing/2010/main" Requires="a14">
+            <p:sp>
+              <p:nvSpPr>
+                <p:cNvPr id="18" name="Textfeld 17">
+                  <a:extLst>
+                    <a:ext uri="{FF2B5EF4-FFF2-40B4-BE49-F238E27FC236}">
+                      <a16:creationId xmlns:a16="http://schemas.microsoft.com/office/drawing/2014/main" id="{FCDAEB79-C252-4864-96F9-47E87CEED173}"/>
+                    </a:ext>
+                  </a:extLst>
+                </p:cNvPr>
+                <p:cNvSpPr txBox="1"/>
+                <p:nvPr/>
+              </p:nvSpPr>
+              <p:spPr>
+                <a:xfrm>
+                  <a:off x="3629361" y="6573158"/>
+                  <a:ext cx="694101" cy="769441"/>
+                </a:xfrm>
+                <a:prstGeom prst="rect">
+                  <a:avLst/>
+                </a:prstGeom>
+                <a:noFill/>
+              </p:spPr>
+              <p:txBody>
+                <a:bodyPr wrap="none" lIns="0" tIns="0" rIns="0" bIns="0" rtlCol="0">
+                  <a:spAutoFit/>
+                </a:bodyPr>
+                <a:lstStyle/>
+                <a:p>
+                  <a:pPr/>
+                  <a14:m>
+                    <m:oMathPara xmlns:m="http://schemas.openxmlformats.org/officeDocument/2006/math">
+                      <m:oMathParaPr>
+                        <m:jc m:val="centerGroup"/>
+                      </m:oMathParaPr>
+                      <m:oMath xmlns:m="http://schemas.openxmlformats.org/officeDocument/2006/math">
+                        <m:r>
+                          <a:rPr lang="de-DE" sz="5000" i="1">
+                            <a:latin typeface="Cambria Math" panose="02040503050406030204" pitchFamily="18" charset="0"/>
+                          </a:rPr>
+                          <m:t>⋯</m:t>
+                        </m:r>
+                      </m:oMath>
+                    </m:oMathPara>
+                  </a14:m>
+                  <a:endParaRPr lang="de-DE" sz="5000" dirty="0"/>
+                </a:p>
+              </p:txBody>
+            </p:sp>
+          </mc:Choice>
+          <mc:Fallback>
+            <p:sp>
+              <p:nvSpPr>
+                <p:cNvPr id="18" name="Textfeld 17">
+                  <a:extLst>
+                    <a:ext uri="{FF2B5EF4-FFF2-40B4-BE49-F238E27FC236}">
+                      <a16:creationId xmlns:a16="http://schemas.microsoft.com/office/drawing/2014/main" id="{FCDAEB79-C252-4864-96F9-47E87CEED173}"/>
+                    </a:ext>
+                  </a:extLst>
+                </p:cNvPr>
+                <p:cNvSpPr txBox="1">
+                  <a:spLocks noRot="1" noChangeAspect="1" noMove="1" noResize="1" noEditPoints="1" noAdjustHandles="1" noChangeArrowheads="1" noChangeShapeType="1" noTextEdit="1"/>
+                </p:cNvSpPr>
+                <p:nvPr/>
+              </p:nvSpPr>
+              <p:spPr>
+                <a:xfrm>
+                  <a:off x="3629361" y="6573158"/>
+                  <a:ext cx="694101" cy="769441"/>
+                </a:xfrm>
+                <a:prstGeom prst="rect">
+                  <a:avLst/>
+                </a:prstGeom>
+                <a:blipFill>
+                  <a:blip r:embed="rId26"/>
+                  <a:stretch>
+                    <a:fillRect/>
+                  </a:stretch>
+                </a:blipFill>
+              </p:spPr>
+              <p:txBody>
+                <a:bodyPr/>
+                <a:lstStyle/>
+                <a:p>
+                  <a:r>
+                    <a:rPr lang="de-DE">
+                      <a:noFill/>
+                    </a:rPr>
+                    <a:t> </a:t>
+                  </a:r>
+                </a:p>
+              </p:txBody>
+            </p:sp>
+          </mc:Fallback>
+        </mc:AlternateContent>
       </p:grpSp>
-      <mc:AlternateContent xmlns:mc="http://schemas.openxmlformats.org/markup-compatibility/2006" xmlns:a14="http://schemas.microsoft.com/office/drawing/2010/main">
-        <mc:Choice Requires="a14">
-          <p:sp>
-            <p:nvSpPr>
-              <p:cNvPr id="18" name="Textfeld 17">
-                <a:extLst>
-                  <a:ext uri="{FF2B5EF4-FFF2-40B4-BE49-F238E27FC236}">
-                    <a16:creationId xmlns:a16="http://schemas.microsoft.com/office/drawing/2014/main" id="{FCDAEB79-C252-4864-96F9-47E87CEED173}"/>
-                  </a:ext>
-                </a:extLst>
-              </p:cNvPr>
-              <p:cNvSpPr txBox="1"/>
-              <p:nvPr/>
-            </p:nvSpPr>
-            <p:spPr>
-              <a:xfrm>
-                <a:off x="3629361" y="6652670"/>
-                <a:ext cx="694101" cy="769441"/>
-              </a:xfrm>
-              <a:prstGeom prst="rect">
-                <a:avLst/>
-              </a:prstGeom>
-              <a:noFill/>
-            </p:spPr>
-            <p:txBody>
-              <a:bodyPr wrap="none" lIns="0" tIns="0" rIns="0" bIns="0" rtlCol="0">
-                <a:spAutoFit/>
-              </a:bodyPr>
-              <a:lstStyle/>
-              <a:p>
-                <a:pPr/>
-                <a14:m>
-                  <m:oMathPara xmlns:m="http://schemas.openxmlformats.org/officeDocument/2006/math">
-                    <m:oMathParaPr>
-                      <m:jc m:val="centerGroup"/>
-                    </m:oMathParaPr>
-                    <m:oMath xmlns:m="http://schemas.openxmlformats.org/officeDocument/2006/math">
-                      <m:r>
-                        <a:rPr lang="de-DE" sz="5000" i="1">
-                          <a:latin typeface="Cambria Math" panose="02040503050406030204" pitchFamily="18" charset="0"/>
-                        </a:rPr>
-                        <m:t>⋯</m:t>
-                      </m:r>
-                    </m:oMath>
-                  </m:oMathPara>
-                </a14:m>
-                <a:endParaRPr lang="de-DE" sz="5000" dirty="0"/>
-              </a:p>
-            </p:txBody>
-          </p:sp>
-        </mc:Choice>
-        <mc:Fallback xmlns="">
-          <p:sp>
-            <p:nvSpPr>
-              <p:cNvPr id="18" name="Textfeld 17">
-                <a:extLst>
-                  <a:ext uri="{FF2B5EF4-FFF2-40B4-BE49-F238E27FC236}">
-                    <a16:creationId xmlns:a16="http://schemas.microsoft.com/office/drawing/2014/main" id="{FCDAEB79-C252-4864-96F9-47E87CEED173}"/>
-                  </a:ext>
-                </a:extLst>
-              </p:cNvPr>
-              <p:cNvSpPr txBox="1">
-                <a:spLocks noRot="1" noChangeAspect="1" noMove="1" noResize="1" noEditPoints="1" noAdjustHandles="1" noChangeArrowheads="1" noChangeShapeType="1" noTextEdit="1"/>
-              </p:cNvSpPr>
-              <p:nvPr/>
-            </p:nvSpPr>
-            <p:spPr>
-              <a:xfrm>
-                <a:off x="3629361" y="6652670"/>
-                <a:ext cx="694101" cy="769441"/>
-              </a:xfrm>
-              <a:prstGeom prst="rect">
-                <a:avLst/>
-              </a:prstGeom>
-              <a:blipFill>
-                <a:blip r:embed="rId26"/>
-                <a:stretch>
-                  <a:fillRect/>
-                </a:stretch>
-              </a:blipFill>
-            </p:spPr>
-            <p:txBody>
-              <a:bodyPr/>
-              <a:lstStyle/>
-              <a:p>
-                <a:r>
-                  <a:rPr lang="de-DE">
-                    <a:noFill/>
-                  </a:rPr>
-                  <a:t> </a:t>
-                </a:r>
-              </a:p>
-            </p:txBody>
-          </p:sp>
-        </mc:Fallback>
-      </mc:AlternateContent>
     </p:spTree>
     <p:extLst>
       <p:ext uri="{BB962C8B-B14F-4D97-AF65-F5344CB8AC3E}">
